--- a/handOver_generalReviewOf_LinkedMusicQueries2024-2025.pptx
+++ b/handOver_generalReviewOf_LinkedMusicQueries2024-2025.pptx
@@ -8,19 +8,23 @@
     <p:notesMasterId r:id="rId4"/>
   </p:notesMasterIdLst>
   <p:handoutMasterIdLst>
-    <p:handoutMasterId r:id="rId14"/>
+    <p:handoutMasterId r:id="rId18"/>
   </p:handoutMasterIdLst>
   <p:sldIdLst>
     <p:sldId id="256" r:id="rId3"/>
     <p:sldId id="257" r:id="rId5"/>
     <p:sldId id="258" r:id="rId6"/>
-    <p:sldId id="259" r:id="rId7"/>
-    <p:sldId id="260" r:id="rId8"/>
-    <p:sldId id="261" r:id="rId9"/>
-    <p:sldId id="262" r:id="rId10"/>
-    <p:sldId id="265" r:id="rId11"/>
-    <p:sldId id="266" r:id="rId12"/>
-    <p:sldId id="263" r:id="rId13"/>
+    <p:sldId id="271" r:id="rId7"/>
+    <p:sldId id="259" r:id="rId8"/>
+    <p:sldId id="260" r:id="rId9"/>
+    <p:sldId id="261" r:id="rId10"/>
+    <p:sldId id="262" r:id="rId11"/>
+    <p:sldId id="265" r:id="rId12"/>
+    <p:sldId id="266" r:id="rId13"/>
+    <p:sldId id="263" r:id="rId14"/>
+    <p:sldId id="268" r:id="rId15"/>
+    <p:sldId id="269" r:id="rId16"/>
+    <p:sldId id="270" r:id="rId17"/>
   </p:sldIdLst>
   <p:sldSz cx="12192000" cy="6858000"/>
   <p:notesSz cx="7103745" cy="10234295"/>
@@ -140,16 +144,26 @@
 
 <file path=ppt/commentAuthors.xml><?xml version="1.0" encoding="utf-8"?>
 <p:cmAuthorLst xmlns:a="http://schemas.openxmlformats.org/drawingml/2006/main" xmlns:r="http://schemas.openxmlformats.org/officeDocument/2006/relationships" xmlns:p="http://schemas.openxmlformats.org/presentationml/2006/main">
-  <p:cmAuthor id="1" name="caojunjun" initials="c" lastIdx="2" clrIdx="0"/>
+  <p:cmAuthor id="1" name="caojunjun" initials="c" lastIdx="6" clrIdx="0"/>
 </p:cmAuthorLst>
 </file>
 
 <file path=ppt/comments/comment1.xml><?xml version="1.0" encoding="utf-8"?>
 <p:cmLst xmlns:a="http://schemas.openxmlformats.org/drawingml/2006/main" xmlns:r="http://schemas.openxmlformats.org/officeDocument/2006/relationships" xmlns:p="http://schemas.openxmlformats.org/presentationml/2006/main">
   <p:cm authorId="1" dt="2025-05-13T11:59:26.200" idx="2">
-    <p:pos x="7042" y="1160"/>
+    <p:pos x="3188" y="1026"/>
     <p:text>see DDMAL Wiki:
 https://github.com/DDMAL/linkedmusic-datalake/wiki/How-to-Query-across-different-Databases(Different-RDF-Data-Source)</p:text>
+  </p:cm>
+  <p:cm authorId="1" dt="2025-05-21T17:04:15.691" idx="4">
+    <p:pos x="6139" y="2101"/>
+    <p:text>Use OWL &amp; shapes to realize Federal Queries</p:text>
+  </p:cm>
+  <p:cm authorId="1" dt="2025-05-21T17:11:09.520" idx="5">
+    <p:pos x="4380" y="3291"/>
+    <p:text>new challenge:
+(1) difficult for data reconciliation
+(2) difficult for schema-based NLQ2SPARQL</p:text>
   </p:cm>
 </p:cmLst>
 </file>
@@ -160,6 +174,17 @@
     <p:pos x="10" y="10"/>
     <p:text>What if we can obtain a ready-made“nominal” schema?
 --This is particularly suitable for LinkedMusic Project</p:text>
+  </p:cm>
+</p:cmLst>
+</file>
+
+<file path=ppt/comments/comment3.xml><?xml version="1.0" encoding="utf-8"?>
+<p:cmLst xmlns:a="http://schemas.openxmlformats.org/drawingml/2006/main" xmlns:r="http://schemas.openxmlformats.org/officeDocument/2006/relationships" xmlns:p="http://schemas.openxmlformats.org/presentationml/2006/main">
+  <p:cm authorId="1" dt="2025-05-21T20:44:06.855" idx="6">
+    <p:pos x="2173" y="3497"/>
+    <p:text>OP: When the property value is another node
+DP: When the property value is
+purely data such as literals, strings, integer,  dates...</p:text>
   </p:cm>
 </p:cmLst>
 </file>
@@ -736,6 +761,630 @@
               <a:rPr lang="zh-CN" altLang="en-US" smtClean="0"/>
             </a:fld>
             <a:endParaRPr lang="zh-CN" altLang="en-US"/>
+          </a:p>
+        </p:txBody>
+      </p:sp>
+    </p:spTree>
+  </p:cSld>
+  <p:clrMapOvr>
+    <a:masterClrMapping/>
+  </p:clrMapOvr>
+</p:notes>
+</file>
+
+<file path=ppt/notesSlides/notesSlide10.xml><?xml version="1.0" encoding="utf-8"?>
+<p:notes xmlns:a="http://schemas.openxmlformats.org/drawingml/2006/main" xmlns:r="http://schemas.openxmlformats.org/officeDocument/2006/relationships" xmlns:p="http://schemas.openxmlformats.org/presentationml/2006/main">
+  <p:cSld>
+    <p:spTree>
+      <p:nvGrpSpPr>
+        <p:cNvPr id="1" name=""/>
+        <p:cNvGrpSpPr/>
+        <p:nvPr/>
+      </p:nvGrpSpPr>
+      <p:grpSpPr/>
+      <p:sp>
+        <p:nvSpPr>
+          <p:cNvPr id="2" name="Slide Image Placeholder 1"/>
+          <p:cNvSpPr>
+            <a:spLocks noGrp="1"/>
+          </p:cNvSpPr>
+          <p:nvPr>
+            <p:ph type="sldImg" idx="2"/>
+          </p:nvPr>
+        </p:nvSpPr>
+        <p:spPr/>
+      </p:sp>
+      <p:sp>
+        <p:nvSpPr>
+          <p:cNvPr id="3" name="Text Placeholder 2"/>
+          <p:cNvSpPr>
+            <a:spLocks noGrp="1"/>
+          </p:cNvSpPr>
+          <p:nvPr>
+            <p:ph type="body" idx="3"/>
+          </p:nvPr>
+        </p:nvSpPr>
+        <p:spPr/>
+        <p:txBody>
+          <a:bodyPr/>
+          <a:p>
+            <a:endParaRPr lang="en-US"/>
+          </a:p>
+        </p:txBody>
+      </p:sp>
+    </p:spTree>
+  </p:cSld>
+  <p:clrMapOvr>
+    <a:masterClrMapping/>
+  </p:clrMapOvr>
+</p:notes>
+</file>
+
+<file path=ppt/notesSlides/notesSlide11.xml><?xml version="1.0" encoding="utf-8"?>
+<p:notes xmlns:a="http://schemas.openxmlformats.org/drawingml/2006/main" xmlns:r="http://schemas.openxmlformats.org/officeDocument/2006/relationships" xmlns:p="http://schemas.openxmlformats.org/presentationml/2006/main">
+  <p:cSld>
+    <p:spTree>
+      <p:nvGrpSpPr>
+        <p:cNvPr id="1" name=""/>
+        <p:cNvGrpSpPr/>
+        <p:nvPr/>
+      </p:nvGrpSpPr>
+      <p:grpSpPr/>
+      <p:sp>
+        <p:nvSpPr>
+          <p:cNvPr id="2" name="Slide Image Placeholder 1"/>
+          <p:cNvSpPr>
+            <a:spLocks noGrp="1"/>
+          </p:cNvSpPr>
+          <p:nvPr>
+            <p:ph type="sldImg" idx="2"/>
+          </p:nvPr>
+        </p:nvSpPr>
+        <p:spPr/>
+      </p:sp>
+      <p:sp>
+        <p:nvSpPr>
+          <p:cNvPr id="3" name="Text Placeholder 2"/>
+          <p:cNvSpPr>
+            <a:spLocks noGrp="1"/>
+          </p:cNvSpPr>
+          <p:nvPr>
+            <p:ph type="body" idx="3"/>
+          </p:nvPr>
+        </p:nvSpPr>
+        <p:spPr/>
+        <p:txBody>
+          <a:bodyPr/>
+          <a:p>
+            <a:endParaRPr lang="en-US"/>
+          </a:p>
+        </p:txBody>
+      </p:sp>
+    </p:spTree>
+  </p:cSld>
+  <p:clrMapOvr>
+    <a:masterClrMapping/>
+  </p:clrMapOvr>
+</p:notes>
+</file>
+
+<file path=ppt/notesSlides/notesSlide12.xml><?xml version="1.0" encoding="utf-8"?>
+<p:notes xmlns:a="http://schemas.openxmlformats.org/drawingml/2006/main" xmlns:r="http://schemas.openxmlformats.org/officeDocument/2006/relationships" xmlns:p="http://schemas.openxmlformats.org/presentationml/2006/main">
+  <p:cSld>
+    <p:spTree>
+      <p:nvGrpSpPr>
+        <p:cNvPr id="1" name=""/>
+        <p:cNvGrpSpPr/>
+        <p:nvPr/>
+      </p:nvGrpSpPr>
+      <p:grpSpPr/>
+      <p:sp>
+        <p:nvSpPr>
+          <p:cNvPr id="2" name="Slide Image Placeholder 1"/>
+          <p:cNvSpPr>
+            <a:spLocks noGrp="1"/>
+          </p:cNvSpPr>
+          <p:nvPr>
+            <p:ph type="sldImg" idx="2"/>
+          </p:nvPr>
+        </p:nvSpPr>
+        <p:spPr/>
+      </p:sp>
+      <p:sp>
+        <p:nvSpPr>
+          <p:cNvPr id="3" name="Text Placeholder 2"/>
+          <p:cNvSpPr>
+            <a:spLocks noGrp="1"/>
+          </p:cNvSpPr>
+          <p:nvPr>
+            <p:ph type="body" idx="3"/>
+          </p:nvPr>
+        </p:nvSpPr>
+        <p:spPr/>
+        <p:txBody>
+          <a:bodyPr/>
+          <a:p>
+            <a:endParaRPr lang="en-US"/>
+          </a:p>
+        </p:txBody>
+      </p:sp>
+    </p:spTree>
+  </p:cSld>
+  <p:clrMapOvr>
+    <a:masterClrMapping/>
+  </p:clrMapOvr>
+</p:notes>
+</file>
+
+<file path=ppt/notesSlides/notesSlide13.xml><?xml version="1.0" encoding="utf-8"?>
+<p:notes xmlns:a="http://schemas.openxmlformats.org/drawingml/2006/main" xmlns:r="http://schemas.openxmlformats.org/officeDocument/2006/relationships" xmlns:p="http://schemas.openxmlformats.org/presentationml/2006/main">
+  <p:cSld>
+    <p:spTree>
+      <p:nvGrpSpPr>
+        <p:cNvPr id="1" name=""/>
+        <p:cNvGrpSpPr/>
+        <p:nvPr/>
+      </p:nvGrpSpPr>
+      <p:grpSpPr/>
+      <p:sp>
+        <p:nvSpPr>
+          <p:cNvPr id="2" name="Slide Image Placeholder 1"/>
+          <p:cNvSpPr>
+            <a:spLocks noGrp="1"/>
+          </p:cNvSpPr>
+          <p:nvPr>
+            <p:ph type="sldImg" idx="2"/>
+          </p:nvPr>
+        </p:nvSpPr>
+        <p:spPr/>
+      </p:sp>
+      <p:sp>
+        <p:nvSpPr>
+          <p:cNvPr id="3" name="Text Placeholder 2"/>
+          <p:cNvSpPr>
+            <a:spLocks noGrp="1"/>
+          </p:cNvSpPr>
+          <p:nvPr>
+            <p:ph type="body" idx="3"/>
+          </p:nvPr>
+        </p:nvSpPr>
+        <p:spPr/>
+        <p:txBody>
+          <a:bodyPr/>
+          <a:p>
+            <a:endParaRPr lang="en-US"/>
+          </a:p>
+        </p:txBody>
+      </p:sp>
+    </p:spTree>
+  </p:cSld>
+  <p:clrMapOvr>
+    <a:masterClrMapping/>
+  </p:clrMapOvr>
+</p:notes>
+</file>
+
+<file path=ppt/notesSlides/notesSlide14.xml><?xml version="1.0" encoding="utf-8"?>
+<p:notes xmlns:a="http://schemas.openxmlformats.org/drawingml/2006/main" xmlns:r="http://schemas.openxmlformats.org/officeDocument/2006/relationships" xmlns:p="http://schemas.openxmlformats.org/presentationml/2006/main">
+  <p:cSld>
+    <p:spTree>
+      <p:nvGrpSpPr>
+        <p:cNvPr id="1" name=""/>
+        <p:cNvGrpSpPr/>
+        <p:nvPr/>
+      </p:nvGrpSpPr>
+      <p:grpSpPr/>
+      <p:sp>
+        <p:nvSpPr>
+          <p:cNvPr id="2" name="Slide Image Placeholder 1"/>
+          <p:cNvSpPr>
+            <a:spLocks noGrp="1"/>
+          </p:cNvSpPr>
+          <p:nvPr>
+            <p:ph type="sldImg" idx="2"/>
+          </p:nvPr>
+        </p:nvSpPr>
+        <p:spPr/>
+      </p:sp>
+      <p:sp>
+        <p:nvSpPr>
+          <p:cNvPr id="3" name="Text Placeholder 2"/>
+          <p:cNvSpPr>
+            <a:spLocks noGrp="1"/>
+          </p:cNvSpPr>
+          <p:nvPr>
+            <p:ph type="body" idx="3"/>
+          </p:nvPr>
+        </p:nvSpPr>
+        <p:spPr/>
+        <p:txBody>
+          <a:bodyPr/>
+          <a:p>
+            <a:endParaRPr lang="en-US"/>
+          </a:p>
+        </p:txBody>
+      </p:sp>
+    </p:spTree>
+  </p:cSld>
+  <p:clrMapOvr>
+    <a:masterClrMapping/>
+  </p:clrMapOvr>
+</p:notes>
+</file>
+
+<file path=ppt/notesSlides/notesSlide2.xml><?xml version="1.0" encoding="utf-8"?>
+<p:notes xmlns:a="http://schemas.openxmlformats.org/drawingml/2006/main" xmlns:r="http://schemas.openxmlformats.org/officeDocument/2006/relationships" xmlns:p="http://schemas.openxmlformats.org/presentationml/2006/main">
+  <p:cSld>
+    <p:spTree>
+      <p:nvGrpSpPr>
+        <p:cNvPr id="1" name=""/>
+        <p:cNvGrpSpPr/>
+        <p:nvPr/>
+      </p:nvGrpSpPr>
+      <p:grpSpPr/>
+      <p:sp>
+        <p:nvSpPr>
+          <p:cNvPr id="2" name="Slide Image Placeholder 1"/>
+          <p:cNvSpPr>
+            <a:spLocks noGrp="1"/>
+          </p:cNvSpPr>
+          <p:nvPr>
+            <p:ph type="sldImg" idx="2"/>
+          </p:nvPr>
+        </p:nvSpPr>
+        <p:spPr/>
+      </p:sp>
+      <p:sp>
+        <p:nvSpPr>
+          <p:cNvPr id="3" name="Text Placeholder 2"/>
+          <p:cNvSpPr>
+            <a:spLocks noGrp="1"/>
+          </p:cNvSpPr>
+          <p:nvPr>
+            <p:ph type="body" idx="3"/>
+          </p:nvPr>
+        </p:nvSpPr>
+        <p:spPr/>
+        <p:txBody>
+          <a:bodyPr/>
+          <a:p>
+            <a:endParaRPr lang="en-US"/>
+          </a:p>
+        </p:txBody>
+      </p:sp>
+    </p:spTree>
+  </p:cSld>
+  <p:clrMapOvr>
+    <a:masterClrMapping/>
+  </p:clrMapOvr>
+</p:notes>
+</file>
+
+<file path=ppt/notesSlides/notesSlide3.xml><?xml version="1.0" encoding="utf-8"?>
+<p:notes xmlns:a="http://schemas.openxmlformats.org/drawingml/2006/main" xmlns:r="http://schemas.openxmlformats.org/officeDocument/2006/relationships" xmlns:p="http://schemas.openxmlformats.org/presentationml/2006/main">
+  <p:cSld>
+    <p:spTree>
+      <p:nvGrpSpPr>
+        <p:cNvPr id="1" name=""/>
+        <p:cNvGrpSpPr/>
+        <p:nvPr/>
+      </p:nvGrpSpPr>
+      <p:grpSpPr/>
+      <p:sp>
+        <p:nvSpPr>
+          <p:cNvPr id="2" name="Slide Image Placeholder 1"/>
+          <p:cNvSpPr>
+            <a:spLocks noGrp="1"/>
+          </p:cNvSpPr>
+          <p:nvPr>
+            <p:ph type="sldImg" idx="2"/>
+          </p:nvPr>
+        </p:nvSpPr>
+        <p:spPr/>
+      </p:sp>
+      <p:sp>
+        <p:nvSpPr>
+          <p:cNvPr id="3" name="Text Placeholder 2"/>
+          <p:cNvSpPr>
+            <a:spLocks noGrp="1"/>
+          </p:cNvSpPr>
+          <p:nvPr>
+            <p:ph type="body" idx="3"/>
+          </p:nvPr>
+        </p:nvSpPr>
+        <p:spPr/>
+        <p:txBody>
+          <a:bodyPr/>
+          <a:p>
+            <a:endParaRPr lang="en-US"/>
+          </a:p>
+        </p:txBody>
+      </p:sp>
+    </p:spTree>
+  </p:cSld>
+  <p:clrMapOvr>
+    <a:masterClrMapping/>
+  </p:clrMapOvr>
+</p:notes>
+</file>
+
+<file path=ppt/notesSlides/notesSlide4.xml><?xml version="1.0" encoding="utf-8"?>
+<p:notes xmlns:a="http://schemas.openxmlformats.org/drawingml/2006/main" xmlns:r="http://schemas.openxmlformats.org/officeDocument/2006/relationships" xmlns:p="http://schemas.openxmlformats.org/presentationml/2006/main">
+  <p:cSld>
+    <p:spTree>
+      <p:nvGrpSpPr>
+        <p:cNvPr id="1" name=""/>
+        <p:cNvGrpSpPr/>
+        <p:nvPr/>
+      </p:nvGrpSpPr>
+      <p:grpSpPr/>
+      <p:sp>
+        <p:nvSpPr>
+          <p:cNvPr id="2" name="Slide Image Placeholder 1"/>
+          <p:cNvSpPr>
+            <a:spLocks noGrp="1"/>
+          </p:cNvSpPr>
+          <p:nvPr>
+            <p:ph type="sldImg" idx="2"/>
+          </p:nvPr>
+        </p:nvSpPr>
+        <p:spPr/>
+      </p:sp>
+      <p:sp>
+        <p:nvSpPr>
+          <p:cNvPr id="3" name="Text Placeholder 2"/>
+          <p:cNvSpPr>
+            <a:spLocks noGrp="1"/>
+          </p:cNvSpPr>
+          <p:nvPr>
+            <p:ph type="body" idx="3"/>
+          </p:nvPr>
+        </p:nvSpPr>
+        <p:spPr/>
+        <p:txBody>
+          <a:bodyPr/>
+          <a:p>
+            <a:endParaRPr lang="en-US"/>
+          </a:p>
+        </p:txBody>
+      </p:sp>
+    </p:spTree>
+  </p:cSld>
+  <p:clrMapOvr>
+    <a:masterClrMapping/>
+  </p:clrMapOvr>
+</p:notes>
+</file>
+
+<file path=ppt/notesSlides/notesSlide5.xml><?xml version="1.0" encoding="utf-8"?>
+<p:notes xmlns:a="http://schemas.openxmlformats.org/drawingml/2006/main" xmlns:r="http://schemas.openxmlformats.org/officeDocument/2006/relationships" xmlns:p="http://schemas.openxmlformats.org/presentationml/2006/main">
+  <p:cSld>
+    <p:spTree>
+      <p:nvGrpSpPr>
+        <p:cNvPr id="1" name=""/>
+        <p:cNvGrpSpPr/>
+        <p:nvPr/>
+      </p:nvGrpSpPr>
+      <p:grpSpPr/>
+      <p:sp>
+        <p:nvSpPr>
+          <p:cNvPr id="2" name="Slide Image Placeholder 1"/>
+          <p:cNvSpPr>
+            <a:spLocks noGrp="1"/>
+          </p:cNvSpPr>
+          <p:nvPr>
+            <p:ph type="sldImg" idx="2"/>
+          </p:nvPr>
+        </p:nvSpPr>
+        <p:spPr/>
+      </p:sp>
+      <p:sp>
+        <p:nvSpPr>
+          <p:cNvPr id="3" name="Text Placeholder 2"/>
+          <p:cNvSpPr>
+            <a:spLocks noGrp="1"/>
+          </p:cNvSpPr>
+          <p:nvPr>
+            <p:ph type="body" idx="3"/>
+          </p:nvPr>
+        </p:nvSpPr>
+        <p:spPr/>
+        <p:txBody>
+          <a:bodyPr/>
+          <a:p>
+            <a:endParaRPr lang="en-US"/>
+          </a:p>
+        </p:txBody>
+      </p:sp>
+    </p:spTree>
+  </p:cSld>
+  <p:clrMapOvr>
+    <a:masterClrMapping/>
+  </p:clrMapOvr>
+</p:notes>
+</file>
+
+<file path=ppt/notesSlides/notesSlide6.xml><?xml version="1.0" encoding="utf-8"?>
+<p:notes xmlns:a="http://schemas.openxmlformats.org/drawingml/2006/main" xmlns:r="http://schemas.openxmlformats.org/officeDocument/2006/relationships" xmlns:p="http://schemas.openxmlformats.org/presentationml/2006/main">
+  <p:cSld>
+    <p:spTree>
+      <p:nvGrpSpPr>
+        <p:cNvPr id="1" name=""/>
+        <p:cNvGrpSpPr/>
+        <p:nvPr/>
+      </p:nvGrpSpPr>
+      <p:grpSpPr/>
+      <p:sp>
+        <p:nvSpPr>
+          <p:cNvPr id="2" name="Slide Image Placeholder 1"/>
+          <p:cNvSpPr>
+            <a:spLocks noGrp="1"/>
+          </p:cNvSpPr>
+          <p:nvPr>
+            <p:ph type="sldImg" idx="2"/>
+          </p:nvPr>
+        </p:nvSpPr>
+        <p:spPr/>
+      </p:sp>
+      <p:sp>
+        <p:nvSpPr>
+          <p:cNvPr id="3" name="Text Placeholder 2"/>
+          <p:cNvSpPr>
+            <a:spLocks noGrp="1"/>
+          </p:cNvSpPr>
+          <p:nvPr>
+            <p:ph type="body" idx="3"/>
+          </p:nvPr>
+        </p:nvSpPr>
+        <p:spPr/>
+        <p:txBody>
+          <a:bodyPr/>
+          <a:p>
+            <a:endParaRPr lang="en-US"/>
+          </a:p>
+        </p:txBody>
+      </p:sp>
+    </p:spTree>
+  </p:cSld>
+  <p:clrMapOvr>
+    <a:masterClrMapping/>
+  </p:clrMapOvr>
+</p:notes>
+</file>
+
+<file path=ppt/notesSlides/notesSlide7.xml><?xml version="1.0" encoding="utf-8"?>
+<p:notes xmlns:a="http://schemas.openxmlformats.org/drawingml/2006/main" xmlns:r="http://schemas.openxmlformats.org/officeDocument/2006/relationships" xmlns:p="http://schemas.openxmlformats.org/presentationml/2006/main">
+  <p:cSld>
+    <p:spTree>
+      <p:nvGrpSpPr>
+        <p:cNvPr id="1" name=""/>
+        <p:cNvGrpSpPr/>
+        <p:nvPr/>
+      </p:nvGrpSpPr>
+      <p:grpSpPr/>
+      <p:sp>
+        <p:nvSpPr>
+          <p:cNvPr id="2" name="Slide Image Placeholder 1"/>
+          <p:cNvSpPr>
+            <a:spLocks noGrp="1"/>
+          </p:cNvSpPr>
+          <p:nvPr>
+            <p:ph type="sldImg" idx="2"/>
+          </p:nvPr>
+        </p:nvSpPr>
+        <p:spPr/>
+      </p:sp>
+      <p:sp>
+        <p:nvSpPr>
+          <p:cNvPr id="3" name="Text Placeholder 2"/>
+          <p:cNvSpPr>
+            <a:spLocks noGrp="1"/>
+          </p:cNvSpPr>
+          <p:nvPr>
+            <p:ph type="body" idx="3"/>
+          </p:nvPr>
+        </p:nvSpPr>
+        <p:spPr/>
+        <p:txBody>
+          <a:bodyPr/>
+          <a:p>
+            <a:endParaRPr lang="en-US"/>
+          </a:p>
+        </p:txBody>
+      </p:sp>
+    </p:spTree>
+  </p:cSld>
+  <p:clrMapOvr>
+    <a:masterClrMapping/>
+  </p:clrMapOvr>
+</p:notes>
+</file>
+
+<file path=ppt/notesSlides/notesSlide8.xml><?xml version="1.0" encoding="utf-8"?>
+<p:notes xmlns:a="http://schemas.openxmlformats.org/drawingml/2006/main" xmlns:r="http://schemas.openxmlformats.org/officeDocument/2006/relationships" xmlns:p="http://schemas.openxmlformats.org/presentationml/2006/main">
+  <p:cSld>
+    <p:spTree>
+      <p:nvGrpSpPr>
+        <p:cNvPr id="1" name=""/>
+        <p:cNvGrpSpPr/>
+        <p:nvPr/>
+      </p:nvGrpSpPr>
+      <p:grpSpPr/>
+      <p:sp>
+        <p:nvSpPr>
+          <p:cNvPr id="2" name="Slide Image Placeholder 1"/>
+          <p:cNvSpPr>
+            <a:spLocks noGrp="1"/>
+          </p:cNvSpPr>
+          <p:nvPr>
+            <p:ph type="sldImg" idx="2"/>
+          </p:nvPr>
+        </p:nvSpPr>
+        <p:spPr/>
+      </p:sp>
+      <p:sp>
+        <p:nvSpPr>
+          <p:cNvPr id="3" name="Text Placeholder 2"/>
+          <p:cNvSpPr>
+            <a:spLocks noGrp="1"/>
+          </p:cNvSpPr>
+          <p:nvPr>
+            <p:ph type="body" idx="3"/>
+          </p:nvPr>
+        </p:nvSpPr>
+        <p:spPr/>
+        <p:txBody>
+          <a:bodyPr/>
+          <a:p>
+            <a:endParaRPr lang="en-US"/>
+          </a:p>
+        </p:txBody>
+      </p:sp>
+    </p:spTree>
+  </p:cSld>
+  <p:clrMapOvr>
+    <a:masterClrMapping/>
+  </p:clrMapOvr>
+</p:notes>
+</file>
+
+<file path=ppt/notesSlides/notesSlide9.xml><?xml version="1.0" encoding="utf-8"?>
+<p:notes xmlns:a="http://schemas.openxmlformats.org/drawingml/2006/main" xmlns:r="http://schemas.openxmlformats.org/officeDocument/2006/relationships" xmlns:p="http://schemas.openxmlformats.org/presentationml/2006/main">
+  <p:cSld>
+    <p:spTree>
+      <p:nvGrpSpPr>
+        <p:cNvPr id="1" name=""/>
+        <p:cNvGrpSpPr/>
+        <p:nvPr/>
+      </p:nvGrpSpPr>
+      <p:grpSpPr/>
+      <p:sp>
+        <p:nvSpPr>
+          <p:cNvPr id="2" name="Slide Image Placeholder 1"/>
+          <p:cNvSpPr>
+            <a:spLocks noGrp="1"/>
+          </p:cNvSpPr>
+          <p:nvPr>
+            <p:ph type="sldImg" idx="2"/>
+          </p:nvPr>
+        </p:nvSpPr>
+        <p:spPr/>
+      </p:sp>
+      <p:sp>
+        <p:nvSpPr>
+          <p:cNvPr id="3" name="Text Placeholder 2"/>
+          <p:cNvSpPr>
+            <a:spLocks noGrp="1"/>
+          </p:cNvSpPr>
+          <p:nvPr>
+            <p:ph type="body" idx="3"/>
+          </p:nvPr>
+        </p:nvSpPr>
+        <p:spPr/>
+        <p:txBody>
+          <a:bodyPr/>
+          <a:p>
+            <a:endParaRPr lang="en-US"/>
           </a:p>
         </p:txBody>
       </p:sp>
@@ -3590,7 +4239,9 @@
         </p:nvSpPr>
         <p:spPr/>
         <p:txBody>
-          <a:bodyPr/>
+          <a:bodyPr>
+            <a:normAutofit fontScale="90000" lnSpcReduction="20000"/>
+          </a:bodyPr>
           <a:lstStyle/>
           <a:p>
             <a:r>
@@ -3598,6 +4249,22 @@
                 <a:latin typeface="+mn-lt"/>
               </a:rPr>
               <a:t>Review and Handover</a:t>
+            </a:r>
+            <a:endParaRPr lang="en-US" altLang="zh-CN" sz="4000" dirty="0">
+              <a:latin typeface="+mn-lt"/>
+            </a:endParaRPr>
+          </a:p>
+          <a:p>
+            <a:endParaRPr lang="en-US" altLang="zh-CN" sz="4000" dirty="0">
+              <a:latin typeface="+mn-lt"/>
+            </a:endParaRPr>
+          </a:p>
+          <a:p>
+            <a:r>
+              <a:rPr lang="en-US" altLang="zh-CN" sz="4000" dirty="0">
+                <a:latin typeface="+mn-lt"/>
+              </a:rPr>
+              <a:t>Junjun Cao</a:t>
             </a:r>
             <a:endParaRPr lang="en-US" altLang="zh-CN" sz="4000" dirty="0">
               <a:latin typeface="+mn-lt"/>
@@ -3638,6 +4305,256 @@
           <a:bodyPr/>
           <a:p>
             <a:r>
+              <a:rPr lang="en-US">
+                <a:sym typeface="+mn-ea"/>
+              </a:rPr>
+              <a:t>Advance</a:t>
+            </a:r>
+            <a:endParaRPr lang="en-US"/>
+          </a:p>
+        </p:txBody>
+      </p:sp>
+      <p:sp>
+        <p:nvSpPr>
+          <p:cNvPr id="3" name="Content Placeholder 2"/>
+          <p:cNvSpPr>
+            <a:spLocks noGrp="1"/>
+          </p:cNvSpPr>
+          <p:nvPr>
+            <p:ph idx="1"/>
+          </p:nvPr>
+        </p:nvSpPr>
+        <p:spPr/>
+        <p:txBody>
+          <a:bodyPr/>
+          <a:p>
+            <a:pPr>
+              <a:lnSpc>
+                <a:spcPct val="100000"/>
+              </a:lnSpc>
+            </a:pPr>
+            <a:r>
+              <a:rPr lang="en-US" sz="2800">
+                <a:sym typeface="+mn-ea"/>
+              </a:rPr>
+              <a:t>7* examples (storage)/ vector databases</a:t>
+            </a:r>
+            <a:endParaRPr lang="en-US" sz="2800">
+              <a:sym typeface="+mn-ea"/>
+            </a:endParaRPr>
+          </a:p>
+          <a:p>
+            <a:pPr lvl="1">
+              <a:lnSpc>
+                <a:spcPct val="100000"/>
+              </a:lnSpc>
+            </a:pPr>
+            <a:r>
+              <a:rPr lang="en-US" sz="2400">
+                <a:sym typeface="+mn-ea"/>
+              </a:rPr>
+              <a:t>e.g.: (1) embedded structure such as that </a:t>
+            </a:r>
+            <a:endParaRPr lang="en-US" sz="2400">
+              <a:sym typeface="+mn-ea"/>
+            </a:endParaRPr>
+          </a:p>
+          <a:p>
+            <a:pPr marL="457200" lvl="1" indent="0">
+              <a:lnSpc>
+                <a:spcPct val="100000"/>
+              </a:lnSpc>
+              <a:buNone/>
+            </a:pPr>
+            <a:r>
+              <a:rPr lang="en-US" sz="2400">
+                <a:sym typeface="+mn-ea"/>
+              </a:rPr>
+              <a:t>in RISM (2) special functions queries </a:t>
+            </a:r>
+            <a:endParaRPr lang="en-US" sz="2400">
+              <a:sym typeface="+mn-ea"/>
+            </a:endParaRPr>
+          </a:p>
+          <a:p>
+            <a:pPr marL="457200" lvl="1" indent="0">
+              <a:lnSpc>
+                <a:spcPct val="100000"/>
+              </a:lnSpc>
+              <a:buNone/>
+            </a:pPr>
+            <a:r>
+              <a:rPr lang="en-US" sz="2400">
+                <a:sym typeface="+mn-ea"/>
+              </a:rPr>
+              <a:t>(3) granularized </a:t>
+            </a:r>
+            <a:r>
+              <a:rPr lang="en-US" sz="2400">
+                <a:sym typeface="+mn-ea"/>
+              </a:rPr>
+              <a:t>questions</a:t>
+            </a:r>
+            <a:endParaRPr lang="en-US" sz="2400">
+              <a:sym typeface="+mn-ea"/>
+            </a:endParaRPr>
+          </a:p>
+          <a:p>
+            <a:pPr>
+              <a:lnSpc>
+                <a:spcPct val="100000"/>
+              </a:lnSpc>
+            </a:pPr>
+            <a:r>
+              <a:rPr lang="en-US" sz="2800">
+                <a:sym typeface="+mn-ea"/>
+              </a:rPr>
+              <a:t>8* SPARQL2NetworkAnalysis</a:t>
+            </a:r>
+            <a:endParaRPr lang="en-US" sz="2800"/>
+          </a:p>
+          <a:p>
+            <a:pPr lvl="1">
+              <a:lnSpc>
+                <a:spcPct val="100000"/>
+              </a:lnSpc>
+            </a:pPr>
+            <a:r>
+              <a:rPr lang="en-US">
+                <a:sym typeface="+mn-ea"/>
+              </a:rPr>
+              <a:t>(1) Obtain data for </a:t>
+            </a:r>
+            <a:r>
+              <a:rPr lang="en-US" u="sng">
+                <a:sym typeface="+mn-ea"/>
+              </a:rPr>
+              <a:t>heterogeneous network</a:t>
+            </a:r>
+            <a:endParaRPr lang="en-US" u="sng">
+              <a:sym typeface="+mn-ea"/>
+            </a:endParaRPr>
+          </a:p>
+          <a:p>
+            <a:pPr marL="457200" lvl="1" indent="0">
+              <a:lnSpc>
+                <a:spcPct val="100000"/>
+              </a:lnSpc>
+              <a:buNone/>
+            </a:pPr>
+            <a:r>
+              <a:rPr lang="en-US">
+                <a:sym typeface="+mn-ea"/>
+              </a:rPr>
+              <a:t> analysis: generating</a:t>
+            </a:r>
+            <a:r>
+              <a:rPr lang="zh-CN" altLang="en-US">
+                <a:sym typeface="+mn-ea"/>
+              </a:rPr>
+              <a:t>“</a:t>
+            </a:r>
+            <a:r>
+              <a:rPr lang="en-US">
+                <a:sym typeface="+mn-ea"/>
+              </a:rPr>
+              <a:t>typed edge list</a:t>
+            </a:r>
+            <a:r>
+              <a:rPr lang="zh-CN" altLang="en-US">
+                <a:sym typeface="+mn-ea"/>
+              </a:rPr>
+              <a:t>”</a:t>
+            </a:r>
+            <a:r>
+              <a:rPr lang="en-US">
+                <a:sym typeface="+mn-ea"/>
+              </a:rPr>
+              <a:t> data</a:t>
+            </a:r>
+            <a:endParaRPr lang="en-US"/>
+          </a:p>
+          <a:p>
+            <a:pPr lvl="1">
+              <a:lnSpc>
+                <a:spcPct val="100000"/>
+              </a:lnSpc>
+            </a:pPr>
+            <a:r>
+              <a:rPr lang="en-US">
+                <a:sym typeface="+mn-ea"/>
+              </a:rPr>
+              <a:t>(2) Visualization</a:t>
+            </a:r>
+            <a:endParaRPr lang="en-US"/>
+          </a:p>
+          <a:p>
+            <a:endParaRPr lang="en-US"/>
+          </a:p>
+        </p:txBody>
+      </p:sp>
+      <p:pic>
+        <p:nvPicPr>
+          <p:cNvPr id="11" name="Picture 11" descr="/Users/caojunjun/Library/Containers/com.kingsoft.wpsoffice.mac/Data/tmp/picturecompress_20250419223142/output_1.pngoutput_1"/>
+          <p:cNvPicPr>
+            <a:picLocks noChangeAspect="1"/>
+          </p:cNvPicPr>
+          <p:nvPr>
+            <p:custDataLst>
+              <p:tags r:id="rId1"/>
+            </p:custDataLst>
+          </p:nvPr>
+        </p:nvPicPr>
+        <p:blipFill>
+          <a:blip r:embed="rId2"/>
+          <a:srcRect l="3082" t="3217" r="29449" b="3990"/>
+          <a:stretch>
+            <a:fillRect/>
+          </a:stretch>
+        </p:blipFill>
+        <p:spPr>
+          <a:xfrm>
+            <a:off x="7708900" y="1584325"/>
+            <a:ext cx="3736975" cy="4671060"/>
+          </a:xfrm>
+          <a:prstGeom prst="rect">
+            <a:avLst/>
+          </a:prstGeom>
+        </p:spPr>
+      </p:pic>
+    </p:spTree>
+  </p:cSld>
+  <p:clrMapOvr>
+    <a:masterClrMapping/>
+  </p:clrMapOvr>
+</p:sld>
+</file>
+
+<file path=ppt/slides/slide11.xml><?xml version="1.0" encoding="utf-8"?>
+<p:sld xmlns:a="http://schemas.openxmlformats.org/drawingml/2006/main" xmlns:r="http://schemas.openxmlformats.org/officeDocument/2006/relationships" xmlns:p="http://schemas.openxmlformats.org/presentationml/2006/main">
+  <p:cSld>
+    <p:spTree>
+      <p:nvGrpSpPr>
+        <p:cNvPr id="1" name=""/>
+        <p:cNvGrpSpPr/>
+        <p:nvPr/>
+      </p:nvGrpSpPr>
+      <p:grpSpPr/>
+      <p:sp>
+        <p:nvSpPr>
+          <p:cNvPr id="2" name="Title 1"/>
+          <p:cNvSpPr>
+            <a:spLocks noGrp="1"/>
+          </p:cNvSpPr>
+          <p:nvPr>
+            <p:ph type="title"/>
+          </p:nvPr>
+        </p:nvSpPr>
+        <p:spPr/>
+        <p:txBody>
+          <a:bodyPr/>
+          <a:p>
+            <a:r>
               <a:rPr lang="en-US"/>
               <a:t>Advance</a:t>
             </a:r>
@@ -3658,19 +4575,46 @@
         <p:spPr/>
         <p:txBody>
           <a:bodyPr>
-            <a:normAutofit fontScale="90000" lnSpcReduction="10000"/>
+            <a:normAutofit/>
           </a:bodyPr>
           <a:p>
             <a:r>
               <a:rPr lang="en-US"/>
-              <a:t>Other NLQ examples beyond the scope of previous ... Agent Development</a:t>
-            </a:r>
-            <a:endParaRPr lang="en-US"/>
-          </a:p>
-          <a:p>
+              <a:t>Other NLQ examples beyond the scope of previous ... </a:t>
+            </a:r>
+            <a:r>
+              <a:rPr lang="en-US" b="1"/>
+              <a:t>Agent Development, </a:t>
+            </a:r>
+            <a:r>
+              <a:rPr lang="zh-CN" altLang="en-US" b="1"/>
+              <a:t>扣子</a:t>
+            </a:r>
+            <a:r>
+              <a:rPr lang="en-US" altLang="zh-CN" b="1"/>
+              <a:t> </a:t>
+            </a:r>
+            <a:r>
+              <a:rPr lang="en-US" altLang="zh-CN" sz="2000"/>
+              <a:t>(developed by ByteDance)</a:t>
+            </a:r>
+            <a:endParaRPr lang="en-US" sz="2000"/>
+          </a:p>
+          <a:p>
+            <a:pPr marL="0" indent="0">
+              <a:buNone/>
+            </a:pPr>
             <a:r>
               <a:rPr lang="en-US" altLang="zh-CN"/>
-              <a:t>--interaction</a:t>
+              <a:t>--</a:t>
+            </a:r>
+            <a:r>
+              <a:rPr lang="en-US" altLang="zh-CN" sz="2400"/>
+              <a:t>to faciliate </a:t>
+            </a:r>
+            <a:r>
+              <a:rPr lang="en-US" altLang="zh-CN" sz="2400"/>
+              <a:t>live interaction between users and LLMs</a:t>
             </a:r>
             <a:endParaRPr lang="en-US"/>
           </a:p>
@@ -3683,8 +4627,24 @@
           </a:p>
           <a:p>
             <a:r>
+              <a:rPr lang="en-US" b="1"/>
+              <a:t>VOID </a:t>
+            </a:r>
+            <a:r>
               <a:rPr lang="en-US"/>
-              <a:t>VOID</a:t>
+              <a:t>(Vocabulary of Interlinked Datasets)</a:t>
+            </a:r>
+            <a:r>
+              <a:rPr lang="zh-CN" altLang="en-US"/>
+              <a:t>：</a:t>
+            </a:r>
+            <a:endParaRPr lang="zh-CN" altLang="en-US"/>
+          </a:p>
+          <a:p>
+            <a:pPr lvl="1"/>
+            <a:r>
+              <a:rPr lang="en-US"/>
+              <a:t>https://github.com/DDMAL/void-generator</a:t>
             </a:r>
             <a:endParaRPr lang="en-US"/>
           </a:p>
@@ -3694,42 +4654,844 @@
               <a:t>Retrospection on</a:t>
             </a:r>
             <a:r>
-              <a:rPr lang="zh-CN" altLang="en-US"/>
-              <a:t>”</a:t>
-            </a:r>
-            <a:r>
               <a:rPr lang="en-US" altLang="zh-CN"/>
               <a:t>:</a:t>
             </a:r>
             <a:endParaRPr lang="en-US" altLang="zh-CN"/>
           </a:p>
           <a:p>
+            <a:pPr lvl="1"/>
             <a:r>
               <a:rPr lang="en-US"/>
-              <a:t>(1) Data Reconciliation and CSV/JSON/RDB2SPARQL</a:t>
+              <a:t>2 orientations for NLQ2SPARQL</a:t>
             </a:r>
             <a:endParaRPr lang="en-US"/>
           </a:p>
           <a:p>
+            <a:endParaRPr lang="en-US"/>
+          </a:p>
+        </p:txBody>
+      </p:sp>
+      <p:sp>
+        <p:nvSpPr>
+          <p:cNvPr id="4" name="Text Box 3"/>
+          <p:cNvSpPr txBox="1"/>
+          <p:nvPr/>
+        </p:nvSpPr>
+        <p:spPr>
+          <a:xfrm>
+            <a:off x="8667115" y="2312670"/>
+            <a:ext cx="3557270" cy="1753235"/>
+          </a:xfrm>
+          <a:prstGeom prst="rect">
+            <a:avLst/>
+          </a:prstGeom>
+          <a:noFill/>
+        </p:spPr>
+        <p:txBody>
+          <a:bodyPr wrap="square" rtlCol="0">
+            <a:spAutoFit/>
+          </a:bodyPr>
+          <a:p>
+            <a:r>
+              <a:rPr lang="en-US">
+                <a:solidFill>
+                  <a:schemeClr val="bg1">
+                    <a:lumMod val="85000"/>
+                  </a:schemeClr>
+                </a:solidFill>
+              </a:rPr>
+              <a:t>It's almost impossible to always generate the corect or expected SPARQL &lt;-          </a:t>
+            </a:r>
+            <a:r>
+              <a:rPr lang="en-US">
+                <a:solidFill>
+                  <a:schemeClr val="bg1"/>
+                </a:solidFill>
+              </a:rPr>
+              <a:t>*****************</a:t>
+            </a:r>
+            <a:r>
+              <a:rPr lang="en-US">
+                <a:solidFill>
+                  <a:schemeClr val="accent2">
+                    <a:lumMod val="40000"/>
+                    <a:lumOff val="60000"/>
+                  </a:schemeClr>
+                </a:solidFill>
+              </a:rPr>
+              <a:t>ambiguity of NLQ</a:t>
+            </a:r>
+            <a:r>
+              <a:rPr lang="en-US">
+                <a:solidFill>
+                  <a:schemeClr val="bg1">
+                    <a:lumMod val="85000"/>
+                  </a:schemeClr>
+                </a:solidFill>
+              </a:rPr>
+              <a:t> </a:t>
+            </a:r>
+            <a:endParaRPr lang="en-US">
+              <a:solidFill>
+                <a:schemeClr val="bg1">
+                  <a:lumMod val="85000"/>
+                </a:schemeClr>
+              </a:solidFill>
+            </a:endParaRPr>
+          </a:p>
+          <a:p>
+            <a:endParaRPr lang="en-US">
+              <a:solidFill>
+                <a:schemeClr val="bg1">
+                  <a:lumMod val="85000"/>
+                </a:schemeClr>
+              </a:solidFill>
+            </a:endParaRPr>
+          </a:p>
+          <a:p>
+            <a:r>
+              <a:rPr lang="en-US">
+                <a:solidFill>
+                  <a:schemeClr val="bg1">
+                    <a:lumMod val="85000"/>
+                  </a:schemeClr>
+                </a:solidFill>
+              </a:rPr>
+              <a:t>itself</a:t>
+            </a:r>
             <a:r>
               <a:rPr lang="en-US"/>
-              <a:t>(2) 2 directions for NLQ2SPARQL</a:t>
+              <a:t> </a:t>
             </a:r>
             <a:endParaRPr lang="en-US"/>
           </a:p>
+        </p:txBody>
+      </p:sp>
+    </p:spTree>
+  </p:cSld>
+  <p:clrMapOvr>
+    <a:masterClrMapping/>
+  </p:clrMapOvr>
+</p:sld>
+</file>
+
+<file path=ppt/slides/slide12.xml><?xml version="1.0" encoding="utf-8"?>
+<p:sld xmlns:a="http://schemas.openxmlformats.org/drawingml/2006/main" xmlns:r="http://schemas.openxmlformats.org/officeDocument/2006/relationships" xmlns:p="http://schemas.openxmlformats.org/presentationml/2006/main">
+  <p:cSld>
+    <p:spTree>
+      <p:nvGrpSpPr>
+        <p:cNvPr id="1" name=""/>
+        <p:cNvGrpSpPr/>
+        <p:nvPr/>
+      </p:nvGrpSpPr>
+      <p:grpSpPr/>
+      <p:sp>
+        <p:nvSpPr>
+          <p:cNvPr id="2" name="Title 1"/>
+          <p:cNvSpPr>
+            <a:spLocks noGrp="1"/>
+          </p:cNvSpPr>
+          <p:nvPr>
+            <p:ph type="title"/>
+          </p:nvPr>
+        </p:nvSpPr>
+        <p:spPr/>
+        <p:txBody>
+          <a:bodyPr/>
+          <a:p>
+            <a:r>
+              <a:rPr lang="en-US">
+                <a:sym typeface="+mn-ea"/>
+              </a:rPr>
+              <a:t>Advance</a:t>
+            </a:r>
+            <a:endParaRPr lang="en-US"/>
+          </a:p>
+        </p:txBody>
+      </p:sp>
+      <p:sp>
+        <p:nvSpPr>
+          <p:cNvPr id="3" name="Content Placeholder 2"/>
+          <p:cNvSpPr>
+            <a:spLocks noGrp="1"/>
+          </p:cNvSpPr>
+          <p:nvPr>
+            <p:ph idx="1"/>
+          </p:nvPr>
+        </p:nvSpPr>
+        <p:spPr/>
+        <p:txBody>
+          <a:bodyPr/>
+          <a:p>
+            <a:r>
+              <a:rPr lang="en-US">
+                <a:sym typeface="+mn-ea"/>
+              </a:rPr>
+              <a:t>Future Work:</a:t>
+            </a:r>
+            <a:endParaRPr lang="en-US"/>
+          </a:p>
+          <a:p>
+            <a:r>
+              <a:rPr lang="en-US">
+                <a:solidFill>
+                  <a:schemeClr val="accent2"/>
+                </a:solidFill>
+                <a:sym typeface="+mn-ea"/>
+              </a:rPr>
+              <a:t>Issue-B</a:t>
+            </a:r>
+            <a:r>
+              <a:rPr lang="en-US">
+                <a:sym typeface="+mn-ea"/>
+              </a:rPr>
+              <a:t>: How to extract ontologie</a:t>
+            </a:r>
+            <a:r>
+              <a:rPr lang="en-US">
+                <a:solidFill>
+                  <a:srgbClr val="C00000"/>
+                </a:solidFill>
+                <a:sym typeface="+mn-ea"/>
+              </a:rPr>
+              <a:t>s</a:t>
+            </a:r>
+            <a:r>
+              <a:rPr lang="en-US">
+                <a:sym typeface="+mn-ea"/>
+              </a:rPr>
+              <a:t> from... graph</a:t>
+            </a:r>
+            <a:r>
+              <a:rPr lang="en-US">
+                <a:solidFill>
+                  <a:srgbClr val="C00000"/>
+                </a:solidFill>
+                <a:sym typeface="+mn-ea"/>
+              </a:rPr>
+              <a:t>s</a:t>
+            </a:r>
+            <a:r>
+              <a:rPr lang="en-US">
+                <a:sym typeface="+mn-ea"/>
+              </a:rPr>
+              <a:t> in data lake?</a:t>
+            </a:r>
+            <a:endParaRPr lang="en-US"/>
+          </a:p>
           <a:p>
             <a:r>
               <a:rPr lang="en-US"/>
-              <a:t>Future Work:</a:t>
+              <a:t>(1) For CSV2RDF, e.g. TheSession, MusicBrainz...</a:t>
             </a:r>
             <a:endParaRPr lang="en-US"/>
           </a:p>
           <a:p>
+            <a:pPr lvl="1"/>
             <a:r>
               <a:rPr lang="en-US"/>
-              <a:t>How to generate ontologies from... graphs in data lake?</a:t>
+              <a:t>VOID </a:t>
+            </a:r>
+            <a:r>
+              <a:rPr lang="en-US"/>
+              <a:t>generator</a:t>
             </a:r>
             <a:endParaRPr lang="en-US"/>
+          </a:p>
+          <a:p>
+            <a:pPr lvl="1"/>
+            <a:r>
+              <a:rPr lang="en-US"/>
+              <a:t>e.g.: Generate the ontology for TheSession</a:t>
+            </a:r>
+            <a:endParaRPr lang="en-US"/>
+          </a:p>
+          <a:p>
+            <a:r>
+              <a:rPr lang="en-US"/>
+              <a:t>(2)</a:t>
+            </a:r>
+            <a:r>
+              <a:rPr lang="en-US">
+                <a:sym typeface="+mn-ea"/>
+              </a:rPr>
+              <a:t> For RDB2RDF, e.g. CantusDB, SimmsaDB...</a:t>
+            </a:r>
+            <a:endParaRPr lang="en-US">
+              <a:sym typeface="+mn-ea"/>
+            </a:endParaRPr>
+          </a:p>
+          <a:p>
+            <a:pPr lvl="1"/>
+            <a:r>
+              <a:rPr lang="en-US"/>
+              <a:t>The internal process of RDB2R</a:t>
+            </a:r>
+            <a:r>
+              <a:rPr lang="en-US">
+                <a:sym typeface="+mn-ea"/>
+              </a:rPr>
+              <a:t>D</a:t>
+            </a:r>
+            <a:r>
+              <a:rPr lang="en-US"/>
+              <a:t>F in Open Link </a:t>
+            </a:r>
+            <a:r>
+              <a:rPr lang="en-US"/>
+              <a:t>Virtuoso</a:t>
+            </a:r>
+            <a:endParaRPr lang="en-US"/>
+          </a:p>
+          <a:p>
+            <a:pPr lvl="1"/>
+            <a:r>
+              <a:rPr lang="en-US"/>
+              <a:t>e.g.: </a:t>
+            </a:r>
+            <a:r>
+              <a:rPr lang="en-US" sz="1800"/>
+              <a:t>https://github.com/DDMAL/linkedmusic-datalake/tree/main/doc/rdb2rdf</a:t>
+            </a:r>
+            <a:endParaRPr lang="en-US" sz="1800"/>
+          </a:p>
+        </p:txBody>
+      </p:sp>
+    </p:spTree>
+  </p:cSld>
+  <p:clrMapOvr>
+    <a:masterClrMapping/>
+  </p:clrMapOvr>
+</p:sld>
+</file>
+
+<file path=ppt/slides/slide13.xml><?xml version="1.0" encoding="utf-8"?>
+<p:sld xmlns:a="http://schemas.openxmlformats.org/drawingml/2006/main" xmlns:r="http://schemas.openxmlformats.org/officeDocument/2006/relationships" xmlns:p="http://schemas.openxmlformats.org/presentationml/2006/main">
+  <p:cSld>
+    <p:spTree>
+      <p:nvGrpSpPr>
+        <p:cNvPr id="1" name=""/>
+        <p:cNvGrpSpPr/>
+        <p:nvPr/>
+      </p:nvGrpSpPr>
+      <p:grpSpPr/>
+      <p:sp>
+        <p:nvSpPr>
+          <p:cNvPr id="2" name="Title 1"/>
+          <p:cNvSpPr>
+            <a:spLocks noGrp="1"/>
+          </p:cNvSpPr>
+          <p:nvPr>
+            <p:ph type="title"/>
+          </p:nvPr>
+        </p:nvSpPr>
+        <p:spPr>
+          <a:xfrm>
+            <a:off x="7693660" y="258445"/>
+            <a:ext cx="3469640" cy="1325880"/>
+          </a:xfrm>
+        </p:spPr>
+        <p:txBody>
+          <a:bodyPr/>
+          <a:p>
+            <a:r>
+              <a:rPr lang="en-US"/>
+              <a:t>Advance</a:t>
+            </a:r>
+            <a:endParaRPr lang="en-US"/>
+          </a:p>
+        </p:txBody>
+      </p:sp>
+      <p:pic>
+        <p:nvPicPr>
+          <p:cNvPr id="5" name="Picture 4"/>
+          <p:cNvPicPr>
+            <a:picLocks noChangeAspect="1"/>
+          </p:cNvPicPr>
+          <p:nvPr>
+            <p:custDataLst>
+              <p:tags r:id="rId1"/>
+            </p:custDataLst>
+          </p:nvPr>
+        </p:nvPicPr>
+        <p:blipFill>
+          <a:blip r:embed="rId2"/>
+          <a:stretch>
+            <a:fillRect/>
+          </a:stretch>
+        </p:blipFill>
+        <p:spPr>
+          <a:xfrm>
+            <a:off x="647700" y="0"/>
+            <a:ext cx="6858000" cy="6858000"/>
+          </a:xfrm>
+          <a:prstGeom prst="rect">
+            <a:avLst/>
+          </a:prstGeom>
+        </p:spPr>
+      </p:pic>
+      <p:sp>
+        <p:nvSpPr>
+          <p:cNvPr id="6" name="Content Placeholder 5"/>
+          <p:cNvSpPr/>
+          <p:nvPr>
+            <p:ph idx="1"/>
+          </p:nvPr>
+        </p:nvSpPr>
+        <p:spPr>
+          <a:xfrm>
+            <a:off x="7694295" y="1825625"/>
+            <a:ext cx="3469005" cy="4351655"/>
+          </a:xfrm>
+        </p:spPr>
+        <p:txBody>
+          <a:bodyPr>
+            <a:normAutofit lnSpcReduction="10000"/>
+          </a:bodyPr>
+          <a:p>
+            <a:pPr>
+              <a:lnSpc>
+                <a:spcPct val="100000"/>
+              </a:lnSpc>
+            </a:pPr>
+            <a:r>
+              <a:rPr lang="en-US" sz="2400">
+                <a:solidFill>
+                  <a:schemeClr val="tx1"/>
+                </a:solidFill>
+              </a:rPr>
+              <a:t>-&gt; TheOntologyFor TheSession</a:t>
+            </a:r>
+            <a:endParaRPr lang="en-US" sz="2400">
+              <a:solidFill>
+                <a:schemeClr val="tx1"/>
+              </a:solidFill>
+            </a:endParaRPr>
+          </a:p>
+          <a:p>
+            <a:pPr>
+              <a:lnSpc>
+                <a:spcPct val="100000"/>
+              </a:lnSpc>
+            </a:pPr>
+            <a:r>
+              <a:rPr lang="en-US" sz="2400">
+                <a:solidFill>
+                  <a:schemeClr val="accent1">
+                    <a:lumMod val="60000"/>
+                    <a:lumOff val="40000"/>
+                  </a:schemeClr>
+                </a:solidFill>
+              </a:rPr>
+              <a:t>unionOf</a:t>
+            </a:r>
+            <a:r>
+              <a:rPr lang="en-US" sz="2400"/>
+              <a:t> classes</a:t>
+            </a:r>
+            <a:endParaRPr lang="en-US" sz="2400"/>
+          </a:p>
+          <a:p>
+            <a:pPr lvl="1">
+              <a:lnSpc>
+                <a:spcPct val="100000"/>
+              </a:lnSpc>
+            </a:pPr>
+            <a:r>
+              <a:rPr lang="en-US" sz="2400">
+                <a:solidFill>
+                  <a:schemeClr val="accent1">
+                    <a:lumMod val="60000"/>
+                    <a:lumOff val="40000"/>
+                  </a:schemeClr>
+                </a:solidFill>
+              </a:rPr>
+              <a:t>light blue circles with </a:t>
+            </a:r>
+            <a:r>
+              <a:rPr lang="zh-CN" altLang="en-US" sz="2400">
+                <a:solidFill>
+                  <a:schemeClr val="accent1">
+                    <a:lumMod val="60000"/>
+                    <a:lumOff val="40000"/>
+                  </a:schemeClr>
+                </a:solidFill>
+              </a:rPr>
+              <a:t>“</a:t>
+            </a:r>
+            <a:r>
+              <a:rPr lang="en-US" altLang="zh-CN" sz="2400">
+                <a:solidFill>
+                  <a:schemeClr val="accent1">
+                    <a:lumMod val="60000"/>
+                    <a:lumOff val="40000"/>
+                  </a:schemeClr>
+                </a:solidFill>
+              </a:rPr>
+              <a:t>U</a:t>
+            </a:r>
+            <a:r>
+              <a:rPr lang="zh-CN" altLang="en-US" sz="2400">
+                <a:solidFill>
+                  <a:schemeClr val="accent1">
+                    <a:lumMod val="60000"/>
+                    <a:lumOff val="40000"/>
+                  </a:schemeClr>
+                </a:solidFill>
+              </a:rPr>
+              <a:t>”</a:t>
+            </a:r>
+            <a:endParaRPr lang="en-US" sz="2400">
+              <a:solidFill>
+                <a:schemeClr val="accent1">
+                  <a:lumMod val="60000"/>
+                  <a:lumOff val="40000"/>
+                </a:schemeClr>
+              </a:solidFill>
+            </a:endParaRPr>
+          </a:p>
+          <a:p>
+            <a:pPr>
+              <a:lnSpc>
+                <a:spcPct val="100000"/>
+              </a:lnSpc>
+            </a:pPr>
+            <a:r>
+              <a:rPr lang="en-US" sz="2400"/>
+              <a:t>owl:</a:t>
+            </a:r>
+            <a:r>
+              <a:rPr lang="en-US" sz="2400">
+                <a:solidFill>
+                  <a:schemeClr val="accent1">
+                    <a:lumMod val="75000"/>
+                  </a:schemeClr>
+                </a:solidFill>
+              </a:rPr>
+              <a:t>objectProperty</a:t>
+            </a:r>
+            <a:endParaRPr lang="en-US" sz="2400"/>
+          </a:p>
+          <a:p>
+            <a:pPr lvl="1">
+              <a:lnSpc>
+                <a:spcPct val="100000"/>
+              </a:lnSpc>
+            </a:pPr>
+            <a:r>
+              <a:rPr lang="en-US" sz="2400"/>
+              <a:t>between 2 nodes</a:t>
+            </a:r>
+            <a:endParaRPr lang="en-US" sz="2400"/>
+          </a:p>
+          <a:p>
+            <a:pPr>
+              <a:lnSpc>
+                <a:spcPct val="100000"/>
+              </a:lnSpc>
+            </a:pPr>
+            <a:r>
+              <a:rPr lang="en-US" sz="2400"/>
+              <a:t>owl:</a:t>
+            </a:r>
+            <a:r>
+              <a:rPr lang="en-US" sz="2400">
+                <a:solidFill>
+                  <a:schemeClr val="accent3">
+                    <a:lumMod val="60000"/>
+                    <a:lumOff val="40000"/>
+                  </a:schemeClr>
+                </a:solidFill>
+              </a:rPr>
+              <a:t>dataProperty</a:t>
+            </a:r>
+            <a:endParaRPr lang="en-US" sz="2400"/>
+          </a:p>
+          <a:p>
+            <a:pPr lvl="1">
+              <a:lnSpc>
+                <a:spcPct val="100000"/>
+              </a:lnSpc>
+            </a:pPr>
+            <a:r>
+              <a:rPr lang="en-US" sz="2400"/>
+              <a:t>yellow squares</a:t>
+            </a:r>
+            <a:endParaRPr lang="en-US" sz="2400"/>
+          </a:p>
+          <a:p>
+            <a:pPr lvl="0">
+              <a:lnSpc>
+                <a:spcPct val="100000"/>
+              </a:lnSpc>
+            </a:pPr>
+            <a:r>
+              <a:rPr lang="en-US" sz="2400"/>
+              <a:t>owl:</a:t>
+            </a:r>
+            <a:r>
+              <a:rPr lang="en-US" sz="2400">
+                <a:solidFill>
+                  <a:srgbClr val="C00000"/>
+                </a:solidFill>
+              </a:rPr>
+              <a:t>Thing</a:t>
+            </a:r>
+            <a:endParaRPr lang="en-US" sz="2400">
+              <a:solidFill>
+                <a:srgbClr val="C00000"/>
+              </a:solidFill>
+            </a:endParaRPr>
+          </a:p>
+        </p:txBody>
+      </p:sp>
+    </p:spTree>
+  </p:cSld>
+  <p:clrMapOvr>
+    <a:masterClrMapping/>
+  </p:clrMapOvr>
+</p:sld>
+</file>
+
+<file path=ppt/slides/slide14.xml><?xml version="1.0" encoding="utf-8"?>
+<p:sld xmlns:a="http://schemas.openxmlformats.org/drawingml/2006/main" xmlns:r="http://schemas.openxmlformats.org/officeDocument/2006/relationships" xmlns:p="http://schemas.openxmlformats.org/presentationml/2006/main">
+  <p:cSld>
+    <p:spTree>
+      <p:nvGrpSpPr>
+        <p:cNvPr id="1" name=""/>
+        <p:cNvGrpSpPr/>
+        <p:nvPr/>
+      </p:nvGrpSpPr>
+      <p:grpSpPr/>
+      <p:sp>
+        <p:nvSpPr>
+          <p:cNvPr id="2" name="Title 1"/>
+          <p:cNvSpPr>
+            <a:spLocks noGrp="1"/>
+          </p:cNvSpPr>
+          <p:nvPr>
+            <p:ph type="title"/>
+          </p:nvPr>
+        </p:nvSpPr>
+        <p:spPr/>
+        <p:txBody>
+          <a:bodyPr>
+            <a:normAutofit fontScale="90000"/>
+          </a:bodyPr>
+          <a:p>
+            <a:r>
+              <a:rPr lang="en-US"/>
+              <a:t>Addition/Reflection on Data Reconciliation and RDF Conversion</a:t>
+            </a:r>
+            <a:endParaRPr lang="en-US"/>
+          </a:p>
+        </p:txBody>
+      </p:sp>
+      <p:sp>
+        <p:nvSpPr>
+          <p:cNvPr id="3" name="Content Placeholder 2"/>
+          <p:cNvSpPr>
+            <a:spLocks noGrp="1"/>
+          </p:cNvSpPr>
+          <p:nvPr>
+            <p:ph idx="1"/>
+          </p:nvPr>
+        </p:nvSpPr>
+        <p:spPr/>
+        <p:txBody>
+          <a:bodyPr>
+            <a:normAutofit fontScale="90000" lnSpcReduction="20000"/>
+          </a:bodyPr>
+          <a:p>
+            <a:pPr>
+              <a:lnSpc>
+                <a:spcPct val="100000"/>
+              </a:lnSpc>
+            </a:pPr>
+            <a:r>
+              <a:rPr lang="en-US"/>
+              <a:t>Different scenarios and ways of None-graph-DBs to RDF</a:t>
+            </a:r>
+            <a:endParaRPr lang="en-US"/>
+          </a:p>
+          <a:p>
+            <a:pPr lvl="1">
+              <a:lnSpc>
+                <a:spcPct val="100000"/>
+              </a:lnSpc>
+            </a:pPr>
+            <a:r>
+              <a:rPr lang="en-US" sz="2220"/>
+              <a:t>https://github.com/DDMAL/linkedmusic-datalake/tree/main/doc/</a:t>
+            </a:r>
+            <a:r>
+              <a:rPr lang="en-US" sz="2220">
+                <a:solidFill>
+                  <a:schemeClr val="accent4"/>
+                </a:solidFill>
+              </a:rPr>
+              <a:t>CSV2RDFInVirtuoso</a:t>
+            </a:r>
+            <a:endParaRPr lang="en-US" sz="2220"/>
+          </a:p>
+          <a:p>
+            <a:pPr>
+              <a:lnSpc>
+                <a:spcPct val="100000"/>
+              </a:lnSpc>
+            </a:pPr>
+            <a:r>
+              <a:rPr lang="en-US"/>
+              <a:t>A summary of </a:t>
+            </a:r>
+            <a:r>
+              <a:rPr lang="en-US"/>
+              <a:t>data reconciliations: </a:t>
+            </a:r>
+            <a:endParaRPr lang="en-US"/>
+          </a:p>
+          <a:p>
+            <a:pPr lvl="1">
+              <a:lnSpc>
+                <a:spcPct val="100000"/>
+              </a:lnSpc>
+            </a:pPr>
+            <a:r>
+              <a:rPr lang="en-US">
+                <a:hlinkClick r:id="rId1" tooltip="" action="ppaction://hlinkfile"/>
+              </a:rPr>
+              <a:t>Guidelines or suggestions for data reconciliation (updated from time to time; collecting advice from everyone)</a:t>
+            </a:r>
+            <a:endParaRPr lang="en-US"/>
+          </a:p>
+          <a:p>
+            <a:pPr>
+              <a:lnSpc>
+                <a:spcPct val="100000"/>
+              </a:lnSpc>
+            </a:pPr>
+            <a:r>
+              <a:rPr lang="en-US"/>
+              <a:t>Logs &amp; Archives for reconciliations: (1)Properties in ...</a:t>
+            </a:r>
+            <a:r>
+              <a:rPr lang="en-US">
+                <a:solidFill>
+                  <a:schemeClr val="accent4"/>
+                </a:solidFill>
+                <a:hlinkClick r:id="rId2" tooltip="" action="ppaction://hlinkfile"/>
+              </a:rPr>
+              <a:t>mapping.json file</a:t>
+            </a:r>
+            <a:r>
+              <a:rPr lang="en-US"/>
+              <a:t> (2) </a:t>
+            </a:r>
+            <a:r>
+              <a:rPr lang="en-US">
+                <a:hlinkClick r:id="rId3" tooltip="" action="ppaction://hlinkfile"/>
+              </a:rPr>
+              <a:t>Archived Excels</a:t>
+            </a:r>
+            <a:endParaRPr lang="en-US"/>
+          </a:p>
+          <a:p>
+            <a:pPr>
+              <a:lnSpc>
+                <a:spcPct val="100000"/>
+              </a:lnSpc>
+            </a:pPr>
+            <a:r>
+              <a:rPr lang="en-US"/>
+              <a:t>The co-existence of unreconciled data and reconciled data</a:t>
+            </a:r>
+            <a:endParaRPr lang="en-US"/>
+          </a:p>
+          <a:p>
+            <a:pPr>
+              <a:lnSpc>
+                <a:spcPct val="100000"/>
+              </a:lnSpc>
+            </a:pPr>
+            <a:r>
+              <a:rPr lang="en-US">
+                <a:hlinkClick r:id="rId4" tooltip="" action="ppaction://hlinkfile"/>
+              </a:rPr>
+              <a:t>To what extent will the reconciliation be conducted?</a:t>
+            </a:r>
+            <a:r>
+              <a:rPr lang="en-US"/>
+              <a:t> -&gt; for queries</a:t>
+            </a:r>
+            <a:endParaRPr lang="en-US"/>
+          </a:p>
+          <a:p>
+            <a:pPr lvl="1">
+              <a:lnSpc>
+                <a:spcPct val="100000"/>
+              </a:lnSpc>
+            </a:pPr>
+            <a:r>
+              <a:rPr lang="en-US"/>
+              <a:t>preparation for ontology; balance between OP and DP </a:t>
+            </a:r>
+            <a:endParaRPr lang="en-US"/>
+          </a:p>
+          <a:p>
+            <a:pPr>
+              <a:lnSpc>
+                <a:spcPct val="100000"/>
+              </a:lnSpc>
+            </a:pPr>
+            <a:r>
+              <a:rPr lang="en-US">
+                <a:hlinkClick r:id="rId5" tooltip="" action="ppaction://hlinkfile"/>
+              </a:rPr>
+              <a:t>Blank nodes and Named Graph</a:t>
+            </a:r>
+            <a:endParaRPr lang="en-US"/>
+          </a:p>
+        </p:txBody>
+      </p:sp>
+      <p:sp>
+        <p:nvSpPr>
+          <p:cNvPr id="4" name="Text Box 3"/>
+          <p:cNvSpPr txBox="1"/>
+          <p:nvPr/>
+        </p:nvSpPr>
+        <p:spPr>
+          <a:xfrm>
+            <a:off x="9119870" y="1847215"/>
+            <a:ext cx="4064000" cy="368300"/>
+          </a:xfrm>
+          <a:prstGeom prst="rect">
+            <a:avLst/>
+          </a:prstGeom>
+          <a:noFill/>
+        </p:spPr>
+        <p:txBody>
+          <a:bodyPr wrap="square" rtlCol="0">
+            <a:spAutoFit/>
+          </a:bodyPr>
+          <a:p>
+            <a:r>
+              <a:rPr lang="en-US">
+                <a:solidFill>
+                  <a:schemeClr val="bg1">
+                    <a:lumMod val="85000"/>
+                  </a:schemeClr>
+                </a:solidFill>
+              </a:rPr>
+              <a:t>Bulk Loader</a:t>
+            </a:r>
+            <a:endParaRPr lang="en-US">
+              <a:solidFill>
+                <a:schemeClr val="bg1">
+                  <a:lumMod val="85000"/>
+                </a:schemeClr>
+              </a:solidFill>
+            </a:endParaRPr>
           </a:p>
         </p:txBody>
       </p:sp>
@@ -3785,13 +5547,45 @@
         </p:nvSpPr>
         <p:spPr/>
         <p:txBody>
-          <a:bodyPr/>
+          <a:bodyPr>
+            <a:normAutofit lnSpcReduction="10000"/>
+          </a:bodyPr>
           <a:p>
             <a:r>
               <a:rPr lang="en-US"/>
-              <a:t>SPARQL-linked data query</a:t>
-            </a:r>
-            <a:endParaRPr lang="en-US"/>
+              <a:t>SPARQL-linked data query </a:t>
+            </a:r>
+            <a:r>
+              <a:rPr lang="en-US" sz="2000">
+                <a:solidFill>
+                  <a:schemeClr val="bg1">
+                    <a:lumMod val="65000"/>
+                  </a:schemeClr>
+                </a:solidFill>
+              </a:rPr>
+              <a:t>&lt;- Subject+Predicate+Object</a:t>
+            </a:r>
+            <a:r>
+              <a:rPr lang="zh-CN" altLang="en-US" sz="2000">
+                <a:solidFill>
+                  <a:schemeClr val="bg1">
+                    <a:lumMod val="65000"/>
+                  </a:schemeClr>
+                </a:solidFill>
+              </a:rPr>
+              <a:t>’</a:t>
+            </a:r>
+            <a:r>
+              <a:rPr lang="en-US" altLang="zh-CN" sz="2000">
+                <a:solidFill>
+                  <a:schemeClr val="bg1">
+                    <a:lumMod val="65000"/>
+                  </a:schemeClr>
+                </a:solidFill>
+              </a:rPr>
+              <a:t>s triples</a:t>
+            </a:r>
+            <a:endParaRPr lang="en-US" sz="2000"/>
           </a:p>
           <a:p>
             <a:r>
@@ -3803,34 +5597,59 @@
           <a:p>
             <a:r>
               <a:rPr lang="en-US">
-                <a:hlinkClick r:id="rId1" tooltip="" action="ppaction://hlinkfile"/>
+                <a:hlinkClick r:id="rId1" action="ppaction://hlinkfile"/>
               </a:rPr>
               <a:t>Query across different </a:t>
             </a:r>
             <a:r>
               <a:rPr lang="zh-CN" altLang="en-US">
-                <a:hlinkClick r:id="rId1" tooltip="" action="ppaction://hlinkfile"/>
+                <a:hlinkClick r:id="rId1" action="ppaction://hlinkfile"/>
               </a:rPr>
               <a:t>“</a:t>
             </a:r>
             <a:r>
               <a:rPr lang="en-US">
-                <a:hlinkClick r:id="rId1" tooltip="" action="ppaction://hlinkfile"/>
+                <a:hlinkClick r:id="rId1" action="ppaction://hlinkfile"/>
               </a:rPr>
               <a:t>graphs</a:t>
             </a:r>
             <a:r>
-              <a:rPr lang="zh-CN" altLang="en-US">
+              <a:rPr lang="zh-CN" altLang="en-US" u="sng">
                 <a:sym typeface="+mn-ea"/>
-                <a:hlinkClick r:id="rId1" tooltip="" action="ppaction://hlinkfile"/>
+                <a:hlinkClick r:id="rId1" action="ppaction://hlinkfile"/>
               </a:rPr>
               <a:t>”</a:t>
+            </a:r>
+            <a:r>
+              <a:rPr lang="en-US" altLang="zh-CN">
+                <a:solidFill>
+                  <a:schemeClr val="tx1"/>
+                </a:solidFill>
+                <a:sym typeface="+mn-ea"/>
+                <a:hlinkClick r:id="rId1" action="ppaction://hlinkfile"/>
+              </a:rPr>
+              <a:t>(</a:t>
+            </a:r>
+            <a:r>
+              <a:rPr lang="en-US" altLang="zh-CN">
+                <a:solidFill>
+                  <a:schemeClr val="tx1"/>
+                </a:solidFill>
+                <a:sym typeface="+mn-ea"/>
+              </a:rPr>
+              <a:t>F</a:t>
             </a:r>
             <a:r>
               <a:rPr lang="en-US" altLang="zh-CN">
                 <a:sym typeface="+mn-ea"/>
               </a:rPr>
-              <a:t>:</a:t>
+              <a:t>ederal Query</a:t>
+            </a:r>
+            <a:r>
+              <a:rPr lang="en-US" altLang="zh-CN">
+                <a:sym typeface="+mn-ea"/>
+              </a:rPr>
+              <a:t>):</a:t>
             </a:r>
             <a:endParaRPr lang="zh-CN" altLang="en-US">
               <a:sym typeface="+mn-ea"/>
@@ -3851,7 +5670,7 @@
             <a:pPr lvl="1"/>
             <a:r>
               <a:rPr lang="en-US"/>
-              <a:t>The Session</a:t>
+              <a:t>The Session: (1) contrast with webpage (2) function beyond webpage</a:t>
             </a:r>
             <a:endParaRPr lang="en-US"/>
           </a:p>
@@ -3897,9 +5716,17 @@
             <a:pPr lvl="0"/>
             <a:r>
               <a:rPr lang="en-US" sz="2800"/>
-              <a:t>RISM: &lt;-XML</a:t>
-            </a:r>
-            <a:endParaRPr lang="en-US"/>
+              <a:t>RISM: &lt;-XML for elaborate metadata</a:t>
+            </a:r>
+            <a:endParaRPr lang="en-US" sz="2800"/>
+          </a:p>
+          <a:p>
+            <a:pPr lvl="1"/>
+            <a:r>
+              <a:rPr lang="en-US" sz="1800"/>
+              <a:t>see https://github.com/DDMAL/linkedmusic-queries/issues/61</a:t>
+            </a:r>
+            <a:endParaRPr lang="en-US" sz="2400"/>
           </a:p>
           <a:p>
             <a:pPr lvl="1"/>
@@ -3996,7 +5823,26 @@
               <a:rPr lang="en-US" altLang="zh-CN">
                 <a:sym typeface="+mn-ea"/>
               </a:rPr>
-              <a:t>?</a:t>
+              <a:t>? </a:t>
+            </a:r>
+            <a:r>
+              <a:rPr lang="en-US" altLang="zh-CN">
+                <a:solidFill>
+                  <a:schemeClr val="accent4"/>
+                </a:solidFill>
+                <a:sym typeface="+mn-ea"/>
+              </a:rPr>
+              <a:t> </a:t>
+            </a:r>
+            <a:r>
+              <a:rPr lang="en-US" altLang="zh-CN">
+                <a:solidFill>
+                  <a:schemeClr val="accent4"/>
+                </a:solidFill>
+                <a:sym typeface="+mn-ea"/>
+                <a:hlinkClick r:id="rId1" tooltip="" action="ppaction://hlinkfile"/>
+              </a:rPr>
+              <a:t>(refer to discussion 27)</a:t>
             </a:r>
             <a:endParaRPr lang="en-US"/>
           </a:p>
@@ -4020,22 +5866,38 @@
             </a:pPr>
             <a:r>
               <a:rPr lang="en-US"/>
-              <a:t>Query based on different context/</a:t>
-            </a:r>
-            <a:r>
-              <a:rPr lang="en-US"/>
-              <a:t>prompt: (1) RDF snippets (2) Example queries (3)</a:t>
-            </a:r>
-            <a:r>
-              <a:rPr lang="zh-CN" altLang="en-US"/>
+              <a:t>Query based on different context/prompt: </a:t>
+            </a:r>
+            <a:r>
+              <a:rPr lang="en-US">
+                <a:solidFill>
+                  <a:schemeClr val="accent1"/>
+                </a:solidFill>
+              </a:rPr>
+              <a:t>(1) RDF snippets (2) Example pairs of NLQ &amp; SPARQL (3)</a:t>
+            </a:r>
+            <a:r>
+              <a:rPr lang="zh-CN" altLang="en-US">
+                <a:solidFill>
+                  <a:schemeClr val="accent1"/>
+                </a:solidFill>
+              </a:rPr>
               <a:t>“</a:t>
             </a:r>
             <a:r>
-              <a:rPr lang="en-US" altLang="zh-CN"/>
+              <a:rPr lang="en-US" altLang="zh-CN">
+                <a:solidFill>
+                  <a:schemeClr val="accent1"/>
+                </a:solidFill>
+              </a:rPr>
               <a:t>schema</a:t>
             </a:r>
             <a:r>
-              <a:rPr lang="zh-CN" altLang="en-US"/>
+              <a:rPr lang="zh-CN" altLang="en-US">
+                <a:solidFill>
+                  <a:schemeClr val="accent1"/>
+                </a:solidFill>
+              </a:rPr>
               <a:t>”</a:t>
             </a:r>
             <a:endParaRPr lang="zh-CN" altLang="en-US"/>
@@ -4065,62 +5927,6 @@
             <a:r>
               <a:rPr lang="zh-CN" altLang="en-US"/>
               <a:t>”…</a:t>
-            </a:r>
-            <a:endParaRPr lang="zh-CN" altLang="en-US"/>
-          </a:p>
-          <a:p>
-            <a:pPr>
-              <a:lnSpc>
-                <a:spcPct val="100000"/>
-              </a:lnSpc>
-            </a:pPr>
-            <a:r>
-              <a:rPr lang="en-US" altLang="zh-CN"/>
-              <a:t>Graph Database: schema-free &amp; flexibile &amp; extensible</a:t>
-            </a:r>
-            <a:endParaRPr lang="en-US" altLang="zh-CN"/>
-          </a:p>
-          <a:p>
-            <a:pPr>
-              <a:lnSpc>
-                <a:spcPct val="100000"/>
-              </a:lnSpc>
-            </a:pPr>
-            <a:r>
-              <a:rPr lang="en-US" altLang="zh-CN"/>
-              <a:t>What if we can obtain a ready-made</a:t>
-            </a:r>
-            <a:r>
-              <a:rPr lang="zh-CN" altLang="en-US"/>
-              <a:t>“</a:t>
-            </a:r>
-            <a:r>
-              <a:rPr lang="en-US" altLang="zh-CN"/>
-              <a:t>nominal</a:t>
-            </a:r>
-            <a:r>
-              <a:rPr lang="zh-CN" altLang="en-US"/>
-              <a:t>”</a:t>
-            </a:r>
-            <a:r>
-              <a:rPr lang="en-US" altLang="zh-CN"/>
-              <a:t> schema?</a:t>
-            </a:r>
-            <a:endParaRPr lang="en-US" altLang="zh-CN"/>
-          </a:p>
-          <a:p>
-            <a:pPr lvl="1">
-              <a:lnSpc>
-                <a:spcPct val="100000"/>
-              </a:lnSpc>
-            </a:pPr>
-            <a:r>
-              <a:rPr lang="en-US" altLang="zh-CN" sz="2400"/>
-              <a:t>CSV2</a:t>
-            </a:r>
-            <a:r>
-              <a:rPr lang="en-US" altLang="zh-CN" sz="2400"/>
-              <a:t>RDF/RDB2RDF within Virtuoso: ontology can be automatically generated</a:t>
             </a:r>
             <a:endParaRPr lang="zh-CN" altLang="en-US"/>
           </a:p>
@@ -4134,6 +5940,308 @@
           </a:p>
         </p:txBody>
       </p:sp>
+      <p:graphicFrame>
+        <p:nvGraphicFramePr>
+          <p:cNvPr id="4" name="Table 3"/>
+          <p:cNvGraphicFramePr/>
+          <p:nvPr>
+            <p:custDataLst>
+              <p:tags r:id="rId2"/>
+            </p:custDataLst>
+          </p:nvPr>
+        </p:nvGraphicFramePr>
+        <p:xfrm>
+          <a:off x="1193800" y="4264660"/>
+          <a:ext cx="9862185" cy="2042160"/>
+        </p:xfrm>
+        <a:graphic>
+          <a:graphicData uri="http://schemas.openxmlformats.org/drawingml/2006/table">
+            <a:tbl>
+              <a:tblPr firstRow="1" bandRow="1">
+                <a:tableStyleId>{5C22544A-7EE6-4342-B048-85BDC9FD1C3A}</a:tableStyleId>
+              </a:tblPr>
+              <a:tblGrid>
+                <a:gridCol w="1834515"/>
+                <a:gridCol w="2418715"/>
+                <a:gridCol w="2212340"/>
+                <a:gridCol w="3396615"/>
+              </a:tblGrid>
+              <a:tr h="381000">
+                <a:tc>
+                  <a:txBody>
+                    <a:bodyPr/>
+                    <a:p>
+                      <a:pPr>
+                        <a:buNone/>
+                      </a:pPr>
+                      <a:r>
+                        <a:rPr lang="en-US"/>
+                        <a:t>prompt types</a:t>
+                      </a:r>
+                      <a:endParaRPr lang="en-US"/>
+                    </a:p>
+                  </a:txBody>
+                  <a:tcPr/>
+                </a:tc>
+                <a:tc>
+                  <a:txBody>
+                    <a:bodyPr/>
+                    <a:p>
+                      <a:pPr>
+                        <a:buNone/>
+                      </a:pPr>
+                      <a:r>
+                        <a:rPr lang="en-US"/>
+                        <a:t>database type</a:t>
+                      </a:r>
+                      <a:endParaRPr lang="en-US"/>
+                    </a:p>
+                  </a:txBody>
+                  <a:tcPr/>
+                </a:tc>
+                <a:tc>
+                  <a:txBody>
+                    <a:bodyPr/>
+                    <a:p>
+                      <a:pPr>
+                        <a:buNone/>
+                      </a:pPr>
+                      <a:r>
+                        <a:rPr lang="en-US"/>
+                        <a:t>NO. of shots</a:t>
+                      </a:r>
+                      <a:endParaRPr lang="en-US"/>
+                    </a:p>
+                  </a:txBody>
+                  <a:tcPr/>
+                </a:tc>
+                <a:tc>
+                  <a:txBody>
+                    <a:bodyPr/>
+                    <a:p>
+                      <a:pPr>
+                        <a:buNone/>
+                      </a:pPr>
+                      <a:r>
+                        <a:rPr lang="en-US"/>
+                        <a:t>technology feature</a:t>
+                      </a:r>
+                      <a:endParaRPr lang="en-US"/>
+                    </a:p>
+                  </a:txBody>
+                  <a:tcPr/>
+                </a:tc>
+              </a:tr>
+              <a:tr h="381000">
+                <a:tc>
+                  <a:txBody>
+                    <a:bodyPr/>
+                    <a:p>
+                      <a:pPr>
+                        <a:buNone/>
+                      </a:pPr>
+                      <a:r>
+                        <a:rPr lang="en-US"/>
+                        <a:t>RDF snippets</a:t>
+                      </a:r>
+                      <a:endParaRPr lang="en-US"/>
+                    </a:p>
+                  </a:txBody>
+                  <a:tcPr/>
+                </a:tc>
+                <a:tc>
+                  <a:txBody>
+                    <a:bodyPr/>
+                    <a:p>
+                      <a:pPr>
+                        <a:buNone/>
+                      </a:pPr>
+                      <a:r>
+                        <a:rPr lang="en-US"/>
+                        <a:t>oversized, unknown schema</a:t>
+                      </a:r>
+                      <a:endParaRPr lang="en-US"/>
+                    </a:p>
+                  </a:txBody>
+                  <a:tcPr/>
+                </a:tc>
+                <a:tc>
+                  <a:txBody>
+                    <a:bodyPr/>
+                    <a:p>
+                      <a:pPr>
+                        <a:buNone/>
+                      </a:pPr>
+                      <a:r>
+                        <a:rPr lang="en-US"/>
+                        <a:t>1-shot or few-shots</a:t>
+                      </a:r>
+                      <a:endParaRPr lang="en-US"/>
+                    </a:p>
+                  </a:txBody>
+                  <a:tcPr/>
+                </a:tc>
+                <a:tc>
+                  <a:txBody>
+                    <a:bodyPr/>
+                    <a:p>
+                      <a:pPr>
+                        <a:buNone/>
+                      </a:pPr>
+                      <a:r>
+                        <a:rPr lang="en-US"/>
+                        <a:t>algorithm &amp; computing-strength-oriented</a:t>
+                      </a:r>
+                      <a:endParaRPr lang="en-US"/>
+                    </a:p>
+                  </a:txBody>
+                  <a:tcPr/>
+                </a:tc>
+              </a:tr>
+              <a:tr h="381000">
+                <a:tc>
+                  <a:txBody>
+                    <a:bodyPr/>
+                    <a:p>
+                      <a:pPr>
+                        <a:buNone/>
+                      </a:pPr>
+                      <a:r>
+                        <a:rPr lang="en-US"/>
+                        <a:t>NLQ&amp;SPARQL</a:t>
+                      </a:r>
+                      <a:endParaRPr lang="en-US"/>
+                    </a:p>
+                  </a:txBody>
+                  <a:tcPr/>
+                </a:tc>
+                <a:tc>
+                  <a:txBody>
+                    <a:bodyPr/>
+                    <a:p>
+                      <a:pPr>
+                        <a:buNone/>
+                      </a:pPr>
+                      <a:r>
+                        <a:rPr lang="en-US"/>
+                        <a:t>e.g. XML-featured</a:t>
+                      </a:r>
+                      <a:endParaRPr lang="en-US"/>
+                    </a:p>
+                  </a:txBody>
+                  <a:tcPr/>
+                </a:tc>
+                <a:tc>
+                  <a:txBody>
+                    <a:bodyPr/>
+                    <a:p>
+                      <a:pPr>
+                        <a:buNone/>
+                      </a:pPr>
+                      <a:r>
+                        <a:rPr lang="en-US"/>
+                        <a:t>1-shot or few-shots</a:t>
+                      </a:r>
+                      <a:endParaRPr lang="en-US"/>
+                    </a:p>
+                  </a:txBody>
+                  <a:tcPr/>
+                </a:tc>
+                <a:tc>
+                  <a:txBody>
+                    <a:bodyPr/>
+                    <a:p>
+                      <a:pPr>
+                        <a:buNone/>
+                      </a:pPr>
+                      <a:r>
+                        <a:rPr lang="en-US" altLang="zh-CN"/>
+                        <a:t>similarity between...</a:t>
+                      </a:r>
+                      <a:endParaRPr lang="en-US" altLang="zh-CN"/>
+                    </a:p>
+                  </a:txBody>
+                  <a:tcPr/>
+                </a:tc>
+              </a:tr>
+              <a:tr h="381000">
+                <a:tc>
+                  <a:txBody>
+                    <a:bodyPr/>
+                    <a:p>
+                      <a:pPr>
+                        <a:buNone/>
+                      </a:pPr>
+                      <a:r>
+                        <a:rPr lang="zh-CN" altLang="en-US"/>
+                        <a:t>“</a:t>
+                      </a:r>
+                      <a:r>
+                        <a:rPr lang="en-US"/>
+                        <a:t>Schema</a:t>
+                      </a:r>
+                      <a:r>
+                        <a:rPr lang="zh-CN" altLang="en-US"/>
+                        <a:t>”</a:t>
+                      </a:r>
+                      <a:endParaRPr lang="zh-CN" altLang="en-US"/>
+                    </a:p>
+                  </a:txBody>
+                  <a:tcPr/>
+                </a:tc>
+                <a:tc>
+                  <a:txBody>
+                    <a:bodyPr/>
+                    <a:p>
+                      <a:pPr>
+                        <a:buNone/>
+                      </a:pPr>
+                      <a:r>
+                        <a:rPr lang="en-US"/>
+                        <a:t>with schema or latent schema</a:t>
+                      </a:r>
+                      <a:endParaRPr lang="en-US"/>
+                    </a:p>
+                  </a:txBody>
+                  <a:tcPr/>
+                </a:tc>
+                <a:tc>
+                  <a:txBody>
+                    <a:bodyPr/>
+                    <a:p>
+                      <a:pPr>
+                        <a:buNone/>
+                      </a:pPr>
+                      <a:r>
+                        <a:rPr lang="en-US"/>
+                        <a:t>0-shots</a:t>
+                      </a:r>
+                      <a:endParaRPr lang="en-US"/>
+                    </a:p>
+                  </a:txBody>
+                  <a:tcPr/>
+                </a:tc>
+                <a:tc>
+                  <a:txBody>
+                    <a:bodyPr/>
+                    <a:p>
+                      <a:pPr>
+                        <a:buNone/>
+                      </a:pPr>
+                      <a:r>
+                        <a:rPr lang="en-US"/>
+                        <a:t>knowledge-representation-oriented</a:t>
+                      </a:r>
+                      <a:endParaRPr lang="en-US"/>
+                    </a:p>
+                  </a:txBody>
+                  <a:tcPr/>
+                </a:tc>
+              </a:tr>
+            </a:tbl>
+          </a:graphicData>
+        </a:graphic>
+      </p:graphicFrame>
     </p:spTree>
   </p:cSld>
   <p:clrMapOvr>
@@ -4189,7 +6297,7 @@
         <p:spPr/>
         <p:txBody>
           <a:bodyPr>
-            <a:normAutofit/>
+            <a:normAutofit lnSpcReduction="10000"/>
           </a:bodyPr>
           <a:p>
             <a:pPr>
@@ -4198,12 +6306,53 @@
               </a:lnSpc>
             </a:pPr>
             <a:r>
-              <a:rPr lang="en-US" altLang="zh-CN">
+              <a:rPr lang="en-US" altLang="zh-CN" sz="2800">
                 <a:sym typeface="+mn-ea"/>
               </a:rPr>
-              <a:t>Schema:</a:t>
-            </a:r>
-            <a:endParaRPr lang="en-US" altLang="zh-CN"/>
+              <a:t>Graph Database: schema-free &amp; flexibile &amp; extensible</a:t>
+            </a:r>
+            <a:endParaRPr lang="en-US" altLang="zh-CN" sz="2800"/>
+          </a:p>
+          <a:p>
+            <a:pPr>
+              <a:lnSpc>
+                <a:spcPct val="100000"/>
+              </a:lnSpc>
+            </a:pPr>
+            <a:r>
+              <a:rPr lang="en-US" altLang="zh-CN" sz="2800">
+                <a:sym typeface="+mn-ea"/>
+              </a:rPr>
+              <a:t>What if we can obtain a ready-made</a:t>
+            </a:r>
+            <a:r>
+              <a:rPr lang="zh-CN" altLang="en-US" sz="2800">
+                <a:sym typeface="+mn-ea"/>
+              </a:rPr>
+              <a:t>“</a:t>
+            </a:r>
+            <a:r>
+              <a:rPr lang="en-US" altLang="zh-CN" sz="2800">
+                <a:solidFill>
+                  <a:schemeClr val="accent4"/>
+                </a:solidFill>
+                <a:sym typeface="+mn-ea"/>
+              </a:rPr>
+              <a:t>nominal</a:t>
+            </a:r>
+            <a:r>
+              <a:rPr lang="zh-CN" altLang="en-US" sz="2800">
+                <a:sym typeface="+mn-ea"/>
+              </a:rPr>
+              <a:t>”</a:t>
+            </a:r>
+            <a:r>
+              <a:rPr lang="en-US" altLang="zh-CN" sz="2800">
+                <a:sym typeface="+mn-ea"/>
+              </a:rPr>
+              <a:t> schema?</a:t>
+            </a:r>
+            <a:endParaRPr lang="en-US" altLang="zh-CN" sz="2800"/>
           </a:p>
           <a:p>
             <a:pPr lvl="1">
@@ -4212,12 +6361,30 @@
               </a:lnSpc>
             </a:pPr>
             <a:r>
-              <a:rPr lang="en-US" altLang="zh-CN">
+              <a:rPr lang="en-US" altLang="zh-CN" sz="2800">
                 <a:sym typeface="+mn-ea"/>
               </a:rPr>
-              <a:t>(1) ontology (open world hypothesis)</a:t>
-            </a:r>
-            <a:endParaRPr lang="en-US" altLang="zh-CN"/>
+              <a:t>All the 14 databases must have schemas;</a:t>
+            </a:r>
+            <a:endParaRPr lang="en-US" altLang="zh-CN" sz="2800">
+              <a:sym typeface="+mn-ea"/>
+            </a:endParaRPr>
+          </a:p>
+          <a:p>
+            <a:pPr lvl="2">
+              <a:lnSpc>
+                <a:spcPct val="100000"/>
+              </a:lnSpc>
+            </a:pPr>
+            <a:r>
+              <a:rPr lang="en-US" altLang="zh-CN" sz="2330">
+                <a:sym typeface="+mn-ea"/>
+              </a:rPr>
+              <a:t>after the converson, will the schema disappear?</a:t>
+            </a:r>
+            <a:endParaRPr lang="en-US" altLang="zh-CN" sz="2330">
+              <a:sym typeface="+mn-ea"/>
+            </a:endParaRPr>
           </a:p>
           <a:p>
             <a:pPr lvl="1">
@@ -4226,49 +6393,44 @@
               </a:lnSpc>
             </a:pPr>
             <a:r>
-              <a:rPr lang="en-US" altLang="zh-CN">
+              <a:rPr lang="en-US" altLang="zh-CN" sz="2800">
                 <a:sym typeface="+mn-ea"/>
               </a:rPr>
-              <a:t>(2) shapes (close world hypothesis)</a:t>
-            </a:r>
-            <a:endParaRPr lang="en-US"/>
-          </a:p>
-          <a:p>
-            <a:r>
-              <a:rPr lang="en-US"/>
-              <a:t>Ontology: RDFs, OWL</a:t>
-            </a:r>
-            <a:endParaRPr lang="en-US"/>
-          </a:p>
-          <a:p>
-            <a:r>
-              <a:rPr lang="en-US"/>
-              <a:t>(1) RDFs: </a:t>
-            </a:r>
-            <a:endParaRPr lang="en-US"/>
-          </a:p>
-          <a:p>
-            <a:pPr lvl="1"/>
-            <a:r>
-              <a:rPr lang="en-US"/>
-              <a:t>rdfs:domain</a:t>
-            </a:r>
-            <a:endParaRPr lang="en-US"/>
-          </a:p>
-          <a:p>
-            <a:pPr lvl="1"/>
-            <a:r>
-              <a:rPr lang="en-US"/>
-              <a:t>rdfs:range</a:t>
-            </a:r>
-            <a:endParaRPr lang="en-US"/>
-          </a:p>
-          <a:p>
-            <a:pPr lvl="0"/>
-            <a:r>
-              <a:rPr lang="en-US"/>
-              <a:t>(2) OWL: object property; data property; inverseOf...</a:t>
-            </a:r>
+              <a:t>CSV2RDF/RDB2RDF within Virtuoso: ontology can be automatically generated via mapping with schema</a:t>
+            </a:r>
+            <a:endParaRPr lang="en-US" altLang="zh-CN" sz="2800">
+              <a:sym typeface="+mn-ea"/>
+            </a:endParaRPr>
+          </a:p>
+          <a:p>
+            <a:pPr lvl="2">
+              <a:lnSpc>
+                <a:spcPct val="100000"/>
+              </a:lnSpc>
+            </a:pPr>
+            <a:r>
+              <a:rPr lang="en-US" altLang="zh-CN" sz="2330">
+                <a:sym typeface="+mn-ea"/>
+              </a:rPr>
+              <a:t>e.g., Taking CantusDB as an example for RDB2RDF into Virtuoso)</a:t>
+            </a:r>
+            <a:endParaRPr lang="en-US" altLang="zh-CN" sz="2330">
+              <a:sym typeface="+mn-ea"/>
+            </a:endParaRPr>
+          </a:p>
+          <a:p>
+            <a:pPr lvl="2">
+              <a:lnSpc>
+                <a:spcPct val="100000"/>
+              </a:lnSpc>
+            </a:pPr>
+            <a:r>
+              <a:rPr lang="en-US" altLang="zh-CN" sz="2330"/>
+              <a:t>Tutorial: https://github.com/DDMAL/linkedmusic-datalake/tree/main/doc/rdb2rdf</a:t>
+            </a:r>
+            <a:endParaRPr lang="en-US" altLang="zh-CN" sz="2330"/>
+          </a:p>
+          <a:p>
             <a:endParaRPr lang="en-US"/>
           </a:p>
         </p:txBody>
@@ -4327,96 +6489,268 @@
         </p:nvSpPr>
         <p:spPr/>
         <p:txBody>
-          <a:bodyPr/>
+          <a:bodyPr>
+            <a:normAutofit/>
+          </a:bodyPr>
+          <a:p>
+            <a:pPr>
+              <a:lnSpc>
+                <a:spcPct val="100000"/>
+              </a:lnSpc>
+            </a:pPr>
+            <a:r>
+              <a:rPr lang="en-US" altLang="zh-CN">
+                <a:sym typeface="+mn-ea"/>
+              </a:rPr>
+              <a:t>Schema:</a:t>
+            </a:r>
+            <a:endParaRPr lang="en-US" altLang="zh-CN"/>
+          </a:p>
+          <a:p>
+            <a:pPr lvl="1">
+              <a:lnSpc>
+                <a:spcPct val="100000"/>
+              </a:lnSpc>
+            </a:pPr>
+            <a:r>
+              <a:rPr lang="en-US" altLang="zh-CN">
+                <a:sym typeface="+mn-ea"/>
+              </a:rPr>
+              <a:t>(1) ontology (open world hypothesis)</a:t>
+            </a:r>
+            <a:endParaRPr lang="en-US" altLang="zh-CN"/>
+          </a:p>
+          <a:p>
+            <a:pPr lvl="1">
+              <a:lnSpc>
+                <a:spcPct val="100000"/>
+              </a:lnSpc>
+            </a:pPr>
+            <a:r>
+              <a:rPr lang="en-US" altLang="zh-CN">
+                <a:sym typeface="+mn-ea"/>
+              </a:rPr>
+              <a:t>(2) shapes (close world hypothesis)</a:t>
+            </a:r>
+            <a:endParaRPr lang="en-US"/>
+          </a:p>
           <a:p>
             <a:r>
               <a:rPr lang="en-US"/>
-              <a:t>Issue-1: LLMs can not concertrate when the ontology is too large</a:t>
+              <a:t>Ontology: RDFs -&gt; OWL</a:t>
             </a:r>
             <a:endParaRPr lang="en-US"/>
           </a:p>
           <a:p>
+            <a:r>
+              <a:rPr lang="en-US"/>
+              <a:t>(1) RDFs: </a:t>
+            </a:r>
+            <a:endParaRPr lang="en-US"/>
+          </a:p>
+          <a:p>
             <a:pPr lvl="1"/>
             <a:r>
               <a:rPr lang="en-US"/>
-              <a:t>(why)</a:t>
+              <a:t>rdfs:domain - what is the class for the subject of </a:t>
+            </a:r>
+            <a:r>
+              <a:rPr lang="en-US">
+                <a:sym typeface="+mn-ea"/>
+              </a:rPr>
+              <a:t>the</a:t>
+            </a:r>
+            <a:r>
+              <a:rPr lang="en-US"/>
+              <a:t> predicate</a:t>
             </a:r>
             <a:endParaRPr lang="en-US"/>
           </a:p>
           <a:p>
+            <a:pPr lvl="1"/>
+            <a:r>
+              <a:rPr lang="en-US"/>
+              <a:t>rdfs:range - what is the class for the object of the predicate</a:t>
+            </a:r>
+            <a:endParaRPr lang="en-US"/>
+          </a:p>
+          <a:p>
             <a:pPr lvl="0"/>
             <a:r>
-              <a:rPr lang="en-US" sz="2800"/>
-              <a:t>Experiment and solution:</a:t>
-            </a:r>
-            <a:endParaRPr lang="en-US" sz="2800"/>
-          </a:p>
-          <a:p>
-            <a:pPr lvl="0"/>
-            <a:r>
-              <a:rPr lang="en-US" sz="2800"/>
-              <a:t>Chinese Traditional Music Culture Knowledge Base (CTM)</a:t>
-            </a:r>
-            <a:endParaRPr lang="en-US" sz="2800"/>
-          </a:p>
-          <a:p>
-            <a:pPr lvl="1"/>
-            <a:r>
-              <a:rPr lang="en-US" sz="2400"/>
-              <a:t>which has a complicated existing ontology</a:t>
-            </a:r>
-            <a:endParaRPr lang="en-US" sz="2400"/>
-          </a:p>
-          <a:p>
-            <a:pPr lvl="2"/>
-            <a:r>
-              <a:rPr lang="en-US" sz="2000"/>
-              <a:t>which can also support </a:t>
-            </a:r>
-            <a:r>
-              <a:rPr lang="zh-CN" altLang="en-US" sz="2000"/>
-              <a:t>“</a:t>
-            </a:r>
-            <a:r>
-              <a:rPr lang="en-US" sz="2000"/>
-              <a:t>knowledge reasoning</a:t>
-            </a:r>
-            <a:r>
-              <a:rPr lang="zh-CN" altLang="en-US" sz="2000"/>
-              <a:t>”</a:t>
-            </a:r>
-            <a:r>
-              <a:rPr lang="en-US" altLang="zh-CN" sz="2000"/>
-              <a:t>which may relieve LLMs</a:t>
-            </a:r>
-            <a:endParaRPr lang="en-US" altLang="zh-CN" sz="2000"/>
-          </a:p>
-          <a:p>
-            <a:pPr lvl="1"/>
-            <a:r>
-              <a:rPr lang="en-US" sz="2400"/>
-              <a:t>which has visualization facilities</a:t>
-            </a:r>
-            <a:endParaRPr lang="en-US" sz="2400"/>
-          </a:p>
-          <a:p>
-            <a:pPr lvl="1"/>
-            <a:r>
-              <a:rPr lang="en-US" sz="2400"/>
-              <a:t>which aims at joining in LinkedMusic</a:t>
-            </a:r>
-            <a:endParaRPr lang="en-US" sz="2000"/>
-          </a:p>
-          <a:p>
-            <a:pPr lvl="0"/>
-            <a:endParaRPr lang="en-US" sz="2800"/>
-          </a:p>
-          <a:p>
-            <a:pPr lvl="0"/>
+              <a:rPr lang="en-US"/>
+              <a:t>(2) OWL: </a:t>
+            </a:r>
+            <a:r>
+              <a:rPr lang="en-US" u="sng"/>
+              <a:t>Object</a:t>
+            </a:r>
+            <a:r>
+              <a:rPr lang="en-US"/>
+              <a:t>Property; </a:t>
+            </a:r>
+            <a:r>
+              <a:rPr lang="en-US" u="sng"/>
+              <a:t>Data</a:t>
+            </a:r>
+            <a:r>
+              <a:rPr lang="en-US"/>
+              <a:t>Property; owl:inverseOf...</a:t>
+            </a:r>
             <a:endParaRPr lang="en-US"/>
           </a:p>
-          <a:p>
+        </p:txBody>
+      </p:sp>
+      <p:sp>
+        <p:nvSpPr>
+          <p:cNvPr id="4" name="Right Brace 3"/>
+          <p:cNvSpPr/>
+          <p:nvPr/>
+        </p:nvSpPr>
+        <p:spPr>
+          <a:xfrm>
+            <a:off x="6501130" y="2387600"/>
+            <a:ext cx="399415" cy="764540"/>
+          </a:xfrm>
+          <a:prstGeom prst="rightBrace">
+            <a:avLst/>
+          </a:prstGeom>
+          <a:ln w="28575" cap="flat" cmpd="sng">
+            <a:solidFill>
+              <a:schemeClr val="accent1"/>
+            </a:solidFill>
+            <a:prstDash val="solid"/>
+            <a:miter lim="800000"/>
+            <a:headEnd type="none"/>
+            <a:tailEnd type="none"/>
+          </a:ln>
+        </p:spPr>
+        <p:style>
+          <a:lnRef idx="2">
+            <a:schemeClr val="accent1"/>
+          </a:lnRef>
+          <a:fillRef idx="0">
+            <a:srgbClr val="FFFFFF"/>
+          </a:fillRef>
+          <a:effectRef idx="0">
+            <a:srgbClr val="FFFFFF"/>
+          </a:effectRef>
+          <a:fontRef idx="minor">
+            <a:schemeClr val="tx1"/>
+          </a:fontRef>
+        </p:style>
+        <p:txBody>
+          <a:bodyPr rtlCol="0" anchor="ctr"/>
+          <a:p>
+            <a:pPr algn="ctr"/>
             <a:endParaRPr lang="en-US"/>
+          </a:p>
+        </p:txBody>
+      </p:sp>
+      <p:sp>
+        <p:nvSpPr>
+          <p:cNvPr id="5" name="Text Box 4"/>
+          <p:cNvSpPr txBox="1"/>
+          <p:nvPr/>
+        </p:nvSpPr>
+        <p:spPr>
+          <a:xfrm>
+            <a:off x="7094220" y="2456180"/>
+            <a:ext cx="4064000" cy="645160"/>
+          </a:xfrm>
+          <a:prstGeom prst="rect">
+            <a:avLst/>
+          </a:prstGeom>
+          <a:noFill/>
+        </p:spPr>
+        <p:txBody>
+          <a:bodyPr wrap="square" rtlCol="0">
+            <a:spAutoFit/>
+          </a:bodyPr>
+          <a:p>
+            <a:r>
+              <a:rPr lang="en-US"/>
+              <a:t>Which is better, can we rely on only one?</a:t>
+            </a:r>
+            <a:endParaRPr lang="en-US"/>
+          </a:p>
+        </p:txBody>
+      </p:sp>
+      <p:sp>
+        <p:nvSpPr>
+          <p:cNvPr id="6" name="Text Box 5"/>
+          <p:cNvSpPr txBox="1"/>
+          <p:nvPr/>
+        </p:nvSpPr>
+        <p:spPr>
+          <a:xfrm>
+            <a:off x="3082290" y="5833110"/>
+            <a:ext cx="6731000" cy="922020"/>
+          </a:xfrm>
+          <a:prstGeom prst="rect">
+            <a:avLst/>
+          </a:prstGeom>
+          <a:noFill/>
+        </p:spPr>
+        <p:txBody>
+          <a:bodyPr wrap="square" rtlCol="0">
+            <a:spAutoFit/>
+          </a:bodyPr>
+          <a:p>
+            <a:r>
+              <a:rPr lang="en-US">
+                <a:solidFill>
+                  <a:schemeClr val="bg1">
+                    <a:lumMod val="85000"/>
+                  </a:schemeClr>
+                </a:solidFill>
+              </a:rPr>
+              <a:t>OP: When the property value is another node</a:t>
+            </a:r>
+            <a:endParaRPr lang="en-US">
+              <a:solidFill>
+                <a:schemeClr val="bg1">
+                  <a:lumMod val="85000"/>
+                </a:schemeClr>
+              </a:solidFill>
+            </a:endParaRPr>
+          </a:p>
+          <a:p>
+            <a:r>
+              <a:rPr lang="en-US">
+                <a:solidFill>
+                  <a:schemeClr val="bg1">
+                    <a:lumMod val="85000"/>
+                  </a:schemeClr>
+                </a:solidFill>
+              </a:rPr>
+              <a:t>DP: When the property value is</a:t>
+            </a:r>
+            <a:endParaRPr lang="en-US">
+              <a:solidFill>
+                <a:schemeClr val="bg1">
+                  <a:lumMod val="85000"/>
+                </a:schemeClr>
+              </a:solidFill>
+            </a:endParaRPr>
+          </a:p>
+          <a:p>
+            <a:r>
+              <a:rPr lang="en-US">
+                <a:solidFill>
+                  <a:schemeClr val="bg1">
+                    <a:lumMod val="85000"/>
+                  </a:schemeClr>
+                </a:solidFill>
+              </a:rPr>
+              <a:t>purely data such as literals, strings, integer,  dates...</a:t>
+            </a:r>
+            <a:endParaRPr lang="en-US">
+              <a:solidFill>
+                <a:schemeClr val="bg1">
+                  <a:lumMod val="85000"/>
+                </a:schemeClr>
+              </a:solidFill>
+            </a:endParaRPr>
           </a:p>
         </p:txBody>
       </p:sp>
@@ -4429,6 +6763,181 @@
 </file>
 
 <file path=ppt/slides/slide6.xml><?xml version="1.0" encoding="utf-8"?>
+<p:sld xmlns:a="http://schemas.openxmlformats.org/drawingml/2006/main" xmlns:r="http://schemas.openxmlformats.org/officeDocument/2006/relationships" xmlns:p="http://schemas.openxmlformats.org/presentationml/2006/main">
+  <p:cSld>
+    <p:spTree>
+      <p:nvGrpSpPr>
+        <p:cNvPr id="1" name=""/>
+        <p:cNvGrpSpPr/>
+        <p:nvPr/>
+      </p:nvGrpSpPr>
+      <p:grpSpPr/>
+      <p:sp>
+        <p:nvSpPr>
+          <p:cNvPr id="2" name="Title 1"/>
+          <p:cNvSpPr>
+            <a:spLocks noGrp="1"/>
+          </p:cNvSpPr>
+          <p:nvPr>
+            <p:ph type="title"/>
+          </p:nvPr>
+        </p:nvSpPr>
+        <p:spPr/>
+        <p:txBody>
+          <a:bodyPr/>
+          <a:p>
+            <a:r>
+              <a:rPr lang="en-US">
+                <a:sym typeface="+mn-ea"/>
+              </a:rPr>
+              <a:t>NLQ2SPARQL</a:t>
+            </a:r>
+            <a:endParaRPr lang="en-US"/>
+          </a:p>
+        </p:txBody>
+      </p:sp>
+      <p:sp>
+        <p:nvSpPr>
+          <p:cNvPr id="3" name="Content Placeholder 2"/>
+          <p:cNvSpPr>
+            <a:spLocks noGrp="1"/>
+          </p:cNvSpPr>
+          <p:nvPr>
+            <p:ph idx="1"/>
+          </p:nvPr>
+        </p:nvSpPr>
+        <p:spPr/>
+        <p:txBody>
+          <a:bodyPr/>
+          <a:p>
+            <a:r>
+              <a:rPr lang="en-US">
+                <a:solidFill>
+                  <a:schemeClr val="accent2"/>
+                </a:solidFill>
+              </a:rPr>
+              <a:t>Issue-A</a:t>
+            </a:r>
+            <a:r>
+              <a:rPr lang="en-US"/>
+              <a:t>: LLMs can not concertrate when the ontology is too large</a:t>
+            </a:r>
+            <a:endParaRPr lang="en-US"/>
+          </a:p>
+          <a:p>
+            <a:pPr lvl="1"/>
+            <a:r>
+              <a:rPr lang="en-US" sz="1800"/>
+              <a:t>(why)</a:t>
+            </a:r>
+            <a:endParaRPr lang="en-US" sz="1800"/>
+          </a:p>
+          <a:p>
+            <a:pPr lvl="0"/>
+            <a:r>
+              <a:rPr lang="en-US" sz="2800"/>
+              <a:t>Experiment and solution:</a:t>
+            </a:r>
+            <a:endParaRPr lang="en-US" sz="2800"/>
+          </a:p>
+          <a:p>
+            <a:pPr lvl="0">
+              <a:lnSpc>
+                <a:spcPct val="100000"/>
+              </a:lnSpc>
+            </a:pPr>
+            <a:r>
+              <a:rPr lang="en-US" sz="2800"/>
+              <a:t>E.g., Chinese Traditional Music Culture Knowledge Base (CTM or ESEA)</a:t>
+            </a:r>
+            <a:endParaRPr lang="en-US" sz="2800"/>
+          </a:p>
+          <a:p>
+            <a:pPr lvl="1">
+              <a:lnSpc>
+                <a:spcPct val="100000"/>
+              </a:lnSpc>
+            </a:pPr>
+            <a:r>
+              <a:rPr lang="en-US" sz="2400"/>
+              <a:t>which has a complicated existing ontology</a:t>
+            </a:r>
+            <a:endParaRPr lang="en-US" sz="2400"/>
+          </a:p>
+          <a:p>
+            <a:pPr lvl="2">
+              <a:lnSpc>
+                <a:spcPct val="100000"/>
+              </a:lnSpc>
+            </a:pPr>
+            <a:r>
+              <a:rPr lang="en-US" sz="2000"/>
+              <a:t>which can also support </a:t>
+            </a:r>
+            <a:r>
+              <a:rPr lang="zh-CN" altLang="en-US" sz="2000"/>
+              <a:t>“</a:t>
+            </a:r>
+            <a:r>
+              <a:rPr lang="en-US" sz="2000"/>
+              <a:t>knowledge reasoning</a:t>
+            </a:r>
+            <a:r>
+              <a:rPr lang="zh-CN" altLang="en-US" sz="2000"/>
+              <a:t>”</a:t>
+            </a:r>
+            <a:r>
+              <a:rPr lang="en-US" altLang="zh-CN" sz="2000"/>
+              <a:t>which may relieve LLMs</a:t>
+            </a:r>
+            <a:endParaRPr lang="en-US" altLang="zh-CN" sz="2000"/>
+          </a:p>
+          <a:p>
+            <a:pPr lvl="1">
+              <a:lnSpc>
+                <a:spcPct val="100000"/>
+              </a:lnSpc>
+            </a:pPr>
+            <a:r>
+              <a:rPr lang="en-US" sz="2400"/>
+              <a:t>which has visualization facilities</a:t>
+            </a:r>
+            <a:endParaRPr lang="en-US" sz="2400"/>
+          </a:p>
+          <a:p>
+            <a:pPr lvl="1">
+              <a:lnSpc>
+                <a:spcPct val="100000"/>
+              </a:lnSpc>
+            </a:pPr>
+            <a:r>
+              <a:rPr lang="en-US" sz="2400"/>
+              <a:t>which would like to be shared with LinkedMusic</a:t>
+            </a:r>
+            <a:endParaRPr lang="en-US" sz="2000"/>
+          </a:p>
+          <a:p>
+            <a:pPr lvl="0"/>
+            <a:endParaRPr lang="en-US" sz="2800"/>
+          </a:p>
+          <a:p>
+            <a:pPr lvl="0"/>
+            <a:endParaRPr lang="en-US"/>
+          </a:p>
+          <a:p>
+            <a:endParaRPr lang="en-US"/>
+          </a:p>
+        </p:txBody>
+      </p:sp>
+    </p:spTree>
+  </p:cSld>
+  <p:clrMapOvr>
+    <a:masterClrMapping/>
+  </p:clrMapOvr>
+</p:sld>
+</file>
+
+<file path=ppt/slides/slide7.xml><?xml version="1.0" encoding="utf-8"?>
 <p:sld xmlns:a="http://schemas.openxmlformats.org/drawingml/2006/main" xmlns:r="http://schemas.openxmlformats.org/officeDocument/2006/relationships" xmlns:p="http://schemas.openxmlformats.org/presentationml/2006/main">
   <p:cSld>
     <p:spTree>
@@ -4601,211 +7110,34 @@
           </a:p>
         </p:txBody>
       </p:sp>
-    </p:spTree>
-  </p:cSld>
-  <p:clrMapOvr>
-    <a:masterClrMapping/>
-  </p:clrMapOvr>
-</p:sld>
-</file>
-
-<file path=ppt/slides/slide7.xml><?xml version="1.0" encoding="utf-8"?>
-<p:sld xmlns:a="http://schemas.openxmlformats.org/drawingml/2006/main" xmlns:r="http://schemas.openxmlformats.org/officeDocument/2006/relationships" xmlns:p="http://schemas.openxmlformats.org/presentationml/2006/main">
-  <p:cSld>
-    <p:spTree>
-      <p:nvGrpSpPr>
-        <p:cNvPr id="1" name=""/>
-        <p:cNvGrpSpPr/>
-        <p:nvPr/>
-      </p:nvGrpSpPr>
-      <p:grpSpPr/>
-      <p:sp>
-        <p:nvSpPr>
-          <p:cNvPr id="2" name="Title 1"/>
-          <p:cNvSpPr>
-            <a:spLocks noGrp="1"/>
-          </p:cNvSpPr>
-          <p:nvPr>
-            <p:ph type="title"/>
-          </p:nvPr>
-        </p:nvSpPr>
-        <p:spPr/>
-        <p:txBody>
-          <a:bodyPr/>
-          <a:p>
-            <a:r>
-              <a:rPr lang="en-US" sz="3600">
-                <a:sym typeface="+mn-ea"/>
-              </a:rPr>
-              <a:t>Python Script Workflow</a:t>
-            </a:r>
-            <a:endParaRPr lang="en-US" sz="3600"/>
-          </a:p>
-        </p:txBody>
-      </p:sp>
-      <p:sp>
-        <p:nvSpPr>
-          <p:cNvPr id="3" name="Content Placeholder 2"/>
-          <p:cNvSpPr>
-            <a:spLocks noGrp="1"/>
-          </p:cNvSpPr>
-          <p:nvPr>
-            <p:ph idx="1"/>
-          </p:nvPr>
-        </p:nvSpPr>
-        <p:spPr/>
-        <p:txBody>
-          <a:bodyPr>
-            <a:normAutofit/>
-          </a:bodyPr>
-          <a:p>
-            <a:pPr>
-              <a:lnSpc>
-                <a:spcPct val="100000"/>
-              </a:lnSpc>
-            </a:pPr>
-            <a:r>
-              <a:rPr lang="en-US" u="sng">
-                <a:sym typeface="+mn-ea"/>
-              </a:rPr>
-              <a:t>2. Ontology Segmentation</a:t>
-            </a:r>
-            <a:r>
-              <a:rPr lang="zh-CN" altLang="en-US">
-                <a:sym typeface="+mn-ea"/>
-              </a:rPr>
-              <a:t>：</a:t>
-            </a:r>
-            <a:r>
-              <a:rPr lang="en-US" altLang="zh-CN">
-                <a:sym typeface="+mn-ea"/>
-              </a:rPr>
-              <a:t>into 3 parts</a:t>
-            </a:r>
-            <a:endParaRPr lang="en-US">
-              <a:sym typeface="+mn-ea"/>
-            </a:endParaRPr>
-          </a:p>
-          <a:p>
-            <a:pPr>
-              <a:lnSpc>
-                <a:spcPct val="100000"/>
-              </a:lnSpc>
-            </a:pPr>
-            <a:r>
-              <a:rPr lang="en-US" u="sng">
-                <a:sym typeface="+mn-ea"/>
-              </a:rPr>
-              <a:t>3. Entity Extraction from the Ontology Segments</a:t>
-            </a:r>
-            <a:endParaRPr lang="en-US">
-              <a:sym typeface="+mn-ea"/>
-            </a:endParaRPr>
-          </a:p>
-          <a:p>
-            <a:pPr marL="457200" lvl="1" indent="0">
-              <a:lnSpc>
-                <a:spcPct val="100000"/>
-              </a:lnSpc>
-              <a:buNone/>
-            </a:pPr>
-            <a:r>
-              <a:rPr lang="en-US">
-                <a:sym typeface="+mn-ea"/>
-              </a:rPr>
-              <a:t>LLMs are prompted to extract entities from an NLQ by mapping them with all segments of the ontology. Hereby, the “entities” also include </a:t>
-            </a:r>
-            <a:r>
-              <a:rPr lang="en-US" u="sng">
-                <a:sym typeface="+mn-ea"/>
-              </a:rPr>
-              <a:t>class, property, or instance</a:t>
-            </a:r>
-            <a:r>
-              <a:rPr lang="en-US">
-                <a:sym typeface="+mn-ea"/>
-              </a:rPr>
-              <a:t>.</a:t>
-            </a:r>
-            <a:endParaRPr lang="en-US">
-              <a:sym typeface="+mn-ea"/>
-            </a:endParaRPr>
-          </a:p>
-          <a:p>
-            <a:pPr marL="457200" lvl="1" indent="0">
-              <a:lnSpc>
-                <a:spcPct val="100000"/>
-              </a:lnSpc>
-              <a:buNone/>
-            </a:pPr>
-            <a:r>
-              <a:rPr lang="zh-CN" altLang="en-US">
-                <a:sym typeface="+mn-ea"/>
-              </a:rPr>
-              <a:t>——</a:t>
-            </a:r>
-            <a:r>
-              <a:rPr lang="en-US" altLang="zh-CN">
-                <a:sym typeface="+mn-ea"/>
-              </a:rPr>
-              <a:t>key point</a:t>
-            </a:r>
-            <a:r>
-              <a:rPr lang="zh-CN" altLang="en-US">
-                <a:sym typeface="+mn-ea"/>
-              </a:rPr>
-              <a:t>！</a:t>
-            </a:r>
-            <a:endParaRPr lang="en-US">
-              <a:sym typeface="+mn-ea"/>
-            </a:endParaRPr>
-          </a:p>
-          <a:p>
-            <a:pPr>
-              <a:lnSpc>
-                <a:spcPct val="100000"/>
-              </a:lnSpc>
-            </a:pPr>
-            <a:r>
-              <a:rPr lang="en-US">
-                <a:sym typeface="+mn-ea"/>
-              </a:rPr>
-              <a:t>4. (</a:t>
-            </a:r>
-            <a:r>
-              <a:rPr lang="en-US">
-                <a:sym typeface="+mn-ea"/>
-              </a:rPr>
-              <a:t>Ontology) Subgraph Assembly</a:t>
-            </a:r>
-            <a:endParaRPr lang="en-US"/>
-          </a:p>
-          <a:p>
-            <a:pPr lvl="1">
-              <a:lnSpc>
-                <a:spcPct val="100000"/>
-              </a:lnSpc>
-            </a:pPr>
-            <a:r>
-              <a:rPr lang="en-US" altLang="zh-CN"/>
-              <a:t>Ontology is also a special graph!</a:t>
-            </a:r>
-            <a:endParaRPr lang="en-US" altLang="zh-CN"/>
-          </a:p>
-          <a:p>
-            <a:pPr lvl="1">
-              <a:lnSpc>
-                <a:spcPct val="100000"/>
-              </a:lnSpc>
-            </a:pPr>
-            <a:r>
-              <a:rPr lang="en-US" altLang="zh-CN"/>
-              <a:t>Overgeneralization-&gt;base for recommendation</a:t>
-            </a:r>
-            <a:endParaRPr lang="en-US" altLang="zh-CN"/>
-          </a:p>
-        </p:txBody>
-      </p:sp>
+      <p:pic>
+        <p:nvPicPr>
+          <p:cNvPr id="3" name="Picture 2"/>
+          <p:cNvPicPr>
+            <a:picLocks noChangeAspect="1"/>
+          </p:cNvPicPr>
+          <p:nvPr>
+            <p:custDataLst>
+              <p:tags r:id="rId4"/>
+            </p:custDataLst>
+          </p:nvPr>
+        </p:nvPicPr>
+        <p:blipFill>
+          <a:blip r:embed="rId5"/>
+          <a:stretch>
+            <a:fillRect/>
+          </a:stretch>
+        </p:blipFill>
+        <p:spPr>
+          <a:xfrm>
+            <a:off x="4316095" y="3492500"/>
+            <a:ext cx="880110" cy="870585"/>
+          </a:xfrm>
+          <a:prstGeom prst="rect">
+            <a:avLst/>
+          </a:prstGeom>
+        </p:spPr>
+      </p:pic>
     </p:spTree>
   </p:cSld>
   <p:clrMapOvr>
@@ -4864,91 +7196,219 @@
             <a:normAutofit/>
           </a:bodyPr>
           <a:p>
-            <a:r>
-              <a:rPr lang="en-US">
+            <a:pPr>
+              <a:lnSpc>
+                <a:spcPct val="100000"/>
+              </a:lnSpc>
+            </a:pPr>
+            <a:r>
+              <a:rPr lang="en-US" u="sng">
                 <a:sym typeface="+mn-ea"/>
               </a:rPr>
-              <a:t>5. SPARQL Generation and Verification Based on Subgraph</a:t>
+              <a:t>2. Ontology Segmentation</a:t>
+            </a:r>
+            <a:r>
+              <a:rPr lang="zh-CN" altLang="en-US">
+                <a:sym typeface="+mn-ea"/>
+              </a:rPr>
+              <a:t>：</a:t>
+            </a:r>
+            <a:r>
+              <a:rPr lang="en-US" altLang="zh-CN">
+                <a:sym typeface="+mn-ea"/>
+              </a:rPr>
+              <a:t>into 3 parts</a:t>
             </a:r>
             <a:endParaRPr lang="en-US">
               <a:sym typeface="+mn-ea"/>
             </a:endParaRPr>
           </a:p>
           <a:p>
-            <a:pPr lvl="1"/>
-            <a:r>
-              <a:rPr lang="en-US" altLang="zh-CN" sz="2400">
+            <a:pPr>
+              <a:lnSpc>
+                <a:spcPct val="100000"/>
+              </a:lnSpc>
+            </a:pPr>
+            <a:r>
+              <a:rPr lang="en-US" u="sng">
                 <a:sym typeface="+mn-ea"/>
               </a:rPr>
-              <a:t>(1)</a:t>
-            </a:r>
-            <a:r>
-              <a:rPr lang="en-US" sz="2400">
-                <a:sym typeface="+mn-ea"/>
-              </a:rPr>
-              <a:t>claude 3.7 (2) reflection: using ontology for validation</a:t>
-            </a:r>
-            <a:endParaRPr lang="en-US"/>
-          </a:p>
-          <a:p>
-            <a:r>
-              <a:rPr lang="en-US">
-                <a:sym typeface="+mn-ea"/>
-              </a:rPr>
-              <a:t>6. Retrieval Augmented Generation(RAG) and Recommendation</a:t>
+              <a:t>3. Entity Extraction from the Ontology Segments</a:t>
             </a:r>
             <a:endParaRPr lang="en-US">
               <a:sym typeface="+mn-ea"/>
             </a:endParaRPr>
           </a:p>
           <a:p>
-            <a:pPr lvl="1"/>
-            <a:r>
-              <a:rPr lang="en-US"/>
-              <a:t>Illustration on the retrieval result in respect to 3 contexts...</a:t>
-            </a:r>
-            <a:endParaRPr lang="en-US"/>
-          </a:p>
-          <a:p>
-            <a:pPr lvl="1"/>
-            <a:r>
-              <a:rPr lang="en-US"/>
-              <a:t>2 scenarios of the rusults:</a:t>
-            </a:r>
-            <a:endParaRPr lang="en-US"/>
-          </a:p>
-          <a:p>
-            <a:pPr lvl="1"/>
-            <a:r>
-              <a:rPr lang="en-US"/>
-              <a:t>(1) If the result is too large</a:t>
-            </a:r>
-            <a:endParaRPr lang="en-US"/>
-          </a:p>
-          <a:p>
-            <a:pPr lvl="1"/>
-            <a:r>
-              <a:rPr lang="en-US"/>
-              <a:t>(2) If the result is too small or even empty:</a:t>
-            </a:r>
-            <a:endParaRPr lang="en-US"/>
-          </a:p>
-          <a:p>
-            <a:pPr marL="914400" lvl="2" indent="0">
+            <a:pPr marL="457200" lvl="1" indent="0">
+              <a:lnSpc>
+                <a:spcPct val="100000"/>
+              </a:lnSpc>
               <a:buNone/>
             </a:pPr>
             <a:r>
-              <a:rPr lang="en-US"/>
-              <a:t>the retrieval scope is broadened by loosening query conditions/constraints in the SPARQL query, and other possible query patterns can be recommended</a:t>
+              <a:rPr lang="en-US">
+                <a:sym typeface="+mn-ea"/>
+              </a:rPr>
+              <a:t>LLMs are prompted to extract (isolated) entities from an NLQ by mapping them with all segments of the ontology. Hereby, the “entities” also include </a:t>
+            </a:r>
+            <a:r>
+              <a:rPr lang="en-US" u="sng">
+                <a:sym typeface="+mn-ea"/>
+              </a:rPr>
+              <a:t>class, property, or instance</a:t>
+            </a:r>
+            <a:r>
+              <a:rPr lang="en-US">
+                <a:sym typeface="+mn-ea"/>
+              </a:rPr>
+              <a:t>.</a:t>
+            </a:r>
+            <a:endParaRPr lang="en-US">
+              <a:sym typeface="+mn-ea"/>
+            </a:endParaRPr>
+          </a:p>
+          <a:p>
+            <a:pPr marL="457200" lvl="1" indent="0">
+              <a:lnSpc>
+                <a:spcPct val="100000"/>
+              </a:lnSpc>
+              <a:buNone/>
+            </a:pPr>
+            <a:r>
+              <a:rPr lang="zh-CN" altLang="en-US">
+                <a:sym typeface="+mn-ea"/>
+              </a:rPr>
+              <a:t>——</a:t>
+            </a:r>
+            <a:r>
+              <a:rPr lang="en-US" altLang="zh-CN">
+                <a:sym typeface="+mn-ea"/>
+              </a:rPr>
+              <a:t>key point</a:t>
+            </a:r>
+            <a:r>
+              <a:rPr lang="zh-CN" altLang="en-US">
+                <a:sym typeface="+mn-ea"/>
+              </a:rPr>
+              <a:t>！</a:t>
+            </a:r>
+            <a:r>
+              <a:rPr lang="en-US" altLang="zh-CN">
+                <a:solidFill>
+                  <a:schemeClr val="bg1">
+                    <a:lumMod val="85000"/>
+                  </a:schemeClr>
+                </a:solidFill>
+                <a:sym typeface="+mn-ea"/>
+              </a:rPr>
+              <a:t>It decides whether this approach is robust enough</a:t>
+            </a:r>
+            <a:endParaRPr lang="en-US">
+              <a:sym typeface="+mn-ea"/>
+            </a:endParaRPr>
+          </a:p>
+          <a:p>
+            <a:pPr>
+              <a:lnSpc>
+                <a:spcPct val="100000"/>
+              </a:lnSpc>
+            </a:pPr>
+            <a:r>
+              <a:rPr lang="en-US">
+                <a:sym typeface="+mn-ea"/>
+              </a:rPr>
+              <a:t>4. (</a:t>
+            </a:r>
+            <a:r>
+              <a:rPr lang="en-US">
+                <a:sym typeface="+mn-ea"/>
+              </a:rPr>
+              <a:t>Ontology) Subgraph Re-Assembly</a:t>
             </a:r>
             <a:endParaRPr lang="en-US"/>
           </a:p>
           <a:p>
-            <a:pPr lvl="1"/>
-            <a:endParaRPr lang="en-US"/>
-          </a:p>
-          <a:p>
-            <a:endParaRPr lang="en-US"/>
+            <a:pPr lvl="1">
+              <a:lnSpc>
+                <a:spcPct val="100000"/>
+              </a:lnSpc>
+            </a:pPr>
+            <a:r>
+              <a:rPr lang="en-US" altLang="zh-CN"/>
+              <a:t>Ontology is also a special graph! </a:t>
+            </a:r>
+            <a:r>
+              <a:rPr lang="en-US" altLang="zh-CN">
+                <a:solidFill>
+                  <a:schemeClr val="bg1">
+                    <a:lumMod val="85000"/>
+                  </a:schemeClr>
+                </a:solidFill>
+              </a:rPr>
+              <a:t>The nodes represent classes,</a:t>
+            </a:r>
+            <a:endParaRPr lang="en-US" altLang="zh-CN"/>
+          </a:p>
+          <a:p>
+            <a:pPr lvl="1">
+              <a:lnSpc>
+                <a:spcPct val="100000"/>
+              </a:lnSpc>
+            </a:pPr>
+            <a:r>
+              <a:rPr lang="en-US" altLang="zh-CN"/>
+              <a:t>Over-generalization-&gt;base for recommendation</a:t>
+            </a:r>
+            <a:endParaRPr lang="en-US" altLang="zh-CN"/>
+          </a:p>
+        </p:txBody>
+      </p:sp>
+      <p:sp>
+        <p:nvSpPr>
+          <p:cNvPr id="4" name="Text Box 3"/>
+          <p:cNvSpPr txBox="1"/>
+          <p:nvPr/>
+        </p:nvSpPr>
+        <p:spPr>
+          <a:xfrm>
+            <a:off x="9462770" y="5076825"/>
+            <a:ext cx="6096000" cy="368300"/>
+          </a:xfrm>
+          <a:prstGeom prst="rect">
+            <a:avLst/>
+          </a:prstGeom>
+          <a:noFill/>
+        </p:spPr>
+        <p:txBody>
+          <a:bodyPr wrap="square" rtlCol="0" anchor="t">
+            <a:spAutoFit/>
+          </a:bodyPr>
+          <a:p>
+            <a:pPr lvl="1">
+              <a:lnSpc>
+                <a:spcPct val="100000"/>
+              </a:lnSpc>
+            </a:pPr>
+            <a:r>
+              <a:rPr lang="en-US" altLang="zh-CN">
+                <a:solidFill>
+                  <a:schemeClr val="bg1">
+                    <a:lumMod val="85000"/>
+                  </a:schemeClr>
+                </a:solidFill>
+                <a:sym typeface="+mn-ea"/>
+              </a:rPr>
+              <a:t>and edges properties</a:t>
+            </a:r>
+            <a:endParaRPr lang="en-US" altLang="zh-CN">
+              <a:solidFill>
+                <a:schemeClr val="bg1">
+                  <a:lumMod val="85000"/>
+                </a:schemeClr>
+              </a:solidFill>
+              <a:sym typeface="+mn-ea"/>
+            </a:endParaRPr>
           </a:p>
         </p:txBody>
       </p:sp>
@@ -4985,67 +7445,119 @@
           <a:bodyPr/>
           <a:p>
             <a:r>
+              <a:rPr lang="en-US" sz="3600">
+                <a:sym typeface="+mn-ea"/>
+              </a:rPr>
+              <a:t>Python Script Workflow</a:t>
+            </a:r>
+            <a:endParaRPr lang="en-US" sz="3600"/>
+          </a:p>
+        </p:txBody>
+      </p:sp>
+      <p:sp>
+        <p:nvSpPr>
+          <p:cNvPr id="3" name="Content Placeholder 2"/>
+          <p:cNvSpPr>
+            <a:spLocks noGrp="1"/>
+          </p:cNvSpPr>
+          <p:nvPr>
+            <p:ph idx="1"/>
+          </p:nvPr>
+        </p:nvSpPr>
+        <p:spPr/>
+        <p:txBody>
+          <a:bodyPr>
+            <a:normAutofit/>
+          </a:bodyPr>
+          <a:p>
+            <a:r>
               <a:rPr lang="en-US">
                 <a:sym typeface="+mn-ea"/>
               </a:rPr>
-              <a:t>Advance</a:t>
-            </a:r>
-            <a:endParaRPr lang="en-US"/>
-          </a:p>
-        </p:txBody>
-      </p:sp>
-      <p:sp>
-        <p:nvSpPr>
-          <p:cNvPr id="3" name="Content Placeholder 2"/>
-          <p:cNvSpPr>
-            <a:spLocks noGrp="1"/>
-          </p:cNvSpPr>
-          <p:nvPr>
-            <p:ph idx="1"/>
-          </p:nvPr>
-        </p:nvSpPr>
-        <p:spPr/>
-        <p:txBody>
-          <a:bodyPr/>
-          <a:p>
-            <a:r>
-              <a:rPr lang="en-US" sz="2800">
-                <a:sym typeface="+mn-ea"/>
-              </a:rPr>
-              <a:t>7* examples (storage)/ vector databases</a:t>
-            </a:r>
-            <a:endParaRPr lang="en-US" sz="2800">
+              <a:t>5. SPARQL Generation and Verification Based on Subgraph</a:t>
+            </a:r>
+            <a:endParaRPr lang="en-US">
               <a:sym typeface="+mn-ea"/>
             </a:endParaRPr>
           </a:p>
           <a:p>
-            <a:r>
-              <a:rPr lang="en-US" sz="2800">
+            <a:pPr lvl="1"/>
+            <a:r>
+              <a:rPr lang="en-US" altLang="zh-CN" sz="2400">
                 <a:sym typeface="+mn-ea"/>
               </a:rPr>
-              <a:t>8* SPARQL2NetworkAnalysis</a:t>
-            </a:r>
-            <a:endParaRPr lang="en-US" sz="2800"/>
+              <a:t>(1)</a:t>
+            </a:r>
+            <a:r>
+              <a:rPr lang="en-US" sz="2400">
+                <a:sym typeface="+mn-ea"/>
+              </a:rPr>
+              <a:t>claude 3.7 (2) reflection: using ontology for validation</a:t>
+            </a:r>
+            <a:endParaRPr lang="en-US"/>
+          </a:p>
+          <a:p>
+            <a:r>
+              <a:rPr lang="en-US">
+                <a:sym typeface="+mn-ea"/>
+              </a:rPr>
+              <a:t>6. Retrieval Augmented Generation(RAG) and Recommendation</a:t>
+            </a:r>
+            <a:endParaRPr lang="en-US">
+              <a:sym typeface="+mn-ea"/>
+            </a:endParaRPr>
           </a:p>
           <a:p>
             <a:pPr lvl="1"/>
             <a:r>
-              <a:rPr lang="en-US" sz="2800">
-                <a:sym typeface="+mn-ea"/>
-              </a:rPr>
-              <a:t>(1)Obtain data for h...network typed edge list data</a:t>
-            </a:r>
-            <a:endParaRPr lang="en-US" sz="2800"/>
+              <a:rPr lang="en-US"/>
+              <a:t>Illustration on the retrieval result in respect to 3 contexts...</a:t>
+            </a:r>
+            <a:endParaRPr lang="en-US"/>
           </a:p>
           <a:p>
             <a:pPr lvl="1"/>
             <a:r>
-              <a:rPr lang="en-US" sz="2800">
-                <a:sym typeface="+mn-ea"/>
-              </a:rPr>
-              <a:t>(2)Visualization</a:t>
-            </a:r>
-            <a:endParaRPr lang="en-US" sz="2800"/>
+              <a:rPr lang="en-US"/>
+              <a:t>2 scenarios of the rusults:</a:t>
+            </a:r>
+            <a:endParaRPr lang="en-US"/>
+          </a:p>
+          <a:p>
+            <a:pPr lvl="1"/>
+            <a:r>
+              <a:rPr lang="en-US"/>
+              <a:t>(1) If the result is too large or complicated, e.g.: </a:t>
+            </a:r>
+            <a:r>
+              <a:rPr lang="en-US">
+                <a:hlinkClick r:id="rId1" tooltip="" action="ppaction://hlinkfile"/>
+              </a:rPr>
+              <a:t>issues 60</a:t>
+            </a:r>
+            <a:endParaRPr lang="en-US"/>
+          </a:p>
+          <a:p>
+            <a:pPr lvl="1"/>
+            <a:r>
+              <a:rPr lang="en-US"/>
+              <a:t>(2) If the result is too small or even empty:</a:t>
+            </a:r>
+            <a:endParaRPr lang="en-US"/>
+          </a:p>
+          <a:p>
+            <a:pPr marL="914400" lvl="2" indent="0">
+              <a:buNone/>
+            </a:pPr>
+            <a:r>
+              <a:rPr lang="en-US"/>
+              <a:t>the retrieval scope is broadened by loosening query conditions/constraints in the SPARQL query, and other possible query patterns can be recommended</a:t>
+            </a:r>
+            <a:endParaRPr lang="en-US"/>
+          </a:p>
+          <a:p>
+            <a:pPr lvl="1"/>
+            <a:endParaRPr lang="en-US"/>
           </a:p>
           <a:p>
             <a:endParaRPr lang="en-US"/>
@@ -5062,11 +7574,36 @@
 
 <file path=ppt/tags/tag1.xml><?xml version="1.0" encoding="utf-8"?>
 <p:tagLst xmlns:p="http://schemas.openxmlformats.org/presentationml/2006/main">
+  <p:tag name="TABLE_ENDDRAG_ORIGIN_RECT" val="770*202"/>
+  <p:tag name="TABLE_ENDDRAG_RECT" val="94*335*770*202"/>
+</p:tagLst>
+</file>
+
+<file path=ppt/tags/tag2.xml><?xml version="1.0" encoding="utf-8"?>
+<p:tagLst xmlns:p="http://schemas.openxmlformats.org/presentationml/2006/main">
   <p:tag name="KSO_WM_BEAUTIFY_FLAG" val=""/>
 </p:tagLst>
 </file>
 
-<file path=ppt/tags/tag2.xml><?xml version="1.0" encoding="utf-8"?>
+<file path=ppt/tags/tag3.xml><?xml version="1.0" encoding="utf-8"?>
+<p:tagLst xmlns:p="http://schemas.openxmlformats.org/presentationml/2006/main">
+  <p:tag name="KSO_WM_BEAUTIFY_FLAG" val=""/>
+</p:tagLst>
+</file>
+
+<file path=ppt/tags/tag4.xml><?xml version="1.0" encoding="utf-8"?>
+<p:tagLst xmlns:p="http://schemas.openxmlformats.org/presentationml/2006/main">
+  <p:tag name="KSO_WM_BEAUTIFY_FLAG" val=""/>
+</p:tagLst>
+</file>
+
+<file path=ppt/tags/tag5.xml><?xml version="1.0" encoding="utf-8"?>
+<p:tagLst xmlns:p="http://schemas.openxmlformats.org/presentationml/2006/main">
+  <p:tag name="KSO_WM_BEAUTIFY_FLAG" val=""/>
+</p:tagLst>
+</file>
+
+<file path=ppt/tags/tag6.xml><?xml version="1.0" encoding="utf-8"?>
 <p:tagLst xmlns:p="http://schemas.openxmlformats.org/presentationml/2006/main">
   <p:tag name="KSO_WM_BEAUTIFY_FLAG" val=""/>
 </p:tagLst>

--- a/handOver_generalReviewOf_LinkedMusicQueries2024-2025.pptx
+++ b/handOver_generalReviewOf_LinkedMusicQueries2024-2025.pptx
@@ -8,7 +8,7 @@
     <p:notesMasterId r:id="rId4"/>
   </p:notesMasterIdLst>
   <p:handoutMasterIdLst>
-    <p:handoutMasterId r:id="rId18"/>
+    <p:handoutMasterId r:id="rId21"/>
   </p:handoutMasterIdLst>
   <p:sldIdLst>
     <p:sldId id="256" r:id="rId3"/>
@@ -20,11 +20,14 @@
     <p:sldId id="261" r:id="rId10"/>
     <p:sldId id="262" r:id="rId11"/>
     <p:sldId id="265" r:id="rId12"/>
-    <p:sldId id="266" r:id="rId13"/>
-    <p:sldId id="263" r:id="rId14"/>
-    <p:sldId id="268" r:id="rId15"/>
-    <p:sldId id="269" r:id="rId16"/>
-    <p:sldId id="270" r:id="rId17"/>
+    <p:sldId id="282" r:id="rId13"/>
+    <p:sldId id="283" r:id="rId14"/>
+    <p:sldId id="266" r:id="rId15"/>
+    <p:sldId id="263" r:id="rId16"/>
+    <p:sldId id="268" r:id="rId17"/>
+    <p:sldId id="269" r:id="rId18"/>
+    <p:sldId id="270" r:id="rId19"/>
+    <p:sldId id="284" r:id="rId20"/>
   </p:sldIdLst>
   <p:sldSz cx="12192000" cy="6858000"/>
   <p:notesSz cx="7103745" cy="10234295"/>
@@ -126,7 +129,7 @@
   <p:extLst>
     <p:ext uri="{EFAFB233-063F-42B5-8137-9DF3F51BA10A}">
       <p15:sldGuideLst xmlns:p15="http://schemas.microsoft.com/office/powerpoint/2012/main">
-        <p15:guide id="1" orient="horz" pos="2160" userDrawn="1">
+        <p15:guide id="1" orient="horz" pos="2130" userDrawn="1">
           <p15:clr>
             <a:srgbClr val="A4A3A4"/>
           </p15:clr>
@@ -159,7 +162,7 @@
     <p:pos x="6139" y="2101"/>
     <p:text>Use OWL &amp; shapes to realize Federal Queries</p:text>
   </p:cm>
-  <p:cm authorId="1" dt="2025-05-21T17:11:09.520" idx="5">
+  <p:cm authorId="1" dt="2025-05-30T11:35:26.484" idx="5">
     <p:pos x="4380" y="3291"/>
     <p:text>new challenge:
 (1) difficult for data reconciliation
@@ -1012,6 +1015,102 @@
 </p:notes>
 </file>
 
+<file path=ppt/notesSlides/notesSlide15.xml><?xml version="1.0" encoding="utf-8"?>
+<p:notes xmlns:a="http://schemas.openxmlformats.org/drawingml/2006/main" xmlns:r="http://schemas.openxmlformats.org/officeDocument/2006/relationships" xmlns:p="http://schemas.openxmlformats.org/presentationml/2006/main">
+  <p:cSld>
+    <p:spTree>
+      <p:nvGrpSpPr>
+        <p:cNvPr id="1" name=""/>
+        <p:cNvGrpSpPr/>
+        <p:nvPr/>
+      </p:nvGrpSpPr>
+      <p:grpSpPr/>
+      <p:sp>
+        <p:nvSpPr>
+          <p:cNvPr id="2" name="Slide Image Placeholder 1"/>
+          <p:cNvSpPr>
+            <a:spLocks noGrp="1"/>
+          </p:cNvSpPr>
+          <p:nvPr>
+            <p:ph type="sldImg" idx="2"/>
+          </p:nvPr>
+        </p:nvSpPr>
+        <p:spPr/>
+      </p:sp>
+      <p:sp>
+        <p:nvSpPr>
+          <p:cNvPr id="3" name="Text Placeholder 2"/>
+          <p:cNvSpPr>
+            <a:spLocks noGrp="1"/>
+          </p:cNvSpPr>
+          <p:nvPr>
+            <p:ph type="body" idx="3"/>
+          </p:nvPr>
+        </p:nvSpPr>
+        <p:spPr/>
+        <p:txBody>
+          <a:bodyPr/>
+          <a:p>
+            <a:endParaRPr lang="en-US"/>
+          </a:p>
+        </p:txBody>
+      </p:sp>
+    </p:spTree>
+  </p:cSld>
+  <p:clrMapOvr>
+    <a:masterClrMapping/>
+  </p:clrMapOvr>
+</p:notes>
+</file>
+
+<file path=ppt/notesSlides/notesSlide16.xml><?xml version="1.0" encoding="utf-8"?>
+<p:notes xmlns:a="http://schemas.openxmlformats.org/drawingml/2006/main" xmlns:r="http://schemas.openxmlformats.org/officeDocument/2006/relationships" xmlns:p="http://schemas.openxmlformats.org/presentationml/2006/main">
+  <p:cSld>
+    <p:spTree>
+      <p:nvGrpSpPr>
+        <p:cNvPr id="1" name=""/>
+        <p:cNvGrpSpPr/>
+        <p:nvPr/>
+      </p:nvGrpSpPr>
+      <p:grpSpPr/>
+      <p:sp>
+        <p:nvSpPr>
+          <p:cNvPr id="2" name="Slide Image Placeholder 1"/>
+          <p:cNvSpPr>
+            <a:spLocks noGrp="1"/>
+          </p:cNvSpPr>
+          <p:nvPr>
+            <p:ph type="sldImg" idx="2"/>
+          </p:nvPr>
+        </p:nvSpPr>
+        <p:spPr/>
+      </p:sp>
+      <p:sp>
+        <p:nvSpPr>
+          <p:cNvPr id="3" name="Text Placeholder 2"/>
+          <p:cNvSpPr>
+            <a:spLocks noGrp="1"/>
+          </p:cNvSpPr>
+          <p:nvPr>
+            <p:ph type="body" idx="3"/>
+          </p:nvPr>
+        </p:nvSpPr>
+        <p:spPr/>
+        <p:txBody>
+          <a:bodyPr/>
+          <a:p>
+            <a:endParaRPr lang="en-US"/>
+          </a:p>
+        </p:txBody>
+      </p:sp>
+    </p:spTree>
+  </p:cSld>
+  <p:clrMapOvr>
+    <a:masterClrMapping/>
+  </p:clrMapOvr>
+</p:notes>
+</file>
+
 <file path=ppt/notesSlides/notesSlide2.xml><?xml version="1.0" encoding="utf-8"?>
 <p:notes xmlns:a="http://schemas.openxmlformats.org/drawingml/2006/main" xmlns:r="http://schemas.openxmlformats.org/officeDocument/2006/relationships" xmlns:p="http://schemas.openxmlformats.org/presentationml/2006/main">
   <p:cSld>
@@ -1597,6 +1696,7 @@
   <p:clrMapOvr>
     <a:masterClrMapping/>
   </p:clrMapOvr>
+  <p:hf sldNum="0" hdr="0" ftr="0" dt="0"/>
 </p:sldLayout>
 </file>
 
@@ -1746,6 +1846,7 @@
   <p:clrMapOvr>
     <a:masterClrMapping/>
   </p:clrMapOvr>
+  <p:hf sldNum="0" hdr="0" ftr="0" dt="0"/>
 </p:sldLayout>
 </file>
 
@@ -1984,6 +2085,7 @@
   <p:clrMapOvr>
     <a:masterClrMapping/>
   </p:clrMapOvr>
+  <p:hf sldNum="0" hdr="0" ftr="0" dt="0"/>
 </p:sldLayout>
 </file>
 
@@ -2228,6 +2330,7 @@
   <p:clrMapOvr>
     <a:masterClrMapping/>
   </p:clrMapOvr>
+  <p:hf sldNum="0" hdr="0" ftr="0" dt="0"/>
 </p:sldLayout>
 </file>
 
@@ -2610,6 +2713,7 @@
   <p:clrMapOvr>
     <a:masterClrMapping/>
   </p:clrMapOvr>
+  <p:hf sldNum="0" hdr="0" ftr="0" dt="0"/>
 </p:sldLayout>
 </file>
 
@@ -2984,6 +3088,7 @@
   <p:clrMapOvr>
     <a:masterClrMapping/>
   </p:clrMapOvr>
+  <p:hf sldNum="0" hdr="0" ftr="0" dt="0"/>
 </p:sldLayout>
 </file>
 
@@ -3108,6 +3213,7 @@
   <p:clrMapOvr>
     <a:masterClrMapping/>
   </p:clrMapOvr>
+  <p:hf sldNum="0" hdr="0" ftr="0" dt="0"/>
 </p:sldLayout>
 </file>
 
@@ -3196,6 +3302,7 @@
   <p:clrMapOvr>
     <a:masterClrMapping/>
   </p:clrMapOvr>
+  <p:hf sldNum="0" hdr="0" ftr="0" dt="0"/>
 </p:sldLayout>
 </file>
 
@@ -3452,6 +3559,7 @@
   <p:clrMapOvr>
     <a:masterClrMapping/>
   </p:clrMapOvr>
+  <p:hf sldNum="0" hdr="0" ftr="0" dt="0"/>
 </p:sldLayout>
 </file>
 
@@ -3635,6 +3743,7 @@
   <p:clrMapOvr>
     <a:masterClrMapping/>
   </p:clrMapOvr>
+  <p:hf sldNum="0" hdr="0" ftr="0" dt="0"/>
 </p:sldLayout>
 </file>
 
@@ -3900,6 +4009,7 @@
     <p:sldLayoutId id="2147483657" r:id="rId9"/>
     <p:sldLayoutId id="2147483658" r:id="rId10"/>
   </p:sldLayoutIdLst>
+  <p:hf sldNum="0" hdr="0" ftr="0" dt="0"/>
   <p:txStyles>
     <p:titleStyle>
       <a:lvl1pPr algn="l" defTabSz="914400" rtl="0" eaLnBrk="1" latinLnBrk="0" hangingPunct="1">
@@ -4240,7 +4350,7 @@
         <p:spPr/>
         <p:txBody>
           <a:bodyPr>
-            <a:normAutofit fontScale="90000" lnSpcReduction="20000"/>
+            <a:normAutofit fontScale="50000"/>
           </a:bodyPr>
           <a:lstStyle/>
           <a:p>
@@ -4265,6 +4375,17 @@
                 <a:latin typeface="+mn-lt"/>
               </a:rPr>
               <a:t>Junjun Cao</a:t>
+            </a:r>
+            <a:endParaRPr lang="en-US" altLang="zh-CN" sz="4000" dirty="0">
+              <a:latin typeface="+mn-lt"/>
+            </a:endParaRPr>
+          </a:p>
+          <a:p>
+            <a:r>
+              <a:rPr lang="en-US" altLang="zh-CN" sz="4000" dirty="0">
+                <a:latin typeface="+mn-lt"/>
+              </a:rPr>
+              <a:t>alienmusedh@gmail.com</a:t>
             </a:r>
             <a:endParaRPr lang="en-US" altLang="zh-CN" sz="4000" dirty="0">
               <a:latin typeface="+mn-lt"/>
@@ -4305,6 +4426,384 @@
           <a:bodyPr/>
           <a:p>
             <a:r>
+              <a:rPr lang="en-US" sz="3600">
+                <a:sym typeface="+mn-ea"/>
+              </a:rPr>
+              <a:t>Python Script Workflow</a:t>
+            </a:r>
+            <a:endParaRPr lang="en-US" sz="3600"/>
+          </a:p>
+        </p:txBody>
+      </p:sp>
+      <p:sp>
+        <p:nvSpPr>
+          <p:cNvPr id="3" name="Content Placeholder 2"/>
+          <p:cNvSpPr>
+            <a:spLocks noGrp="1"/>
+          </p:cNvSpPr>
+          <p:nvPr>
+            <p:ph idx="1"/>
+          </p:nvPr>
+        </p:nvSpPr>
+        <p:spPr/>
+        <p:txBody>
+          <a:bodyPr>
+            <a:normAutofit fontScale="90000"/>
+          </a:bodyPr>
+          <a:p>
+            <a:pPr>
+              <a:lnSpc>
+                <a:spcPct val="100000"/>
+              </a:lnSpc>
+            </a:pPr>
+            <a:r>
+              <a:rPr lang="en-US">
+                <a:sym typeface="+mn-ea"/>
+              </a:rPr>
+              <a:t>6. Retrieval Augmented Generation(RAG) and </a:t>
+            </a:r>
+            <a:r>
+              <a:rPr lang="en-US" b="1">
+                <a:solidFill>
+                  <a:schemeClr val="accent1"/>
+                </a:solidFill>
+                <a:sym typeface="+mn-ea"/>
+              </a:rPr>
+              <a:t>Recommendation</a:t>
+            </a:r>
+            <a:endParaRPr lang="en-US">
+              <a:sym typeface="+mn-ea"/>
+            </a:endParaRPr>
+          </a:p>
+          <a:p>
+            <a:pPr lvl="1">
+              <a:lnSpc>
+                <a:spcPct val="100000"/>
+              </a:lnSpc>
+            </a:pPr>
+            <a:r>
+              <a:rPr lang="en-US"/>
+              <a:t>2 scenarios of the rusults:</a:t>
+            </a:r>
+            <a:endParaRPr lang="en-US"/>
+          </a:p>
+          <a:p>
+            <a:pPr lvl="1">
+              <a:lnSpc>
+                <a:spcPct val="100000"/>
+              </a:lnSpc>
+            </a:pPr>
+            <a:r>
+              <a:rPr lang="en-US"/>
+              <a:t>(2) If the result is small or empty -&gt; Recommendation Based on:</a:t>
+            </a:r>
+            <a:endParaRPr lang="en-US"/>
+          </a:p>
+          <a:p>
+            <a:pPr lvl="1">
+              <a:lnSpc>
+                <a:spcPct val="100000"/>
+              </a:lnSpc>
+            </a:pPr>
+            <a:r>
+              <a:rPr lang="en-US"/>
+              <a:t>A. Relaxing SPARQL </a:t>
+            </a:r>
+            <a:r>
+              <a:rPr lang="en-US"/>
+              <a:t>Con</a:t>
+            </a:r>
+            <a:r>
+              <a:rPr lang="en-US"/>
+              <a:t>straint</a:t>
+            </a:r>
+            <a:endParaRPr lang="en-US"/>
+          </a:p>
+          <a:p>
+            <a:pPr lvl="1">
+              <a:lnSpc>
+                <a:spcPct val="100000"/>
+              </a:lnSpc>
+            </a:pPr>
+            <a:r>
+              <a:rPr lang="en-US">
+                <a:solidFill>
+                  <a:schemeClr val="accent1"/>
+                </a:solidFill>
+              </a:rPr>
+              <a:t>B. the neighborhood within the Ontology Subgraph</a:t>
+            </a:r>
+            <a:endParaRPr lang="en-US">
+              <a:solidFill>
+                <a:schemeClr val="accent1"/>
+              </a:solidFill>
+            </a:endParaRPr>
+          </a:p>
+          <a:p>
+            <a:pPr lvl="1">
+              <a:lnSpc>
+                <a:spcPct val="100000"/>
+              </a:lnSpc>
+            </a:pPr>
+            <a:endParaRPr lang="en-US">
+              <a:solidFill>
+                <a:schemeClr val="accent1"/>
+              </a:solidFill>
+            </a:endParaRPr>
+          </a:p>
+          <a:p>
+            <a:pPr marL="0" lvl="0" indent="0">
+              <a:lnSpc>
+                <a:spcPct val="130000"/>
+              </a:lnSpc>
+              <a:buNone/>
+            </a:pPr>
+            <a:r>
+              <a:rPr lang="en-US">
+                <a:solidFill>
+                  <a:schemeClr val="tx2"/>
+                </a:solidFill>
+              </a:rPr>
+              <a:t>The aforementioned can be found in the paper: </a:t>
+            </a:r>
+            <a:r>
+              <a:rPr lang="en-US" sz="2400" i="1">
+                <a:solidFill>
+                  <a:schemeClr val="tx2"/>
+                </a:solidFill>
+              </a:rPr>
+              <a:t>ESEA (East-and-Southeast-Asian) Traditional Music Knowledge Base and its Ontology-subgraph-driven NLQ2SPARQL Intelligent Question-Answering System Research</a:t>
+            </a:r>
+            <a:endParaRPr lang="en-US" sz="2400">
+              <a:solidFill>
+                <a:schemeClr val="tx2"/>
+              </a:solidFill>
+            </a:endParaRPr>
+          </a:p>
+          <a:p>
+            <a:endParaRPr lang="en-US" sz="2400">
+              <a:solidFill>
+                <a:schemeClr val="tx2"/>
+              </a:solidFill>
+            </a:endParaRPr>
+          </a:p>
+        </p:txBody>
+      </p:sp>
+    </p:spTree>
+  </p:cSld>
+  <p:clrMapOvr>
+    <a:masterClrMapping/>
+  </p:clrMapOvr>
+</p:sld>
+</file>
+
+<file path=ppt/slides/slide11.xml><?xml version="1.0" encoding="utf-8"?>
+<p:sld xmlns:a="http://schemas.openxmlformats.org/drawingml/2006/main" xmlns:r="http://schemas.openxmlformats.org/officeDocument/2006/relationships" xmlns:p="http://schemas.openxmlformats.org/presentationml/2006/main">
+  <p:cSld>
+    <p:spTree>
+      <p:nvGrpSpPr>
+        <p:cNvPr id="1" name=""/>
+        <p:cNvGrpSpPr/>
+        <p:nvPr/>
+      </p:nvGrpSpPr>
+      <p:grpSpPr/>
+      <p:sp>
+        <p:nvSpPr>
+          <p:cNvPr id="2" name="Title 1"/>
+          <p:cNvSpPr>
+            <a:spLocks noGrp="1"/>
+          </p:cNvSpPr>
+          <p:nvPr>
+            <p:ph type="title"/>
+          </p:nvPr>
+        </p:nvSpPr>
+        <p:spPr>
+          <a:xfrm>
+            <a:off x="6094730" y="258445"/>
+            <a:ext cx="5068570" cy="1325880"/>
+          </a:xfrm>
+        </p:spPr>
+        <p:txBody>
+          <a:bodyPr/>
+          <a:p>
+            <a:r>
+              <a:rPr lang="en-US" sz="3600">
+                <a:sym typeface="+mn-ea"/>
+              </a:rPr>
+              <a:t>Python Script Workflow</a:t>
+            </a:r>
+            <a:endParaRPr lang="en-US" sz="3600"/>
+          </a:p>
+        </p:txBody>
+      </p:sp>
+      <p:pic>
+        <p:nvPicPr>
+          <p:cNvPr id="4" name="Picture 3"/>
+          <p:cNvPicPr>
+            <a:picLocks noChangeAspect="1"/>
+          </p:cNvPicPr>
+          <p:nvPr>
+            <p:custDataLst>
+              <p:tags r:id="rId1"/>
+            </p:custDataLst>
+          </p:nvPr>
+        </p:nvPicPr>
+        <p:blipFill>
+          <a:blip r:embed="rId2"/>
+          <a:stretch>
+            <a:fillRect/>
+          </a:stretch>
+        </p:blipFill>
+        <p:spPr>
+          <a:xfrm>
+            <a:off x="898525" y="0"/>
+            <a:ext cx="4835525" cy="6858000"/>
+          </a:xfrm>
+          <a:prstGeom prst="rect">
+            <a:avLst/>
+          </a:prstGeom>
+        </p:spPr>
+      </p:pic>
+      <p:sp>
+        <p:nvSpPr>
+          <p:cNvPr id="5" name="Content Placeholder 4"/>
+          <p:cNvSpPr/>
+          <p:nvPr>
+            <p:ph idx="1"/>
+          </p:nvPr>
+        </p:nvSpPr>
+        <p:spPr>
+          <a:xfrm>
+            <a:off x="6095365" y="1825625"/>
+            <a:ext cx="5067935" cy="4351655"/>
+          </a:xfrm>
+        </p:spPr>
+        <p:txBody>
+          <a:bodyPr>
+            <a:normAutofit fontScale="90000"/>
+          </a:bodyPr>
+          <a:p>
+            <a:pPr>
+              <a:lnSpc>
+                <a:spcPct val="110000"/>
+              </a:lnSpc>
+            </a:pPr>
+            <a:r>
+              <a:rPr lang="en-US" sz="2000"/>
+              <a:t>NLQ: Where is the "dongbula" (dombra, 东不拉) distributed, and what other plucked string instruments are distributed in the same regions/places? -&gt; </a:t>
+            </a:r>
+            <a:r>
+              <a:rPr lang="en-US" sz="2000">
+                <a:solidFill>
+                  <a:schemeClr val="accent6">
+                    <a:lumMod val="60000"/>
+                    <a:lumOff val="40000"/>
+                  </a:schemeClr>
+                </a:solidFill>
+              </a:rPr>
+              <a:t>Light Red</a:t>
+            </a:r>
+            <a:r>
+              <a:rPr lang="en-US" sz="2000"/>
+              <a:t> Area</a:t>
+            </a:r>
+            <a:endParaRPr lang="en-US" sz="2000"/>
+          </a:p>
+          <a:p>
+            <a:pPr>
+              <a:lnSpc>
+                <a:spcPct val="110000"/>
+              </a:lnSpc>
+            </a:pPr>
+            <a:r>
+              <a:rPr lang="en-US" sz="2000"/>
+              <a:t>The Recommended pairs of NLQ &amp; SPARQLs are based on the neighbourhood of the subgraph</a:t>
+            </a:r>
+            <a:endParaRPr lang="en-US" sz="2000"/>
+          </a:p>
+          <a:p>
+            <a:pPr>
+              <a:lnSpc>
+                <a:spcPct val="110000"/>
+              </a:lnSpc>
+            </a:pPr>
+            <a:r>
+              <a:rPr lang="en-US" sz="2000"/>
+              <a:t>Reflection</a:t>
+            </a:r>
+            <a:r>
+              <a:rPr lang="zh-CN" altLang="en-US" sz="2000"/>
+              <a:t>：</a:t>
+            </a:r>
+            <a:endParaRPr lang="zh-CN" altLang="en-US" sz="2000"/>
+          </a:p>
+          <a:p>
+            <a:pPr>
+              <a:lnSpc>
+                <a:spcPct val="110000"/>
+              </a:lnSpc>
+            </a:pPr>
+            <a:r>
+              <a:rPr lang="en-US" altLang="zh-CN" sz="2000"/>
+              <a:t>(1) The Ambiguity of NLQ necessiates </a:t>
+            </a:r>
+            <a:r>
+              <a:rPr lang="en-US" altLang="zh-CN" sz="2000"/>
+              <a:t>recommendation</a:t>
+            </a:r>
+            <a:endParaRPr lang="en-US" altLang="zh-CN" sz="2000"/>
+          </a:p>
+          <a:p>
+            <a:pPr>
+              <a:lnSpc>
+                <a:spcPct val="110000"/>
+              </a:lnSpc>
+            </a:pPr>
+            <a:r>
+              <a:rPr lang="en-US" altLang="zh-CN" sz="2000"/>
+              <a:t>(2) L</a:t>
+            </a:r>
+            <a:r>
+              <a:rPr lang="en-US" altLang="zh-CN" sz="2000"/>
+              <a:t>imitation of the approach: SPO-triples-question</a:t>
+            </a:r>
+            <a:endParaRPr lang="en-US" altLang="zh-CN" sz="2000"/>
+          </a:p>
+        </p:txBody>
+      </p:sp>
+    </p:spTree>
+  </p:cSld>
+  <p:clrMapOvr>
+    <a:masterClrMapping/>
+  </p:clrMapOvr>
+</p:sld>
+</file>
+
+<file path=ppt/slides/slide12.xml><?xml version="1.0" encoding="utf-8"?>
+<p:sld xmlns:a="http://schemas.openxmlformats.org/drawingml/2006/main" xmlns:r="http://schemas.openxmlformats.org/officeDocument/2006/relationships" xmlns:p="http://schemas.openxmlformats.org/presentationml/2006/main">
+  <p:cSld>
+    <p:spTree>
+      <p:nvGrpSpPr>
+        <p:cNvPr id="1" name=""/>
+        <p:cNvGrpSpPr/>
+        <p:nvPr/>
+      </p:nvGrpSpPr>
+      <p:grpSpPr/>
+      <p:sp>
+        <p:nvSpPr>
+          <p:cNvPr id="2" name="Title 1"/>
+          <p:cNvSpPr>
+            <a:spLocks noGrp="1"/>
+          </p:cNvSpPr>
+          <p:nvPr>
+            <p:ph type="title"/>
+          </p:nvPr>
+        </p:nvSpPr>
+        <p:spPr/>
+        <p:txBody>
+          <a:bodyPr/>
+          <a:p>
+            <a:r>
               <a:rPr lang="en-US">
                 <a:sym typeface="+mn-ea"/>
               </a:rPr>
@@ -4409,7 +4908,7 @@
               <a:rPr lang="en-US" sz="2800">
                 <a:sym typeface="+mn-ea"/>
               </a:rPr>
-              <a:t>8* SPARQL2NetworkAnalysis</a:t>
+              <a:t>8* NLQ2SPARQL2NetworkAnalysis</a:t>
             </a:r>
             <a:endParaRPr lang="en-US" sz="2800"/>
           </a:p>
@@ -4530,442 +5029,6 @@
 </p:sld>
 </file>
 
-<file path=ppt/slides/slide11.xml><?xml version="1.0" encoding="utf-8"?>
-<p:sld xmlns:a="http://schemas.openxmlformats.org/drawingml/2006/main" xmlns:r="http://schemas.openxmlformats.org/officeDocument/2006/relationships" xmlns:p="http://schemas.openxmlformats.org/presentationml/2006/main">
-  <p:cSld>
-    <p:spTree>
-      <p:nvGrpSpPr>
-        <p:cNvPr id="1" name=""/>
-        <p:cNvGrpSpPr/>
-        <p:nvPr/>
-      </p:nvGrpSpPr>
-      <p:grpSpPr/>
-      <p:sp>
-        <p:nvSpPr>
-          <p:cNvPr id="2" name="Title 1"/>
-          <p:cNvSpPr>
-            <a:spLocks noGrp="1"/>
-          </p:cNvSpPr>
-          <p:nvPr>
-            <p:ph type="title"/>
-          </p:nvPr>
-        </p:nvSpPr>
-        <p:spPr/>
-        <p:txBody>
-          <a:bodyPr/>
-          <a:p>
-            <a:r>
-              <a:rPr lang="en-US"/>
-              <a:t>Advance</a:t>
-            </a:r>
-            <a:endParaRPr lang="en-US"/>
-          </a:p>
-        </p:txBody>
-      </p:sp>
-      <p:sp>
-        <p:nvSpPr>
-          <p:cNvPr id="3" name="Content Placeholder 2"/>
-          <p:cNvSpPr>
-            <a:spLocks noGrp="1"/>
-          </p:cNvSpPr>
-          <p:nvPr>
-            <p:ph idx="1"/>
-          </p:nvPr>
-        </p:nvSpPr>
-        <p:spPr/>
-        <p:txBody>
-          <a:bodyPr>
-            <a:normAutofit/>
-          </a:bodyPr>
-          <a:p>
-            <a:r>
-              <a:rPr lang="en-US"/>
-              <a:t>Other NLQ examples beyond the scope of previous ... </a:t>
-            </a:r>
-            <a:r>
-              <a:rPr lang="en-US" b="1"/>
-              <a:t>Agent Development, </a:t>
-            </a:r>
-            <a:r>
-              <a:rPr lang="zh-CN" altLang="en-US" b="1"/>
-              <a:t>扣子</a:t>
-            </a:r>
-            <a:r>
-              <a:rPr lang="en-US" altLang="zh-CN" b="1"/>
-              <a:t> </a:t>
-            </a:r>
-            <a:r>
-              <a:rPr lang="en-US" altLang="zh-CN" sz="2000"/>
-              <a:t>(developed by ByteDance)</a:t>
-            </a:r>
-            <a:endParaRPr lang="en-US" sz="2000"/>
-          </a:p>
-          <a:p>
-            <a:pPr marL="0" indent="0">
-              <a:buNone/>
-            </a:pPr>
-            <a:r>
-              <a:rPr lang="en-US" altLang="zh-CN"/>
-              <a:t>--</a:t>
-            </a:r>
-            <a:r>
-              <a:rPr lang="en-US" altLang="zh-CN" sz="2400"/>
-              <a:t>to faciliate </a:t>
-            </a:r>
-            <a:r>
-              <a:rPr lang="en-US" altLang="zh-CN" sz="2400"/>
-              <a:t>live interaction between users and LLMs</a:t>
-            </a:r>
-            <a:endParaRPr lang="en-US"/>
-          </a:p>
-          <a:p>
-            <a:r>
-              <a:rPr lang="en-US"/>
-              <a:t>How to generate ontology from existing RDF data graph?</a:t>
-            </a:r>
-            <a:endParaRPr lang="en-US"/>
-          </a:p>
-          <a:p>
-            <a:r>
-              <a:rPr lang="en-US" b="1"/>
-              <a:t>VOID </a:t>
-            </a:r>
-            <a:r>
-              <a:rPr lang="en-US"/>
-              <a:t>(Vocabulary of Interlinked Datasets)</a:t>
-            </a:r>
-            <a:r>
-              <a:rPr lang="zh-CN" altLang="en-US"/>
-              <a:t>：</a:t>
-            </a:r>
-            <a:endParaRPr lang="zh-CN" altLang="en-US"/>
-          </a:p>
-          <a:p>
-            <a:pPr lvl="1"/>
-            <a:r>
-              <a:rPr lang="en-US"/>
-              <a:t>https://github.com/DDMAL/void-generator</a:t>
-            </a:r>
-            <a:endParaRPr lang="en-US"/>
-          </a:p>
-          <a:p>
-            <a:r>
-              <a:rPr lang="en-US"/>
-              <a:t>Retrospection on</a:t>
-            </a:r>
-            <a:r>
-              <a:rPr lang="en-US" altLang="zh-CN"/>
-              <a:t>:</a:t>
-            </a:r>
-            <a:endParaRPr lang="en-US" altLang="zh-CN"/>
-          </a:p>
-          <a:p>
-            <a:pPr lvl="1"/>
-            <a:r>
-              <a:rPr lang="en-US"/>
-              <a:t>2 orientations for NLQ2SPARQL</a:t>
-            </a:r>
-            <a:endParaRPr lang="en-US"/>
-          </a:p>
-          <a:p>
-            <a:endParaRPr lang="en-US"/>
-          </a:p>
-        </p:txBody>
-      </p:sp>
-      <p:sp>
-        <p:nvSpPr>
-          <p:cNvPr id="4" name="Text Box 3"/>
-          <p:cNvSpPr txBox="1"/>
-          <p:nvPr/>
-        </p:nvSpPr>
-        <p:spPr>
-          <a:xfrm>
-            <a:off x="8667115" y="2312670"/>
-            <a:ext cx="3557270" cy="1753235"/>
-          </a:xfrm>
-          <a:prstGeom prst="rect">
-            <a:avLst/>
-          </a:prstGeom>
-          <a:noFill/>
-        </p:spPr>
-        <p:txBody>
-          <a:bodyPr wrap="square" rtlCol="0">
-            <a:spAutoFit/>
-          </a:bodyPr>
-          <a:p>
-            <a:r>
-              <a:rPr lang="en-US">
-                <a:solidFill>
-                  <a:schemeClr val="bg1">
-                    <a:lumMod val="85000"/>
-                  </a:schemeClr>
-                </a:solidFill>
-              </a:rPr>
-              <a:t>It's almost impossible to always generate the corect or expected SPARQL &lt;-          </a:t>
-            </a:r>
-            <a:r>
-              <a:rPr lang="en-US">
-                <a:solidFill>
-                  <a:schemeClr val="bg1"/>
-                </a:solidFill>
-              </a:rPr>
-              <a:t>*****************</a:t>
-            </a:r>
-            <a:r>
-              <a:rPr lang="en-US">
-                <a:solidFill>
-                  <a:schemeClr val="accent2">
-                    <a:lumMod val="40000"/>
-                    <a:lumOff val="60000"/>
-                  </a:schemeClr>
-                </a:solidFill>
-              </a:rPr>
-              <a:t>ambiguity of NLQ</a:t>
-            </a:r>
-            <a:r>
-              <a:rPr lang="en-US">
-                <a:solidFill>
-                  <a:schemeClr val="bg1">
-                    <a:lumMod val="85000"/>
-                  </a:schemeClr>
-                </a:solidFill>
-              </a:rPr>
-              <a:t> </a:t>
-            </a:r>
-            <a:endParaRPr lang="en-US">
-              <a:solidFill>
-                <a:schemeClr val="bg1">
-                  <a:lumMod val="85000"/>
-                </a:schemeClr>
-              </a:solidFill>
-            </a:endParaRPr>
-          </a:p>
-          <a:p>
-            <a:endParaRPr lang="en-US">
-              <a:solidFill>
-                <a:schemeClr val="bg1">
-                  <a:lumMod val="85000"/>
-                </a:schemeClr>
-              </a:solidFill>
-            </a:endParaRPr>
-          </a:p>
-          <a:p>
-            <a:r>
-              <a:rPr lang="en-US">
-                <a:solidFill>
-                  <a:schemeClr val="bg1">
-                    <a:lumMod val="85000"/>
-                  </a:schemeClr>
-                </a:solidFill>
-              </a:rPr>
-              <a:t>itself</a:t>
-            </a:r>
-            <a:r>
-              <a:rPr lang="en-US"/>
-              <a:t> </a:t>
-            </a:r>
-            <a:endParaRPr lang="en-US"/>
-          </a:p>
-        </p:txBody>
-      </p:sp>
-    </p:spTree>
-  </p:cSld>
-  <p:clrMapOvr>
-    <a:masterClrMapping/>
-  </p:clrMapOvr>
-</p:sld>
-</file>
-
-<file path=ppt/slides/slide12.xml><?xml version="1.0" encoding="utf-8"?>
-<p:sld xmlns:a="http://schemas.openxmlformats.org/drawingml/2006/main" xmlns:r="http://schemas.openxmlformats.org/officeDocument/2006/relationships" xmlns:p="http://schemas.openxmlformats.org/presentationml/2006/main">
-  <p:cSld>
-    <p:spTree>
-      <p:nvGrpSpPr>
-        <p:cNvPr id="1" name=""/>
-        <p:cNvGrpSpPr/>
-        <p:nvPr/>
-      </p:nvGrpSpPr>
-      <p:grpSpPr/>
-      <p:sp>
-        <p:nvSpPr>
-          <p:cNvPr id="2" name="Title 1"/>
-          <p:cNvSpPr>
-            <a:spLocks noGrp="1"/>
-          </p:cNvSpPr>
-          <p:nvPr>
-            <p:ph type="title"/>
-          </p:nvPr>
-        </p:nvSpPr>
-        <p:spPr/>
-        <p:txBody>
-          <a:bodyPr/>
-          <a:p>
-            <a:r>
-              <a:rPr lang="en-US">
-                <a:sym typeface="+mn-ea"/>
-              </a:rPr>
-              <a:t>Advance</a:t>
-            </a:r>
-            <a:endParaRPr lang="en-US"/>
-          </a:p>
-        </p:txBody>
-      </p:sp>
-      <p:sp>
-        <p:nvSpPr>
-          <p:cNvPr id="3" name="Content Placeholder 2"/>
-          <p:cNvSpPr>
-            <a:spLocks noGrp="1"/>
-          </p:cNvSpPr>
-          <p:nvPr>
-            <p:ph idx="1"/>
-          </p:nvPr>
-        </p:nvSpPr>
-        <p:spPr/>
-        <p:txBody>
-          <a:bodyPr/>
-          <a:p>
-            <a:r>
-              <a:rPr lang="en-US">
-                <a:sym typeface="+mn-ea"/>
-              </a:rPr>
-              <a:t>Future Work:</a:t>
-            </a:r>
-            <a:endParaRPr lang="en-US"/>
-          </a:p>
-          <a:p>
-            <a:r>
-              <a:rPr lang="en-US">
-                <a:solidFill>
-                  <a:schemeClr val="accent2"/>
-                </a:solidFill>
-                <a:sym typeface="+mn-ea"/>
-              </a:rPr>
-              <a:t>Issue-B</a:t>
-            </a:r>
-            <a:r>
-              <a:rPr lang="en-US">
-                <a:sym typeface="+mn-ea"/>
-              </a:rPr>
-              <a:t>: How to extract ontologie</a:t>
-            </a:r>
-            <a:r>
-              <a:rPr lang="en-US">
-                <a:solidFill>
-                  <a:srgbClr val="C00000"/>
-                </a:solidFill>
-                <a:sym typeface="+mn-ea"/>
-              </a:rPr>
-              <a:t>s</a:t>
-            </a:r>
-            <a:r>
-              <a:rPr lang="en-US">
-                <a:sym typeface="+mn-ea"/>
-              </a:rPr>
-              <a:t> from... graph</a:t>
-            </a:r>
-            <a:r>
-              <a:rPr lang="en-US">
-                <a:solidFill>
-                  <a:srgbClr val="C00000"/>
-                </a:solidFill>
-                <a:sym typeface="+mn-ea"/>
-              </a:rPr>
-              <a:t>s</a:t>
-            </a:r>
-            <a:r>
-              <a:rPr lang="en-US">
-                <a:sym typeface="+mn-ea"/>
-              </a:rPr>
-              <a:t> in data lake?</a:t>
-            </a:r>
-            <a:endParaRPr lang="en-US"/>
-          </a:p>
-          <a:p>
-            <a:r>
-              <a:rPr lang="en-US"/>
-              <a:t>(1) For CSV2RDF, e.g. TheSession, MusicBrainz...</a:t>
-            </a:r>
-            <a:endParaRPr lang="en-US"/>
-          </a:p>
-          <a:p>
-            <a:pPr lvl="1"/>
-            <a:r>
-              <a:rPr lang="en-US"/>
-              <a:t>VOID </a:t>
-            </a:r>
-            <a:r>
-              <a:rPr lang="en-US"/>
-              <a:t>generator</a:t>
-            </a:r>
-            <a:endParaRPr lang="en-US"/>
-          </a:p>
-          <a:p>
-            <a:pPr lvl="1"/>
-            <a:r>
-              <a:rPr lang="en-US"/>
-              <a:t>e.g.: Generate the ontology for TheSession</a:t>
-            </a:r>
-            <a:endParaRPr lang="en-US"/>
-          </a:p>
-          <a:p>
-            <a:r>
-              <a:rPr lang="en-US"/>
-              <a:t>(2)</a:t>
-            </a:r>
-            <a:r>
-              <a:rPr lang="en-US">
-                <a:sym typeface="+mn-ea"/>
-              </a:rPr>
-              <a:t> For RDB2RDF, e.g. CantusDB, SimmsaDB...</a:t>
-            </a:r>
-            <a:endParaRPr lang="en-US">
-              <a:sym typeface="+mn-ea"/>
-            </a:endParaRPr>
-          </a:p>
-          <a:p>
-            <a:pPr lvl="1"/>
-            <a:r>
-              <a:rPr lang="en-US"/>
-              <a:t>The internal process of RDB2R</a:t>
-            </a:r>
-            <a:r>
-              <a:rPr lang="en-US">
-                <a:sym typeface="+mn-ea"/>
-              </a:rPr>
-              <a:t>D</a:t>
-            </a:r>
-            <a:r>
-              <a:rPr lang="en-US"/>
-              <a:t>F in Open Link </a:t>
-            </a:r>
-            <a:r>
-              <a:rPr lang="en-US"/>
-              <a:t>Virtuoso</a:t>
-            </a:r>
-            <a:endParaRPr lang="en-US"/>
-          </a:p>
-          <a:p>
-            <a:pPr lvl="1"/>
-            <a:r>
-              <a:rPr lang="en-US"/>
-              <a:t>e.g.: </a:t>
-            </a:r>
-            <a:r>
-              <a:rPr lang="en-US" sz="1800"/>
-              <a:t>https://github.com/DDMAL/linkedmusic-datalake/tree/main/doc/rdb2rdf</a:t>
-            </a:r>
-            <a:endParaRPr lang="en-US" sz="1800"/>
-          </a:p>
-        </p:txBody>
-      </p:sp>
-    </p:spTree>
-  </p:cSld>
-  <p:clrMapOvr>
-    <a:masterClrMapping/>
-  </p:clrMapOvr>
-</p:sld>
-</file>
-
 <file path=ppt/slides/slide13.xml><?xml version="1.0" encoding="utf-8"?>
 <p:sld xmlns:a="http://schemas.openxmlformats.org/drawingml/2006/main" xmlns:r="http://schemas.openxmlformats.org/officeDocument/2006/relationships" xmlns:p="http://schemas.openxmlformats.org/presentationml/2006/main">
   <p:cSld>
@@ -4986,263 +5049,258 @@
             <p:ph type="title"/>
           </p:nvPr>
         </p:nvSpPr>
+        <p:spPr/>
+        <p:txBody>
+          <a:bodyPr/>
+          <a:p>
+            <a:r>
+              <a:rPr lang="en-US"/>
+              <a:t>Advance</a:t>
+            </a:r>
+            <a:endParaRPr lang="en-US"/>
+          </a:p>
+        </p:txBody>
+      </p:sp>
+      <p:sp>
+        <p:nvSpPr>
+          <p:cNvPr id="3" name="Content Placeholder 2"/>
+          <p:cNvSpPr>
+            <a:spLocks noGrp="1"/>
+          </p:cNvSpPr>
+          <p:nvPr>
+            <p:ph idx="1"/>
+          </p:nvPr>
+        </p:nvSpPr>
+        <p:spPr/>
+        <p:txBody>
+          <a:bodyPr>
+            <a:normAutofit fontScale="90000" lnSpcReduction="10000"/>
+          </a:bodyPr>
+          <a:p>
+            <a:pPr>
+              <a:lnSpc>
+                <a:spcPct val="110000"/>
+              </a:lnSpc>
+            </a:pPr>
+            <a:r>
+              <a:rPr lang="en-US" sz="2665"/>
+              <a:t>Other NLQ examples beyond the scope of previous ... </a:t>
+            </a:r>
+            <a:r>
+              <a:rPr lang="en-US" sz="2665" b="1"/>
+              <a:t>Modular workflow &amp; Agent Development, </a:t>
+            </a:r>
+            <a:r>
+              <a:rPr lang="zh-CN" altLang="en-US" sz="2665" b="1"/>
+              <a:t>扣子</a:t>
+            </a:r>
+            <a:r>
+              <a:rPr lang="en-US" altLang="zh-CN" sz="2665" b="1"/>
+              <a:t> </a:t>
+            </a:r>
+            <a:r>
+              <a:rPr lang="en-US" altLang="zh-CN" sz="2665"/>
+              <a:t>(developed by ByteDance)</a:t>
+            </a:r>
+            <a:endParaRPr lang="en-US" altLang="zh-CN" sz="2665"/>
+          </a:p>
+          <a:p>
+            <a:pPr marL="0" indent="457200">
+              <a:lnSpc>
+                <a:spcPct val="110000"/>
+              </a:lnSpc>
+              <a:buNone/>
+            </a:pPr>
+            <a:r>
+              <a:rPr lang="en-US" altLang="zh-CN" sz="2000">
+                <a:sym typeface="+mn-ea"/>
+              </a:rPr>
+              <a:t>--to faciliate live interaction between users and LLMs</a:t>
+            </a:r>
+            <a:endParaRPr lang="en-US" altLang="zh-CN" sz="2000"/>
+          </a:p>
+          <a:p>
+            <a:pPr>
+              <a:lnSpc>
+                <a:spcPct val="110000"/>
+              </a:lnSpc>
+            </a:pPr>
+            <a:r>
+              <a:rPr lang="en-US" sz="2665"/>
+              <a:t>Retrospection on:</a:t>
+            </a:r>
+            <a:endParaRPr lang="en-US" sz="2665"/>
+          </a:p>
+          <a:p>
+            <a:pPr lvl="1">
+              <a:lnSpc>
+                <a:spcPct val="110000"/>
+              </a:lnSpc>
+            </a:pPr>
+            <a:r>
+              <a:rPr lang="en-US" sz="2665"/>
+              <a:t>2 orientations for NLQ2SPARQL</a:t>
+            </a:r>
+            <a:endParaRPr lang="en-US" sz="2665"/>
+          </a:p>
+          <a:p>
+            <a:pPr>
+              <a:lnSpc>
+                <a:spcPct val="110000"/>
+              </a:lnSpc>
+            </a:pPr>
+            <a:r>
+              <a:rPr lang="en-US" sz="2665">
+                <a:solidFill>
+                  <a:schemeClr val="accent2"/>
+                </a:solidFill>
+                <a:sym typeface="+mn-ea"/>
+              </a:rPr>
+              <a:t>Issue-B</a:t>
+            </a:r>
+            <a:endParaRPr lang="en-US" sz="2665"/>
+          </a:p>
+          <a:p>
+            <a:pPr>
+              <a:lnSpc>
+                <a:spcPct val="110000"/>
+              </a:lnSpc>
+            </a:pPr>
+            <a:r>
+              <a:rPr lang="en-US" sz="2665"/>
+              <a:t>How to </a:t>
+            </a:r>
+            <a:r>
+              <a:rPr lang="en-US" sz="2665"/>
+              <a:t>obtain ontology from existing RDF data graph?</a:t>
+            </a:r>
+            <a:endParaRPr lang="en-US" sz="2665"/>
+          </a:p>
+          <a:p>
+            <a:pPr>
+              <a:lnSpc>
+                <a:spcPct val="110000"/>
+              </a:lnSpc>
+            </a:pPr>
+            <a:r>
+              <a:rPr lang="en-US" sz="2665" b="1"/>
+              <a:t>VOID </a:t>
+            </a:r>
+            <a:r>
+              <a:rPr lang="en-US" sz="2665"/>
+              <a:t>(Vocabulary of Interlinked Datasets)</a:t>
+            </a:r>
+            <a:r>
+              <a:rPr lang="zh-CN" altLang="en-US" sz="2665"/>
+              <a:t>：</a:t>
+            </a:r>
+            <a:endParaRPr lang="zh-CN" altLang="en-US" sz="2665"/>
+          </a:p>
+          <a:p>
+            <a:pPr lvl="1">
+              <a:lnSpc>
+                <a:spcPct val="110000"/>
+              </a:lnSpc>
+            </a:pPr>
+            <a:r>
+              <a:rPr lang="en-US" sz="2665"/>
+              <a:t>https://github.com/DDMAL/void-generator</a:t>
+            </a:r>
+            <a:endParaRPr lang="en-US" sz="2665"/>
+          </a:p>
+          <a:p>
+            <a:endParaRPr lang="en-US" sz="2665"/>
+          </a:p>
+        </p:txBody>
+      </p:sp>
+      <p:sp>
+        <p:nvSpPr>
+          <p:cNvPr id="4" name="Text Box 3"/>
+          <p:cNvSpPr txBox="1"/>
+          <p:nvPr/>
+        </p:nvSpPr>
         <p:spPr>
           <a:xfrm>
-            <a:off x="7693660" y="258445"/>
-            <a:ext cx="3469640" cy="1325880"/>
-          </a:xfrm>
-        </p:spPr>
-        <p:txBody>
-          <a:bodyPr/>
-          <a:p>
-            <a:r>
-              <a:rPr lang="en-US"/>
-              <a:t>Advance</a:t>
-            </a:r>
-            <a:endParaRPr lang="en-US"/>
-          </a:p>
-        </p:txBody>
-      </p:sp>
-      <p:pic>
-        <p:nvPicPr>
-          <p:cNvPr id="5" name="Picture 4"/>
-          <p:cNvPicPr>
-            <a:picLocks noChangeAspect="1"/>
-          </p:cNvPicPr>
-          <p:nvPr>
-            <p:custDataLst>
-              <p:tags r:id="rId1"/>
-            </p:custDataLst>
-          </p:nvPr>
-        </p:nvPicPr>
-        <p:blipFill>
-          <a:blip r:embed="rId2"/>
-          <a:stretch>
-            <a:fillRect/>
-          </a:stretch>
-        </p:blipFill>
-        <p:spPr>
-          <a:xfrm>
-            <a:off x="647700" y="0"/>
-            <a:ext cx="6858000" cy="6858000"/>
+            <a:off x="8667115" y="2644140"/>
+            <a:ext cx="3557270" cy="1476375"/>
           </a:xfrm>
           <a:prstGeom prst="rect">
             <a:avLst/>
           </a:prstGeom>
+          <a:noFill/>
         </p:spPr>
-      </p:pic>
-      <p:sp>
-        <p:nvSpPr>
-          <p:cNvPr id="6" name="Content Placeholder 5"/>
-          <p:cNvSpPr/>
-          <p:nvPr>
-            <p:ph idx="1"/>
-          </p:nvPr>
-        </p:nvSpPr>
-        <p:spPr>
-          <a:xfrm>
-            <a:off x="7694295" y="1825625"/>
-            <a:ext cx="3469005" cy="4351655"/>
-          </a:xfrm>
-        </p:spPr>
-        <p:txBody>
-          <a:bodyPr>
-            <a:normAutofit lnSpcReduction="10000"/>
+        <p:txBody>
+          <a:bodyPr wrap="square" rtlCol="0">
+            <a:spAutoFit/>
           </a:bodyPr>
           <a:p>
-            <a:pPr>
-              <a:lnSpc>
-                <a:spcPct val="100000"/>
-              </a:lnSpc>
-            </a:pPr>
-            <a:r>
-              <a:rPr lang="en-US" sz="2400">
+            <a:pPr algn="r"/>
+            <a:r>
+              <a:rPr lang="en-US">
                 <a:solidFill>
-                  <a:schemeClr val="tx1"/>
-                </a:solidFill>
-              </a:rPr>
-              <a:t>-&gt; TheOntologyFor TheSession</a:t>
-            </a:r>
-            <a:endParaRPr lang="en-US" sz="2400">
-              <a:solidFill>
-                <a:schemeClr val="tx1"/>
-              </a:solidFill>
-            </a:endParaRPr>
-          </a:p>
-          <a:p>
-            <a:pPr>
-              <a:lnSpc>
-                <a:spcPct val="100000"/>
-              </a:lnSpc>
-            </a:pPr>
-            <a:r>
-              <a:rPr lang="en-US" sz="2400">
-                <a:solidFill>
-                  <a:schemeClr val="accent1">
-                    <a:lumMod val="60000"/>
-                    <a:lumOff val="40000"/>
+                  <a:schemeClr val="bg1">
+                    <a:lumMod val="85000"/>
                   </a:schemeClr>
                 </a:solidFill>
               </a:rPr>
-              <a:t>unionOf</a:t>
-            </a:r>
-            <a:r>
-              <a:rPr lang="en-US" sz="2400"/>
-              <a:t> classes</a:t>
-            </a:r>
-            <a:endParaRPr lang="en-US" sz="2400"/>
-          </a:p>
-          <a:p>
-            <a:pPr lvl="1">
-              <a:lnSpc>
-                <a:spcPct val="100000"/>
-              </a:lnSpc>
-            </a:pPr>
-            <a:r>
-              <a:rPr lang="en-US" sz="2400">
-                <a:solidFill>
-                  <a:schemeClr val="accent1">
-                    <a:lumMod val="60000"/>
-                    <a:lumOff val="40000"/>
-                  </a:schemeClr>
-                </a:solidFill>
-              </a:rPr>
-              <a:t>light blue circles with </a:t>
-            </a:r>
-            <a:r>
-              <a:rPr lang="zh-CN" altLang="en-US" sz="2400">
-                <a:solidFill>
-                  <a:schemeClr val="accent1">
-                    <a:lumMod val="60000"/>
-                    <a:lumOff val="40000"/>
-                  </a:schemeClr>
-                </a:solidFill>
-              </a:rPr>
-              <a:t>“</a:t>
-            </a:r>
-            <a:r>
-              <a:rPr lang="en-US" altLang="zh-CN" sz="2400">
-                <a:solidFill>
-                  <a:schemeClr val="accent1">
-                    <a:lumMod val="60000"/>
-                    <a:lumOff val="40000"/>
-                  </a:schemeClr>
-                </a:solidFill>
-              </a:rPr>
-              <a:t>U</a:t>
-            </a:r>
-            <a:r>
-              <a:rPr lang="zh-CN" altLang="en-US" sz="2400">
-                <a:solidFill>
-                  <a:schemeClr val="accent1">
-                    <a:lumMod val="60000"/>
-                    <a:lumOff val="40000"/>
-                  </a:schemeClr>
-                </a:solidFill>
-              </a:rPr>
-              <a:t>”</a:t>
-            </a:r>
-            <a:endParaRPr lang="en-US" sz="2400">
+              <a:t>It's almost impossible to always generate the corect or expected SPARQL &lt;-          </a:t>
+            </a:r>
+            <a:endParaRPr lang="en-US">
               <a:solidFill>
-                <a:schemeClr val="accent1">
-                  <a:lumMod val="60000"/>
-                  <a:lumOff val="40000"/>
+                <a:schemeClr val="bg1">
+                  <a:lumMod val="85000"/>
                 </a:schemeClr>
               </a:solidFill>
             </a:endParaRPr>
           </a:p>
           <a:p>
-            <a:pPr>
-              <a:lnSpc>
-                <a:spcPct val="100000"/>
-              </a:lnSpc>
-            </a:pPr>
-            <a:r>
-              <a:rPr lang="en-US" sz="2400"/>
-              <a:t>owl:</a:t>
-            </a:r>
-            <a:r>
-              <a:rPr lang="en-US" sz="2400">
+            <a:pPr algn="r"/>
+            <a:r>
+              <a:rPr lang="en-US">
                 <a:solidFill>
-                  <a:schemeClr val="accent1">
-                    <a:lumMod val="75000"/>
+                  <a:schemeClr val="accent2">
+                    <a:lumMod val="40000"/>
+                    <a:lumOff val="60000"/>
                   </a:schemeClr>
                 </a:solidFill>
               </a:rPr>
-              <a:t>objectProperty</a:t>
-            </a:r>
-            <a:endParaRPr lang="en-US" sz="2400"/>
-          </a:p>
-          <a:p>
-            <a:pPr lvl="1">
-              <a:lnSpc>
-                <a:spcPct val="100000"/>
-              </a:lnSpc>
-            </a:pPr>
-            <a:r>
-              <a:rPr lang="en-US" sz="2400"/>
-              <a:t>between 2 nodes</a:t>
-            </a:r>
-            <a:endParaRPr lang="en-US" sz="2400"/>
-          </a:p>
-          <a:p>
-            <a:pPr>
-              <a:lnSpc>
-                <a:spcPct val="100000"/>
-              </a:lnSpc>
-            </a:pPr>
-            <a:r>
-              <a:rPr lang="en-US" sz="2400"/>
-              <a:t>owl:</a:t>
-            </a:r>
-            <a:r>
-              <a:rPr lang="en-US" sz="2400">
+              <a:t>ambiguity of NLQ</a:t>
+            </a:r>
+            <a:r>
+              <a:rPr lang="en-US">
                 <a:solidFill>
-                  <a:schemeClr val="accent3">
-                    <a:lumMod val="60000"/>
-                    <a:lumOff val="40000"/>
+                  <a:schemeClr val="bg1">
+                    <a:lumMod val="85000"/>
                   </a:schemeClr>
                 </a:solidFill>
               </a:rPr>
-              <a:t>dataProperty</a:t>
-            </a:r>
-            <a:endParaRPr lang="en-US" sz="2400"/>
-          </a:p>
-          <a:p>
-            <a:pPr lvl="1">
-              <a:lnSpc>
-                <a:spcPct val="100000"/>
-              </a:lnSpc>
-            </a:pPr>
-            <a:r>
-              <a:rPr lang="en-US" sz="2400"/>
-              <a:t>yellow squares</a:t>
-            </a:r>
-            <a:endParaRPr lang="en-US" sz="2400"/>
-          </a:p>
-          <a:p>
-            <a:pPr lvl="0">
-              <a:lnSpc>
-                <a:spcPct val="100000"/>
-              </a:lnSpc>
-            </a:pPr>
-            <a:r>
-              <a:rPr lang="en-US" sz="2400"/>
-              <a:t>owl:</a:t>
-            </a:r>
-            <a:r>
-              <a:rPr lang="en-US" sz="2400">
-                <a:solidFill>
-                  <a:srgbClr val="C00000"/>
-                </a:solidFill>
-              </a:rPr>
-              <a:t>Thing</a:t>
-            </a:r>
-            <a:endParaRPr lang="en-US" sz="2400">
+              <a:t> </a:t>
+            </a:r>
+            <a:endParaRPr lang="en-US">
               <a:solidFill>
-                <a:srgbClr val="C00000"/>
+                <a:schemeClr val="bg1">
+                  <a:lumMod val="85000"/>
+                </a:schemeClr>
               </a:solidFill>
             </a:endParaRPr>
+          </a:p>
+          <a:p>
+            <a:pPr algn="r"/>
+            <a:r>
+              <a:rPr lang="en-US">
+                <a:solidFill>
+                  <a:schemeClr val="bg1">
+                    <a:lumMod val="85000"/>
+                  </a:schemeClr>
+                </a:solidFill>
+              </a:rPr>
+              <a:t>itself</a:t>
+            </a:r>
+            <a:r>
+              <a:rPr lang="en-US"/>
+              <a:t> </a:t>
+            </a:r>
+            <a:endParaRPr lang="en-US"/>
           </a:p>
         </p:txBody>
       </p:sp>
@@ -5276,32 +5334,256 @@
         </p:nvSpPr>
         <p:spPr/>
         <p:txBody>
+          <a:bodyPr/>
+          <a:p>
+            <a:r>
+              <a:rPr lang="en-US">
+                <a:sym typeface="+mn-ea"/>
+              </a:rPr>
+              <a:t>Advance</a:t>
+            </a:r>
+            <a:endParaRPr lang="en-US"/>
+          </a:p>
+        </p:txBody>
+      </p:sp>
+      <p:sp>
+        <p:nvSpPr>
+          <p:cNvPr id="3" name="Content Placeholder 2"/>
+          <p:cNvSpPr>
+            <a:spLocks noGrp="1"/>
+          </p:cNvSpPr>
+          <p:nvPr>
+            <p:ph idx="1"/>
+          </p:nvPr>
+        </p:nvSpPr>
+        <p:spPr/>
+        <p:txBody>
+          <a:bodyPr/>
+          <a:p>
+            <a:r>
+              <a:rPr lang="en-US">
+                <a:sym typeface="+mn-ea"/>
+              </a:rPr>
+              <a:t>Future Work:</a:t>
+            </a:r>
+            <a:endParaRPr lang="en-US"/>
+          </a:p>
+          <a:p>
+            <a:r>
+              <a:rPr lang="en-US">
+                <a:solidFill>
+                  <a:schemeClr val="accent2"/>
+                </a:solidFill>
+                <a:sym typeface="+mn-ea"/>
+              </a:rPr>
+              <a:t>Issue-B</a:t>
+            </a:r>
+            <a:r>
+              <a:rPr lang="en-US">
+                <a:sym typeface="+mn-ea"/>
+              </a:rPr>
+              <a:t>: How to extract ontologie</a:t>
+            </a:r>
+            <a:r>
+              <a:rPr lang="en-US">
+                <a:solidFill>
+                  <a:srgbClr val="C00000"/>
+                </a:solidFill>
+                <a:sym typeface="+mn-ea"/>
+              </a:rPr>
+              <a:t>s</a:t>
+            </a:r>
+            <a:r>
+              <a:rPr lang="en-US">
+                <a:sym typeface="+mn-ea"/>
+              </a:rPr>
+              <a:t> from... graph</a:t>
+            </a:r>
+            <a:r>
+              <a:rPr lang="en-US">
+                <a:solidFill>
+                  <a:srgbClr val="C00000"/>
+                </a:solidFill>
+                <a:sym typeface="+mn-ea"/>
+              </a:rPr>
+              <a:t>s</a:t>
+            </a:r>
+            <a:r>
+              <a:rPr lang="en-US">
+                <a:sym typeface="+mn-ea"/>
+              </a:rPr>
+              <a:t> in data lake?</a:t>
+            </a:r>
+            <a:endParaRPr lang="en-US"/>
+          </a:p>
+          <a:p>
+            <a:r>
+              <a:rPr lang="en-US"/>
+              <a:t>(1) For CSV2RDF, e.g. TheSession, MusicBrainz...</a:t>
+            </a:r>
+            <a:endParaRPr lang="en-US"/>
+          </a:p>
+          <a:p>
+            <a:pPr lvl="1"/>
+            <a:r>
+              <a:rPr lang="en-US"/>
+              <a:t>VOID </a:t>
+            </a:r>
+            <a:r>
+              <a:rPr lang="en-US"/>
+              <a:t>generator</a:t>
+            </a:r>
+            <a:endParaRPr lang="en-US"/>
+          </a:p>
+          <a:p>
+            <a:pPr lvl="1"/>
+            <a:r>
+              <a:rPr lang="en-US"/>
+              <a:t>e.g.: Generate the ontology for TheSession</a:t>
+            </a:r>
+            <a:endParaRPr lang="en-US"/>
+          </a:p>
+          <a:p>
+            <a:r>
+              <a:rPr lang="en-US"/>
+              <a:t>(2)</a:t>
+            </a:r>
+            <a:r>
+              <a:rPr lang="en-US">
+                <a:sym typeface="+mn-ea"/>
+              </a:rPr>
+              <a:t> For RDB2RDF, e.g. CantusDB, SimmsaDB...</a:t>
+            </a:r>
+            <a:endParaRPr lang="en-US">
+              <a:sym typeface="+mn-ea"/>
+            </a:endParaRPr>
+          </a:p>
+          <a:p>
+            <a:pPr lvl="1"/>
+            <a:r>
+              <a:rPr lang="en-US"/>
+              <a:t>The internal process of RDB2R</a:t>
+            </a:r>
+            <a:r>
+              <a:rPr lang="en-US">
+                <a:sym typeface="+mn-ea"/>
+              </a:rPr>
+              <a:t>D</a:t>
+            </a:r>
+            <a:r>
+              <a:rPr lang="en-US"/>
+              <a:t>F in Open Link </a:t>
+            </a:r>
+            <a:r>
+              <a:rPr lang="en-US"/>
+              <a:t>Virtuoso</a:t>
+            </a:r>
+            <a:endParaRPr lang="en-US"/>
+          </a:p>
+          <a:p>
+            <a:pPr lvl="1"/>
+            <a:r>
+              <a:rPr lang="en-US"/>
+              <a:t>e.g.: </a:t>
+            </a:r>
+            <a:r>
+              <a:rPr lang="en-US" sz="1800"/>
+              <a:t>https://github.com/DDMAL/linkedmusic-datalake/tree/main/doc/rdb2rdf</a:t>
+            </a:r>
+            <a:endParaRPr lang="en-US" sz="1800"/>
+          </a:p>
+        </p:txBody>
+      </p:sp>
+    </p:spTree>
+  </p:cSld>
+  <p:clrMapOvr>
+    <a:masterClrMapping/>
+  </p:clrMapOvr>
+</p:sld>
+</file>
+
+<file path=ppt/slides/slide15.xml><?xml version="1.0" encoding="utf-8"?>
+<p:sld xmlns:a="http://schemas.openxmlformats.org/drawingml/2006/main" xmlns:r="http://schemas.openxmlformats.org/officeDocument/2006/relationships" xmlns:p="http://schemas.openxmlformats.org/presentationml/2006/main">
+  <p:cSld>
+    <p:spTree>
+      <p:nvGrpSpPr>
+        <p:cNvPr id="1" name=""/>
+        <p:cNvGrpSpPr/>
+        <p:nvPr/>
+      </p:nvGrpSpPr>
+      <p:grpSpPr/>
+      <p:sp>
+        <p:nvSpPr>
+          <p:cNvPr id="2" name="Title 1"/>
+          <p:cNvSpPr>
+            <a:spLocks noGrp="1"/>
+          </p:cNvSpPr>
+          <p:nvPr>
+            <p:ph type="title"/>
+          </p:nvPr>
+        </p:nvSpPr>
+        <p:spPr>
+          <a:xfrm>
+            <a:off x="7693660" y="258445"/>
+            <a:ext cx="3469640" cy="1325880"/>
+          </a:xfrm>
+        </p:spPr>
+        <p:txBody>
+          <a:bodyPr/>
+          <a:p>
+            <a:r>
+              <a:rPr lang="en-US"/>
+              <a:t>Advance</a:t>
+            </a:r>
+            <a:endParaRPr lang="en-US"/>
+          </a:p>
+        </p:txBody>
+      </p:sp>
+      <p:pic>
+        <p:nvPicPr>
+          <p:cNvPr id="5" name="Picture 4"/>
+          <p:cNvPicPr>
+            <a:picLocks noChangeAspect="1"/>
+          </p:cNvPicPr>
+          <p:nvPr>
+            <p:custDataLst>
+              <p:tags r:id="rId1"/>
+            </p:custDataLst>
+          </p:nvPr>
+        </p:nvPicPr>
+        <p:blipFill>
+          <a:blip r:embed="rId2"/>
+          <a:stretch>
+            <a:fillRect/>
+          </a:stretch>
+        </p:blipFill>
+        <p:spPr>
+          <a:xfrm>
+            <a:off x="647700" y="0"/>
+            <a:ext cx="6858000" cy="6858000"/>
+          </a:xfrm>
+          <a:prstGeom prst="rect">
+            <a:avLst/>
+          </a:prstGeom>
+        </p:spPr>
+      </p:pic>
+      <p:sp>
+        <p:nvSpPr>
+          <p:cNvPr id="6" name="Content Placeholder 5"/>
+          <p:cNvSpPr/>
+          <p:nvPr>
+            <p:ph idx="1"/>
+          </p:nvPr>
+        </p:nvSpPr>
+        <p:spPr>
+          <a:xfrm>
+            <a:off x="7694295" y="1825625"/>
+            <a:ext cx="3469005" cy="4351655"/>
+          </a:xfrm>
+        </p:spPr>
+        <p:txBody>
           <a:bodyPr>
-            <a:normAutofit fontScale="90000"/>
-          </a:bodyPr>
-          <a:p>
-            <a:r>
-              <a:rPr lang="en-US"/>
-              <a:t>Addition/Reflection on Data Reconciliation and RDF Conversion</a:t>
-            </a:r>
-            <a:endParaRPr lang="en-US"/>
-          </a:p>
-        </p:txBody>
-      </p:sp>
-      <p:sp>
-        <p:nvSpPr>
-          <p:cNvPr id="3" name="Content Placeholder 2"/>
-          <p:cNvSpPr>
-            <a:spLocks noGrp="1"/>
-          </p:cNvSpPr>
-          <p:nvPr>
-            <p:ph idx="1"/>
-          </p:nvPr>
-        </p:nvSpPr>
-        <p:spPr/>
-        <p:txBody>
-          <a:bodyPr>
-            <a:normAutofit fontScale="90000" lnSpcReduction="20000"/>
+            <a:normAutofit lnSpcReduction="10000"/>
           </a:bodyPr>
           <a:p>
             <a:pPr>
@@ -5310,10 +5592,41 @@
               </a:lnSpc>
             </a:pPr>
             <a:r>
-              <a:rPr lang="en-US"/>
-              <a:t>Different scenarios and ways of None-graph-DBs to RDF</a:t>
-            </a:r>
-            <a:endParaRPr lang="en-US"/>
+              <a:rPr lang="en-US" sz="2400">
+                <a:solidFill>
+                  <a:schemeClr val="tx1"/>
+                </a:solidFill>
+              </a:rPr>
+              <a:t>-&gt; TheOntologyFor TheSession</a:t>
+            </a:r>
+            <a:endParaRPr lang="en-US" sz="2400">
+              <a:solidFill>
+                <a:schemeClr val="tx1"/>
+              </a:solidFill>
+            </a:endParaRPr>
+          </a:p>
+          <a:p>
+            <a:pPr>
+              <a:lnSpc>
+                <a:spcPct val="100000"/>
+              </a:lnSpc>
+            </a:pPr>
+            <a:r>
+              <a:rPr lang="en-US" sz="2400">
+                <a:solidFill>
+                  <a:schemeClr val="accent1">
+                    <a:lumMod val="60000"/>
+                    <a:lumOff val="40000"/>
+                  </a:schemeClr>
+                </a:solidFill>
+              </a:rPr>
+              <a:t>unionOf</a:t>
+            </a:r>
+            <a:r>
+              <a:rPr lang="en-US" sz="2400"/>
+              <a:t> classes</a:t>
+            </a:r>
+            <a:endParaRPr lang="en-US" sz="2400"/>
           </a:p>
           <a:p>
             <a:pPr lvl="1">
@@ -5322,18 +5635,57 @@
               </a:lnSpc>
             </a:pPr>
             <a:r>
-              <a:rPr lang="en-US" sz="2220"/>
-              <a:t>https://github.com/DDMAL/linkedmusic-datalake/tree/main/doc/</a:t>
-            </a:r>
-            <a:r>
-              <a:rPr lang="en-US" sz="2220">
+              <a:rPr lang="en-US" sz="2400">
                 <a:solidFill>
-                  <a:schemeClr val="accent4"/>
+                  <a:schemeClr val="accent1">
+                    <a:lumMod val="60000"/>
+                    <a:lumOff val="40000"/>
+                  </a:schemeClr>
                 </a:solidFill>
               </a:rPr>
-              <a:t>CSV2RDFInVirtuoso</a:t>
-            </a:r>
-            <a:endParaRPr lang="en-US" sz="2220"/>
+              <a:t>light blue circles with </a:t>
+            </a:r>
+            <a:r>
+              <a:rPr lang="zh-CN" altLang="en-US" sz="2400">
+                <a:solidFill>
+                  <a:schemeClr val="accent1">
+                    <a:lumMod val="60000"/>
+                    <a:lumOff val="40000"/>
+                  </a:schemeClr>
+                </a:solidFill>
+              </a:rPr>
+              <a:t>“</a:t>
+            </a:r>
+            <a:r>
+              <a:rPr lang="en-US" altLang="zh-CN" sz="2400">
+                <a:solidFill>
+                  <a:schemeClr val="accent1">
+                    <a:lumMod val="60000"/>
+                    <a:lumOff val="40000"/>
+                  </a:schemeClr>
+                </a:solidFill>
+              </a:rPr>
+              <a:t>U</a:t>
+            </a:r>
+            <a:r>
+              <a:rPr lang="zh-CN" altLang="en-US" sz="2400">
+                <a:solidFill>
+                  <a:schemeClr val="accent1">
+                    <a:lumMod val="60000"/>
+                    <a:lumOff val="40000"/>
+                  </a:schemeClr>
+                </a:solidFill>
+              </a:rPr>
+              <a:t>”</a:t>
+            </a:r>
+            <a:endParaRPr lang="en-US" sz="2400">
+              <a:solidFill>
+                <a:schemeClr val="accent1">
+                  <a:lumMod val="60000"/>
+                  <a:lumOff val="40000"/>
+                </a:schemeClr>
+              </a:solidFill>
+            </a:endParaRPr>
           </a:p>
           <a:p>
             <a:pPr>
@@ -5342,14 +5694,20 @@
               </a:lnSpc>
             </a:pPr>
             <a:r>
-              <a:rPr lang="en-US"/>
-              <a:t>A summary of </a:t>
-            </a:r>
-            <a:r>
-              <a:rPr lang="en-US"/>
-              <a:t>data reconciliations: </a:t>
-            </a:r>
-            <a:endParaRPr lang="en-US"/>
+              <a:rPr lang="en-US" sz="2400"/>
+              <a:t>owl:</a:t>
+            </a:r>
+            <a:r>
+              <a:rPr lang="en-US" sz="2400">
+                <a:solidFill>
+                  <a:schemeClr val="accent1">
+                    <a:lumMod val="75000"/>
+                  </a:schemeClr>
+                </a:solidFill>
+              </a:rPr>
+              <a:t>objectProperty</a:t>
+            </a:r>
+            <a:endParaRPr lang="en-US" sz="2400"/>
           </a:p>
           <a:p>
             <a:pPr lvl="1">
@@ -5358,12 +5716,10 @@
               </a:lnSpc>
             </a:pPr>
             <a:r>
-              <a:rPr lang="en-US">
-                <a:hlinkClick r:id="rId1" tooltip="" action="ppaction://hlinkfile"/>
-              </a:rPr>
-              <a:t>Guidelines or suggestions for data reconciliation (updated from time to time; collecting advice from everyone)</a:t>
-            </a:r>
-            <a:endParaRPr lang="en-US"/>
+              <a:rPr lang="en-US" sz="2400"/>
+              <a:t>between 2 nodes</a:t>
+            </a:r>
+            <a:endParaRPr lang="en-US" sz="2400"/>
           </a:p>
           <a:p>
             <a:pPr>
@@ -5372,30 +5728,117 @@
               </a:lnSpc>
             </a:pPr>
             <a:r>
+              <a:rPr lang="en-US" sz="2400"/>
+              <a:t>owl:</a:t>
+            </a:r>
+            <a:r>
+              <a:rPr lang="en-US" sz="2400">
+                <a:solidFill>
+                  <a:schemeClr val="accent3">
+                    <a:lumMod val="60000"/>
+                    <a:lumOff val="40000"/>
+                  </a:schemeClr>
+                </a:solidFill>
+              </a:rPr>
+              <a:t>dataProperty</a:t>
+            </a:r>
+            <a:endParaRPr lang="en-US" sz="2400"/>
+          </a:p>
+          <a:p>
+            <a:pPr lvl="1">
+              <a:lnSpc>
+                <a:spcPct val="100000"/>
+              </a:lnSpc>
+            </a:pPr>
+            <a:r>
+              <a:rPr lang="en-US" sz="2400"/>
+              <a:t>yellow squares</a:t>
+            </a:r>
+            <a:endParaRPr lang="en-US" sz="2400"/>
+          </a:p>
+          <a:p>
+            <a:pPr lvl="0">
+              <a:lnSpc>
+                <a:spcPct val="100000"/>
+              </a:lnSpc>
+            </a:pPr>
+            <a:r>
+              <a:rPr lang="en-US" sz="2400"/>
+              <a:t>owl:</a:t>
+            </a:r>
+            <a:r>
+              <a:rPr lang="en-US" sz="2400">
+                <a:solidFill>
+                  <a:srgbClr val="C00000"/>
+                </a:solidFill>
+              </a:rPr>
+              <a:t>Thing</a:t>
+            </a:r>
+            <a:endParaRPr lang="en-US" sz="2400">
+              <a:solidFill>
+                <a:srgbClr val="C00000"/>
+              </a:solidFill>
+            </a:endParaRPr>
+          </a:p>
+        </p:txBody>
+      </p:sp>
+    </p:spTree>
+  </p:cSld>
+  <p:clrMapOvr>
+    <a:masterClrMapping/>
+  </p:clrMapOvr>
+</p:sld>
+</file>
+
+<file path=ppt/slides/slide16.xml><?xml version="1.0" encoding="utf-8"?>
+<p:sld xmlns:a="http://schemas.openxmlformats.org/drawingml/2006/main" xmlns:r="http://schemas.openxmlformats.org/officeDocument/2006/relationships" xmlns:p="http://schemas.openxmlformats.org/presentationml/2006/main">
+  <p:cSld>
+    <p:spTree>
+      <p:nvGrpSpPr>
+        <p:cNvPr id="1" name=""/>
+        <p:cNvGrpSpPr/>
+        <p:nvPr/>
+      </p:nvGrpSpPr>
+      <p:grpSpPr/>
+      <p:sp>
+        <p:nvSpPr>
+          <p:cNvPr id="2" name="Title 1"/>
+          <p:cNvSpPr>
+            <a:spLocks noGrp="1"/>
+          </p:cNvSpPr>
+          <p:nvPr>
+            <p:ph type="title"/>
+          </p:nvPr>
+        </p:nvSpPr>
+        <p:spPr/>
+        <p:txBody>
+          <a:bodyPr>
+            <a:normAutofit fontScale="90000"/>
+          </a:bodyPr>
+          <a:p>
+            <a:r>
               <a:rPr lang="en-US"/>
-              <a:t>Logs &amp; Archives for reconciliations: (1)Properties in ...</a:t>
-            </a:r>
-            <a:r>
-              <a:rPr lang="en-US">
-                <a:solidFill>
-                  <a:schemeClr val="accent4"/>
-                </a:solidFill>
-                <a:hlinkClick r:id="rId2" tooltip="" action="ppaction://hlinkfile"/>
-              </a:rPr>
-              <a:t>mapping.json file</a:t>
-            </a:r>
-            <a:r>
-              <a:rPr lang="en-US"/>
-              <a:t> (2) </a:t>
-            </a:r>
-            <a:r>
-              <a:rPr lang="en-US">
-                <a:hlinkClick r:id="rId3" tooltip="" action="ppaction://hlinkfile"/>
-              </a:rPr>
-              <a:t>Archived Excels</a:t>
+              <a:t>Addition/Reflection on Data Reconciliation and RDF Conversion</a:t>
             </a:r>
             <a:endParaRPr lang="en-US"/>
           </a:p>
+        </p:txBody>
+      </p:sp>
+      <p:sp>
+        <p:nvSpPr>
+          <p:cNvPr id="3" name="Content Placeholder 2"/>
+          <p:cNvSpPr>
+            <a:spLocks noGrp="1"/>
+          </p:cNvSpPr>
+          <p:nvPr>
+            <p:ph idx="1"/>
+          </p:nvPr>
+        </p:nvSpPr>
+        <p:spPr/>
+        <p:txBody>
+          <a:bodyPr>
+            <a:normAutofit fontScale="90000" lnSpcReduction="20000"/>
+          </a:bodyPr>
           <a:p>
             <a:pPr>
               <a:lnSpc>
@@ -5404,9 +5847,29 @@
             </a:pPr>
             <a:r>
               <a:rPr lang="en-US"/>
-              <a:t>The co-existence of unreconciled data and reconciled data</a:t>
+              <a:t>Different scenarios and ways of None-graph-DBs to RDF</a:t>
             </a:r>
             <a:endParaRPr lang="en-US"/>
+          </a:p>
+          <a:p>
+            <a:pPr lvl="1">
+              <a:lnSpc>
+                <a:spcPct val="100000"/>
+              </a:lnSpc>
+            </a:pPr>
+            <a:r>
+              <a:rPr lang="en-US" sz="2220"/>
+              <a:t>https://github.com/DDMAL/linkedmusic-datalake/tree/main/doc/</a:t>
+            </a:r>
+            <a:r>
+              <a:rPr lang="en-US" sz="2220">
+                <a:solidFill>
+                  <a:schemeClr val="accent4"/>
+                </a:solidFill>
+              </a:rPr>
+              <a:t>CSV2RDFInVirtuoso</a:t>
+            </a:r>
+            <a:endParaRPr lang="en-US" sz="2220"/>
           </a:p>
           <a:p>
             <a:pPr>
@@ -5415,14 +5878,12 @@
               </a:lnSpc>
             </a:pPr>
             <a:r>
-              <a:rPr lang="en-US">
-                <a:hlinkClick r:id="rId4" tooltip="" action="ppaction://hlinkfile"/>
-              </a:rPr>
-              <a:t>To what extent will the reconciliation be conducted?</a:t>
-            </a:r>
-            <a:r>
               <a:rPr lang="en-US"/>
-              <a:t> -&gt; for queries</a:t>
+              <a:t>A summary of </a:t>
+            </a:r>
+            <a:r>
+              <a:rPr lang="en-US"/>
+              <a:t>data reconciliations: </a:t>
             </a:r>
             <a:endParaRPr lang="en-US"/>
           </a:p>
@@ -5433,8 +5894,10 @@
               </a:lnSpc>
             </a:pPr>
             <a:r>
-              <a:rPr lang="en-US"/>
-              <a:t>preparation for ontology; balance between OP and DP </a:t>
+              <a:rPr lang="en-US">
+                <a:hlinkClick r:id="rId1" action="ppaction://hlinkfile"/>
+              </a:rPr>
+              <a:t>Guidelines or suggestions for data reconciliation (updated from time to time; collecting advice from everyone)</a:t>
             </a:r>
             <a:endParaRPr lang="en-US"/>
           </a:p>
@@ -5445,8 +5908,91 @@
               </a:lnSpc>
             </a:pPr>
             <a:r>
+              <a:rPr lang="en-US"/>
+              <a:t>Logs &amp; Archives for reconciliations: (1)Properties in ...</a:t>
+            </a:r>
+            <a:r>
               <a:rPr lang="en-US">
-                <a:hlinkClick r:id="rId5" tooltip="" action="ppaction://hlinkfile"/>
+                <a:solidFill>
+                  <a:schemeClr val="accent4"/>
+                </a:solidFill>
+                <a:hlinkClick r:id="rId2" action="ppaction://hlinkfile"/>
+              </a:rPr>
+              <a:t>mapping.json file</a:t>
+            </a:r>
+            <a:r>
+              <a:rPr lang="en-US"/>
+              <a:t> (2) </a:t>
+            </a:r>
+            <a:r>
+              <a:rPr lang="en-US">
+                <a:hlinkClick r:id="rId3" action="ppaction://hlinkfile"/>
+              </a:rPr>
+              <a:t>Archived Excels</a:t>
+            </a:r>
+            <a:endParaRPr lang="en-US"/>
+          </a:p>
+          <a:p>
+            <a:pPr>
+              <a:lnSpc>
+                <a:spcPct val="100000"/>
+              </a:lnSpc>
+            </a:pPr>
+            <a:r>
+              <a:rPr lang="en-US"/>
+              <a:t>The co-existence of unreconciled data and reconciled data</a:t>
+            </a:r>
+            <a:endParaRPr lang="en-US"/>
+          </a:p>
+          <a:p>
+            <a:pPr>
+              <a:lnSpc>
+                <a:spcPct val="100000"/>
+              </a:lnSpc>
+            </a:pPr>
+            <a:r>
+              <a:rPr lang="en-US">
+                <a:hlinkClick r:id="rId4" action="ppaction://hlinkfile"/>
+              </a:rPr>
+              <a:t>To what extent will the reconciliation be conducted?</a:t>
+            </a:r>
+            <a:r>
+              <a:rPr lang="en-US"/>
+              <a:t> -&gt; for queries</a:t>
+            </a:r>
+            <a:endParaRPr lang="en-US"/>
+          </a:p>
+          <a:p>
+            <a:pPr lvl="1">
+              <a:lnSpc>
+                <a:spcPct val="100000"/>
+              </a:lnSpc>
+            </a:pPr>
+            <a:r>
+              <a:rPr lang="en-US"/>
+              <a:t>preparation for ontology; balance between ObjectProperty and Data</a:t>
+            </a:r>
+            <a:r>
+              <a:rPr lang="en-US">
+                <a:sym typeface="+mn-ea"/>
+              </a:rPr>
+              <a:t>Property</a:t>
+            </a:r>
+            <a:r>
+              <a:rPr lang="en-US"/>
+              <a:t> </a:t>
+            </a:r>
+            <a:endParaRPr lang="en-US"/>
+          </a:p>
+          <a:p>
+            <a:pPr>
+              <a:lnSpc>
+                <a:spcPct val="100000"/>
+              </a:lnSpc>
+            </a:pPr>
+            <a:r>
+              <a:rPr lang="en-US">
+                <a:hlinkClick r:id="rId5" action="ppaction://hlinkfile"/>
               </a:rPr>
               <a:t>Blank nodes and Named Graph</a:t>
             </a:r>
@@ -5492,6 +6038,109 @@
                 </a:schemeClr>
               </a:solidFill>
             </a:endParaRPr>
+          </a:p>
+        </p:txBody>
+      </p:sp>
+    </p:spTree>
+  </p:cSld>
+  <p:clrMapOvr>
+    <a:masterClrMapping/>
+  </p:clrMapOvr>
+</p:sld>
+</file>
+
+<file path=ppt/slides/slide17.xml><?xml version="1.0" encoding="utf-8"?>
+<p:sld xmlns:a="http://schemas.openxmlformats.org/drawingml/2006/main" xmlns:r="http://schemas.openxmlformats.org/officeDocument/2006/relationships" xmlns:p="http://schemas.openxmlformats.org/presentationml/2006/main">
+  <p:cSld>
+    <p:spTree>
+      <p:nvGrpSpPr>
+        <p:cNvPr id="1" name=""/>
+        <p:cNvGrpSpPr/>
+        <p:nvPr/>
+      </p:nvGrpSpPr>
+      <p:grpSpPr/>
+      <p:sp>
+        <p:nvSpPr>
+          <p:cNvPr id="2" name="Title 1"/>
+          <p:cNvSpPr>
+            <a:spLocks noGrp="1"/>
+          </p:cNvSpPr>
+          <p:nvPr>
+            <p:ph type="title"/>
+          </p:nvPr>
+        </p:nvSpPr>
+        <p:spPr/>
+        <p:txBody>
+          <a:bodyPr/>
+          <a:p>
+            <a:endParaRPr lang="en-US"/>
+          </a:p>
+        </p:txBody>
+      </p:sp>
+      <p:sp>
+        <p:nvSpPr>
+          <p:cNvPr id="3" name="Content Placeholder 2"/>
+          <p:cNvSpPr>
+            <a:spLocks noGrp="1"/>
+          </p:cNvSpPr>
+          <p:nvPr>
+            <p:ph idx="1"/>
+          </p:nvPr>
+        </p:nvSpPr>
+        <p:spPr/>
+        <p:txBody>
+          <a:bodyPr/>
+          <a:p>
+            <a:pPr marL="0" indent="0" algn="ctr">
+              <a:buNone/>
+            </a:pPr>
+            <a:endParaRPr lang="en-US" sz="4000"/>
+          </a:p>
+          <a:p>
+            <a:pPr marL="0" indent="0" algn="ctr">
+              <a:buNone/>
+            </a:pPr>
+            <a:r>
+              <a:rPr lang="en-US" sz="4000"/>
+              <a:t>Thank you!</a:t>
+            </a:r>
+            <a:endParaRPr lang="en-US" sz="4000"/>
+          </a:p>
+          <a:p>
+            <a:pPr algn="ctr"/>
+            <a:endParaRPr lang="en-US"/>
+          </a:p>
+          <a:p>
+            <a:pPr marL="0" indent="0" algn="ctr">
+              <a:buNone/>
+            </a:pPr>
+            <a:r>
+              <a:rPr lang="en-US" altLang="zh-CN" dirty="0">
+                <a:sym typeface="+mn-ea"/>
+              </a:rPr>
+              <a:t>  Junjun Cao</a:t>
+            </a:r>
+            <a:endParaRPr lang="en-US" altLang="zh-CN" dirty="0">
+              <a:latin typeface="+mn-lt"/>
+            </a:endParaRPr>
+          </a:p>
+          <a:p>
+            <a:pPr marL="0" indent="0" algn="ctr">
+              <a:buNone/>
+            </a:pPr>
+            <a:r>
+              <a:rPr lang="en-US" altLang="zh-CN" dirty="0">
+                <a:sym typeface="+mn-ea"/>
+              </a:rPr>
+              <a:t>  alienmusedh@gmail.com</a:t>
+            </a:r>
+            <a:endParaRPr lang="en-US" altLang="zh-CN" dirty="0">
+              <a:latin typeface="+mn-lt"/>
+            </a:endParaRPr>
+          </a:p>
+          <a:p>
+            <a:pPr algn="ctr"/>
+            <a:endParaRPr lang="en-US"/>
           </a:p>
         </p:txBody>
       </p:sp>
@@ -5734,6 +6383,88 @@
           </a:p>
         </p:txBody>
       </p:sp>
+      <p:sp>
+        <p:nvSpPr>
+          <p:cNvPr id="4" name="Text Box 3"/>
+          <p:cNvSpPr txBox="1"/>
+          <p:nvPr/>
+        </p:nvSpPr>
+        <p:spPr>
+          <a:xfrm>
+            <a:off x="5227320" y="5478145"/>
+            <a:ext cx="6096000" cy="922020"/>
+          </a:xfrm>
+          <a:prstGeom prst="rect">
+            <a:avLst/>
+          </a:prstGeom>
+          <a:noFill/>
+        </p:spPr>
+        <p:txBody>
+          <a:bodyPr wrap="square" rtlCol="0" anchor="t">
+            <a:spAutoFit/>
+          </a:bodyPr>
+          <a:p>
+            <a:pPr algn="r"/>
+            <a:r>
+              <a:rPr lang="en-US">
+                <a:solidFill>
+                  <a:schemeClr val="bg1">
+                    <a:lumMod val="75000"/>
+                  </a:schemeClr>
+                </a:solidFill>
+              </a:rPr>
+              <a:t>new challenge:</a:t>
+            </a:r>
+            <a:endParaRPr lang="en-US">
+              <a:solidFill>
+                <a:schemeClr val="bg1">
+                  <a:lumMod val="75000"/>
+                </a:schemeClr>
+              </a:solidFill>
+            </a:endParaRPr>
+          </a:p>
+          <a:p>
+            <a:pPr algn="r"/>
+            <a:r>
+              <a:rPr lang="en-US">
+                <a:solidFill>
+                  <a:schemeClr val="bg1">
+                    <a:lumMod val="75000"/>
+                  </a:schemeClr>
+                </a:solidFill>
+              </a:rPr>
+              <a:t>(1) difficult for data reconciliation</a:t>
+            </a:r>
+            <a:endParaRPr lang="en-US">
+              <a:solidFill>
+                <a:schemeClr val="bg1">
+                  <a:lumMod val="75000"/>
+                </a:schemeClr>
+              </a:solidFill>
+            </a:endParaRPr>
+          </a:p>
+          <a:p>
+            <a:pPr algn="r"/>
+            <a:r>
+              <a:rPr lang="en-US">
+                <a:solidFill>
+                  <a:schemeClr val="bg1">
+                    <a:lumMod val="75000"/>
+                  </a:schemeClr>
+                </a:solidFill>
+              </a:rPr>
+              <a:t>(2) difficult for schema-based NLQ2SPARQL</a:t>
+            </a:r>
+            <a:endParaRPr lang="en-US">
+              <a:solidFill>
+                <a:schemeClr val="bg1">
+                  <a:lumMod val="75000"/>
+                </a:schemeClr>
+              </a:solidFill>
+            </a:endParaRPr>
+          </a:p>
+        </p:txBody>
+      </p:sp>
     </p:spTree>
   </p:cSld>
   <p:clrMapOvr>
@@ -5840,7 +6571,7 @@
                   <a:schemeClr val="accent4"/>
                 </a:solidFill>
                 <a:sym typeface="+mn-ea"/>
-                <a:hlinkClick r:id="rId1" tooltip="" action="ppaction://hlinkfile"/>
+                <a:hlinkClick r:id="rId1" action="ppaction://hlinkfile"/>
               </a:rPr>
               <a:t>(refer to discussion 27)</a:t>
             </a:r>
@@ -6742,7 +7473,7 @@
                   </a:schemeClr>
                 </a:solidFill>
               </a:rPr>
-              <a:t>purely data such as literals, strings, integer,  dates...</a:t>
+              <a:t>purely data such as literals, strings, integer, dates, boolean...</a:t>
             </a:r>
             <a:endParaRPr lang="en-US">
               <a:solidFill>
@@ -6806,9 +7537,16 @@
             <p:ph idx="1"/>
           </p:nvPr>
         </p:nvSpPr>
-        <p:spPr/>
-        <p:txBody>
-          <a:bodyPr/>
+        <p:spPr>
+          <a:xfrm>
+            <a:off x="647700" y="1825625"/>
+            <a:ext cx="10772775" cy="4351655"/>
+          </a:xfrm>
+        </p:spPr>
+        <p:txBody>
+          <a:bodyPr>
+            <a:normAutofit lnSpcReduction="10000"/>
+          </a:bodyPr>
           <a:p>
             <a:r>
               <a:rPr lang="en-US">
@@ -6912,7 +7650,7 @@
             </a:pPr>
             <a:r>
               <a:rPr lang="en-US" sz="2400"/>
-              <a:t>which would like to be shared with LinkedMusic</a:t>
+              <a:t>whose vocabularies would like to be shared with LinkedMusic eg:instru...</a:t>
             </a:r>
             <a:endParaRPr lang="en-US" sz="2000"/>
           </a:p>
@@ -6969,48 +7707,16 @@
           </a:p>
         </p:txBody>
       </p:sp>
-      <p:pic>
-        <p:nvPicPr>
-          <p:cNvPr id="4" name="Picture 1"/>
-          <p:cNvPicPr>
-            <a:picLocks noChangeAspect="1"/>
-          </p:cNvPicPr>
-          <p:nvPr>
+      <p:sp>
+        <p:nvSpPr>
+          <p:cNvPr id="5" name="Content Placeholder 4"/>
+          <p:cNvSpPr>
+            <a:spLocks noGrp="1"/>
+          </p:cNvSpPr>
+          <p:nvPr>
+            <p:ph idx="1"/>
             <p:custDataLst>
               <p:tags r:id="rId1"/>
-            </p:custDataLst>
-          </p:nvPr>
-        </p:nvPicPr>
-        <p:blipFill>
-          <a:blip r:embed="rId2"/>
-          <a:stretch>
-            <a:fillRect/>
-          </a:stretch>
-        </p:blipFill>
-        <p:spPr>
-          <a:xfrm>
-            <a:off x="6466205" y="682625"/>
-            <a:ext cx="5299710" cy="5755640"/>
-          </a:xfrm>
-          <a:prstGeom prst="rect">
-            <a:avLst/>
-          </a:prstGeom>
-          <a:noFill/>
-          <a:ln>
-            <a:noFill/>
-          </a:ln>
-        </p:spPr>
-      </p:pic>
-      <p:sp>
-        <p:nvSpPr>
-          <p:cNvPr id="5" name="Content Placeholder 4"/>
-          <p:cNvSpPr>
-            <a:spLocks noGrp="1"/>
-          </p:cNvSpPr>
-          <p:nvPr>
-            <p:ph idx="1"/>
-            <p:custDataLst>
-              <p:tags r:id="rId3"/>
             </p:custDataLst>
           </p:nvPr>
         </p:nvSpPr>
@@ -7118,12 +7824,12 @@
           </p:cNvPicPr>
           <p:nvPr>
             <p:custDataLst>
-              <p:tags r:id="rId4"/>
+              <p:tags r:id="rId2"/>
             </p:custDataLst>
           </p:nvPr>
         </p:nvPicPr>
         <p:blipFill>
-          <a:blip r:embed="rId5"/>
+          <a:blip r:embed="rId3"/>
           <a:stretch>
             <a:fillRect/>
           </a:stretch>
@@ -7136,6 +7842,38 @@
           <a:prstGeom prst="rect">
             <a:avLst/>
           </a:prstGeom>
+        </p:spPr>
+      </p:pic>
+      <p:pic>
+        <p:nvPicPr>
+          <p:cNvPr id="6" name="Picture 1"/>
+          <p:cNvPicPr>
+            <a:picLocks noChangeAspect="1"/>
+          </p:cNvPicPr>
+          <p:nvPr>
+            <p:custDataLst>
+              <p:tags r:id="rId4"/>
+            </p:custDataLst>
+          </p:nvPr>
+        </p:nvPicPr>
+        <p:blipFill>
+          <a:blip r:embed="rId5"/>
+          <a:stretch>
+            <a:fillRect/>
+          </a:stretch>
+        </p:blipFill>
+        <p:spPr>
+          <a:xfrm>
+            <a:off x="6350635" y="492760"/>
+            <a:ext cx="5392420" cy="5872480"/>
+          </a:xfrm>
+          <a:prstGeom prst="rect">
+            <a:avLst/>
+          </a:prstGeom>
+          <a:noFill/>
+          <a:ln>
+            <a:noFill/>
+          </a:ln>
         </p:spPr>
       </p:pic>
     </p:spTree>
@@ -7358,7 +8096,7 @@
             </a:pPr>
             <a:r>
               <a:rPr lang="en-US" altLang="zh-CN"/>
-              <a:t>Over-generalization-&gt;base for recommendation</a:t>
+              <a:t>Ambiguity of NLQ-&gt;Over-generalization-&gt;base for recommendation</a:t>
             </a:r>
             <a:endParaRPr lang="en-US" altLang="zh-CN"/>
           </a:p>
@@ -7492,9 +8230,22 @@
               <a:rPr lang="en-US" sz="2400">
                 <a:sym typeface="+mn-ea"/>
               </a:rPr>
-              <a:t>claude 3.7 (2) reflection: using ontology for validation</a:t>
-            </a:r>
-            <a:endParaRPr lang="en-US"/>
+              <a:t>claude 4 (2) reflection: ontology for validation </a:t>
+            </a:r>
+            <a:r>
+              <a:rPr lang="en-US" sz="2400">
+                <a:solidFill>
+                  <a:schemeClr val="accent2"/>
+                </a:solidFill>
+                <a:sym typeface="+mn-ea"/>
+              </a:rPr>
+              <a:t>instead of shapes</a:t>
+            </a:r>
+            <a:endParaRPr lang="en-US">
+              <a:solidFill>
+                <a:schemeClr val="accent2"/>
+              </a:solidFill>
+            </a:endParaRPr>
           </a:p>
           <a:p>
             <a:r>
@@ -7531,7 +8282,7 @@
             </a:r>
             <a:r>
               <a:rPr lang="en-US">
-                <a:hlinkClick r:id="rId1" tooltip="" action="ppaction://hlinkfile"/>
+                <a:hlinkClick r:id="rId1" action="ppaction://hlinkfile"/>
               </a:rPr>
               <a:t>issues 60</a:t>
             </a:r>
@@ -7551,7 +8302,7 @@
             </a:pPr>
             <a:r>
               <a:rPr lang="en-US"/>
-              <a:t>the retrieval scope is broadened by loosening query conditions/constraints in the SPARQL query, and other possible query patterns can be recommended</a:t>
+              <a:t>the retrieval scope is broadened by relaxing query conditions/constraints in the SPARQL query, and other possible query patterns can be recommended</a:t>
             </a:r>
             <a:endParaRPr lang="en-US"/>
           </a:p>
@@ -7604,6 +8355,12 @@
 </file>
 
 <file path=ppt/tags/tag6.xml><?xml version="1.0" encoding="utf-8"?>
+<p:tagLst xmlns:p="http://schemas.openxmlformats.org/presentationml/2006/main">
+  <p:tag name="KSO_WM_BEAUTIFY_FLAG" val=""/>
+</p:tagLst>
+</file>
+
+<file path=ppt/tags/tag7.xml><?xml version="1.0" encoding="utf-8"?>
 <p:tagLst xmlns:p="http://schemas.openxmlformats.org/presentationml/2006/main">
   <p:tag name="KSO_WM_BEAUTIFY_FLAG" val=""/>
 </p:tagLst>

--- a/handOver_generalReviewOf_LinkedMusicQueries2024-2025.pptx
+++ b/handOver_generalReviewOf_LinkedMusicQueries2024-2025.pptx
@@ -1,6 +1,6 @@
 
 <file path=ppt/presentation.xml><?xml version="1.0" encoding="utf-8"?>
-<p:presentation xmlns:a="http://schemas.openxmlformats.org/drawingml/2006/main" xmlns:r="http://schemas.openxmlformats.org/officeDocument/2006/relationships" xmlns:p="http://schemas.openxmlformats.org/presentationml/2006/main">
+<p:presentation xmlns:a="http://schemas.openxmlformats.org/drawingml/2006/main" xmlns:r="http://schemas.openxmlformats.org/officeDocument/2006/relationships" xmlns:p="http://schemas.openxmlformats.org/presentationml/2006/main" showSpecialPlsOnTitleSld="0">
   <p:sldMasterIdLst>
     <p:sldMasterId id="2147483648" r:id="rId1"/>
   </p:sldMasterIdLst>
@@ -8,7 +8,7 @@
     <p:notesMasterId r:id="rId4"/>
   </p:notesMasterIdLst>
   <p:handoutMasterIdLst>
-    <p:handoutMasterId r:id="rId18"/>
+    <p:handoutMasterId r:id="rId21"/>
   </p:handoutMasterIdLst>
   <p:sldIdLst>
     <p:sldId id="256" r:id="rId3"/>
@@ -20,11 +20,14 @@
     <p:sldId id="261" r:id="rId10"/>
     <p:sldId id="262" r:id="rId11"/>
     <p:sldId id="265" r:id="rId12"/>
-    <p:sldId id="266" r:id="rId13"/>
-    <p:sldId id="263" r:id="rId14"/>
-    <p:sldId id="268" r:id="rId15"/>
-    <p:sldId id="269" r:id="rId16"/>
-    <p:sldId id="270" r:id="rId17"/>
+    <p:sldId id="282" r:id="rId13"/>
+    <p:sldId id="283" r:id="rId14"/>
+    <p:sldId id="266" r:id="rId15"/>
+    <p:sldId id="263" r:id="rId16"/>
+    <p:sldId id="268" r:id="rId17"/>
+    <p:sldId id="269" r:id="rId18"/>
+    <p:sldId id="270" r:id="rId19"/>
+    <p:sldId id="284" r:id="rId20"/>
   </p:sldIdLst>
   <p:sldSz cx="12192000" cy="6858000"/>
   <p:notesSz cx="7103745" cy="10234295"/>
@@ -126,7 +129,7 @@
   <p:extLst>
     <p:ext uri="{EFAFB233-063F-42B5-8137-9DF3F51BA10A}">
       <p15:sldGuideLst xmlns:p15="http://schemas.microsoft.com/office/powerpoint/2012/main">
-        <p15:guide id="1" orient="horz" pos="2160" userDrawn="1">
+        <p15:guide id="1" orient="horz" pos="2130" userDrawn="1">
           <p15:clr>
             <a:srgbClr val="A4A3A4"/>
           </p15:clr>
@@ -159,7 +162,7 @@
     <p:pos x="6139" y="2101"/>
     <p:text>Use OWL &amp; shapes to realize Federal Queries</p:text>
   </p:cm>
-  <p:cm authorId="1" dt="2025-05-21T17:11:09.520" idx="5">
+  <p:cm authorId="1" dt="2025-05-30T11:35:26.484" idx="5">
     <p:pos x="4380" y="3291"/>
     <p:text>new challenge:
 (1) difficult for data reconciliation
@@ -344,6 +347,7 @@
     </p:spTree>
   </p:cSld>
   <p:clrMap bg1="lt1" tx1="dk1" bg2="lt2" tx2="dk2" accent1="accent1" accent2="accent2" accent3="accent3" accent4="accent4" accent5="accent5" accent6="accent6" hlink="hlink" folHlink="folHlink"/>
+  <p:hf hdr="0" ftr="0" dt="0"/>
 </p:handoutMaster>
 </file>
 
@@ -599,6 +603,7 @@
     </p:spTree>
   </p:cSld>
   <p:clrMap bg1="lt1" tx1="dk1" bg2="lt2" tx2="dk2" accent1="accent1" accent2="accent2" accent3="accent3" accent4="accent4" accent5="accent5" accent6="accent6" hlink="hlink" folHlink="folHlink"/>
+  <p:hf hdr="0" ftr="0" dt="0"/>
   <p:notesStyle>
     <a:lvl1pPr marL="0" algn="l" defTabSz="914400" rtl="0" eaLnBrk="1" latinLnBrk="0" hangingPunct="1">
       <a:defRPr sz="1200" kern="1200">
@@ -812,6 +817,27 @@
           </a:p>
         </p:txBody>
       </p:sp>
+      <p:sp>
+        <p:nvSpPr>
+          <p:cNvPr id="4" name="Slide Number Placeholder 3"/>
+          <p:cNvSpPr>
+            <a:spLocks noGrp="1"/>
+          </p:cNvSpPr>
+          <p:nvPr>
+            <p:ph type="sldNum" sz="quarter" idx="5"/>
+          </p:nvPr>
+        </p:nvSpPr>
+        <p:spPr/>
+        <p:txBody>
+          <a:bodyPr/>
+          <a:p>
+            <a:fld id="{85D0DACE-38E0-42D2-9336-2B707D34BC6D}" type="slidenum">
+              <a:rPr lang="zh-CN" altLang="en-US" smtClean="0"/>
+            </a:fld>
+            <a:endParaRPr lang="zh-CN" altLang="en-US"/>
+          </a:p>
+        </p:txBody>
+      </p:sp>
     </p:spTree>
   </p:cSld>
   <p:clrMapOvr>
@@ -856,7 +882,43 @@
         <p:txBody>
           <a:bodyPr/>
           <a:p>
+            <a:r>
+              <a:rPr lang="en-US"/>
+              <a:t>prior</a:t>
+            </a:r>
+            <a:r>
+              <a:rPr lang="en-US"/>
+              <a:t>itizes comprehensiveness than precision</a:t>
+            </a:r>
             <a:endParaRPr lang="en-US"/>
+          </a:p>
+          <a:p>
+            <a:r>
+              <a:rPr lang="en-US"/>
+              <a:t>Use LLMs to inversely create new NLQs along with SPARQL</a:t>
+            </a:r>
+            <a:endParaRPr lang="en-US"/>
+          </a:p>
+        </p:txBody>
+      </p:sp>
+      <p:sp>
+        <p:nvSpPr>
+          <p:cNvPr id="4" name="Slide Number Placeholder 3"/>
+          <p:cNvSpPr>
+            <a:spLocks noGrp="1"/>
+          </p:cNvSpPr>
+          <p:nvPr>
+            <p:ph type="sldNum" sz="quarter" idx="5"/>
+          </p:nvPr>
+        </p:nvSpPr>
+        <p:spPr/>
+        <p:txBody>
+          <a:bodyPr/>
+          <a:p>
+            <a:fld id="{85D0DACE-38E0-42D2-9336-2B707D34BC6D}" type="slidenum">
+              <a:rPr lang="zh-CN" altLang="en-US" smtClean="0"/>
+            </a:fld>
+            <a:endParaRPr lang="zh-CN" altLang="en-US"/>
           </a:p>
         </p:txBody>
       </p:sp>
@@ -904,7 +966,32 @@
         <p:txBody>
           <a:bodyPr/>
           <a:p>
+            <a:r>
+              <a:rPr lang="en-US"/>
+              <a:t>time or geographical functions</a:t>
+            </a:r>
             <a:endParaRPr lang="en-US"/>
+          </a:p>
+        </p:txBody>
+      </p:sp>
+      <p:sp>
+        <p:nvSpPr>
+          <p:cNvPr id="4" name="Slide Number Placeholder 3"/>
+          <p:cNvSpPr>
+            <a:spLocks noGrp="1"/>
+          </p:cNvSpPr>
+          <p:nvPr>
+            <p:ph type="sldNum" sz="quarter" idx="5"/>
+          </p:nvPr>
+        </p:nvSpPr>
+        <p:spPr/>
+        <p:txBody>
+          <a:bodyPr/>
+          <a:p>
+            <a:fld id="{85D0DACE-38E0-42D2-9336-2B707D34BC6D}" type="slidenum">
+              <a:rPr lang="zh-CN" altLang="en-US" smtClean="0"/>
+            </a:fld>
+            <a:endParaRPr lang="zh-CN" altLang="en-US"/>
           </a:p>
         </p:txBody>
       </p:sp>
@@ -956,6 +1043,27 @@
           </a:p>
         </p:txBody>
       </p:sp>
+      <p:sp>
+        <p:nvSpPr>
+          <p:cNvPr id="4" name="Slide Number Placeholder 3"/>
+          <p:cNvSpPr>
+            <a:spLocks noGrp="1"/>
+          </p:cNvSpPr>
+          <p:nvPr>
+            <p:ph type="sldNum" sz="quarter" idx="5"/>
+          </p:nvPr>
+        </p:nvSpPr>
+        <p:spPr/>
+        <p:txBody>
+          <a:bodyPr/>
+          <a:p>
+            <a:fld id="{85D0DACE-38E0-42D2-9336-2B707D34BC6D}" type="slidenum">
+              <a:rPr lang="zh-CN" altLang="en-US" smtClean="0"/>
+            </a:fld>
+            <a:endParaRPr lang="zh-CN" altLang="en-US"/>
+          </a:p>
+        </p:txBody>
+      </p:sp>
     </p:spTree>
   </p:cSld>
   <p:clrMapOvr>
@@ -1004,6 +1112,280 @@
           </a:p>
         </p:txBody>
       </p:sp>
+      <p:sp>
+        <p:nvSpPr>
+          <p:cNvPr id="4" name="Slide Number Placeholder 3"/>
+          <p:cNvSpPr>
+            <a:spLocks noGrp="1"/>
+          </p:cNvSpPr>
+          <p:nvPr>
+            <p:ph type="sldNum" sz="quarter" idx="5"/>
+          </p:nvPr>
+        </p:nvSpPr>
+        <p:spPr/>
+        <p:txBody>
+          <a:bodyPr/>
+          <a:p>
+            <a:fld id="{85D0DACE-38E0-42D2-9336-2B707D34BC6D}" type="slidenum">
+              <a:rPr lang="zh-CN" altLang="en-US" smtClean="0"/>
+            </a:fld>
+            <a:endParaRPr lang="zh-CN" altLang="en-US"/>
+          </a:p>
+        </p:txBody>
+      </p:sp>
+    </p:spTree>
+  </p:cSld>
+  <p:clrMapOvr>
+    <a:masterClrMapping/>
+  </p:clrMapOvr>
+</p:notes>
+</file>
+
+<file path=ppt/notesSlides/notesSlide15.xml><?xml version="1.0" encoding="utf-8"?>
+<p:notes xmlns:a="http://schemas.openxmlformats.org/drawingml/2006/main" xmlns:r="http://schemas.openxmlformats.org/officeDocument/2006/relationships" xmlns:p="http://schemas.openxmlformats.org/presentationml/2006/main">
+  <p:cSld>
+    <p:spTree>
+      <p:nvGrpSpPr>
+        <p:cNvPr id="1" name=""/>
+        <p:cNvGrpSpPr/>
+        <p:nvPr/>
+      </p:nvGrpSpPr>
+      <p:grpSpPr/>
+      <p:sp>
+        <p:nvSpPr>
+          <p:cNvPr id="2" name="Slide Image Placeholder 1"/>
+          <p:cNvSpPr>
+            <a:spLocks noGrp="1"/>
+          </p:cNvSpPr>
+          <p:nvPr>
+            <p:ph type="sldImg" idx="2"/>
+          </p:nvPr>
+        </p:nvSpPr>
+        <p:spPr/>
+      </p:sp>
+      <p:sp>
+        <p:nvSpPr>
+          <p:cNvPr id="3" name="Text Placeholder 2"/>
+          <p:cNvSpPr>
+            <a:spLocks noGrp="1"/>
+          </p:cNvSpPr>
+          <p:nvPr>
+            <p:ph type="body" idx="3"/>
+          </p:nvPr>
+        </p:nvSpPr>
+        <p:spPr/>
+        <p:txBody>
+          <a:bodyPr/>
+          <a:p>
+            <a:endParaRPr lang="en-US"/>
+          </a:p>
+        </p:txBody>
+      </p:sp>
+      <p:sp>
+        <p:nvSpPr>
+          <p:cNvPr id="4" name="Slide Number Placeholder 3"/>
+          <p:cNvSpPr>
+            <a:spLocks noGrp="1"/>
+          </p:cNvSpPr>
+          <p:nvPr>
+            <p:ph type="sldNum" sz="quarter" idx="5"/>
+          </p:nvPr>
+        </p:nvSpPr>
+        <p:spPr/>
+        <p:txBody>
+          <a:bodyPr/>
+          <a:p>
+            <a:fld id="{85D0DACE-38E0-42D2-9336-2B707D34BC6D}" type="slidenum">
+              <a:rPr lang="zh-CN" altLang="en-US" smtClean="0"/>
+            </a:fld>
+            <a:endParaRPr lang="zh-CN" altLang="en-US"/>
+          </a:p>
+        </p:txBody>
+      </p:sp>
+    </p:spTree>
+  </p:cSld>
+  <p:clrMapOvr>
+    <a:masterClrMapping/>
+  </p:clrMapOvr>
+</p:notes>
+</file>
+
+<file path=ppt/notesSlides/notesSlide16.xml><?xml version="1.0" encoding="utf-8"?>
+<p:notes xmlns:a="http://schemas.openxmlformats.org/drawingml/2006/main" xmlns:r="http://schemas.openxmlformats.org/officeDocument/2006/relationships" xmlns:p="http://schemas.openxmlformats.org/presentationml/2006/main">
+  <p:cSld>
+    <p:spTree>
+      <p:nvGrpSpPr>
+        <p:cNvPr id="1" name=""/>
+        <p:cNvGrpSpPr/>
+        <p:nvPr/>
+      </p:nvGrpSpPr>
+      <p:grpSpPr/>
+      <p:sp>
+        <p:nvSpPr>
+          <p:cNvPr id="2" name="Slide Image Placeholder 1"/>
+          <p:cNvSpPr>
+            <a:spLocks noGrp="1"/>
+          </p:cNvSpPr>
+          <p:nvPr>
+            <p:ph type="sldImg" idx="2"/>
+          </p:nvPr>
+        </p:nvSpPr>
+        <p:spPr/>
+      </p:sp>
+      <p:sp>
+        <p:nvSpPr>
+          <p:cNvPr id="3" name="Text Placeholder 2"/>
+          <p:cNvSpPr>
+            <a:spLocks noGrp="1"/>
+          </p:cNvSpPr>
+          <p:nvPr>
+            <p:ph type="body" idx="3"/>
+          </p:nvPr>
+        </p:nvSpPr>
+        <p:spPr/>
+        <p:txBody>
+          <a:bodyPr/>
+          <a:p>
+            <a:r>
+              <a:rPr lang="zh-CN" altLang="en-US"/>
+              <a:t>（</a:t>
+            </a:r>
+            <a:r>
+              <a:rPr lang="en-US" altLang="zh-CN"/>
+              <a:t>1</a:t>
+            </a:r>
+            <a:r>
+              <a:rPr lang="zh-CN" altLang="en-US"/>
+              <a:t>）</a:t>
+            </a:r>
+            <a:r>
+              <a:rPr lang="en-US"/>
+              <a:t>Any instance in the RDF dataset should be specified with a </a:t>
+            </a:r>
+            <a:r>
+              <a:rPr lang="en-US"/>
+              <a:t>rdf:type.</a:t>
+            </a:r>
+            <a:endParaRPr lang="en-US"/>
+          </a:p>
+          <a:p>
+            <a:r>
+              <a:rPr lang="zh-CN" altLang="en-US"/>
+              <a:t>（</a:t>
+            </a:r>
+            <a:r>
+              <a:rPr lang="en-US" altLang="zh-CN"/>
+              <a:t>2</a:t>
+            </a:r>
+            <a:r>
+              <a:rPr lang="zh-CN" altLang="en-US"/>
+              <a:t>）</a:t>
+            </a:r>
+            <a:r>
+              <a:rPr lang="en-US" altLang="zh-CN"/>
+              <a:t>We may not reconcile all of them even if we can, because some information can be viewed as dataProperty instead of objectProperty.</a:t>
+            </a:r>
+            <a:endParaRPr lang="en-US" altLang="zh-CN"/>
+          </a:p>
+          <a:p>
+            <a:r>
+              <a:rPr lang="en-US" altLang="zh-CN"/>
+              <a:t>100% reconciliation strategy is just like regarding all the properties as object property, which may cause a lot of tough work or burderns on the data structure. The keypoint is like a trade-off between OP and DP. The suggestion is, to respect the original schema of RDB</a:t>
+            </a:r>
+            <a:endParaRPr lang="en-US" altLang="zh-CN"/>
+          </a:p>
+        </p:txBody>
+      </p:sp>
+      <p:sp>
+        <p:nvSpPr>
+          <p:cNvPr id="4" name="Slide Number Placeholder 3"/>
+          <p:cNvSpPr>
+            <a:spLocks noGrp="1"/>
+          </p:cNvSpPr>
+          <p:nvPr>
+            <p:ph type="sldNum" sz="quarter" idx="5"/>
+          </p:nvPr>
+        </p:nvSpPr>
+        <p:spPr/>
+        <p:txBody>
+          <a:bodyPr/>
+          <a:p>
+            <a:fld id="{85D0DACE-38E0-42D2-9336-2B707D34BC6D}" type="slidenum">
+              <a:rPr lang="zh-CN" altLang="en-US" smtClean="0"/>
+            </a:fld>
+            <a:endParaRPr lang="zh-CN" altLang="en-US"/>
+          </a:p>
+        </p:txBody>
+      </p:sp>
+    </p:spTree>
+  </p:cSld>
+  <p:clrMapOvr>
+    <a:masterClrMapping/>
+  </p:clrMapOvr>
+</p:notes>
+</file>
+
+<file path=ppt/notesSlides/notesSlide17.xml><?xml version="1.0" encoding="utf-8"?>
+<p:notes xmlns:a="http://schemas.openxmlformats.org/drawingml/2006/main" xmlns:r="http://schemas.openxmlformats.org/officeDocument/2006/relationships" xmlns:p="http://schemas.openxmlformats.org/presentationml/2006/main">
+  <p:cSld>
+    <p:spTree>
+      <p:nvGrpSpPr>
+        <p:cNvPr id="1" name=""/>
+        <p:cNvGrpSpPr/>
+        <p:nvPr/>
+      </p:nvGrpSpPr>
+      <p:grpSpPr/>
+      <p:sp>
+        <p:nvSpPr>
+          <p:cNvPr id="2" name="Slide Image Placeholder 1"/>
+          <p:cNvSpPr>
+            <a:spLocks noGrp="1"/>
+          </p:cNvSpPr>
+          <p:nvPr>
+            <p:ph type="sldImg" idx="2"/>
+          </p:nvPr>
+        </p:nvSpPr>
+        <p:spPr/>
+      </p:sp>
+      <p:sp>
+        <p:nvSpPr>
+          <p:cNvPr id="3" name="Text Placeholder 2"/>
+          <p:cNvSpPr>
+            <a:spLocks noGrp="1"/>
+          </p:cNvSpPr>
+          <p:nvPr>
+            <p:ph type="body" idx="3"/>
+          </p:nvPr>
+        </p:nvSpPr>
+        <p:spPr/>
+        <p:txBody>
+          <a:bodyPr/>
+          <a:p>
+            <a:endParaRPr lang="en-US"/>
+          </a:p>
+        </p:txBody>
+      </p:sp>
+      <p:sp>
+        <p:nvSpPr>
+          <p:cNvPr id="4" name="Slide Number Placeholder 3"/>
+          <p:cNvSpPr>
+            <a:spLocks noGrp="1"/>
+          </p:cNvSpPr>
+          <p:nvPr>
+            <p:ph type="sldNum" sz="quarter" idx="5"/>
+          </p:nvPr>
+        </p:nvSpPr>
+        <p:spPr/>
+        <p:txBody>
+          <a:bodyPr/>
+          <a:p>
+            <a:fld id="{85D0DACE-38E0-42D2-9336-2B707D34BC6D}" type="slidenum">
+              <a:rPr lang="zh-CN" altLang="en-US" smtClean="0"/>
+            </a:fld>
+            <a:endParaRPr lang="zh-CN" altLang="en-US"/>
+          </a:p>
+        </p:txBody>
+      </p:sp>
     </p:spTree>
   </p:cSld>
   <p:clrMapOvr>
@@ -1048,7 +1430,46 @@
         <p:txBody>
           <a:bodyPr/>
           <a:p>
+            <a:r>
+              <a:rPr lang="en-US"/>
+              <a:t>mapping S-P-O patterns in syntax</a:t>
+            </a:r>
             <a:endParaRPr lang="en-US"/>
+          </a:p>
+          <a:p>
+            <a:r>
+              <a:rPr lang="en-US"/>
+              <a:t>comparison between webpage query and SPARQL query</a:t>
+            </a:r>
+            <a:endParaRPr lang="en-US"/>
+          </a:p>
+          <a:p>
+            <a:r>
+              <a:rPr lang="en-US"/>
+              <a:t>nested structure</a:t>
+            </a:r>
+            <a:endParaRPr lang="en-US"/>
+          </a:p>
+        </p:txBody>
+      </p:sp>
+      <p:sp>
+        <p:nvSpPr>
+          <p:cNvPr id="4" name="Slide Number Placeholder 3"/>
+          <p:cNvSpPr>
+            <a:spLocks noGrp="1"/>
+          </p:cNvSpPr>
+          <p:nvPr>
+            <p:ph type="sldNum" sz="quarter" idx="5"/>
+          </p:nvPr>
+        </p:nvSpPr>
+        <p:spPr/>
+        <p:txBody>
+          <a:bodyPr/>
+          <a:p>
+            <a:fld id="{85D0DACE-38E0-42D2-9336-2B707D34BC6D}" type="slidenum">
+              <a:rPr lang="zh-CN" altLang="en-US" smtClean="0"/>
+            </a:fld>
+            <a:endParaRPr lang="zh-CN" altLang="en-US"/>
           </a:p>
         </p:txBody>
       </p:sp>
@@ -1096,7 +1517,50 @@
         <p:txBody>
           <a:bodyPr/>
           <a:p>
+            <a:r>
+              <a:rPr lang="en-US"/>
+              <a:t>LLMs know lots of entities and properties of Wikidata</a:t>
+            </a:r>
             <a:endParaRPr lang="en-US"/>
+          </a:p>
+          <a:p>
+            <a:r>
+              <a:rPr lang="en-US"/>
+              <a:t>for the complex ones</a:t>
+            </a:r>
+            <a:r>
+              <a:rPr lang="en-US"/>
+              <a:t> beyond the simple S-P-O structure,-&gt;</a:t>
+            </a:r>
+            <a:endParaRPr lang="en-US"/>
+          </a:p>
+          <a:p>
+            <a:r>
+              <a:rPr lang="en-US"/>
+              <a:t>shots represent samples</a:t>
+            </a:r>
+            <a:endParaRPr lang="en-US"/>
+          </a:p>
+        </p:txBody>
+      </p:sp>
+      <p:sp>
+        <p:nvSpPr>
+          <p:cNvPr id="4" name="Slide Number Placeholder 3"/>
+          <p:cNvSpPr>
+            <a:spLocks noGrp="1"/>
+          </p:cNvSpPr>
+          <p:nvPr>
+            <p:ph type="sldNum" sz="quarter" idx="5"/>
+          </p:nvPr>
+        </p:nvSpPr>
+        <p:spPr/>
+        <p:txBody>
+          <a:bodyPr/>
+          <a:p>
+            <a:fld id="{85D0DACE-38E0-42D2-9336-2B707D34BC6D}" type="slidenum">
+              <a:rPr lang="zh-CN" altLang="en-US" smtClean="0"/>
+            </a:fld>
+            <a:endParaRPr lang="zh-CN" altLang="en-US"/>
           </a:p>
         </p:txBody>
       </p:sp>
@@ -1144,7 +1608,43 @@
         <p:txBody>
           <a:bodyPr/>
           <a:p>
+            <a:r>
+              <a:rPr lang="en-US"/>
+              <a:t>revist graph database. A graph data base can have a schema. For the sake of rigor, we call nominal schema</a:t>
+            </a:r>
             <a:endParaRPr lang="en-US"/>
+          </a:p>
+          <a:p>
+            <a:r>
+              <a:rPr lang="en-US" altLang="zh-CN"/>
+              <a:t>reproduce </a:t>
+            </a:r>
+            <a:r>
+              <a:rPr lang="en-US" altLang="zh-CN"/>
+              <a:t>the schema</a:t>
+            </a:r>
+            <a:endParaRPr lang="en-US" altLang="zh-CN"/>
+          </a:p>
+        </p:txBody>
+      </p:sp>
+      <p:sp>
+        <p:nvSpPr>
+          <p:cNvPr id="4" name="Slide Number Placeholder 3"/>
+          <p:cNvSpPr>
+            <a:spLocks noGrp="1"/>
+          </p:cNvSpPr>
+          <p:nvPr>
+            <p:ph type="sldNum" sz="quarter" idx="5"/>
+          </p:nvPr>
+        </p:nvSpPr>
+        <p:spPr/>
+        <p:txBody>
+          <a:bodyPr/>
+          <a:p>
+            <a:fld id="{85D0DACE-38E0-42D2-9336-2B707D34BC6D}" type="slidenum">
+              <a:rPr lang="zh-CN" altLang="en-US" smtClean="0"/>
+            </a:fld>
+            <a:endParaRPr lang="zh-CN" altLang="en-US"/>
           </a:p>
         </p:txBody>
       </p:sp>
@@ -1192,7 +1692,39 @@
         <p:txBody>
           <a:bodyPr/>
           <a:p>
+            <a:r>
+              <a:rPr lang="en-US"/>
+              <a:t>delve into schema in the context of linked data</a:t>
+            </a:r>
             <a:endParaRPr lang="en-US"/>
+          </a:p>
+          <a:p>
+            <a:r>
+              <a:rPr lang="en-US"/>
+              <a:t>up to now, we can rely on only one type of schema</a:t>
+            </a:r>
+            <a:endParaRPr lang="en-US"/>
+          </a:p>
+        </p:txBody>
+      </p:sp>
+      <p:sp>
+        <p:nvSpPr>
+          <p:cNvPr id="4" name="Slide Number Placeholder 3"/>
+          <p:cNvSpPr>
+            <a:spLocks noGrp="1"/>
+          </p:cNvSpPr>
+          <p:nvPr>
+            <p:ph type="sldNum" sz="quarter" idx="5"/>
+          </p:nvPr>
+        </p:nvSpPr>
+        <p:spPr/>
+        <p:txBody>
+          <a:bodyPr/>
+          <a:p>
+            <a:fld id="{85D0DACE-38E0-42D2-9336-2B707D34BC6D}" type="slidenum">
+              <a:rPr lang="zh-CN" altLang="en-US" smtClean="0"/>
+            </a:fld>
+            <a:endParaRPr lang="zh-CN" altLang="en-US"/>
           </a:p>
         </p:txBody>
       </p:sp>
@@ -1240,7 +1772,39 @@
         <p:txBody>
           <a:bodyPr/>
           <a:p>
+            <a:r>
+              <a:rPr lang="en-US"/>
+              <a:t>in previous experiments, we provided only small ontology snippets to specific questions</a:t>
+            </a:r>
             <a:endParaRPr lang="en-US"/>
+          </a:p>
+          <a:p>
+            <a:r>
+              <a:rPr lang="en-US"/>
+              <a:t>the straight way is to provide LLMs with the entire OWL</a:t>
+            </a:r>
+            <a:endParaRPr lang="en-US"/>
+          </a:p>
+        </p:txBody>
+      </p:sp>
+      <p:sp>
+        <p:nvSpPr>
+          <p:cNvPr id="4" name="Slide Number Placeholder 3"/>
+          <p:cNvSpPr>
+            <a:spLocks noGrp="1"/>
+          </p:cNvSpPr>
+          <p:nvPr>
+            <p:ph type="sldNum" sz="quarter" idx="5"/>
+          </p:nvPr>
+        </p:nvSpPr>
+        <p:spPr/>
+        <p:txBody>
+          <a:bodyPr/>
+          <a:p>
+            <a:fld id="{85D0DACE-38E0-42D2-9336-2B707D34BC6D}" type="slidenum">
+              <a:rPr lang="zh-CN" altLang="en-US" smtClean="0"/>
+            </a:fld>
+            <a:endParaRPr lang="zh-CN" altLang="en-US"/>
           </a:p>
         </p:txBody>
       </p:sp>
@@ -1288,7 +1852,32 @@
         <p:txBody>
           <a:bodyPr/>
           <a:p>
+            <a:r>
+              <a:rPr lang="en-US"/>
+              <a:t>schematic diagram</a:t>
+            </a:r>
             <a:endParaRPr lang="en-US"/>
+          </a:p>
+        </p:txBody>
+      </p:sp>
+      <p:sp>
+        <p:nvSpPr>
+          <p:cNvPr id="4" name="Slide Number Placeholder 3"/>
+          <p:cNvSpPr>
+            <a:spLocks noGrp="1"/>
+          </p:cNvSpPr>
+          <p:nvPr>
+            <p:ph type="sldNum" sz="quarter" idx="5"/>
+          </p:nvPr>
+        </p:nvSpPr>
+        <p:spPr/>
+        <p:txBody>
+          <a:bodyPr/>
+          <a:p>
+            <a:fld id="{85D0DACE-38E0-42D2-9336-2B707D34BC6D}" type="slidenum">
+              <a:rPr lang="zh-CN" altLang="en-US" smtClean="0"/>
+            </a:fld>
+            <a:endParaRPr lang="zh-CN" altLang="en-US"/>
           </a:p>
         </p:txBody>
       </p:sp>
@@ -1340,6 +1929,27 @@
           </a:p>
         </p:txBody>
       </p:sp>
+      <p:sp>
+        <p:nvSpPr>
+          <p:cNvPr id="4" name="Slide Number Placeholder 3"/>
+          <p:cNvSpPr>
+            <a:spLocks noGrp="1"/>
+          </p:cNvSpPr>
+          <p:nvPr>
+            <p:ph type="sldNum" sz="quarter" idx="5"/>
+          </p:nvPr>
+        </p:nvSpPr>
+        <p:spPr/>
+        <p:txBody>
+          <a:bodyPr/>
+          <a:p>
+            <a:fld id="{85D0DACE-38E0-42D2-9336-2B707D34BC6D}" type="slidenum">
+              <a:rPr lang="zh-CN" altLang="en-US" smtClean="0"/>
+            </a:fld>
+            <a:endParaRPr lang="zh-CN" altLang="en-US"/>
+          </a:p>
+        </p:txBody>
+      </p:sp>
     </p:spTree>
   </p:cSld>
   <p:clrMapOvr>
@@ -1385,6 +1995,27 @@
           <a:bodyPr/>
           <a:p>
             <a:endParaRPr lang="en-US"/>
+          </a:p>
+        </p:txBody>
+      </p:sp>
+      <p:sp>
+        <p:nvSpPr>
+          <p:cNvPr id="4" name="Slide Number Placeholder 3"/>
+          <p:cNvSpPr>
+            <a:spLocks noGrp="1"/>
+          </p:cNvSpPr>
+          <p:nvPr>
+            <p:ph type="sldNum" sz="quarter" idx="5"/>
+          </p:nvPr>
+        </p:nvSpPr>
+        <p:spPr/>
+        <p:txBody>
+          <a:bodyPr/>
+          <a:p>
+            <a:fld id="{85D0DACE-38E0-42D2-9336-2B707D34BC6D}" type="slidenum">
+              <a:rPr lang="zh-CN" altLang="en-US" smtClean="0"/>
+            </a:fld>
+            <a:endParaRPr lang="zh-CN" altLang="en-US"/>
           </a:p>
         </p:txBody>
       </p:sp>
@@ -1597,6 +2228,7 @@
   <p:clrMapOvr>
     <a:masterClrMapping/>
   </p:clrMapOvr>
+  <p:hf hdr="0" ftr="0" dt="0"/>
 </p:sldLayout>
 </file>
 
@@ -1746,6 +2378,7 @@
   <p:clrMapOvr>
     <a:masterClrMapping/>
   </p:clrMapOvr>
+  <p:hf hdr="0" ftr="0" dt="0"/>
 </p:sldLayout>
 </file>
 
@@ -1984,6 +2617,7 @@
   <p:clrMapOvr>
     <a:masterClrMapping/>
   </p:clrMapOvr>
+  <p:hf hdr="0" ftr="0" dt="0"/>
 </p:sldLayout>
 </file>
 
@@ -2228,6 +2862,7 @@
   <p:clrMapOvr>
     <a:masterClrMapping/>
   </p:clrMapOvr>
+  <p:hf hdr="0" ftr="0" dt="0"/>
 </p:sldLayout>
 </file>
 
@@ -2610,6 +3245,7 @@
   <p:clrMapOvr>
     <a:masterClrMapping/>
   </p:clrMapOvr>
+  <p:hf hdr="0" ftr="0" dt="0"/>
 </p:sldLayout>
 </file>
 
@@ -2984,6 +3620,7 @@
   <p:clrMapOvr>
     <a:masterClrMapping/>
   </p:clrMapOvr>
+  <p:hf hdr="0" ftr="0" dt="0"/>
 </p:sldLayout>
 </file>
 
@@ -3108,6 +3745,7 @@
   <p:clrMapOvr>
     <a:masterClrMapping/>
   </p:clrMapOvr>
+  <p:hf hdr="0" ftr="0" dt="0"/>
 </p:sldLayout>
 </file>
 
@@ -3196,6 +3834,7 @@
   <p:clrMapOvr>
     <a:masterClrMapping/>
   </p:clrMapOvr>
+  <p:hf hdr="0" ftr="0" dt="0"/>
 </p:sldLayout>
 </file>
 
@@ -3452,6 +4091,7 @@
   <p:clrMapOvr>
     <a:masterClrMapping/>
   </p:clrMapOvr>
+  <p:hf hdr="0" ftr="0" dt="0"/>
 </p:sldLayout>
 </file>
 
@@ -3635,6 +4275,7 @@
   <p:clrMapOvr>
     <a:masterClrMapping/>
   </p:clrMapOvr>
+  <p:hf hdr="0" ftr="0" dt="0"/>
 </p:sldLayout>
 </file>
 
@@ -3900,6 +4541,7 @@
     <p:sldLayoutId id="2147483657" r:id="rId9"/>
     <p:sldLayoutId id="2147483658" r:id="rId10"/>
   </p:sldLayoutIdLst>
+  <p:hf hdr="0" ftr="0" dt="0"/>
   <p:txStyles>
     <p:titleStyle>
       <a:lvl1pPr algn="l" defTabSz="914400" rtl="0" eaLnBrk="1" latinLnBrk="0" hangingPunct="1">
@@ -4240,7 +4882,7 @@
         <p:spPr/>
         <p:txBody>
           <a:bodyPr>
-            <a:normAutofit fontScale="90000" lnSpcReduction="20000"/>
+            <a:normAutofit fontScale="45000"/>
           </a:bodyPr>
           <a:lstStyle/>
           <a:p>
@@ -4268,6 +4910,64 @@
             </a:r>
             <a:endParaRPr lang="en-US" altLang="zh-CN" sz="4000" dirty="0">
               <a:latin typeface="+mn-lt"/>
+            </a:endParaRPr>
+          </a:p>
+          <a:p>
+            <a:r>
+              <a:rPr lang="en-US" altLang="zh-CN" sz="4000" dirty="0">
+                <a:latin typeface="+mn-lt"/>
+              </a:rPr>
+              <a:t>alienmusedh@gmail.com</a:t>
+            </a:r>
+            <a:endParaRPr lang="en-US" altLang="zh-CN" sz="4000" dirty="0">
+              <a:latin typeface="+mn-lt"/>
+            </a:endParaRPr>
+          </a:p>
+          <a:p>
+            <a:endParaRPr lang="en-US" altLang="zh-CN" sz="4000" dirty="0">
+              <a:latin typeface="+mn-lt"/>
+            </a:endParaRPr>
+          </a:p>
+          <a:p>
+            <a:endParaRPr lang="en-US" altLang="zh-CN" sz="4000" dirty="0">
+              <a:latin typeface="+mn-lt"/>
+            </a:endParaRPr>
+          </a:p>
+        </p:txBody>
+      </p:sp>
+      <p:sp>
+        <p:nvSpPr>
+          <p:cNvPr id="3" name="Text Box 2"/>
+          <p:cNvSpPr txBox="1"/>
+          <p:nvPr/>
+        </p:nvSpPr>
+        <p:spPr>
+          <a:xfrm>
+            <a:off x="1030605" y="5551170"/>
+            <a:ext cx="11058525" cy="368300"/>
+          </a:xfrm>
+          <a:prstGeom prst="rect">
+            <a:avLst/>
+          </a:prstGeom>
+          <a:noFill/>
+        </p:spPr>
+        <p:txBody>
+          <a:bodyPr wrap="square" rtlCol="0">
+            <a:spAutoFit/>
+          </a:bodyPr>
+          <a:p>
+            <a:r>
+              <a:rPr lang="en-US" i="1">
+                <a:solidFill>
+                  <a:schemeClr val="accent4"/>
+                </a:solidFill>
+              </a:rPr>
+              <a:t>There are corresponding hyperlinks in the following slides, pointing to specific documents or resources.</a:t>
+            </a:r>
+            <a:endParaRPr lang="en-US" i="1">
+              <a:solidFill>
+                <a:schemeClr val="accent4"/>
+              </a:solidFill>
             </a:endParaRPr>
           </a:p>
         </p:txBody>
@@ -4305,12 +5005,12 @@
           <a:bodyPr/>
           <a:p>
             <a:r>
-              <a:rPr lang="en-US">
+              <a:rPr lang="en-US" sz="3600">
                 <a:sym typeface="+mn-ea"/>
               </a:rPr>
-              <a:t>Advance</a:t>
-            </a:r>
-            <a:endParaRPr lang="en-US"/>
+              <a:t>Python Script Workflow</a:t>
+            </a:r>
+            <a:endParaRPr lang="en-US" sz="3600"/>
           </a:p>
         </p:txBody>
       </p:sp>
@@ -4326,7 +5026,9 @@
         </p:nvSpPr>
         <p:spPr/>
         <p:txBody>
-          <a:bodyPr/>
+          <a:bodyPr>
+            <a:normAutofit fontScale="90000"/>
+          </a:bodyPr>
           <a:p>
             <a:pPr>
               <a:lnSpc>
@@ -4334,12 +5036,21 @@
               </a:lnSpc>
             </a:pPr>
             <a:r>
-              <a:rPr lang="en-US" sz="2800">
+              <a:rPr lang="en-US">
                 <a:sym typeface="+mn-ea"/>
               </a:rPr>
-              <a:t>7* examples (storage)/ vector databases</a:t>
-            </a:r>
-            <a:endParaRPr lang="en-US" sz="2800">
+              <a:t>6. Retrieval Augmented Generation(RAG) and </a:t>
+            </a:r>
+            <a:r>
+              <a:rPr lang="en-US" b="1">
+                <a:solidFill>
+                  <a:schemeClr val="accent1"/>
+                </a:solidFill>
+                <a:sym typeface="+mn-ea"/>
+              </a:rPr>
+              <a:t>Recommendation</a:t>
+            </a:r>
+            <a:endParaRPr lang="en-US">
               <a:sym typeface="+mn-ea"/>
             </a:endParaRPr>
           </a:p>
@@ -4350,68 +5061,10 @@
               </a:lnSpc>
             </a:pPr>
             <a:r>
-              <a:rPr lang="en-US" sz="2400">
-                <a:sym typeface="+mn-ea"/>
-              </a:rPr>
-              <a:t>e.g.: (1) embedded structure such as that </a:t>
-            </a:r>
-            <a:endParaRPr lang="en-US" sz="2400">
-              <a:sym typeface="+mn-ea"/>
-            </a:endParaRPr>
-          </a:p>
-          <a:p>
-            <a:pPr marL="457200" lvl="1" indent="0">
-              <a:lnSpc>
-                <a:spcPct val="100000"/>
-              </a:lnSpc>
-              <a:buNone/>
-            </a:pPr>
-            <a:r>
-              <a:rPr lang="en-US" sz="2400">
-                <a:sym typeface="+mn-ea"/>
-              </a:rPr>
-              <a:t>in RISM (2) special functions queries </a:t>
-            </a:r>
-            <a:endParaRPr lang="en-US" sz="2400">
-              <a:sym typeface="+mn-ea"/>
-            </a:endParaRPr>
-          </a:p>
-          <a:p>
-            <a:pPr marL="457200" lvl="1" indent="0">
-              <a:lnSpc>
-                <a:spcPct val="100000"/>
-              </a:lnSpc>
-              <a:buNone/>
-            </a:pPr>
-            <a:r>
-              <a:rPr lang="en-US" sz="2400">
-                <a:sym typeface="+mn-ea"/>
-              </a:rPr>
-              <a:t>(3) granularized </a:t>
-            </a:r>
-            <a:r>
-              <a:rPr lang="en-US" sz="2400">
-                <a:sym typeface="+mn-ea"/>
-              </a:rPr>
-              <a:t>questions</a:t>
-            </a:r>
-            <a:endParaRPr lang="en-US" sz="2400">
-              <a:sym typeface="+mn-ea"/>
-            </a:endParaRPr>
-          </a:p>
-          <a:p>
-            <a:pPr>
-              <a:lnSpc>
-                <a:spcPct val="100000"/>
-              </a:lnSpc>
-            </a:pPr>
-            <a:r>
-              <a:rPr lang="en-US" sz="2800">
-                <a:sym typeface="+mn-ea"/>
-              </a:rPr>
-              <a:t>8* SPARQL2NetworkAnalysis</a:t>
-            </a:r>
-            <a:endParaRPr lang="en-US" sz="2800"/>
+              <a:rPr lang="en-US"/>
+              <a:t>2 scenarios of the rusults:</a:t>
+            </a:r>
+            <a:endParaRPr lang="en-US"/>
           </a:p>
           <a:p>
             <a:pPr lvl="1">
@@ -4420,57 +5073,8 @@
               </a:lnSpc>
             </a:pPr>
             <a:r>
-              <a:rPr lang="en-US">
-                <a:sym typeface="+mn-ea"/>
-              </a:rPr>
-              <a:t>(1) Obtain data for </a:t>
-            </a:r>
-            <a:r>
-              <a:rPr lang="en-US" u="sng">
-                <a:sym typeface="+mn-ea"/>
-              </a:rPr>
-              <a:t>heterogeneous network</a:t>
-            </a:r>
-            <a:endParaRPr lang="en-US" u="sng">
-              <a:sym typeface="+mn-ea"/>
-            </a:endParaRPr>
-          </a:p>
-          <a:p>
-            <a:pPr marL="457200" lvl="1" indent="0">
-              <a:lnSpc>
-                <a:spcPct val="100000"/>
-              </a:lnSpc>
-              <a:buNone/>
-            </a:pPr>
-            <a:r>
-              <a:rPr lang="en-US">
-                <a:sym typeface="+mn-ea"/>
-              </a:rPr>
-              <a:t> analysis: generating</a:t>
-            </a:r>
-            <a:r>
-              <a:rPr lang="zh-CN" altLang="en-US">
-                <a:sym typeface="+mn-ea"/>
-              </a:rPr>
-              <a:t>“</a:t>
-            </a:r>
-            <a:r>
-              <a:rPr lang="en-US">
-                <a:sym typeface="+mn-ea"/>
-              </a:rPr>
-              <a:t>typed edge list</a:t>
-            </a:r>
-            <a:r>
-              <a:rPr lang="zh-CN" altLang="en-US">
-                <a:sym typeface="+mn-ea"/>
-              </a:rPr>
-              <a:t>”</a:t>
-            </a:r>
-            <a:r>
-              <a:rPr lang="en-US">
-                <a:sym typeface="+mn-ea"/>
-              </a:rPr>
-              <a:t> data</a:t>
+              <a:rPr lang="en-US"/>
+              <a:t>(2) If the result is small or empty -&gt; Recommendation Based on:</a:t>
             </a:r>
             <a:endParaRPr lang="en-US"/>
           </a:p>
@@ -4481,47 +5085,109 @@
               </a:lnSpc>
             </a:pPr>
             <a:r>
+              <a:rPr lang="en-US"/>
+              <a:t>A. Relaxing SPARQL </a:t>
+            </a:r>
+            <a:r>
+              <a:rPr lang="en-US"/>
+              <a:t>Con</a:t>
+            </a:r>
+            <a:r>
+              <a:rPr lang="en-US"/>
+              <a:t>straint</a:t>
+            </a:r>
+            <a:endParaRPr lang="en-US"/>
+          </a:p>
+          <a:p>
+            <a:pPr lvl="1">
+              <a:lnSpc>
+                <a:spcPct val="100000"/>
+              </a:lnSpc>
+            </a:pPr>
+            <a:r>
               <a:rPr lang="en-US">
-                <a:sym typeface="+mn-ea"/>
-              </a:rPr>
-              <a:t>(2) Visualization</a:t>
-            </a:r>
-            <a:endParaRPr lang="en-US"/>
-          </a:p>
-          <a:p>
-            <a:endParaRPr lang="en-US"/>
-          </a:p>
-        </p:txBody>
-      </p:sp>
-      <p:pic>
-        <p:nvPicPr>
-          <p:cNvPr id="11" name="Picture 11" descr="/Users/caojunjun/Library/Containers/com.kingsoft.wpsoffice.mac/Data/tmp/picturecompress_20250419223142/output_1.pngoutput_1"/>
-          <p:cNvPicPr>
-            <a:picLocks noChangeAspect="1"/>
-          </p:cNvPicPr>
-          <p:nvPr>
-            <p:custDataLst>
-              <p:tags r:id="rId1"/>
-            </p:custDataLst>
-          </p:nvPr>
-        </p:nvPicPr>
-        <p:blipFill>
-          <a:blip r:embed="rId2"/>
-          <a:srcRect l="3082" t="3217" r="29449" b="3990"/>
-          <a:stretch>
-            <a:fillRect/>
-          </a:stretch>
-        </p:blipFill>
-        <p:spPr>
-          <a:xfrm>
-            <a:off x="7708900" y="1584325"/>
-            <a:ext cx="3736975" cy="4671060"/>
-          </a:xfrm>
-          <a:prstGeom prst="rect">
-            <a:avLst/>
-          </a:prstGeom>
-        </p:spPr>
-      </p:pic>
+                <a:solidFill>
+                  <a:schemeClr val="accent1"/>
+                </a:solidFill>
+              </a:rPr>
+              <a:t>B. the neighborhood within the Ontology Subgraph</a:t>
+            </a:r>
+            <a:endParaRPr lang="en-US">
+              <a:solidFill>
+                <a:schemeClr val="accent1"/>
+              </a:solidFill>
+            </a:endParaRPr>
+          </a:p>
+          <a:p>
+            <a:pPr marL="0" lvl="0" indent="0">
+              <a:lnSpc>
+                <a:spcPct val="130000"/>
+              </a:lnSpc>
+              <a:buNone/>
+            </a:pPr>
+            <a:r>
+              <a:rPr lang="en-US">
+                <a:solidFill>
+                  <a:schemeClr val="tx2"/>
+                </a:solidFill>
+              </a:rPr>
+              <a:t>The aforementioned can be found in the paper: </a:t>
+            </a:r>
+            <a:r>
+              <a:rPr lang="en-US" sz="2400" i="1">
+                <a:solidFill>
+                  <a:schemeClr val="tx2"/>
+                </a:solidFill>
+              </a:rPr>
+              <a:t>ESEA (East-and-Southeast-Asian) Traditional Music Knowledge Base and its Ontology-subgraph-driven NLQ2SPARQL Intelligent Question-Answering System Research</a:t>
+            </a:r>
+            <a:endParaRPr lang="en-US" sz="2400">
+              <a:solidFill>
+                <a:schemeClr val="tx2"/>
+              </a:solidFill>
+            </a:endParaRPr>
+          </a:p>
+          <a:p>
+            <a:pPr marL="0" indent="0">
+              <a:buNone/>
+            </a:pPr>
+            <a:r>
+              <a:rPr lang="en-US" sz="2400">
+                <a:solidFill>
+                  <a:schemeClr val="tx2"/>
+                </a:solidFill>
+              </a:rPr>
+              <a:t>--DDMAL/linkedmusic-queries</a:t>
+            </a:r>
+            <a:endParaRPr lang="en-US" sz="2400">
+              <a:solidFill>
+                <a:schemeClr val="tx2"/>
+              </a:solidFill>
+            </a:endParaRPr>
+          </a:p>
+        </p:txBody>
+      </p:sp>
+      <p:sp>
+        <p:nvSpPr>
+          <p:cNvPr id="4" name="Slide Number Placeholder 3"/>
+          <p:cNvSpPr>
+            <a:spLocks noGrp="1"/>
+          </p:cNvSpPr>
+          <p:nvPr>
+            <p:ph type="sldNum" sz="quarter" idx="12"/>
+          </p:nvPr>
+        </p:nvSpPr>
+        <p:spPr/>
+        <p:txBody>
+          <a:bodyPr/>
+          <a:p>
+            <a:fld id="{49AE70B2-8BF9-45C0-BB95-33D1B9D3A854}" type="slidenum">
+              <a:rPr lang="zh-CN" altLang="en-US" smtClean="0"/>
+            </a:fld>
+            <a:endParaRPr lang="zh-CN" altLang="en-US"/>
+          </a:p>
+        </p:txBody>
+      </p:sp>
     </p:spTree>
   </p:cSld>
   <p:clrMapOvr>
@@ -4550,221 +5216,178 @@
             <p:ph type="title"/>
           </p:nvPr>
         </p:nvSpPr>
-        <p:spPr/>
-        <p:txBody>
-          <a:bodyPr/>
-          <a:p>
-            <a:r>
-              <a:rPr lang="en-US"/>
-              <a:t>Advance</a:t>
-            </a:r>
-            <a:endParaRPr lang="en-US"/>
-          </a:p>
-        </p:txBody>
-      </p:sp>
-      <p:sp>
-        <p:nvSpPr>
-          <p:cNvPr id="3" name="Content Placeholder 2"/>
-          <p:cNvSpPr>
-            <a:spLocks noGrp="1"/>
-          </p:cNvSpPr>
-          <p:nvPr>
-            <p:ph idx="1"/>
-          </p:nvPr>
-        </p:nvSpPr>
-        <p:spPr/>
-        <p:txBody>
-          <a:bodyPr>
-            <a:normAutofit/>
-          </a:bodyPr>
-          <a:p>
-            <a:r>
-              <a:rPr lang="en-US"/>
-              <a:t>Other NLQ examples beyond the scope of previous ... </a:t>
-            </a:r>
-            <a:r>
-              <a:rPr lang="en-US" b="1"/>
-              <a:t>Agent Development, </a:t>
-            </a:r>
-            <a:r>
-              <a:rPr lang="zh-CN" altLang="en-US" b="1"/>
-              <a:t>扣子</a:t>
-            </a:r>
-            <a:r>
-              <a:rPr lang="en-US" altLang="zh-CN" b="1"/>
-              <a:t> </a:t>
-            </a:r>
-            <a:r>
-              <a:rPr lang="en-US" altLang="zh-CN" sz="2000"/>
-              <a:t>(developed by ByteDance)</a:t>
-            </a:r>
-            <a:endParaRPr lang="en-US" sz="2000"/>
-          </a:p>
-          <a:p>
-            <a:pPr marL="0" indent="0">
-              <a:buNone/>
-            </a:pPr>
-            <a:r>
-              <a:rPr lang="en-US" altLang="zh-CN"/>
-              <a:t>--</a:t>
-            </a:r>
-            <a:r>
-              <a:rPr lang="en-US" altLang="zh-CN" sz="2400"/>
-              <a:t>to faciliate </a:t>
-            </a:r>
-            <a:r>
-              <a:rPr lang="en-US" altLang="zh-CN" sz="2400"/>
-              <a:t>live interaction between users and LLMs</a:t>
-            </a:r>
-            <a:endParaRPr lang="en-US"/>
-          </a:p>
-          <a:p>
-            <a:r>
-              <a:rPr lang="en-US"/>
-              <a:t>How to generate ontology from existing RDF data graph?</a:t>
-            </a:r>
-            <a:endParaRPr lang="en-US"/>
-          </a:p>
-          <a:p>
-            <a:r>
-              <a:rPr lang="en-US" b="1"/>
-              <a:t>VOID </a:t>
-            </a:r>
-            <a:r>
-              <a:rPr lang="en-US"/>
-              <a:t>(Vocabulary of Interlinked Datasets)</a:t>
-            </a:r>
-            <a:r>
-              <a:rPr lang="zh-CN" altLang="en-US"/>
-              <a:t>：</a:t>
-            </a:r>
-            <a:endParaRPr lang="zh-CN" altLang="en-US"/>
-          </a:p>
-          <a:p>
-            <a:pPr lvl="1"/>
-            <a:r>
-              <a:rPr lang="en-US"/>
-              <a:t>https://github.com/DDMAL/void-generator</a:t>
-            </a:r>
-            <a:endParaRPr lang="en-US"/>
-          </a:p>
-          <a:p>
-            <a:r>
-              <a:rPr lang="en-US"/>
-              <a:t>Retrospection on</a:t>
-            </a:r>
-            <a:r>
-              <a:rPr lang="en-US" altLang="zh-CN"/>
-              <a:t>:</a:t>
-            </a:r>
-            <a:endParaRPr lang="en-US" altLang="zh-CN"/>
-          </a:p>
-          <a:p>
-            <a:pPr lvl="1"/>
-            <a:r>
-              <a:rPr lang="en-US"/>
-              <a:t>2 orientations for NLQ2SPARQL</a:t>
-            </a:r>
-            <a:endParaRPr lang="en-US"/>
-          </a:p>
-          <a:p>
-            <a:endParaRPr lang="en-US"/>
-          </a:p>
-        </p:txBody>
-      </p:sp>
-      <p:sp>
-        <p:nvSpPr>
-          <p:cNvPr id="4" name="Text Box 3"/>
-          <p:cNvSpPr txBox="1"/>
-          <p:nvPr/>
-        </p:nvSpPr>
         <p:spPr>
           <a:xfrm>
-            <a:off x="8667115" y="2312670"/>
-            <a:ext cx="3557270" cy="1753235"/>
+            <a:off x="6094730" y="258445"/>
+            <a:ext cx="5068570" cy="1325880"/>
+          </a:xfrm>
+        </p:spPr>
+        <p:txBody>
+          <a:bodyPr/>
+          <a:p>
+            <a:r>
+              <a:rPr lang="en-US" sz="3600">
+                <a:sym typeface="+mn-ea"/>
+              </a:rPr>
+              <a:t>Python Script Workflow</a:t>
+            </a:r>
+            <a:endParaRPr lang="en-US" sz="3600"/>
+          </a:p>
+        </p:txBody>
+      </p:sp>
+      <p:pic>
+        <p:nvPicPr>
+          <p:cNvPr id="4" name="Picture 3"/>
+          <p:cNvPicPr>
+            <a:picLocks noChangeAspect="1"/>
+          </p:cNvPicPr>
+          <p:nvPr>
+            <p:custDataLst>
+              <p:tags r:id="rId1"/>
+            </p:custDataLst>
+          </p:nvPr>
+        </p:nvPicPr>
+        <p:blipFill>
+          <a:blip r:embed="rId2"/>
+          <a:stretch>
+            <a:fillRect/>
+          </a:stretch>
+        </p:blipFill>
+        <p:spPr>
+          <a:xfrm>
+            <a:off x="898525" y="0"/>
+            <a:ext cx="4835525" cy="6858000"/>
           </a:xfrm>
           <a:prstGeom prst="rect">
             <a:avLst/>
           </a:prstGeom>
-          <a:noFill/>
         </p:spPr>
-        <p:txBody>
-          <a:bodyPr wrap="square" rtlCol="0">
-            <a:spAutoFit/>
+      </p:pic>
+      <p:sp>
+        <p:nvSpPr>
+          <p:cNvPr id="5" name="Content Placeholder 4"/>
+          <p:cNvSpPr/>
+          <p:nvPr>
+            <p:ph idx="1"/>
+          </p:nvPr>
+        </p:nvSpPr>
+        <p:spPr>
+          <a:xfrm>
+            <a:off x="6095365" y="1825625"/>
+            <a:ext cx="5067935" cy="4351655"/>
+          </a:xfrm>
+        </p:spPr>
+        <p:txBody>
+          <a:bodyPr>
+            <a:normAutofit fontScale="90000"/>
           </a:bodyPr>
           <a:p>
-            <a:r>
-              <a:rPr lang="en-US">
+            <a:pPr>
+              <a:lnSpc>
+                <a:spcPct val="110000"/>
+              </a:lnSpc>
+            </a:pPr>
+            <a:r>
+              <a:rPr lang="en-US" sz="2000"/>
+              <a:t>NLQ: Where is the "dongbula" (dombra, 东不拉) distributed, and what other plucked string instruments are distributed in the same regions/places? -&gt; </a:t>
+            </a:r>
+            <a:r>
+              <a:rPr lang="en-US" sz="2000">
                 <a:solidFill>
-                  <a:schemeClr val="bg1">
-                    <a:lumMod val="85000"/>
+                  <a:schemeClr val="accent6">
+                    <a:lumMod val="60000"/>
+                    <a:lumOff val="40000"/>
                   </a:schemeClr>
                 </a:solidFill>
               </a:rPr>
-              <a:t>It's almost impossible to always generate the corect or expected SPARQL &lt;-          </a:t>
-            </a:r>
-            <a:r>
-              <a:rPr lang="en-US">
-                <a:solidFill>
-                  <a:schemeClr val="bg1"/>
-                </a:solidFill>
-              </a:rPr>
-              <a:t>*****************</a:t>
-            </a:r>
-            <a:r>
-              <a:rPr lang="en-US">
-                <a:solidFill>
-                  <a:schemeClr val="accent2">
-                    <a:lumMod val="40000"/>
-                    <a:lumOff val="60000"/>
-                  </a:schemeClr>
-                </a:solidFill>
-              </a:rPr>
-              <a:t>ambiguity of NLQ</a:t>
-            </a:r>
-            <a:r>
-              <a:rPr lang="en-US">
-                <a:solidFill>
-                  <a:schemeClr val="bg1">
-                    <a:lumMod val="85000"/>
-                  </a:schemeClr>
-                </a:solidFill>
-              </a:rPr>
-              <a:t> </a:t>
-            </a:r>
-            <a:endParaRPr lang="en-US">
-              <a:solidFill>
-                <a:schemeClr val="bg1">
-                  <a:lumMod val="85000"/>
-                </a:schemeClr>
-              </a:solidFill>
-            </a:endParaRPr>
-          </a:p>
-          <a:p>
-            <a:endParaRPr lang="en-US">
-              <a:solidFill>
-                <a:schemeClr val="bg1">
-                  <a:lumMod val="85000"/>
-                </a:schemeClr>
-              </a:solidFill>
-            </a:endParaRPr>
-          </a:p>
-          <a:p>
-            <a:r>
-              <a:rPr lang="en-US">
-                <a:solidFill>
-                  <a:schemeClr val="bg1">
-                    <a:lumMod val="85000"/>
-                  </a:schemeClr>
-                </a:solidFill>
-              </a:rPr>
-              <a:t>itself</a:t>
-            </a:r>
-            <a:r>
-              <a:rPr lang="en-US"/>
-              <a:t> </a:t>
-            </a:r>
-            <a:endParaRPr lang="en-US"/>
+              <a:t>Light Red</a:t>
+            </a:r>
+            <a:r>
+              <a:rPr lang="en-US" sz="2000"/>
+              <a:t> Area</a:t>
+            </a:r>
+            <a:endParaRPr lang="en-US" sz="2000"/>
+          </a:p>
+          <a:p>
+            <a:pPr>
+              <a:lnSpc>
+                <a:spcPct val="110000"/>
+              </a:lnSpc>
+            </a:pPr>
+            <a:r>
+              <a:rPr lang="en-US" sz="2000"/>
+              <a:t>The Recommended pairs of NLQ &amp; SPARQLs are based on the neighbourhood of the subgraph</a:t>
+            </a:r>
+            <a:endParaRPr lang="en-US" sz="2000"/>
+          </a:p>
+          <a:p>
+            <a:pPr>
+              <a:lnSpc>
+                <a:spcPct val="110000"/>
+              </a:lnSpc>
+            </a:pPr>
+            <a:r>
+              <a:rPr lang="en-US" sz="2000"/>
+              <a:t>Reflection</a:t>
+            </a:r>
+            <a:r>
+              <a:rPr lang="zh-CN" altLang="en-US" sz="2000"/>
+              <a:t>：</a:t>
+            </a:r>
+            <a:endParaRPr lang="zh-CN" altLang="en-US" sz="2000"/>
+          </a:p>
+          <a:p>
+            <a:pPr>
+              <a:lnSpc>
+                <a:spcPct val="110000"/>
+              </a:lnSpc>
+            </a:pPr>
+            <a:r>
+              <a:rPr lang="en-US" altLang="zh-CN" sz="2000"/>
+              <a:t>(1) The Ambiguity of NLQ necessiates </a:t>
+            </a:r>
+            <a:r>
+              <a:rPr lang="en-US" altLang="zh-CN" sz="2000"/>
+              <a:t>recommendation</a:t>
+            </a:r>
+            <a:endParaRPr lang="en-US" altLang="zh-CN" sz="2000"/>
+          </a:p>
+          <a:p>
+            <a:pPr>
+              <a:lnSpc>
+                <a:spcPct val="110000"/>
+              </a:lnSpc>
+            </a:pPr>
+            <a:r>
+              <a:rPr lang="en-US" altLang="zh-CN" sz="2000"/>
+              <a:t>(2) L</a:t>
+            </a:r>
+            <a:r>
+              <a:rPr lang="en-US" altLang="zh-CN" sz="2000"/>
+              <a:t>imitation of the approach: SPO-triples-question</a:t>
+            </a:r>
+            <a:endParaRPr lang="en-US" altLang="zh-CN" sz="2000"/>
+          </a:p>
+        </p:txBody>
+      </p:sp>
+      <p:sp>
+        <p:nvSpPr>
+          <p:cNvPr id="6" name="Slide Number Placeholder 5"/>
+          <p:cNvSpPr>
+            <a:spLocks noGrp="1"/>
+          </p:cNvSpPr>
+          <p:nvPr>
+            <p:ph type="sldNum" sz="quarter" idx="12"/>
+          </p:nvPr>
+        </p:nvSpPr>
+        <p:spPr/>
+        <p:txBody>
+          <a:bodyPr/>
+          <a:p>
+            <a:fld id="{49AE70B2-8BF9-45C0-BB95-33D1B9D3A854}" type="slidenum">
+              <a:rPr lang="zh-CN" altLang="en-US" smtClean="0"/>
+            </a:fld>
+            <a:endParaRPr lang="zh-CN" altLang="en-US"/>
           </a:p>
         </p:txBody>
       </p:sp>
@@ -4824,137 +5447,240 @@
         <p:txBody>
           <a:bodyPr/>
           <a:p>
+            <a:pPr>
+              <a:lnSpc>
+                <a:spcPct val="100000"/>
+              </a:lnSpc>
+            </a:pPr>
+            <a:r>
+              <a:rPr lang="en-US" sz="2800">
+                <a:sym typeface="+mn-ea"/>
+              </a:rPr>
+              <a:t>7* examples (storage)/ vector databases</a:t>
+            </a:r>
+            <a:endParaRPr lang="en-US" sz="2800">
+              <a:sym typeface="+mn-ea"/>
+            </a:endParaRPr>
+          </a:p>
+          <a:p>
+            <a:pPr lvl="1">
+              <a:lnSpc>
+                <a:spcPct val="100000"/>
+              </a:lnSpc>
+            </a:pPr>
+            <a:r>
+              <a:rPr lang="en-US" sz="2400">
+                <a:sym typeface="+mn-ea"/>
+              </a:rPr>
+              <a:t>e.g.: (1) nested structure such as </a:t>
+            </a:r>
+            <a:r>
+              <a:rPr lang="en-US" sz="2400">
+                <a:sym typeface="+mn-ea"/>
+                <a:hlinkClick r:id="rId1" tooltip="" action="ppaction://hlinkfile"/>
+              </a:rPr>
+              <a:t>that </a:t>
+            </a:r>
+            <a:endParaRPr lang="en-US" sz="2400">
+              <a:sym typeface="+mn-ea"/>
+              <a:hlinkClick r:id="rId1" tooltip="" action="ppaction://hlinkfile"/>
+            </a:endParaRPr>
+          </a:p>
+          <a:p>
+            <a:pPr marL="457200" lvl="1" indent="0">
+              <a:lnSpc>
+                <a:spcPct val="100000"/>
+              </a:lnSpc>
+              <a:buNone/>
+            </a:pPr>
+            <a:r>
+              <a:rPr lang="en-US" sz="2400">
+                <a:sym typeface="+mn-ea"/>
+                <a:hlinkClick r:id="rId1" tooltip="" action="ppaction://hlinkfile"/>
+              </a:rPr>
+              <a:t>in RISM</a:t>
+            </a:r>
+            <a:r>
+              <a:rPr lang="en-US" sz="2400">
+                <a:sym typeface="+mn-ea"/>
+              </a:rPr>
+              <a:t> (2) special functions queries </a:t>
+            </a:r>
+            <a:r>
+              <a:rPr lang="en-US" sz="2400">
+                <a:sym typeface="+mn-ea"/>
+                <a:hlinkClick r:id="rId2" tooltip="" action="ppaction://hlinkfile"/>
+              </a:rPr>
+              <a:t>e.g.</a:t>
+            </a:r>
+            <a:endParaRPr lang="en-US" sz="2400">
+              <a:sym typeface="+mn-ea"/>
+            </a:endParaRPr>
+          </a:p>
+          <a:p>
+            <a:pPr marL="457200" lvl="1" indent="0">
+              <a:lnSpc>
+                <a:spcPct val="100000"/>
+              </a:lnSpc>
+              <a:buNone/>
+            </a:pPr>
+            <a:r>
+              <a:rPr lang="en-US" sz="2400">
+                <a:sym typeface="+mn-ea"/>
+              </a:rPr>
+              <a:t>(3) granularized </a:t>
+            </a:r>
+            <a:r>
+              <a:rPr lang="en-US" sz="2400">
+                <a:sym typeface="+mn-ea"/>
+              </a:rPr>
+              <a:t>questions</a:t>
+            </a:r>
+            <a:endParaRPr lang="en-US" sz="2400">
+              <a:sym typeface="+mn-ea"/>
+            </a:endParaRPr>
+          </a:p>
+          <a:p>
+            <a:pPr>
+              <a:lnSpc>
+                <a:spcPct val="100000"/>
+              </a:lnSpc>
+            </a:pPr>
+            <a:r>
+              <a:rPr lang="en-US" sz="2800">
+                <a:sym typeface="+mn-ea"/>
+              </a:rPr>
+              <a:t>8* NLQ2SPARQL2NetworkAnalysis</a:t>
+            </a:r>
+            <a:endParaRPr lang="en-US" sz="2800"/>
+          </a:p>
+          <a:p>
+            <a:pPr lvl="1">
+              <a:lnSpc>
+                <a:spcPct val="100000"/>
+              </a:lnSpc>
+            </a:pPr>
             <a:r>
               <a:rPr lang="en-US">
                 <a:sym typeface="+mn-ea"/>
               </a:rPr>
-              <a:t>Future Work:</a:t>
-            </a:r>
-            <a:endParaRPr lang="en-US"/>
-          </a:p>
-          <a:p>
-            <a:r>
-              <a:rPr lang="en-US">
-                <a:solidFill>
-                  <a:schemeClr val="accent2"/>
-                </a:solidFill>
+              <a:t>(1) Obtain data for </a:t>
+            </a:r>
+            <a:r>
+              <a:rPr lang="en-US" u="sng">
                 <a:sym typeface="+mn-ea"/>
               </a:rPr>
-              <a:t>Issue-B</a:t>
-            </a:r>
+              <a:t>heterogeneous network</a:t>
+            </a:r>
+            <a:endParaRPr lang="en-US" u="sng">
+              <a:sym typeface="+mn-ea"/>
+            </a:endParaRPr>
+          </a:p>
+          <a:p>
+            <a:pPr marL="457200" lvl="1" indent="0">
+              <a:lnSpc>
+                <a:spcPct val="100000"/>
+              </a:lnSpc>
+              <a:buNone/>
+            </a:pPr>
             <a:r>
               <a:rPr lang="en-US">
                 <a:sym typeface="+mn-ea"/>
               </a:rPr>
-              <a:t>: How to extract ontologie</a:t>
-            </a:r>
-            <a:r>
-              <a:rPr lang="en-US">
-                <a:solidFill>
-                  <a:srgbClr val="C00000"/>
-                </a:solidFill>
+              <a:t> analysis: generating</a:t>
+            </a:r>
+            <a:r>
+              <a:rPr lang="zh-CN" altLang="en-US">
                 <a:sym typeface="+mn-ea"/>
               </a:rPr>
-              <a:t>s</a:t>
+              <a:t>“</a:t>
             </a:r>
             <a:r>
               <a:rPr lang="en-US">
                 <a:sym typeface="+mn-ea"/>
               </a:rPr>
-              <a:t> from... graph</a:t>
-            </a:r>
-            <a:r>
-              <a:rPr lang="en-US">
-                <a:solidFill>
-                  <a:srgbClr val="C00000"/>
-                </a:solidFill>
+              <a:t>typed edge list</a:t>
+            </a:r>
+            <a:r>
+              <a:rPr lang="zh-CN" altLang="en-US">
                 <a:sym typeface="+mn-ea"/>
               </a:rPr>
-              <a:t>s</a:t>
+              <a:t>”</a:t>
             </a:r>
             <a:r>
               <a:rPr lang="en-US">
                 <a:sym typeface="+mn-ea"/>
               </a:rPr>
-              <a:t> in data lake?</a:t>
+              <a:t> data</a:t>
             </a:r>
             <a:endParaRPr lang="en-US"/>
           </a:p>
           <a:p>
-            <a:r>
-              <a:rPr lang="en-US"/>
-              <a:t>(1) For CSV2RDF, e.g. TheSession, MusicBrainz...</a:t>
-            </a:r>
-            <a:endParaRPr lang="en-US"/>
-          </a:p>
-          <a:p>
-            <a:pPr lvl="1"/>
-            <a:r>
-              <a:rPr lang="en-US"/>
-              <a:t>VOID </a:t>
-            </a:r>
-            <a:r>
-              <a:rPr lang="en-US"/>
-              <a:t>generator</a:t>
-            </a:r>
-            <a:endParaRPr lang="en-US"/>
-          </a:p>
-          <a:p>
-            <a:pPr lvl="1"/>
-            <a:r>
-              <a:rPr lang="en-US"/>
-              <a:t>e.g.: Generate the ontology for TheSession</a:t>
-            </a:r>
-            <a:endParaRPr lang="en-US"/>
-          </a:p>
-          <a:p>
-            <a:r>
-              <a:rPr lang="en-US"/>
-              <a:t>(2)</a:t>
-            </a:r>
+            <a:pPr lvl="1">
+              <a:lnSpc>
+                <a:spcPct val="100000"/>
+              </a:lnSpc>
+            </a:pPr>
             <a:r>
               <a:rPr lang="en-US">
                 <a:sym typeface="+mn-ea"/>
               </a:rPr>
-              <a:t> For RDB2RDF, e.g. CantusDB, SimmsaDB...</a:t>
-            </a:r>
-            <a:endParaRPr lang="en-US">
-              <a:sym typeface="+mn-ea"/>
-            </a:endParaRPr>
-          </a:p>
-          <a:p>
-            <a:pPr lvl="1"/>
-            <a:r>
-              <a:rPr lang="en-US"/>
-              <a:t>The internal process of RDB2R</a:t>
-            </a:r>
-            <a:r>
-              <a:rPr lang="en-US">
-                <a:sym typeface="+mn-ea"/>
-              </a:rPr>
-              <a:t>D</a:t>
-            </a:r>
-            <a:r>
-              <a:rPr lang="en-US"/>
-              <a:t>F in Open Link </a:t>
-            </a:r>
-            <a:r>
-              <a:rPr lang="en-US"/>
-              <a:t>Virtuoso</a:t>
+              <a:t>(2) Visualization</a:t>
             </a:r>
             <a:endParaRPr lang="en-US"/>
           </a:p>
           <a:p>
-            <a:pPr lvl="1"/>
-            <a:r>
-              <a:rPr lang="en-US"/>
-              <a:t>e.g.: </a:t>
-            </a:r>
-            <a:r>
-              <a:rPr lang="en-US" sz="1800"/>
-              <a:t>https://github.com/DDMAL/linkedmusic-datalake/tree/main/doc/rdb2rdf</a:t>
-            </a:r>
-            <a:endParaRPr lang="en-US" sz="1800"/>
+            <a:endParaRPr lang="en-US"/>
+          </a:p>
+        </p:txBody>
+      </p:sp>
+      <p:pic>
+        <p:nvPicPr>
+          <p:cNvPr id="11" name="Picture 11" descr="/Users/caojunjun/Library/Containers/com.kingsoft.wpsoffice.mac/Data/tmp/picturecompress_20250419223142/output_1.pngoutput_1"/>
+          <p:cNvPicPr>
+            <a:picLocks noChangeAspect="1"/>
+          </p:cNvPicPr>
+          <p:nvPr>
+            <p:custDataLst>
+              <p:tags r:id="rId3"/>
+            </p:custDataLst>
+          </p:nvPr>
+        </p:nvPicPr>
+        <p:blipFill>
+          <a:blip r:embed="rId4"/>
+          <a:srcRect l="3082" t="3217" r="29449" b="3990"/>
+          <a:stretch>
+            <a:fillRect/>
+          </a:stretch>
+        </p:blipFill>
+        <p:spPr>
+          <a:xfrm>
+            <a:off x="7708900" y="1584325"/>
+            <a:ext cx="3736975" cy="4671060"/>
+          </a:xfrm>
+          <a:prstGeom prst="rect">
+            <a:avLst/>
+          </a:prstGeom>
+        </p:spPr>
+      </p:pic>
+      <p:sp>
+        <p:nvSpPr>
+          <p:cNvPr id="4" name="Slide Number Placeholder 3"/>
+          <p:cNvSpPr>
+            <a:spLocks noGrp="1"/>
+          </p:cNvSpPr>
+          <p:nvPr>
+            <p:ph type="sldNum" sz="quarter" idx="12"/>
+          </p:nvPr>
+        </p:nvSpPr>
+        <p:spPr/>
+        <p:txBody>
+          <a:bodyPr/>
+          <a:p>
+            <a:fld id="{49AE70B2-8BF9-45C0-BB95-33D1B9D3A854}" type="slidenum">
+              <a:rPr lang="zh-CN" altLang="en-US" smtClean="0"/>
+            </a:fld>
+            <a:endParaRPr lang="zh-CN" altLang="en-US"/>
           </a:p>
         </p:txBody>
       </p:sp>
@@ -4986,263 +5712,283 @@
             <p:ph type="title"/>
           </p:nvPr>
         </p:nvSpPr>
+        <p:spPr/>
+        <p:txBody>
+          <a:bodyPr/>
+          <a:p>
+            <a:r>
+              <a:rPr lang="en-US"/>
+              <a:t>Advance</a:t>
+            </a:r>
+            <a:endParaRPr lang="en-US"/>
+          </a:p>
+        </p:txBody>
+      </p:sp>
+      <p:sp>
+        <p:nvSpPr>
+          <p:cNvPr id="3" name="Content Placeholder 2"/>
+          <p:cNvSpPr>
+            <a:spLocks noGrp="1"/>
+          </p:cNvSpPr>
+          <p:nvPr>
+            <p:ph idx="1"/>
+          </p:nvPr>
+        </p:nvSpPr>
+        <p:spPr/>
+        <p:txBody>
+          <a:bodyPr>
+            <a:normAutofit fontScale="90000" lnSpcReduction="10000"/>
+          </a:bodyPr>
+          <a:p>
+            <a:pPr>
+              <a:lnSpc>
+                <a:spcPct val="110000"/>
+              </a:lnSpc>
+            </a:pPr>
+            <a:r>
+              <a:rPr lang="en-US" sz="2665"/>
+              <a:t>Other NLQ examples beyond the scope of previous ... </a:t>
+            </a:r>
+            <a:r>
+              <a:rPr lang="en-US" sz="2665" b="1"/>
+              <a:t>Modular workflow &amp; Agent Development, </a:t>
+            </a:r>
+            <a:r>
+              <a:rPr lang="zh-CN" altLang="en-US" sz="2665" b="1"/>
+              <a:t>扣子</a:t>
+            </a:r>
+            <a:r>
+              <a:rPr lang="en-US" altLang="zh-CN" sz="2665" b="1"/>
+              <a:t> </a:t>
+            </a:r>
+            <a:r>
+              <a:rPr lang="en-US" altLang="zh-CN" sz="2665"/>
+              <a:t>(e.g., coze developing </a:t>
+            </a:r>
+            <a:r>
+              <a:rPr lang="en-US" altLang="zh-CN" sz="2665"/>
+              <a:t>platform)</a:t>
+            </a:r>
+            <a:endParaRPr lang="en-US" altLang="zh-CN" sz="2665"/>
+          </a:p>
+          <a:p>
+            <a:pPr marL="0" indent="457200">
+              <a:lnSpc>
+                <a:spcPct val="110000"/>
+              </a:lnSpc>
+              <a:buNone/>
+            </a:pPr>
+            <a:r>
+              <a:rPr lang="en-US" altLang="zh-CN" sz="2000">
+                <a:sym typeface="+mn-ea"/>
+              </a:rPr>
+              <a:t>--to faciliate live interaction between users and LLMs</a:t>
+            </a:r>
+            <a:endParaRPr lang="en-US" altLang="zh-CN" sz="2000"/>
+          </a:p>
+          <a:p>
+            <a:pPr>
+              <a:lnSpc>
+                <a:spcPct val="110000"/>
+              </a:lnSpc>
+            </a:pPr>
+            <a:r>
+              <a:rPr lang="en-US" sz="2665"/>
+              <a:t>Retrospection on:</a:t>
+            </a:r>
+            <a:endParaRPr lang="en-US" sz="2665"/>
+          </a:p>
+          <a:p>
+            <a:pPr lvl="1">
+              <a:lnSpc>
+                <a:spcPct val="110000"/>
+              </a:lnSpc>
+            </a:pPr>
+            <a:r>
+              <a:rPr lang="en-US" sz="2665"/>
+              <a:t>2 orientations for NLQ2SPARQL</a:t>
+            </a:r>
+            <a:endParaRPr lang="en-US" sz="2665"/>
+          </a:p>
+          <a:p>
+            <a:pPr>
+              <a:lnSpc>
+                <a:spcPct val="110000"/>
+              </a:lnSpc>
+            </a:pPr>
+            <a:r>
+              <a:rPr lang="en-US" sz="2665">
+                <a:solidFill>
+                  <a:schemeClr val="accent2"/>
+                </a:solidFill>
+                <a:sym typeface="+mn-ea"/>
+              </a:rPr>
+              <a:t>Issue-C</a:t>
+            </a:r>
+            <a:endParaRPr lang="en-US" sz="2665"/>
+          </a:p>
+          <a:p>
+            <a:pPr>
+              <a:lnSpc>
+                <a:spcPct val="110000"/>
+              </a:lnSpc>
+            </a:pPr>
+            <a:r>
+              <a:rPr lang="en-US" sz="2665"/>
+              <a:t>How to </a:t>
+            </a:r>
+            <a:r>
+              <a:rPr lang="en-US" sz="2665"/>
+              <a:t>obtain ontology from existing RDF data graph?</a:t>
+            </a:r>
+            <a:endParaRPr lang="en-US" sz="2665"/>
+          </a:p>
+          <a:p>
+            <a:pPr>
+              <a:lnSpc>
+                <a:spcPct val="110000"/>
+              </a:lnSpc>
+            </a:pPr>
+            <a:r>
+              <a:rPr lang="en-US" sz="2665" b="1"/>
+              <a:t>VOID </a:t>
+            </a:r>
+            <a:r>
+              <a:rPr lang="en-US" sz="2665"/>
+              <a:t>(Vocabulary of Interlinked Datasets)</a:t>
+            </a:r>
+            <a:r>
+              <a:rPr lang="zh-CN" altLang="en-US" sz="2665"/>
+              <a:t>：</a:t>
+            </a:r>
+            <a:endParaRPr lang="zh-CN" altLang="en-US" sz="2665"/>
+          </a:p>
+          <a:p>
+            <a:pPr lvl="1">
+              <a:lnSpc>
+                <a:spcPct val="110000"/>
+              </a:lnSpc>
+            </a:pPr>
+            <a:r>
+              <a:rPr lang="en-US" sz="2665"/>
+              <a:t>https://github.com/DDMAL/void-generator</a:t>
+            </a:r>
+            <a:endParaRPr lang="en-US" sz="2665"/>
+          </a:p>
+          <a:p>
+            <a:endParaRPr lang="en-US" sz="2665"/>
+          </a:p>
+        </p:txBody>
+      </p:sp>
+      <p:sp>
+        <p:nvSpPr>
+          <p:cNvPr id="4" name="Text Box 3"/>
+          <p:cNvSpPr txBox="1"/>
+          <p:nvPr/>
+        </p:nvSpPr>
         <p:spPr>
           <a:xfrm>
-            <a:off x="7693660" y="258445"/>
-            <a:ext cx="3469640" cy="1325880"/>
-          </a:xfrm>
-        </p:spPr>
-        <p:txBody>
-          <a:bodyPr/>
-          <a:p>
-            <a:r>
-              <a:rPr lang="en-US"/>
-              <a:t>Advance</a:t>
-            </a:r>
-            <a:endParaRPr lang="en-US"/>
-          </a:p>
-        </p:txBody>
-      </p:sp>
-      <p:pic>
-        <p:nvPicPr>
-          <p:cNvPr id="5" name="Picture 4"/>
-          <p:cNvPicPr>
-            <a:picLocks noChangeAspect="1"/>
-          </p:cNvPicPr>
-          <p:nvPr>
-            <p:custDataLst>
-              <p:tags r:id="rId1"/>
-            </p:custDataLst>
-          </p:nvPr>
-        </p:nvPicPr>
-        <p:blipFill>
-          <a:blip r:embed="rId2"/>
-          <a:stretch>
-            <a:fillRect/>
-          </a:stretch>
-        </p:blipFill>
-        <p:spPr>
-          <a:xfrm>
-            <a:off x="647700" y="0"/>
-            <a:ext cx="6858000" cy="6858000"/>
+            <a:off x="8667115" y="2644140"/>
+            <a:ext cx="3557270" cy="1476375"/>
           </a:xfrm>
           <a:prstGeom prst="rect">
             <a:avLst/>
           </a:prstGeom>
+          <a:noFill/>
         </p:spPr>
-      </p:pic>
-      <p:sp>
-        <p:nvSpPr>
-          <p:cNvPr id="6" name="Content Placeholder 5"/>
-          <p:cNvSpPr/>
-          <p:nvPr>
-            <p:ph idx="1"/>
-          </p:nvPr>
-        </p:nvSpPr>
-        <p:spPr>
-          <a:xfrm>
-            <a:off x="7694295" y="1825625"/>
-            <a:ext cx="3469005" cy="4351655"/>
-          </a:xfrm>
-        </p:spPr>
-        <p:txBody>
-          <a:bodyPr>
-            <a:normAutofit lnSpcReduction="10000"/>
+        <p:txBody>
+          <a:bodyPr wrap="square" rtlCol="0">
+            <a:spAutoFit/>
           </a:bodyPr>
           <a:p>
-            <a:pPr>
-              <a:lnSpc>
-                <a:spcPct val="100000"/>
-              </a:lnSpc>
-            </a:pPr>
-            <a:r>
-              <a:rPr lang="en-US" sz="2400">
+            <a:pPr algn="r"/>
+            <a:r>
+              <a:rPr lang="en-US">
                 <a:solidFill>
-                  <a:schemeClr val="tx1"/>
-                </a:solidFill>
-              </a:rPr>
-              <a:t>-&gt; TheOntologyFor TheSession</a:t>
-            </a:r>
-            <a:endParaRPr lang="en-US" sz="2400">
-              <a:solidFill>
-                <a:schemeClr val="tx1"/>
-              </a:solidFill>
-            </a:endParaRPr>
-          </a:p>
-          <a:p>
-            <a:pPr>
-              <a:lnSpc>
-                <a:spcPct val="100000"/>
-              </a:lnSpc>
-            </a:pPr>
-            <a:r>
-              <a:rPr lang="en-US" sz="2400">
-                <a:solidFill>
-                  <a:schemeClr val="accent1">
-                    <a:lumMod val="60000"/>
-                    <a:lumOff val="40000"/>
+                  <a:schemeClr val="bg1">
+                    <a:lumMod val="85000"/>
                   </a:schemeClr>
                 </a:solidFill>
               </a:rPr>
-              <a:t>unionOf</a:t>
-            </a:r>
-            <a:r>
-              <a:rPr lang="en-US" sz="2400"/>
-              <a:t> classes</a:t>
-            </a:r>
-            <a:endParaRPr lang="en-US" sz="2400"/>
-          </a:p>
-          <a:p>
-            <a:pPr lvl="1">
-              <a:lnSpc>
-                <a:spcPct val="100000"/>
-              </a:lnSpc>
-            </a:pPr>
-            <a:r>
-              <a:rPr lang="en-US" sz="2400">
-                <a:solidFill>
-                  <a:schemeClr val="accent1">
-                    <a:lumMod val="60000"/>
-                    <a:lumOff val="40000"/>
-                  </a:schemeClr>
-                </a:solidFill>
-              </a:rPr>
-              <a:t>light blue circles with </a:t>
-            </a:r>
-            <a:r>
-              <a:rPr lang="zh-CN" altLang="en-US" sz="2400">
-                <a:solidFill>
-                  <a:schemeClr val="accent1">
-                    <a:lumMod val="60000"/>
-                    <a:lumOff val="40000"/>
-                  </a:schemeClr>
-                </a:solidFill>
-              </a:rPr>
-              <a:t>“</a:t>
-            </a:r>
-            <a:r>
-              <a:rPr lang="en-US" altLang="zh-CN" sz="2400">
-                <a:solidFill>
-                  <a:schemeClr val="accent1">
-                    <a:lumMod val="60000"/>
-                    <a:lumOff val="40000"/>
-                  </a:schemeClr>
-                </a:solidFill>
-              </a:rPr>
-              <a:t>U</a:t>
-            </a:r>
-            <a:r>
-              <a:rPr lang="zh-CN" altLang="en-US" sz="2400">
-                <a:solidFill>
-                  <a:schemeClr val="accent1">
-                    <a:lumMod val="60000"/>
-                    <a:lumOff val="40000"/>
-                  </a:schemeClr>
-                </a:solidFill>
-              </a:rPr>
-              <a:t>”</a:t>
-            </a:r>
-            <a:endParaRPr lang="en-US" sz="2400">
+              <a:t>It's almost impossible to always generate the corect or expected SPARQL &lt;-          </a:t>
+            </a:r>
+            <a:endParaRPr lang="en-US">
               <a:solidFill>
-                <a:schemeClr val="accent1">
-                  <a:lumMod val="60000"/>
-                  <a:lumOff val="40000"/>
+                <a:schemeClr val="bg1">
+                  <a:lumMod val="85000"/>
                 </a:schemeClr>
               </a:solidFill>
             </a:endParaRPr>
           </a:p>
           <a:p>
-            <a:pPr>
-              <a:lnSpc>
-                <a:spcPct val="100000"/>
-              </a:lnSpc>
-            </a:pPr>
-            <a:r>
-              <a:rPr lang="en-US" sz="2400"/>
-              <a:t>owl:</a:t>
-            </a:r>
-            <a:r>
-              <a:rPr lang="en-US" sz="2400">
+            <a:pPr algn="r"/>
+            <a:r>
+              <a:rPr lang="en-US">
                 <a:solidFill>
-                  <a:schemeClr val="accent1">
-                    <a:lumMod val="75000"/>
+                  <a:schemeClr val="accent2">
+                    <a:lumMod val="40000"/>
+                    <a:lumOff val="60000"/>
                   </a:schemeClr>
                 </a:solidFill>
               </a:rPr>
-              <a:t>objectProperty</a:t>
-            </a:r>
-            <a:endParaRPr lang="en-US" sz="2400"/>
-          </a:p>
-          <a:p>
-            <a:pPr lvl="1">
-              <a:lnSpc>
-                <a:spcPct val="100000"/>
-              </a:lnSpc>
-            </a:pPr>
-            <a:r>
-              <a:rPr lang="en-US" sz="2400"/>
-              <a:t>between 2 nodes</a:t>
-            </a:r>
-            <a:endParaRPr lang="en-US" sz="2400"/>
-          </a:p>
-          <a:p>
-            <a:pPr>
-              <a:lnSpc>
-                <a:spcPct val="100000"/>
-              </a:lnSpc>
-            </a:pPr>
-            <a:r>
-              <a:rPr lang="en-US" sz="2400"/>
-              <a:t>owl:</a:t>
-            </a:r>
-            <a:r>
-              <a:rPr lang="en-US" sz="2400">
+              <a:t>ambiguity of NLQ</a:t>
+            </a:r>
+            <a:r>
+              <a:rPr lang="en-US">
                 <a:solidFill>
-                  <a:schemeClr val="accent3">
-                    <a:lumMod val="60000"/>
-                    <a:lumOff val="40000"/>
+                  <a:schemeClr val="bg1">
+                    <a:lumMod val="85000"/>
                   </a:schemeClr>
                 </a:solidFill>
               </a:rPr>
-              <a:t>dataProperty</a:t>
-            </a:r>
-            <a:endParaRPr lang="en-US" sz="2400"/>
-          </a:p>
-          <a:p>
-            <a:pPr lvl="1">
-              <a:lnSpc>
-                <a:spcPct val="100000"/>
-              </a:lnSpc>
-            </a:pPr>
-            <a:r>
-              <a:rPr lang="en-US" sz="2400"/>
-              <a:t>yellow squares</a:t>
-            </a:r>
-            <a:endParaRPr lang="en-US" sz="2400"/>
-          </a:p>
-          <a:p>
-            <a:pPr lvl="0">
-              <a:lnSpc>
-                <a:spcPct val="100000"/>
-              </a:lnSpc>
-            </a:pPr>
-            <a:r>
-              <a:rPr lang="en-US" sz="2400"/>
-              <a:t>owl:</a:t>
-            </a:r>
-            <a:r>
-              <a:rPr lang="en-US" sz="2400">
-                <a:solidFill>
-                  <a:srgbClr val="C00000"/>
-                </a:solidFill>
-              </a:rPr>
-              <a:t>Thing</a:t>
-            </a:r>
-            <a:endParaRPr lang="en-US" sz="2400">
+              <a:t> </a:t>
+            </a:r>
+            <a:endParaRPr lang="en-US">
               <a:solidFill>
-                <a:srgbClr val="C00000"/>
+                <a:schemeClr val="bg1">
+                  <a:lumMod val="85000"/>
+                </a:schemeClr>
               </a:solidFill>
             </a:endParaRPr>
+          </a:p>
+          <a:p>
+            <a:pPr algn="r"/>
+            <a:r>
+              <a:rPr lang="en-US">
+                <a:solidFill>
+                  <a:schemeClr val="bg1">
+                    <a:lumMod val="85000"/>
+                  </a:schemeClr>
+                </a:solidFill>
+              </a:rPr>
+              <a:t>itself</a:t>
+            </a:r>
+            <a:r>
+              <a:rPr lang="en-US"/>
+              <a:t> </a:t>
+            </a:r>
+            <a:endParaRPr lang="en-US"/>
+          </a:p>
+        </p:txBody>
+      </p:sp>
+      <p:sp>
+        <p:nvSpPr>
+          <p:cNvPr id="5" name="Slide Number Placeholder 4"/>
+          <p:cNvSpPr>
+            <a:spLocks noGrp="1"/>
+          </p:cNvSpPr>
+          <p:nvPr>
+            <p:ph type="sldNum" sz="quarter" idx="12"/>
+          </p:nvPr>
+        </p:nvSpPr>
+        <p:spPr/>
+        <p:txBody>
+          <a:bodyPr/>
+          <a:p>
+            <a:fld id="{49AE70B2-8BF9-45C0-BB95-33D1B9D3A854}" type="slidenum">
+              <a:rPr lang="zh-CN" altLang="en-US" smtClean="0"/>
+            </a:fld>
+            <a:endParaRPr lang="zh-CN" altLang="en-US"/>
           </a:p>
         </p:txBody>
       </p:sp>
@@ -5276,32 +6022,277 @@
         </p:nvSpPr>
         <p:spPr/>
         <p:txBody>
+          <a:bodyPr/>
+          <a:p>
+            <a:r>
+              <a:rPr lang="en-US">
+                <a:sym typeface="+mn-ea"/>
+              </a:rPr>
+              <a:t>Advance</a:t>
+            </a:r>
+            <a:endParaRPr lang="en-US"/>
+          </a:p>
+        </p:txBody>
+      </p:sp>
+      <p:sp>
+        <p:nvSpPr>
+          <p:cNvPr id="3" name="Content Placeholder 2"/>
+          <p:cNvSpPr>
+            <a:spLocks noGrp="1"/>
+          </p:cNvSpPr>
+          <p:nvPr>
+            <p:ph idx="1"/>
+          </p:nvPr>
+        </p:nvSpPr>
+        <p:spPr/>
+        <p:txBody>
+          <a:bodyPr/>
+          <a:p>
+            <a:r>
+              <a:rPr lang="en-US">
+                <a:sym typeface="+mn-ea"/>
+              </a:rPr>
+              <a:t>Future Work:</a:t>
+            </a:r>
+            <a:endParaRPr lang="en-US"/>
+          </a:p>
+          <a:p>
+            <a:r>
+              <a:rPr lang="en-US">
+                <a:solidFill>
+                  <a:schemeClr val="accent2"/>
+                </a:solidFill>
+                <a:sym typeface="+mn-ea"/>
+              </a:rPr>
+              <a:t>Issue-C</a:t>
+            </a:r>
+            <a:r>
+              <a:rPr lang="en-US">
+                <a:sym typeface="+mn-ea"/>
+              </a:rPr>
+              <a:t>: How to extract ontologie</a:t>
+            </a:r>
+            <a:r>
+              <a:rPr lang="en-US">
+                <a:solidFill>
+                  <a:srgbClr val="C00000"/>
+                </a:solidFill>
+                <a:sym typeface="+mn-ea"/>
+              </a:rPr>
+              <a:t>s</a:t>
+            </a:r>
+            <a:r>
+              <a:rPr lang="en-US">
+                <a:sym typeface="+mn-ea"/>
+              </a:rPr>
+              <a:t> from... graph</a:t>
+            </a:r>
+            <a:r>
+              <a:rPr lang="en-US">
+                <a:solidFill>
+                  <a:srgbClr val="C00000"/>
+                </a:solidFill>
+                <a:sym typeface="+mn-ea"/>
+              </a:rPr>
+              <a:t>s</a:t>
+            </a:r>
+            <a:r>
+              <a:rPr lang="en-US">
+                <a:sym typeface="+mn-ea"/>
+              </a:rPr>
+              <a:t> in data lake?</a:t>
+            </a:r>
+            <a:endParaRPr lang="en-US"/>
+          </a:p>
+          <a:p>
+            <a:r>
+              <a:rPr lang="en-US"/>
+              <a:t>(1) For CSV2RDF, e.g. TheSession, MusicBrainz...</a:t>
+            </a:r>
+            <a:endParaRPr lang="en-US"/>
+          </a:p>
+          <a:p>
+            <a:pPr lvl="1"/>
+            <a:r>
+              <a:rPr lang="en-US"/>
+              <a:t>VOID </a:t>
+            </a:r>
+            <a:r>
+              <a:rPr lang="en-US"/>
+              <a:t>generator</a:t>
+            </a:r>
+            <a:endParaRPr lang="en-US"/>
+          </a:p>
+          <a:p>
+            <a:pPr lvl="1"/>
+            <a:r>
+              <a:rPr lang="en-US"/>
+              <a:t>e.g.: Generate the ontology for TheSession</a:t>
+            </a:r>
+            <a:endParaRPr lang="en-US"/>
+          </a:p>
+          <a:p>
+            <a:r>
+              <a:rPr lang="en-US"/>
+              <a:t>(2)</a:t>
+            </a:r>
+            <a:r>
+              <a:rPr lang="en-US">
+                <a:sym typeface="+mn-ea"/>
+              </a:rPr>
+              <a:t> For RDB2RDF, e.g. CantusDB, SimmsaDB...</a:t>
+            </a:r>
+            <a:endParaRPr lang="en-US">
+              <a:sym typeface="+mn-ea"/>
+            </a:endParaRPr>
+          </a:p>
+          <a:p>
+            <a:pPr lvl="1"/>
+            <a:r>
+              <a:rPr lang="en-US"/>
+              <a:t>The internal process of RDB2R</a:t>
+            </a:r>
+            <a:r>
+              <a:rPr lang="en-US">
+                <a:sym typeface="+mn-ea"/>
+              </a:rPr>
+              <a:t>D</a:t>
+            </a:r>
+            <a:r>
+              <a:rPr lang="en-US"/>
+              <a:t>F in Open Link </a:t>
+            </a:r>
+            <a:r>
+              <a:rPr lang="en-US"/>
+              <a:t>Virtuoso</a:t>
+            </a:r>
+            <a:endParaRPr lang="en-US"/>
+          </a:p>
+          <a:p>
+            <a:pPr lvl="1"/>
+            <a:r>
+              <a:rPr lang="en-US"/>
+              <a:t>e.g.: </a:t>
+            </a:r>
+            <a:r>
+              <a:rPr lang="en-US" sz="1800"/>
+              <a:t>https://github.com/DDMAL/linkedmusic-datalake/tree/main/doc/rdb2rdf</a:t>
+            </a:r>
+            <a:endParaRPr lang="en-US" sz="1800"/>
+          </a:p>
+        </p:txBody>
+      </p:sp>
+      <p:sp>
+        <p:nvSpPr>
+          <p:cNvPr id="4" name="Slide Number Placeholder 3"/>
+          <p:cNvSpPr>
+            <a:spLocks noGrp="1"/>
+          </p:cNvSpPr>
+          <p:nvPr>
+            <p:ph type="sldNum" sz="quarter" idx="12"/>
+          </p:nvPr>
+        </p:nvSpPr>
+        <p:spPr/>
+        <p:txBody>
+          <a:bodyPr/>
+          <a:p>
+            <a:fld id="{49AE70B2-8BF9-45C0-BB95-33D1B9D3A854}" type="slidenum">
+              <a:rPr lang="zh-CN" altLang="en-US" smtClean="0"/>
+            </a:fld>
+            <a:endParaRPr lang="zh-CN" altLang="en-US"/>
+          </a:p>
+        </p:txBody>
+      </p:sp>
+    </p:spTree>
+  </p:cSld>
+  <p:clrMapOvr>
+    <a:masterClrMapping/>
+  </p:clrMapOvr>
+</p:sld>
+</file>
+
+<file path=ppt/slides/slide15.xml><?xml version="1.0" encoding="utf-8"?>
+<p:sld xmlns:a="http://schemas.openxmlformats.org/drawingml/2006/main" xmlns:r="http://schemas.openxmlformats.org/officeDocument/2006/relationships" xmlns:p="http://schemas.openxmlformats.org/presentationml/2006/main">
+  <p:cSld>
+    <p:spTree>
+      <p:nvGrpSpPr>
+        <p:cNvPr id="1" name=""/>
+        <p:cNvGrpSpPr/>
+        <p:nvPr/>
+      </p:nvGrpSpPr>
+      <p:grpSpPr/>
+      <p:sp>
+        <p:nvSpPr>
+          <p:cNvPr id="2" name="Title 1"/>
+          <p:cNvSpPr>
+            <a:spLocks noGrp="1"/>
+          </p:cNvSpPr>
+          <p:nvPr>
+            <p:ph type="title"/>
+          </p:nvPr>
+        </p:nvSpPr>
+        <p:spPr>
+          <a:xfrm>
+            <a:off x="7693660" y="258445"/>
+            <a:ext cx="3469640" cy="1325880"/>
+          </a:xfrm>
+        </p:spPr>
+        <p:txBody>
+          <a:bodyPr/>
+          <a:p>
+            <a:r>
+              <a:rPr lang="en-US"/>
+              <a:t>Advance</a:t>
+            </a:r>
+            <a:endParaRPr lang="en-US"/>
+          </a:p>
+        </p:txBody>
+      </p:sp>
+      <p:pic>
+        <p:nvPicPr>
+          <p:cNvPr id="5" name="Picture 4"/>
+          <p:cNvPicPr>
+            <a:picLocks noChangeAspect="1"/>
+          </p:cNvPicPr>
+          <p:nvPr>
+            <p:custDataLst>
+              <p:tags r:id="rId1"/>
+            </p:custDataLst>
+          </p:nvPr>
+        </p:nvPicPr>
+        <p:blipFill>
+          <a:blip r:embed="rId2"/>
+          <a:stretch>
+            <a:fillRect/>
+          </a:stretch>
+        </p:blipFill>
+        <p:spPr>
+          <a:xfrm>
+            <a:off x="647700" y="0"/>
+            <a:ext cx="6858000" cy="6858000"/>
+          </a:xfrm>
+          <a:prstGeom prst="rect">
+            <a:avLst/>
+          </a:prstGeom>
+        </p:spPr>
+      </p:pic>
+      <p:sp>
+        <p:nvSpPr>
+          <p:cNvPr id="6" name="Content Placeholder 5"/>
+          <p:cNvSpPr/>
+          <p:nvPr>
+            <p:ph idx="1"/>
+          </p:nvPr>
+        </p:nvSpPr>
+        <p:spPr>
+          <a:xfrm>
+            <a:off x="7694295" y="1825625"/>
+            <a:ext cx="3469005" cy="4351655"/>
+          </a:xfrm>
+        </p:spPr>
+        <p:txBody>
           <a:bodyPr>
-            <a:normAutofit fontScale="90000"/>
-          </a:bodyPr>
-          <a:p>
-            <a:r>
-              <a:rPr lang="en-US"/>
-              <a:t>Addition/Reflection on Data Reconciliation and RDF Conversion</a:t>
-            </a:r>
-            <a:endParaRPr lang="en-US"/>
-          </a:p>
-        </p:txBody>
-      </p:sp>
-      <p:sp>
-        <p:nvSpPr>
-          <p:cNvPr id="3" name="Content Placeholder 2"/>
-          <p:cNvSpPr>
-            <a:spLocks noGrp="1"/>
-          </p:cNvSpPr>
-          <p:nvPr>
-            <p:ph idx="1"/>
-          </p:nvPr>
-        </p:nvSpPr>
-        <p:spPr/>
-        <p:txBody>
-          <a:bodyPr>
-            <a:normAutofit fontScale="90000" lnSpcReduction="20000"/>
+            <a:normAutofit lnSpcReduction="10000"/>
           </a:bodyPr>
           <a:p>
             <a:pPr>
@@ -5310,10 +6301,41 @@
               </a:lnSpc>
             </a:pPr>
             <a:r>
-              <a:rPr lang="en-US"/>
-              <a:t>Different scenarios and ways of None-graph-DBs to RDF</a:t>
-            </a:r>
-            <a:endParaRPr lang="en-US"/>
+              <a:rPr lang="en-US" sz="2400">
+                <a:solidFill>
+                  <a:schemeClr val="tx1"/>
+                </a:solidFill>
+              </a:rPr>
+              <a:t>-&gt; TheOntologyFor TheSession</a:t>
+            </a:r>
+            <a:endParaRPr lang="en-US" sz="2400">
+              <a:solidFill>
+                <a:schemeClr val="tx1"/>
+              </a:solidFill>
+            </a:endParaRPr>
+          </a:p>
+          <a:p>
+            <a:pPr>
+              <a:lnSpc>
+                <a:spcPct val="100000"/>
+              </a:lnSpc>
+            </a:pPr>
+            <a:r>
+              <a:rPr lang="en-US" sz="2400">
+                <a:solidFill>
+                  <a:schemeClr val="accent1">
+                    <a:lumMod val="60000"/>
+                    <a:lumOff val="40000"/>
+                  </a:schemeClr>
+                </a:solidFill>
+              </a:rPr>
+              <a:t>unionOf</a:t>
+            </a:r>
+            <a:r>
+              <a:rPr lang="en-US" sz="2400"/>
+              <a:t> classes</a:t>
+            </a:r>
+            <a:endParaRPr lang="en-US" sz="2400"/>
           </a:p>
           <a:p>
             <a:pPr lvl="1">
@@ -5322,18 +6344,57 @@
               </a:lnSpc>
             </a:pPr>
             <a:r>
-              <a:rPr lang="en-US" sz="2220"/>
-              <a:t>https://github.com/DDMAL/linkedmusic-datalake/tree/main/doc/</a:t>
-            </a:r>
-            <a:r>
-              <a:rPr lang="en-US" sz="2220">
+              <a:rPr lang="en-US" sz="2400">
                 <a:solidFill>
-                  <a:schemeClr val="accent4"/>
+                  <a:schemeClr val="accent1">
+                    <a:lumMod val="60000"/>
+                    <a:lumOff val="40000"/>
+                  </a:schemeClr>
                 </a:solidFill>
               </a:rPr>
-              <a:t>CSV2RDFInVirtuoso</a:t>
-            </a:r>
-            <a:endParaRPr lang="en-US" sz="2220"/>
+              <a:t>light blue circles with </a:t>
+            </a:r>
+            <a:r>
+              <a:rPr lang="zh-CN" altLang="en-US" sz="2400">
+                <a:solidFill>
+                  <a:schemeClr val="accent1">
+                    <a:lumMod val="60000"/>
+                    <a:lumOff val="40000"/>
+                  </a:schemeClr>
+                </a:solidFill>
+              </a:rPr>
+              <a:t>“</a:t>
+            </a:r>
+            <a:r>
+              <a:rPr lang="en-US" altLang="zh-CN" sz="2400">
+                <a:solidFill>
+                  <a:schemeClr val="accent1">
+                    <a:lumMod val="60000"/>
+                    <a:lumOff val="40000"/>
+                  </a:schemeClr>
+                </a:solidFill>
+              </a:rPr>
+              <a:t>U</a:t>
+            </a:r>
+            <a:r>
+              <a:rPr lang="zh-CN" altLang="en-US" sz="2400">
+                <a:solidFill>
+                  <a:schemeClr val="accent1">
+                    <a:lumMod val="60000"/>
+                    <a:lumOff val="40000"/>
+                  </a:schemeClr>
+                </a:solidFill>
+              </a:rPr>
+              <a:t>”</a:t>
+            </a:r>
+            <a:endParaRPr lang="en-US" sz="2400">
+              <a:solidFill>
+                <a:schemeClr val="accent1">
+                  <a:lumMod val="60000"/>
+                  <a:lumOff val="40000"/>
+                </a:schemeClr>
+              </a:solidFill>
+            </a:endParaRPr>
           </a:p>
           <a:p>
             <a:pPr>
@@ -5342,14 +6403,20 @@
               </a:lnSpc>
             </a:pPr>
             <a:r>
-              <a:rPr lang="en-US"/>
-              <a:t>A summary of </a:t>
-            </a:r>
-            <a:r>
-              <a:rPr lang="en-US"/>
-              <a:t>data reconciliations: </a:t>
-            </a:r>
-            <a:endParaRPr lang="en-US"/>
+              <a:rPr lang="en-US" sz="2400"/>
+              <a:t>owl:</a:t>
+            </a:r>
+            <a:r>
+              <a:rPr lang="en-US" sz="2400">
+                <a:solidFill>
+                  <a:schemeClr val="accent1">
+                    <a:lumMod val="75000"/>
+                  </a:schemeClr>
+                </a:solidFill>
+              </a:rPr>
+              <a:t>objectProperty</a:t>
+            </a:r>
+            <a:endParaRPr lang="en-US" sz="2400"/>
           </a:p>
           <a:p>
             <a:pPr lvl="1">
@@ -5358,12 +6425,10 @@
               </a:lnSpc>
             </a:pPr>
             <a:r>
-              <a:rPr lang="en-US">
-                <a:hlinkClick r:id="rId1" tooltip="" action="ppaction://hlinkfile"/>
-              </a:rPr>
-              <a:t>Guidelines or suggestions for data reconciliation (updated from time to time; collecting advice from everyone)</a:t>
-            </a:r>
-            <a:endParaRPr lang="en-US"/>
+              <a:rPr lang="en-US" sz="2400"/>
+              <a:t>between 2 nodes</a:t>
+            </a:r>
+            <a:endParaRPr lang="en-US" sz="2400"/>
           </a:p>
           <a:p>
             <a:pPr>
@@ -5372,30 +6437,138 @@
               </a:lnSpc>
             </a:pPr>
             <a:r>
+              <a:rPr lang="en-US" sz="2400"/>
+              <a:t>owl:</a:t>
+            </a:r>
+            <a:r>
+              <a:rPr lang="en-US" sz="2400">
+                <a:solidFill>
+                  <a:schemeClr val="accent3">
+                    <a:lumMod val="60000"/>
+                    <a:lumOff val="40000"/>
+                  </a:schemeClr>
+                </a:solidFill>
+              </a:rPr>
+              <a:t>dataProperty</a:t>
+            </a:r>
+            <a:endParaRPr lang="en-US" sz="2400"/>
+          </a:p>
+          <a:p>
+            <a:pPr lvl="1">
+              <a:lnSpc>
+                <a:spcPct val="100000"/>
+              </a:lnSpc>
+            </a:pPr>
+            <a:r>
+              <a:rPr lang="en-US" sz="2400"/>
+              <a:t>yellow squares</a:t>
+            </a:r>
+            <a:endParaRPr lang="en-US" sz="2400"/>
+          </a:p>
+          <a:p>
+            <a:pPr lvl="0">
+              <a:lnSpc>
+                <a:spcPct val="100000"/>
+              </a:lnSpc>
+            </a:pPr>
+            <a:r>
+              <a:rPr lang="en-US" sz="2400"/>
+              <a:t>owl:</a:t>
+            </a:r>
+            <a:r>
+              <a:rPr lang="en-US" sz="2400">
+                <a:solidFill>
+                  <a:srgbClr val="C00000"/>
+                </a:solidFill>
+              </a:rPr>
+              <a:t>Thing</a:t>
+            </a:r>
+            <a:endParaRPr lang="en-US" sz="2400">
+              <a:solidFill>
+                <a:srgbClr val="C00000"/>
+              </a:solidFill>
+            </a:endParaRPr>
+          </a:p>
+        </p:txBody>
+      </p:sp>
+      <p:sp>
+        <p:nvSpPr>
+          <p:cNvPr id="3" name="Slide Number Placeholder 2"/>
+          <p:cNvSpPr>
+            <a:spLocks noGrp="1"/>
+          </p:cNvSpPr>
+          <p:nvPr>
+            <p:ph type="sldNum" sz="quarter" idx="12"/>
+          </p:nvPr>
+        </p:nvSpPr>
+        <p:spPr/>
+        <p:txBody>
+          <a:bodyPr/>
+          <a:p>
+            <a:fld id="{49AE70B2-8BF9-45C0-BB95-33D1B9D3A854}" type="slidenum">
+              <a:rPr lang="zh-CN" altLang="en-US" smtClean="0"/>
+            </a:fld>
+            <a:endParaRPr lang="zh-CN" altLang="en-US"/>
+          </a:p>
+        </p:txBody>
+      </p:sp>
+    </p:spTree>
+  </p:cSld>
+  <p:clrMapOvr>
+    <a:masterClrMapping/>
+  </p:clrMapOvr>
+</p:sld>
+</file>
+
+<file path=ppt/slides/slide16.xml><?xml version="1.0" encoding="utf-8"?>
+<p:sld xmlns:a="http://schemas.openxmlformats.org/drawingml/2006/main" xmlns:r="http://schemas.openxmlformats.org/officeDocument/2006/relationships" xmlns:p="http://schemas.openxmlformats.org/presentationml/2006/main">
+  <p:cSld>
+    <p:spTree>
+      <p:nvGrpSpPr>
+        <p:cNvPr id="1" name=""/>
+        <p:cNvGrpSpPr/>
+        <p:nvPr/>
+      </p:nvGrpSpPr>
+      <p:grpSpPr/>
+      <p:sp>
+        <p:nvSpPr>
+          <p:cNvPr id="2" name="Title 1"/>
+          <p:cNvSpPr>
+            <a:spLocks noGrp="1"/>
+          </p:cNvSpPr>
+          <p:nvPr>
+            <p:ph type="title"/>
+          </p:nvPr>
+        </p:nvSpPr>
+        <p:spPr/>
+        <p:txBody>
+          <a:bodyPr>
+            <a:normAutofit fontScale="90000"/>
+          </a:bodyPr>
+          <a:p>
+            <a:r>
               <a:rPr lang="en-US"/>
-              <a:t>Logs &amp; Archives for reconciliations: (1)Properties in ...</a:t>
-            </a:r>
-            <a:r>
-              <a:rPr lang="en-US">
-                <a:solidFill>
-                  <a:schemeClr val="accent4"/>
-                </a:solidFill>
-                <a:hlinkClick r:id="rId2" tooltip="" action="ppaction://hlinkfile"/>
-              </a:rPr>
-              <a:t>mapping.json file</a:t>
-            </a:r>
-            <a:r>
-              <a:rPr lang="en-US"/>
-              <a:t> (2) </a:t>
-            </a:r>
-            <a:r>
-              <a:rPr lang="en-US">
-                <a:hlinkClick r:id="rId3" tooltip="" action="ppaction://hlinkfile"/>
-              </a:rPr>
-              <a:t>Archived Excels</a:t>
+              <a:t>Addition/Reflection on Data Reconciliation and RDF Conversion</a:t>
             </a:r>
             <a:endParaRPr lang="en-US"/>
           </a:p>
+        </p:txBody>
+      </p:sp>
+      <p:sp>
+        <p:nvSpPr>
+          <p:cNvPr id="3" name="Content Placeholder 2"/>
+          <p:cNvSpPr>
+            <a:spLocks noGrp="1"/>
+          </p:cNvSpPr>
+          <p:nvPr>
+            <p:ph idx="1"/>
+          </p:nvPr>
+        </p:nvSpPr>
+        <p:spPr/>
+        <p:txBody>
+          <a:bodyPr>
+            <a:normAutofit fontScale="90000" lnSpcReduction="20000"/>
+          </a:bodyPr>
           <a:p>
             <a:pPr>
               <a:lnSpc>
@@ -5404,9 +6577,29 @@
             </a:pPr>
             <a:r>
               <a:rPr lang="en-US"/>
-              <a:t>The co-existence of unreconciled data and reconciled data</a:t>
+              <a:t>Different scenarios and ways of None-graph-DBs to RDF</a:t>
             </a:r>
             <a:endParaRPr lang="en-US"/>
+          </a:p>
+          <a:p>
+            <a:pPr lvl="1">
+              <a:lnSpc>
+                <a:spcPct val="100000"/>
+              </a:lnSpc>
+            </a:pPr>
+            <a:r>
+              <a:rPr lang="en-US" sz="2220"/>
+              <a:t>https://github.com/DDMAL/linkedmusic-datalake/tree/main/doc/</a:t>
+            </a:r>
+            <a:r>
+              <a:rPr lang="en-US" sz="2220">
+                <a:solidFill>
+                  <a:schemeClr val="accent4"/>
+                </a:solidFill>
+              </a:rPr>
+              <a:t>CSV2RDFInVirtuoso</a:t>
+            </a:r>
+            <a:endParaRPr lang="en-US" sz="2220"/>
           </a:p>
           <a:p>
             <a:pPr>
@@ -5415,14 +6608,12 @@
               </a:lnSpc>
             </a:pPr>
             <a:r>
-              <a:rPr lang="en-US">
-                <a:hlinkClick r:id="rId4" tooltip="" action="ppaction://hlinkfile"/>
-              </a:rPr>
-              <a:t>To what extent will the reconciliation be conducted?</a:t>
-            </a:r>
-            <a:r>
               <a:rPr lang="en-US"/>
-              <a:t> -&gt; for queries</a:t>
+              <a:t>A summary of </a:t>
+            </a:r>
+            <a:r>
+              <a:rPr lang="en-US"/>
+              <a:t>data reconciliations: </a:t>
             </a:r>
             <a:endParaRPr lang="en-US"/>
           </a:p>
@@ -5433,8 +6624,10 @@
               </a:lnSpc>
             </a:pPr>
             <a:r>
-              <a:rPr lang="en-US"/>
-              <a:t>preparation for ontology; balance between OP and DP </a:t>
+              <a:rPr lang="en-US">
+                <a:hlinkClick r:id="rId1" action="ppaction://hlinkfile"/>
+              </a:rPr>
+              <a:t>Guidelines or suggestions for data reconciliation (updated from time to time; collecting advice from everyone)</a:t>
             </a:r>
             <a:endParaRPr lang="en-US"/>
           </a:p>
@@ -5445,8 +6638,91 @@
               </a:lnSpc>
             </a:pPr>
             <a:r>
+              <a:rPr lang="en-US"/>
+              <a:t>Logs &amp; Archives for reconciliations: (1)Properties in ...</a:t>
+            </a:r>
+            <a:r>
               <a:rPr lang="en-US">
-                <a:hlinkClick r:id="rId5" tooltip="" action="ppaction://hlinkfile"/>
+                <a:solidFill>
+                  <a:schemeClr val="accent4"/>
+                </a:solidFill>
+                <a:hlinkClick r:id="rId2" action="ppaction://hlinkfile"/>
+              </a:rPr>
+              <a:t>mapping.json file</a:t>
+            </a:r>
+            <a:r>
+              <a:rPr lang="en-US"/>
+              <a:t> (2) </a:t>
+            </a:r>
+            <a:r>
+              <a:rPr lang="en-US">
+                <a:hlinkClick r:id="rId3" action="ppaction://hlinkfile"/>
+              </a:rPr>
+              <a:t>Archived Excels</a:t>
+            </a:r>
+            <a:endParaRPr lang="en-US"/>
+          </a:p>
+          <a:p>
+            <a:pPr>
+              <a:lnSpc>
+                <a:spcPct val="100000"/>
+              </a:lnSpc>
+            </a:pPr>
+            <a:r>
+              <a:rPr lang="en-US"/>
+              <a:t>The co-existence of unreconciled data and reconciled data</a:t>
+            </a:r>
+            <a:endParaRPr lang="en-US"/>
+          </a:p>
+          <a:p>
+            <a:pPr>
+              <a:lnSpc>
+                <a:spcPct val="100000"/>
+              </a:lnSpc>
+            </a:pPr>
+            <a:r>
+              <a:rPr lang="en-US">
+                <a:hlinkClick r:id="rId4" action="ppaction://hlinkfile"/>
+              </a:rPr>
+              <a:t>To what extent will the reconciliation be conducted?</a:t>
+            </a:r>
+            <a:r>
+              <a:rPr lang="en-US"/>
+              <a:t> -&gt; for queries</a:t>
+            </a:r>
+            <a:endParaRPr lang="en-US"/>
+          </a:p>
+          <a:p>
+            <a:pPr lvl="1">
+              <a:lnSpc>
+                <a:spcPct val="100000"/>
+              </a:lnSpc>
+            </a:pPr>
+            <a:r>
+              <a:rPr lang="en-US"/>
+              <a:t>preparation for ontology; balance between ObjectProperty and Data</a:t>
+            </a:r>
+            <a:r>
+              <a:rPr lang="en-US">
+                <a:sym typeface="+mn-ea"/>
+              </a:rPr>
+              <a:t>Property</a:t>
+            </a:r>
+            <a:r>
+              <a:rPr lang="en-US"/>
+              <a:t> </a:t>
+            </a:r>
+            <a:endParaRPr lang="en-US"/>
+          </a:p>
+          <a:p>
+            <a:pPr>
+              <a:lnSpc>
+                <a:spcPct val="100000"/>
+              </a:lnSpc>
+            </a:pPr>
+            <a:r>
+              <a:rPr lang="en-US">
+                <a:hlinkClick r:id="rId5" action="ppaction://hlinkfile"/>
               </a:rPr>
               <a:t>Blank nodes and Named Graph</a:t>
             </a:r>
@@ -5492,6 +6768,151 @@
                 </a:schemeClr>
               </a:solidFill>
             </a:endParaRPr>
+          </a:p>
+        </p:txBody>
+      </p:sp>
+      <p:sp>
+        <p:nvSpPr>
+          <p:cNvPr id="5" name="Slide Number Placeholder 4"/>
+          <p:cNvSpPr>
+            <a:spLocks noGrp="1"/>
+          </p:cNvSpPr>
+          <p:nvPr>
+            <p:ph type="sldNum" sz="quarter" idx="12"/>
+          </p:nvPr>
+        </p:nvSpPr>
+        <p:spPr/>
+        <p:txBody>
+          <a:bodyPr/>
+          <a:p>
+            <a:fld id="{49AE70B2-8BF9-45C0-BB95-33D1B9D3A854}" type="slidenum">
+              <a:rPr lang="zh-CN" altLang="en-US" smtClean="0"/>
+            </a:fld>
+            <a:endParaRPr lang="zh-CN" altLang="en-US"/>
+          </a:p>
+        </p:txBody>
+      </p:sp>
+    </p:spTree>
+  </p:cSld>
+  <p:clrMapOvr>
+    <a:masterClrMapping/>
+  </p:clrMapOvr>
+</p:sld>
+</file>
+
+<file path=ppt/slides/slide17.xml><?xml version="1.0" encoding="utf-8"?>
+<p:sld xmlns:a="http://schemas.openxmlformats.org/drawingml/2006/main" xmlns:r="http://schemas.openxmlformats.org/officeDocument/2006/relationships" xmlns:p="http://schemas.openxmlformats.org/presentationml/2006/main">
+  <p:cSld>
+    <p:spTree>
+      <p:nvGrpSpPr>
+        <p:cNvPr id="1" name=""/>
+        <p:cNvGrpSpPr/>
+        <p:nvPr/>
+      </p:nvGrpSpPr>
+      <p:grpSpPr/>
+      <p:sp>
+        <p:nvSpPr>
+          <p:cNvPr id="2" name="Title 1"/>
+          <p:cNvSpPr>
+            <a:spLocks noGrp="1"/>
+          </p:cNvSpPr>
+          <p:nvPr>
+            <p:ph type="title"/>
+          </p:nvPr>
+        </p:nvSpPr>
+        <p:spPr/>
+        <p:txBody>
+          <a:bodyPr/>
+          <a:p>
+            <a:endParaRPr lang="en-US"/>
+          </a:p>
+        </p:txBody>
+      </p:sp>
+      <p:sp>
+        <p:nvSpPr>
+          <p:cNvPr id="3" name="Content Placeholder 2"/>
+          <p:cNvSpPr>
+            <a:spLocks noGrp="1"/>
+          </p:cNvSpPr>
+          <p:nvPr>
+            <p:ph idx="1"/>
+          </p:nvPr>
+        </p:nvSpPr>
+        <p:spPr/>
+        <p:txBody>
+          <a:bodyPr/>
+          <a:p>
+            <a:pPr marL="0" indent="0" algn="ctr">
+              <a:buNone/>
+            </a:pPr>
+            <a:endParaRPr lang="en-US" sz="4000"/>
+          </a:p>
+          <a:p>
+            <a:pPr marL="0" indent="0" algn="ctr">
+              <a:buNone/>
+            </a:pPr>
+            <a:r>
+              <a:rPr lang="en-US" sz="4000"/>
+              <a:t>Thank you!</a:t>
+            </a:r>
+            <a:endParaRPr lang="en-US" sz="4000"/>
+          </a:p>
+          <a:p>
+            <a:pPr algn="ctr"/>
+            <a:endParaRPr lang="en-US"/>
+          </a:p>
+          <a:p>
+            <a:pPr marL="0" indent="0" algn="ctr">
+              <a:buNone/>
+            </a:pPr>
+            <a:r>
+              <a:rPr lang="en-US" altLang="zh-CN" dirty="0">
+                <a:sym typeface="+mn-ea"/>
+              </a:rPr>
+              <a:t>  Junjun Cao</a:t>
+            </a:r>
+            <a:endParaRPr lang="en-US" altLang="zh-CN" dirty="0">
+              <a:latin typeface="+mn-lt"/>
+            </a:endParaRPr>
+          </a:p>
+          <a:p>
+            <a:pPr marL="0" indent="0" algn="ctr">
+              <a:buNone/>
+            </a:pPr>
+            <a:r>
+              <a:rPr lang="en-US" altLang="zh-CN" dirty="0">
+                <a:sym typeface="+mn-ea"/>
+              </a:rPr>
+              <a:t>  alienmusedh@gmail.com</a:t>
+            </a:r>
+            <a:endParaRPr lang="en-US" altLang="zh-CN" dirty="0">
+              <a:latin typeface="+mn-lt"/>
+            </a:endParaRPr>
+          </a:p>
+          <a:p>
+            <a:pPr algn="ctr"/>
+            <a:endParaRPr lang="en-US"/>
+          </a:p>
+        </p:txBody>
+      </p:sp>
+      <p:sp>
+        <p:nvSpPr>
+          <p:cNvPr id="4" name="Slide Number Placeholder 3"/>
+          <p:cNvSpPr>
+            <a:spLocks noGrp="1"/>
+          </p:cNvSpPr>
+          <p:nvPr>
+            <p:ph type="sldNum" sz="quarter" idx="12"/>
+          </p:nvPr>
+        </p:nvSpPr>
+        <p:spPr/>
+        <p:txBody>
+          <a:bodyPr/>
+          <a:p>
+            <a:fld id="{49AE70B2-8BF9-45C0-BB95-33D1B9D3A854}" type="slidenum">
+              <a:rPr lang="zh-CN" altLang="en-US" smtClean="0"/>
+            </a:fld>
+            <a:endParaRPr lang="zh-CN" altLang="en-US"/>
           </a:p>
         </p:txBody>
       </p:sp>
@@ -5548,7 +6969,7 @@
         <p:spPr/>
         <p:txBody>
           <a:bodyPr>
-            <a:normAutofit lnSpcReduction="10000"/>
+            <a:normAutofit/>
           </a:bodyPr>
           <a:p>
             <a:r>
@@ -5588,9 +7009,10 @@
             <a:endParaRPr lang="en-US" sz="2000"/>
           </a:p>
           <a:p>
+            <a:pPr lvl="1"/>
             <a:r>
               <a:rPr lang="en-US"/>
-              <a:t>Wikidata SPARQL endpoint: https://query.wikidata.org/</a:t>
+              <a:t>e.g.: Wikidata SPARQL endpoint: https://query.wikidata.org/</a:t>
             </a:r>
             <a:endParaRPr lang="en-US"/>
           </a:p>
@@ -5731,6 +7153,155 @@
           <a:p>
             <a:pPr lvl="1"/>
             <a:endParaRPr lang="en-US"/>
+          </a:p>
+        </p:txBody>
+      </p:sp>
+      <p:sp>
+        <p:nvSpPr>
+          <p:cNvPr id="4" name="Text Box 3"/>
+          <p:cNvSpPr txBox="1"/>
+          <p:nvPr/>
+        </p:nvSpPr>
+        <p:spPr>
+          <a:xfrm>
+            <a:off x="5215890" y="5478145"/>
+            <a:ext cx="6096000" cy="922020"/>
+          </a:xfrm>
+          <a:prstGeom prst="rect">
+            <a:avLst/>
+          </a:prstGeom>
+          <a:noFill/>
+        </p:spPr>
+        <p:txBody>
+          <a:bodyPr wrap="square" rtlCol="0" anchor="t">
+            <a:spAutoFit/>
+          </a:bodyPr>
+          <a:p>
+            <a:pPr algn="r"/>
+            <a:r>
+              <a:rPr lang="en-US">
+                <a:solidFill>
+                  <a:schemeClr val="bg1">
+                    <a:lumMod val="75000"/>
+                  </a:schemeClr>
+                </a:solidFill>
+              </a:rPr>
+              <a:t>new challenge:</a:t>
+            </a:r>
+            <a:endParaRPr lang="en-US">
+              <a:solidFill>
+                <a:schemeClr val="bg1">
+                  <a:lumMod val="75000"/>
+                </a:schemeClr>
+              </a:solidFill>
+            </a:endParaRPr>
+          </a:p>
+          <a:p>
+            <a:pPr algn="r"/>
+            <a:r>
+              <a:rPr lang="en-US">
+                <a:solidFill>
+                  <a:schemeClr val="bg1">
+                    <a:lumMod val="75000"/>
+                  </a:schemeClr>
+                </a:solidFill>
+              </a:rPr>
+              <a:t>(1) difficult for data reconciliation</a:t>
+            </a:r>
+            <a:endParaRPr lang="en-US">
+              <a:solidFill>
+                <a:schemeClr val="bg1">
+                  <a:lumMod val="75000"/>
+                </a:schemeClr>
+              </a:solidFill>
+            </a:endParaRPr>
+          </a:p>
+          <a:p>
+            <a:pPr algn="r"/>
+            <a:r>
+              <a:rPr lang="en-US">
+                <a:solidFill>
+                  <a:schemeClr val="bg1">
+                    <a:lumMod val="75000"/>
+                  </a:schemeClr>
+                </a:solidFill>
+              </a:rPr>
+              <a:t>(2) difficult for schema-based NLQ2SPARQL</a:t>
+            </a:r>
+            <a:endParaRPr lang="en-US">
+              <a:solidFill>
+                <a:schemeClr val="bg1">
+                  <a:lumMod val="75000"/>
+                </a:schemeClr>
+              </a:solidFill>
+            </a:endParaRPr>
+          </a:p>
+        </p:txBody>
+      </p:sp>
+      <p:sp>
+        <p:nvSpPr>
+          <p:cNvPr id="5" name="Text Box 4"/>
+          <p:cNvSpPr txBox="1"/>
+          <p:nvPr>
+            <p:custDataLst>
+              <p:tags r:id="rId2"/>
+            </p:custDataLst>
+          </p:nvPr>
+        </p:nvSpPr>
+        <p:spPr>
+          <a:xfrm>
+            <a:off x="7371080" y="1905635"/>
+            <a:ext cx="6096000" cy="368300"/>
+          </a:xfrm>
+          <a:prstGeom prst="rect">
+            <a:avLst/>
+          </a:prstGeom>
+          <a:noFill/>
+        </p:spPr>
+        <p:txBody>
+          <a:bodyPr wrap="square" rtlCol="0" anchor="t">
+            <a:spAutoFit/>
+          </a:bodyPr>
+          <a:p>
+            <a:pPr algn="r"/>
+            <a:r>
+              <a:rPr lang="en-US">
+                <a:solidFill>
+                  <a:schemeClr val="bg1">
+                    <a:lumMod val="75000"/>
+                  </a:schemeClr>
+                </a:solidFill>
+              </a:rPr>
+              <a:t>the basic principle of</a:t>
+            </a:r>
+            <a:endParaRPr lang="en-US">
+              <a:solidFill>
+                <a:schemeClr val="bg1">
+                  <a:lumMod val="75000"/>
+                </a:schemeClr>
+              </a:solidFill>
+            </a:endParaRPr>
+          </a:p>
+        </p:txBody>
+      </p:sp>
+      <p:sp>
+        <p:nvSpPr>
+          <p:cNvPr id="6" name="Slide Number Placeholder 5"/>
+          <p:cNvSpPr>
+            <a:spLocks noGrp="1"/>
+          </p:cNvSpPr>
+          <p:nvPr>
+            <p:ph type="sldNum" sz="quarter" idx="12"/>
+          </p:nvPr>
+        </p:nvSpPr>
+        <p:spPr/>
+        <p:txBody>
+          <a:bodyPr/>
+          <a:p>
+            <a:fld id="{49AE70B2-8BF9-45C0-BB95-33D1B9D3A854}" type="slidenum">
+              <a:rPr lang="zh-CN" altLang="en-US" smtClean="0"/>
+            </a:fld>
+            <a:endParaRPr lang="zh-CN" altLang="en-US"/>
           </a:p>
         </p:txBody>
       </p:sp>
@@ -5796,10 +7367,19 @@
               </a:lnSpc>
             </a:pPr>
             <a:r>
+              <a:rPr lang="zh-CN" altLang="en-US">
+                <a:solidFill>
+                  <a:schemeClr val="accent2"/>
+                </a:solidFill>
+                <a:sym typeface="+mn-ea"/>
+              </a:rPr>
+              <a:t>Issue A</a:t>
+            </a:r>
+            <a:r>
               <a:rPr lang="en-US" altLang="zh-CN">
                 <a:sym typeface="+mn-ea"/>
               </a:rPr>
-              <a:t>What is the </a:t>
+              <a:t>: What is the </a:t>
             </a:r>
             <a:r>
               <a:rPr lang="zh-CN" altLang="en-US">
@@ -5840,7 +7420,7 @@
                   <a:schemeClr val="accent4"/>
                 </a:solidFill>
                 <a:sym typeface="+mn-ea"/>
-                <a:hlinkClick r:id="rId1" tooltip="" action="ppaction://hlinkfile"/>
+                <a:hlinkClick r:id="rId1" action="ppaction://hlinkfile"/>
               </a:rPr>
               <a:t>(refer to discussion 27)</a:t>
             </a:r>
@@ -5854,7 +7434,7 @@
             </a:pPr>
             <a:r>
               <a:rPr lang="en-US"/>
-              <a:t>The more concise, the better: try to leverage the pretrained knowledge of LLMs&lt;-reconciliation with Wikidata</a:t>
+              <a:t>The more concise, the better: try to leverage the pretrained knowledge of LLMs &lt;- reconciliation with Wikidata</a:t>
             </a:r>
             <a:endParaRPr lang="en-US"/>
           </a:p>
@@ -6140,7 +7720,7 @@
                       </a:pPr>
                       <a:r>
                         <a:rPr lang="en-US"/>
-                        <a:t>1-shot or few-shots</a:t>
+                        <a:t>1-shot</a:t>
                       </a:r>
                       <a:endParaRPr lang="en-US"/>
                     </a:p>
@@ -6156,7 +7736,7 @@
                       </a:pPr>
                       <a:r>
                         <a:rPr lang="en-US" altLang="zh-CN"/>
-                        <a:t>similarity between...</a:t>
+                        <a:t>the highest similarity between...</a:t>
                       </a:r>
                       <a:endParaRPr lang="en-US" altLang="zh-CN"/>
                     </a:p>
@@ -6242,6 +7822,27 @@
           </a:graphicData>
         </a:graphic>
       </p:graphicFrame>
+      <p:sp>
+        <p:nvSpPr>
+          <p:cNvPr id="5" name="Slide Number Placeholder 4"/>
+          <p:cNvSpPr>
+            <a:spLocks noGrp="1"/>
+          </p:cNvSpPr>
+          <p:nvPr>
+            <p:ph type="sldNum" sz="quarter" idx="12"/>
+          </p:nvPr>
+        </p:nvSpPr>
+        <p:spPr/>
+        <p:txBody>
+          <a:bodyPr/>
+          <a:p>
+            <a:fld id="{49AE70B2-8BF9-45C0-BB95-33D1B9D3A854}" type="slidenum">
+              <a:rPr lang="zh-CN" altLang="en-US" smtClean="0"/>
+            </a:fld>
+            <a:endParaRPr lang="zh-CN" altLang="en-US"/>
+          </a:p>
+        </p:txBody>
+      </p:sp>
     </p:spTree>
   </p:cSld>
   <p:clrMapOvr>
@@ -6380,7 +7981,7 @@
               <a:rPr lang="en-US" altLang="zh-CN" sz="2330">
                 <a:sym typeface="+mn-ea"/>
               </a:rPr>
-              <a:t>after the converson, will the schema disappear?</a:t>
+              <a:t>after the conversion, will the schema disappear?</a:t>
             </a:r>
             <a:endParaRPr lang="en-US" altLang="zh-CN" sz="2330">
               <a:sym typeface="+mn-ea"/>
@@ -6432,6 +8033,68 @@
           </a:p>
           <a:p>
             <a:endParaRPr lang="en-US"/>
+          </a:p>
+        </p:txBody>
+      </p:sp>
+      <p:sp>
+        <p:nvSpPr>
+          <p:cNvPr id="4" name="Text Box 3"/>
+          <p:cNvSpPr txBox="1"/>
+          <p:nvPr/>
+        </p:nvSpPr>
+        <p:spPr>
+          <a:xfrm>
+            <a:off x="9972040" y="3691255"/>
+            <a:ext cx="4064000" cy="368300"/>
+          </a:xfrm>
+          <a:prstGeom prst="rect">
+            <a:avLst/>
+          </a:prstGeom>
+          <a:noFill/>
+        </p:spPr>
+        <p:txBody>
+          <a:bodyPr wrap="square" rtlCol="0">
+            <a:spAutoFit/>
+          </a:bodyPr>
+          <a:p>
+            <a:r>
+              <a:rPr lang="en-US">
+                <a:solidFill>
+                  <a:schemeClr val="bg1">
+                    <a:lumMod val="85000"/>
+                  </a:schemeClr>
+                </a:solidFill>
+              </a:rPr>
+              <a:t>as a schema  of RDF</a:t>
+            </a:r>
+            <a:endParaRPr lang="en-US">
+              <a:solidFill>
+                <a:schemeClr val="bg1">
+                  <a:lumMod val="85000"/>
+                </a:schemeClr>
+              </a:solidFill>
+            </a:endParaRPr>
+          </a:p>
+        </p:txBody>
+      </p:sp>
+      <p:sp>
+        <p:nvSpPr>
+          <p:cNvPr id="5" name="Slide Number Placeholder 4"/>
+          <p:cNvSpPr>
+            <a:spLocks noGrp="1"/>
+          </p:cNvSpPr>
+          <p:nvPr>
+            <p:ph type="sldNum" sz="quarter" idx="12"/>
+          </p:nvPr>
+        </p:nvSpPr>
+        <p:spPr/>
+        <p:txBody>
+          <a:bodyPr/>
+          <a:p>
+            <a:fld id="{49AE70B2-8BF9-45C0-BB95-33D1B9D3A854}" type="slidenum">
+              <a:rPr lang="zh-CN" altLang="en-US" smtClean="0"/>
+            </a:fld>
+            <a:endParaRPr lang="zh-CN" altLang="en-US"/>
           </a:p>
         </p:txBody>
       </p:sp>
@@ -6742,7 +8405,7 @@
                   </a:schemeClr>
                 </a:solidFill>
               </a:rPr>
-              <a:t>purely data such as literals, strings, integer,  dates...</a:t>
+              <a:t>purely data such as literals, strings, integer, dates, boolean...</a:t>
             </a:r>
             <a:endParaRPr lang="en-US">
               <a:solidFill>
@@ -6751,6 +8414,27 @@
                 </a:schemeClr>
               </a:solidFill>
             </a:endParaRPr>
+          </a:p>
+        </p:txBody>
+      </p:sp>
+      <p:sp>
+        <p:nvSpPr>
+          <p:cNvPr id="7" name="Slide Number Placeholder 6"/>
+          <p:cNvSpPr>
+            <a:spLocks noGrp="1"/>
+          </p:cNvSpPr>
+          <p:nvPr>
+            <p:ph type="sldNum" sz="quarter" idx="12"/>
+          </p:nvPr>
+        </p:nvSpPr>
+        <p:spPr/>
+        <p:txBody>
+          <a:bodyPr/>
+          <a:p>
+            <a:fld id="{49AE70B2-8BF9-45C0-BB95-33D1B9D3A854}" type="slidenum">
+              <a:rPr lang="zh-CN" altLang="en-US" smtClean="0"/>
+            </a:fld>
+            <a:endParaRPr lang="zh-CN" altLang="en-US"/>
           </a:p>
         </p:txBody>
       </p:sp>
@@ -6806,9 +8490,16 @@
             <p:ph idx="1"/>
           </p:nvPr>
         </p:nvSpPr>
-        <p:spPr/>
-        <p:txBody>
-          <a:bodyPr/>
+        <p:spPr>
+          <a:xfrm>
+            <a:off x="647700" y="1825625"/>
+            <a:ext cx="10772775" cy="4351655"/>
+          </a:xfrm>
+        </p:spPr>
+        <p:txBody>
+          <a:bodyPr>
+            <a:normAutofit lnSpcReduction="10000"/>
+          </a:bodyPr>
           <a:p>
             <a:r>
               <a:rPr lang="en-US">
@@ -6816,7 +8507,7 @@
                   <a:schemeClr val="accent2"/>
                 </a:solidFill>
               </a:rPr>
-              <a:t>Issue-A</a:t>
+              <a:t>Issue-B</a:t>
             </a:r>
             <a:r>
               <a:rPr lang="en-US"/>
@@ -6912,7 +8603,7 @@
             </a:pPr>
             <a:r>
               <a:rPr lang="en-US" sz="2400"/>
-              <a:t>which would like to be shared with LinkedMusic</a:t>
+              <a:t>whose vocabularies would like to be shared with LinkedMusic eg:instru...</a:t>
             </a:r>
             <a:endParaRPr lang="en-US" sz="2000"/>
           </a:p>
@@ -6926,6 +8617,27 @@
           </a:p>
           <a:p>
             <a:endParaRPr lang="en-US"/>
+          </a:p>
+        </p:txBody>
+      </p:sp>
+      <p:sp>
+        <p:nvSpPr>
+          <p:cNvPr id="4" name="Slide Number Placeholder 3"/>
+          <p:cNvSpPr>
+            <a:spLocks noGrp="1"/>
+          </p:cNvSpPr>
+          <p:nvPr>
+            <p:ph type="sldNum" sz="quarter" idx="12"/>
+          </p:nvPr>
+        </p:nvSpPr>
+        <p:spPr/>
+        <p:txBody>
+          <a:bodyPr/>
+          <a:p>
+            <a:fld id="{49AE70B2-8BF9-45C0-BB95-33D1B9D3A854}" type="slidenum">
+              <a:rPr lang="zh-CN" altLang="en-US" smtClean="0"/>
+            </a:fld>
+            <a:endParaRPr lang="zh-CN" altLang="en-US"/>
           </a:p>
         </p:txBody>
       </p:sp>
@@ -6969,48 +8681,16 @@
           </a:p>
         </p:txBody>
       </p:sp>
-      <p:pic>
-        <p:nvPicPr>
-          <p:cNvPr id="4" name="Picture 1"/>
-          <p:cNvPicPr>
-            <a:picLocks noChangeAspect="1"/>
-          </p:cNvPicPr>
-          <p:nvPr>
+      <p:sp>
+        <p:nvSpPr>
+          <p:cNvPr id="5" name="Content Placeholder 4"/>
+          <p:cNvSpPr>
+            <a:spLocks noGrp="1"/>
+          </p:cNvSpPr>
+          <p:nvPr>
+            <p:ph idx="1"/>
             <p:custDataLst>
               <p:tags r:id="rId1"/>
-            </p:custDataLst>
-          </p:nvPr>
-        </p:nvPicPr>
-        <p:blipFill>
-          <a:blip r:embed="rId2"/>
-          <a:stretch>
-            <a:fillRect/>
-          </a:stretch>
-        </p:blipFill>
-        <p:spPr>
-          <a:xfrm>
-            <a:off x="6466205" y="682625"/>
-            <a:ext cx="5299710" cy="5755640"/>
-          </a:xfrm>
-          <a:prstGeom prst="rect">
-            <a:avLst/>
-          </a:prstGeom>
-          <a:noFill/>
-          <a:ln>
-            <a:noFill/>
-          </a:ln>
-        </p:spPr>
-      </p:pic>
-      <p:sp>
-        <p:nvSpPr>
-          <p:cNvPr id="5" name="Content Placeholder 4"/>
-          <p:cNvSpPr>
-            <a:spLocks noGrp="1"/>
-          </p:cNvSpPr>
-          <p:nvPr>
-            <p:ph idx="1"/>
-            <p:custDataLst>
-              <p:tags r:id="rId3"/>
             </p:custDataLst>
           </p:nvPr>
         </p:nvSpPr>
@@ -7118,12 +8798,12 @@
           </p:cNvPicPr>
           <p:nvPr>
             <p:custDataLst>
-              <p:tags r:id="rId4"/>
+              <p:tags r:id="rId2"/>
             </p:custDataLst>
           </p:nvPr>
         </p:nvPicPr>
         <p:blipFill>
-          <a:blip r:embed="rId5"/>
+          <a:blip r:embed="rId3"/>
           <a:stretch>
             <a:fillRect/>
           </a:stretch>
@@ -7138,6 +8818,59 @@
           </a:prstGeom>
         </p:spPr>
       </p:pic>
+      <p:pic>
+        <p:nvPicPr>
+          <p:cNvPr id="6" name="Picture 1"/>
+          <p:cNvPicPr>
+            <a:picLocks noChangeAspect="1"/>
+          </p:cNvPicPr>
+          <p:nvPr>
+            <p:custDataLst>
+              <p:tags r:id="rId4"/>
+            </p:custDataLst>
+          </p:nvPr>
+        </p:nvPicPr>
+        <p:blipFill>
+          <a:blip r:embed="rId5"/>
+          <a:stretch>
+            <a:fillRect/>
+          </a:stretch>
+        </p:blipFill>
+        <p:spPr>
+          <a:xfrm>
+            <a:off x="6350635" y="492760"/>
+            <a:ext cx="5392420" cy="5872480"/>
+          </a:xfrm>
+          <a:prstGeom prst="rect">
+            <a:avLst/>
+          </a:prstGeom>
+          <a:noFill/>
+          <a:ln>
+            <a:noFill/>
+          </a:ln>
+        </p:spPr>
+      </p:pic>
+      <p:sp>
+        <p:nvSpPr>
+          <p:cNvPr id="7" name="Slide Number Placeholder 6"/>
+          <p:cNvSpPr>
+            <a:spLocks noGrp="1"/>
+          </p:cNvSpPr>
+          <p:nvPr>
+            <p:ph type="sldNum" sz="quarter" idx="12"/>
+          </p:nvPr>
+        </p:nvSpPr>
+        <p:spPr/>
+        <p:txBody>
+          <a:bodyPr/>
+          <a:p>
+            <a:fld id="{49AE70B2-8BF9-45C0-BB95-33D1B9D3A854}" type="slidenum">
+              <a:rPr lang="zh-CN" altLang="en-US" smtClean="0"/>
+            </a:fld>
+            <a:endParaRPr lang="zh-CN" altLang="en-US"/>
+          </a:p>
+        </p:txBody>
+      </p:sp>
     </p:spTree>
   </p:cSld>
   <p:clrMapOvr>
@@ -7357,10 +9090,18 @@
               </a:lnSpc>
             </a:pPr>
             <a:r>
-              <a:rPr lang="en-US" altLang="zh-CN"/>
-              <a:t>Over-generalization-&gt;base for recommendation</a:t>
-            </a:r>
-            <a:endParaRPr lang="en-US" altLang="zh-CN"/>
+              <a:rPr lang="en-US" altLang="zh-CN">
+                <a:solidFill>
+                  <a:schemeClr val="accent1"/>
+                </a:solidFill>
+              </a:rPr>
+              <a:t>Ambiguity of NLQ-&gt;Over-generalization-&gt;base for recommendation</a:t>
+            </a:r>
+            <a:endParaRPr lang="en-US" altLang="zh-CN">
+              <a:solidFill>
+                <a:schemeClr val="accent1"/>
+              </a:solidFill>
+            </a:endParaRPr>
           </a:p>
         </p:txBody>
       </p:sp>
@@ -7409,6 +9150,27 @@
               </a:solidFill>
               <a:sym typeface="+mn-ea"/>
             </a:endParaRPr>
+          </a:p>
+        </p:txBody>
+      </p:sp>
+      <p:sp>
+        <p:nvSpPr>
+          <p:cNvPr id="5" name="Slide Number Placeholder 4"/>
+          <p:cNvSpPr>
+            <a:spLocks noGrp="1"/>
+          </p:cNvSpPr>
+          <p:nvPr>
+            <p:ph type="sldNum" sz="quarter" idx="12"/>
+          </p:nvPr>
+        </p:nvSpPr>
+        <p:spPr/>
+        <p:txBody>
+          <a:bodyPr/>
+          <a:p>
+            <a:fld id="{49AE70B2-8BF9-45C0-BB95-33D1B9D3A854}" type="slidenum">
+              <a:rPr lang="zh-CN" altLang="en-US" smtClean="0"/>
+            </a:fld>
+            <a:endParaRPr lang="zh-CN" altLang="en-US"/>
           </a:p>
         </p:txBody>
       </p:sp>
@@ -7492,9 +9254,22 @@
               <a:rPr lang="en-US" sz="2400">
                 <a:sym typeface="+mn-ea"/>
               </a:rPr>
-              <a:t>claude 3.7 (2) reflection: using ontology for validation</a:t>
-            </a:r>
-            <a:endParaRPr lang="en-US"/>
+              <a:t>claude 4 (2) reflection: ontology for validation </a:t>
+            </a:r>
+            <a:r>
+              <a:rPr lang="en-US" sz="2400">
+                <a:solidFill>
+                  <a:schemeClr val="accent2"/>
+                </a:solidFill>
+                <a:sym typeface="+mn-ea"/>
+              </a:rPr>
+              <a:t>instead of shapes</a:t>
+            </a:r>
+            <a:endParaRPr lang="en-US">
+              <a:solidFill>
+                <a:schemeClr val="accent2"/>
+              </a:solidFill>
+            </a:endParaRPr>
           </a:p>
           <a:p>
             <a:r>
@@ -7531,7 +9306,7 @@
             </a:r>
             <a:r>
               <a:rPr lang="en-US">
-                <a:hlinkClick r:id="rId1" tooltip="" action="ppaction://hlinkfile"/>
+                <a:hlinkClick r:id="rId1" action="ppaction://hlinkfile"/>
               </a:rPr>
               <a:t>issues 60</a:t>
             </a:r>
@@ -7551,7 +9326,7 @@
             </a:pPr>
             <a:r>
               <a:rPr lang="en-US"/>
-              <a:t>the retrieval scope is broadened by loosening query conditions/constraints in the SPARQL query, and other possible query patterns can be recommended</a:t>
+              <a:t>the retrieval scope is broadened by relaxing query conditions/constraints in the SPARQL query, and other possible query patterns can be recommended</a:t>
             </a:r>
             <a:endParaRPr lang="en-US"/>
           </a:p>
@@ -7561,6 +9336,27 @@
           </a:p>
           <a:p>
             <a:endParaRPr lang="en-US"/>
+          </a:p>
+        </p:txBody>
+      </p:sp>
+      <p:sp>
+        <p:nvSpPr>
+          <p:cNvPr id="4" name="Slide Number Placeholder 3"/>
+          <p:cNvSpPr>
+            <a:spLocks noGrp="1"/>
+          </p:cNvSpPr>
+          <p:nvPr>
+            <p:ph type="sldNum" sz="quarter" idx="12"/>
+          </p:nvPr>
+        </p:nvSpPr>
+        <p:spPr/>
+        <p:txBody>
+          <a:bodyPr/>
+          <a:p>
+            <a:fld id="{49AE70B2-8BF9-45C0-BB95-33D1B9D3A854}" type="slidenum">
+              <a:rPr lang="zh-CN" altLang="en-US" smtClean="0"/>
+            </a:fld>
+            <a:endParaRPr lang="zh-CN" altLang="en-US"/>
           </a:p>
         </p:txBody>
       </p:sp>
@@ -7574,14 +9370,14 @@
 
 <file path=ppt/tags/tag1.xml><?xml version="1.0" encoding="utf-8"?>
 <p:tagLst xmlns:p="http://schemas.openxmlformats.org/presentationml/2006/main">
-  <p:tag name="TABLE_ENDDRAG_ORIGIN_RECT" val="770*202"/>
-  <p:tag name="TABLE_ENDDRAG_RECT" val="94*335*770*202"/>
+  <p:tag name="KSO_WM_BEAUTIFY_FLAG" val=""/>
 </p:tagLst>
 </file>
 
 <file path=ppt/tags/tag2.xml><?xml version="1.0" encoding="utf-8"?>
 <p:tagLst xmlns:p="http://schemas.openxmlformats.org/presentationml/2006/main">
-  <p:tag name="KSO_WM_BEAUTIFY_FLAG" val=""/>
+  <p:tag name="TABLE_ENDDRAG_ORIGIN_RECT" val="770*202"/>
+  <p:tag name="TABLE_ENDDRAG_RECT" val="94*335*770*202"/>
 </p:tagLst>
 </file>
 
@@ -7604,6 +9400,18 @@
 </file>
 
 <file path=ppt/tags/tag6.xml><?xml version="1.0" encoding="utf-8"?>
+<p:tagLst xmlns:p="http://schemas.openxmlformats.org/presentationml/2006/main">
+  <p:tag name="KSO_WM_BEAUTIFY_FLAG" val=""/>
+</p:tagLst>
+</file>
+
+<file path=ppt/tags/tag7.xml><?xml version="1.0" encoding="utf-8"?>
+<p:tagLst xmlns:p="http://schemas.openxmlformats.org/presentationml/2006/main">
+  <p:tag name="KSO_WM_BEAUTIFY_FLAG" val=""/>
+</p:tagLst>
+</file>
+
+<file path=ppt/tags/tag8.xml><?xml version="1.0" encoding="utf-8"?>
 <p:tagLst xmlns:p="http://schemas.openxmlformats.org/presentationml/2006/main">
   <p:tag name="KSO_WM_BEAUTIFY_FLAG" val=""/>
 </p:tagLst>

--- a/handOver_generalReviewOf_LinkedMusicQueries2024-2025.pptx
+++ b/handOver_generalReviewOf_LinkedMusicQueries2024-2025.pptx
@@ -743,7 +743,11 @@
           <a:bodyPr/>
           <a:lstStyle/>
           <a:p>
-            <a:endParaRPr kumimoji="1" lang="zh-CN" altLang="en-US"/>
+            <a:r>
+              <a:rPr kumimoji="1" lang="en-US" altLang="zh-CN"/>
+              <a:t>My presentation is structured around three main issues that provide a coherent throughline.</a:t>
+            </a:r>
+            <a:endParaRPr kumimoji="1" lang="en-US" altLang="zh-CN"/>
           </a:p>
         </p:txBody>
       </p:sp>
@@ -1446,7 +1450,19 @@
           <a:p>
             <a:r>
               <a:rPr lang="en-US"/>
-              <a:t>nested structure</a:t>
+              <a:t>RISM: It can be inferred that RISM</a:t>
+            </a:r>
+            <a:r>
+              <a:rPr lang="zh-CN" altLang="en-US"/>
+              <a:t>’</a:t>
+            </a:r>
+            <a:r>
+              <a:rPr lang="en-US" altLang="zh-CN"/>
+              <a:t>s RDF is converted from XML which contains lots of </a:t>
+            </a:r>
+            <a:r>
+              <a:rPr lang="en-US"/>
+              <a:t>nested structures. Therefore it brought about new challenges for both data reconciliation and queries</a:t>
             </a:r>
             <a:endParaRPr lang="en-US"/>
           </a:p>
@@ -5746,8 +5762,32 @@
               </a:lnSpc>
             </a:pPr>
             <a:r>
+              <a:rPr lang="en-US" sz="2665">
+                <a:solidFill>
+                  <a:schemeClr val="bg1">
+                    <a:lumMod val="85000"/>
+                  </a:schemeClr>
+                </a:solidFill>
+              </a:rPr>
+              <a:t>Other NLQ examples beyond the scope of previous</a:t>
+            </a:r>
+            <a:r>
               <a:rPr lang="en-US" sz="2665"/>
-              <a:t>Other NLQ examples beyond the scope of previous ... </a:t>
+              <a:t> </a:t>
+            </a:r>
+            <a:r>
+              <a:rPr lang="en-US" sz="2665">
+                <a:solidFill>
+                  <a:schemeClr val="bg1">
+                    <a:lumMod val="85000"/>
+                  </a:schemeClr>
+                </a:solidFill>
+              </a:rPr>
+              <a:t>...</a:t>
+            </a:r>
+            <a:r>
+              <a:rPr lang="en-US" sz="2665"/>
+              <a:t> </a:t>
             </a:r>
             <a:r>
               <a:rPr lang="en-US" sz="2665" b="1"/>
@@ -5989,6 +6029,39 @@
               <a:rPr lang="zh-CN" altLang="en-US" smtClean="0"/>
             </a:fld>
             <a:endParaRPr lang="zh-CN" altLang="en-US"/>
+          </a:p>
+        </p:txBody>
+      </p:sp>
+      <p:sp>
+        <p:nvSpPr>
+          <p:cNvPr id="6" name="Text Box 5"/>
+          <p:cNvSpPr txBox="1"/>
+          <p:nvPr/>
+        </p:nvSpPr>
+        <p:spPr>
+          <a:xfrm>
+            <a:off x="885825" y="1584325"/>
+            <a:ext cx="6096000" cy="368300"/>
+          </a:xfrm>
+          <a:prstGeom prst="rect">
+            <a:avLst/>
+          </a:prstGeom>
+          <a:noFill/>
+        </p:spPr>
+        <p:txBody>
+          <a:bodyPr wrap="square" rtlCol="0" anchor="t">
+            <a:spAutoFit/>
+          </a:bodyPr>
+          <a:p>
+            <a:r>
+              <a:rPr lang="en-US">
+                <a:sym typeface="+mn-ea"/>
+              </a:rPr>
+              <a:t>Future Work:</a:t>
+            </a:r>
+            <a:endParaRPr lang="en-US">
+              <a:sym typeface="+mn-ea"/>
+            </a:endParaRPr>
           </a:p>
         </p:txBody>
       </p:sp>
@@ -7720,7 +7793,11 @@
                       </a:pPr>
                       <a:r>
                         <a:rPr lang="en-US"/>
-                        <a:t>1-shot</a:t>
+                        <a:t>1-most </a:t>
+                      </a:r>
+                      <a:r>
+                        <a:rPr lang="en-US"/>
+                        <a:t>similar shot</a:t>
                       </a:r>
                       <a:endParaRPr lang="en-US"/>
                     </a:p>
@@ -7736,7 +7813,11 @@
                       </a:pPr>
                       <a:r>
                         <a:rPr lang="en-US" altLang="zh-CN"/>
-                        <a:t>the highest similarity between...</a:t>
+                        <a:t>similarity calculation </a:t>
+                      </a:r>
+                      <a:r>
+                        <a:rPr lang="en-US" altLang="zh-CN"/>
+                        <a:t>between...</a:t>
                       </a:r>
                       <a:endParaRPr lang="en-US" altLang="zh-CN"/>
                     </a:p>
@@ -7794,7 +7875,7 @@
                       </a:pPr>
                       <a:r>
                         <a:rPr lang="en-US"/>
-                        <a:t>0-shots</a:t>
+                        <a:t>0-shot</a:t>
                       </a:r>
                       <a:endParaRPr lang="en-US"/>
                     </a:p>

--- a/handOver_generalReviewOf_LinkedMusicQueries2024-2025.pptx
+++ b/handOver_generalReviewOf_LinkedMusicQueries2024-2025.pptx
@@ -745,6 +745,17 @@
           <a:p>
             <a:r>
               <a:rPr kumimoji="1" lang="en-US" altLang="zh-CN"/>
+              <a:t>I was previously a postdoctoral researcher here, supervising the application of linked data technologies </a:t>
+            </a:r>
+            <a:r>
+              <a:rPr kumimoji="1" lang="en-US" altLang="zh-CN"/>
+              <a:t>for our LinkedMusic Project.</a:t>
+            </a:r>
+            <a:endParaRPr kumimoji="1" lang="en-US" altLang="zh-CN"/>
+          </a:p>
+          <a:p>
+            <a:r>
+              <a:rPr kumimoji="1" lang="en-US" altLang="zh-CN"/>
               <a:t>My presentation is structured around three main issues that provide a coherent throughline.</a:t>
             </a:r>
             <a:endParaRPr kumimoji="1" lang="en-US" altLang="zh-CN"/>
@@ -1436,7 +1447,7 @@
           <a:p>
             <a:r>
               <a:rPr lang="en-US"/>
-              <a:t>mapping S-P-O patterns in syntax</a:t>
+              <a:t>The basic principle is mapping S-P-O patterns in RDF data and NLQ</a:t>
             </a:r>
             <a:endParaRPr lang="en-US"/>
           </a:p>
@@ -5863,7 +5874,7 @@
                 </a:solidFill>
                 <a:sym typeface="+mn-ea"/>
               </a:rPr>
-              <a:t>Issue-C</a:t>
+              <a:t>Question-C</a:t>
             </a:r>
             <a:endParaRPr lang="en-US" sz="2665"/>
           </a:p>
@@ -6137,7 +6148,7 @@
                 </a:solidFill>
                 <a:sym typeface="+mn-ea"/>
               </a:rPr>
-              <a:t>Issue-C</a:t>
+              <a:t>Question-C</a:t>
             </a:r>
             <a:r>
               <a:rPr lang="en-US">
@@ -7153,7 +7164,7 @@
           <a:p>
             <a:r>
               <a:rPr lang="en-US"/>
-              <a:t>LinkedMusic 2024 Oct. yearly </a:t>
+              <a:t>LinkedMusic 2024 Oct. annual </a:t>
             </a:r>
             <a:r>
               <a:rPr lang="en-US"/>
@@ -7440,13 +7451,22 @@
               </a:lnSpc>
             </a:pPr>
             <a:r>
+              <a:rPr lang="en-US" altLang="zh-CN">
+                <a:solidFill>
+                  <a:schemeClr val="accent2"/>
+                </a:solidFill>
+                <a:sym typeface="+mn-ea"/>
+              </a:rPr>
+              <a:t>Question</a:t>
+            </a:r>
+            <a:r>
               <a:rPr lang="zh-CN" altLang="en-US">
                 <a:solidFill>
                   <a:schemeClr val="accent2"/>
                 </a:solidFill>
                 <a:sym typeface="+mn-ea"/>
               </a:rPr>
-              <a:t>Issue A</a:t>
+              <a:t> A</a:t>
             </a:r>
             <a:r>
               <a:rPr lang="en-US" altLang="zh-CN">
@@ -7488,7 +7508,7 @@
               <a:t> </a:t>
             </a:r>
             <a:r>
-              <a:rPr lang="en-US" altLang="zh-CN">
+              <a:rPr lang="en-US" altLang="zh-CN" sz="2400">
                 <a:solidFill>
                   <a:schemeClr val="accent4"/>
                 </a:solidFill>
@@ -7497,7 +7517,7 @@
               </a:rPr>
               <a:t>(refer to discussion 27)</a:t>
             </a:r>
-            <a:endParaRPr lang="en-US"/>
+            <a:endParaRPr lang="en-US" sz="2400"/>
           </a:p>
           <a:p>
             <a:pPr lvl="1">
@@ -8582,27 +8602,24 @@
             <a:normAutofit lnSpcReduction="10000"/>
           </a:bodyPr>
           <a:p>
+            <a:pPr>
+              <a:lnSpc>
+                <a:spcPct val="110000"/>
+              </a:lnSpc>
+            </a:pPr>
             <a:r>
               <a:rPr lang="en-US">
                 <a:solidFill>
                   <a:schemeClr val="accent2"/>
                 </a:solidFill>
               </a:rPr>
-              <a:t>Issue-B</a:t>
+              <a:t>Question-B</a:t>
             </a:r>
             <a:r>
               <a:rPr lang="en-US"/>
               <a:t>: LLMs can not concertrate when the ontology is too large</a:t>
             </a:r>
             <a:endParaRPr lang="en-US"/>
-          </a:p>
-          <a:p>
-            <a:pPr lvl="1"/>
-            <a:r>
-              <a:rPr lang="en-US" sz="1800"/>
-              <a:t>(why)</a:t>
-            </a:r>
-            <a:endParaRPr lang="en-US" sz="1800"/>
           </a:p>
           <a:p>
             <a:pPr lvl="0"/>

--- a/handOver_generalReviewOf_LinkedMusicQueries2024-2025.pptx
+++ b/handOver_generalReviewOf_LinkedMusicQueries2024-2025.pptx
@@ -1123,6 +1123,10 @@
         <p:txBody>
           <a:bodyPr/>
           <a:p>
+            <a:r>
+              <a:rPr lang="en-US"/>
+              <a:t>VoID can be used to describe multiple named graphs within a Virtuoso data lake, especially by capturing their shared use of ontology vocabularies, which supports semantic integration.</a:t>
+            </a:r>
             <a:endParaRPr lang="en-US"/>
           </a:p>
         </p:txBody>
@@ -5054,7 +5058,7 @@
         <p:spPr/>
         <p:txBody>
           <a:bodyPr>
-            <a:normAutofit fontScale="90000"/>
+            <a:normAutofit fontScale="90000" lnSpcReduction="10000"/>
           </a:bodyPr>
           <a:p>
             <a:pPr>
@@ -5158,7 +5162,7 @@
                   <a:schemeClr val="tx2"/>
                 </a:solidFill>
               </a:rPr>
-              <a:t>The aforementioned can be found in the paper: </a:t>
+              <a:t>The aforementioned (including literature review) can be found in the paper: </a:t>
             </a:r>
             <a:r>
               <a:rPr lang="en-US" sz="2400" i="1">
